--- a/Presentación DataMiningHealth.pptx
+++ b/Presentación DataMiningHealth.pptx
@@ -2,10 +2,10 @@
 <file path=ppt/presentation.xml><?xml version="1.0" encoding="utf-8"?>
 <p:presentation xmlns:a="http://schemas.openxmlformats.org/drawingml/2006/main" xmlns:r="http://schemas.openxmlformats.org/officeDocument/2006/relationships" xmlns:p="http://schemas.openxmlformats.org/presentationml/2006/main" saveSubsetFonts="1">
   <p:sldMasterIdLst>
-    <p:sldMasterId id="2147483648" r:id="rId1"/>
+    <p:sldMasterId id="2147483711" r:id="rId1"/>
   </p:sldMasterIdLst>
   <p:notesMasterIdLst>
-    <p:notesMasterId r:id="rId17"/>
+    <p:notesMasterId r:id="rId22"/>
   </p:notesMasterIdLst>
   <p:sldIdLst>
     <p:sldId id="256" r:id="rId2"/>
@@ -18,19 +18,24 @@
     <p:sldId id="263" r:id="rId9"/>
     <p:sldId id="264" r:id="rId10"/>
     <p:sldId id="265" r:id="rId11"/>
-    <p:sldId id="266" r:id="rId12"/>
-    <p:sldId id="267" r:id="rId13"/>
-    <p:sldId id="268" r:id="rId14"/>
-    <p:sldId id="269" r:id="rId15"/>
-    <p:sldId id="270" r:id="rId16"/>
+    <p:sldId id="275" r:id="rId12"/>
+    <p:sldId id="266" r:id="rId13"/>
+    <p:sldId id="267" r:id="rId14"/>
+    <p:sldId id="268" r:id="rId15"/>
+    <p:sldId id="269" r:id="rId16"/>
+    <p:sldId id="270" r:id="rId17"/>
+    <p:sldId id="271" r:id="rId18"/>
+    <p:sldId id="272" r:id="rId19"/>
+    <p:sldId id="273" r:id="rId20"/>
+    <p:sldId id="274" r:id="rId21"/>
   </p:sldIdLst>
   <p:sldSz cx="12192000" cy="6858000"/>
   <p:notesSz cx="6858000" cy="9144000"/>
   <p:defaultTextStyle>
     <a:defPPr>
-      <a:defRPr lang="es-ES"/>
+      <a:defRPr lang="en-US"/>
     </a:defPPr>
-    <a:lvl1pPr marL="0" algn="l" defTabSz="914400" rtl="0" eaLnBrk="1" latinLnBrk="0" hangingPunct="1">
+    <a:lvl1pPr marL="0" algn="l" defTabSz="457200" rtl="0" eaLnBrk="1" latinLnBrk="0" hangingPunct="1">
       <a:defRPr sz="1800" kern="1200">
         <a:solidFill>
           <a:schemeClr val="tx1"/>
@@ -40,7 +45,7 @@
         <a:cs typeface="+mn-cs"/>
       </a:defRPr>
     </a:lvl1pPr>
-    <a:lvl2pPr marL="457200" algn="l" defTabSz="914400" rtl="0" eaLnBrk="1" latinLnBrk="0" hangingPunct="1">
+    <a:lvl2pPr marL="457200" algn="l" defTabSz="457200" rtl="0" eaLnBrk="1" latinLnBrk="0" hangingPunct="1">
       <a:defRPr sz="1800" kern="1200">
         <a:solidFill>
           <a:schemeClr val="tx1"/>
@@ -50,7 +55,7 @@
         <a:cs typeface="+mn-cs"/>
       </a:defRPr>
     </a:lvl2pPr>
-    <a:lvl3pPr marL="914400" algn="l" defTabSz="914400" rtl="0" eaLnBrk="1" latinLnBrk="0" hangingPunct="1">
+    <a:lvl3pPr marL="914400" algn="l" defTabSz="457200" rtl="0" eaLnBrk="1" latinLnBrk="0" hangingPunct="1">
       <a:defRPr sz="1800" kern="1200">
         <a:solidFill>
           <a:schemeClr val="tx1"/>
@@ -60,7 +65,7 @@
         <a:cs typeface="+mn-cs"/>
       </a:defRPr>
     </a:lvl3pPr>
-    <a:lvl4pPr marL="1371600" algn="l" defTabSz="914400" rtl="0" eaLnBrk="1" latinLnBrk="0" hangingPunct="1">
+    <a:lvl4pPr marL="1371600" algn="l" defTabSz="457200" rtl="0" eaLnBrk="1" latinLnBrk="0" hangingPunct="1">
       <a:defRPr sz="1800" kern="1200">
         <a:solidFill>
           <a:schemeClr val="tx1"/>
@@ -70,7 +75,7 @@
         <a:cs typeface="+mn-cs"/>
       </a:defRPr>
     </a:lvl4pPr>
-    <a:lvl5pPr marL="1828800" algn="l" defTabSz="914400" rtl="0" eaLnBrk="1" latinLnBrk="0" hangingPunct="1">
+    <a:lvl5pPr marL="1828800" algn="l" defTabSz="457200" rtl="0" eaLnBrk="1" latinLnBrk="0" hangingPunct="1">
       <a:defRPr sz="1800" kern="1200">
         <a:solidFill>
           <a:schemeClr val="tx1"/>
@@ -80,7 +85,7 @@
         <a:cs typeface="+mn-cs"/>
       </a:defRPr>
     </a:lvl5pPr>
-    <a:lvl6pPr marL="2286000" algn="l" defTabSz="914400" rtl="0" eaLnBrk="1" latinLnBrk="0" hangingPunct="1">
+    <a:lvl6pPr marL="2286000" algn="l" defTabSz="457200" rtl="0" eaLnBrk="1" latinLnBrk="0" hangingPunct="1">
       <a:defRPr sz="1800" kern="1200">
         <a:solidFill>
           <a:schemeClr val="tx1"/>
@@ -90,7 +95,7 @@
         <a:cs typeface="+mn-cs"/>
       </a:defRPr>
     </a:lvl6pPr>
-    <a:lvl7pPr marL="2743200" algn="l" defTabSz="914400" rtl="0" eaLnBrk="1" latinLnBrk="0" hangingPunct="1">
+    <a:lvl7pPr marL="2743200" algn="l" defTabSz="457200" rtl="0" eaLnBrk="1" latinLnBrk="0" hangingPunct="1">
       <a:defRPr sz="1800" kern="1200">
         <a:solidFill>
           <a:schemeClr val="tx1"/>
@@ -100,7 +105,7 @@
         <a:cs typeface="+mn-cs"/>
       </a:defRPr>
     </a:lvl7pPr>
-    <a:lvl8pPr marL="3200400" algn="l" defTabSz="914400" rtl="0" eaLnBrk="1" latinLnBrk="0" hangingPunct="1">
+    <a:lvl8pPr marL="3200400" algn="l" defTabSz="457200" rtl="0" eaLnBrk="1" latinLnBrk="0" hangingPunct="1">
       <a:defRPr sz="1800" kern="1200">
         <a:solidFill>
           <a:schemeClr val="tx1"/>
@@ -110,7 +115,7 @@
         <a:cs typeface="+mn-cs"/>
       </a:defRPr>
     </a:lvl8pPr>
-    <a:lvl9pPr marL="3657600" algn="l" defTabSz="914400" rtl="0" eaLnBrk="1" latinLnBrk="0" hangingPunct="1">
+    <a:lvl9pPr marL="3657600" algn="l" defTabSz="457200" rtl="0" eaLnBrk="1" latinLnBrk="0" hangingPunct="1">
       <a:defRPr sz="1800" kern="1200">
         <a:solidFill>
           <a:schemeClr val="tx1"/>
@@ -121,6 +126,11 @@
       </a:defRPr>
     </a:lvl9pPr>
   </p:defaultTextStyle>
+  <p:extLst>
+    <p:ext uri="{EFAFB233-063F-42B5-8137-9DF3F51BA10A}">
+      <p15:sldGuideLst xmlns:p15="http://schemas.microsoft.com/office/powerpoint/2012/main"/>
+    </p:ext>
+  </p:extLst>
 </p:presentation>
 </file>
 
@@ -148,7 +158,13 @@
       </p:grpSpPr>
       <p:sp>
         <p:nvSpPr>
-          <p:cNvPr id="2" name="Marcador de encabezado 1"/>
+          <p:cNvPr id="2" name="Marcador de encabezado 1">
+            <a:extLst>
+              <a:ext uri="{FF2B5EF4-FFF2-40B4-BE49-F238E27FC236}">
+                <a16:creationId xmlns:a16="http://schemas.microsoft.com/office/drawing/2014/main" id="{72052DD6-DF0A-40C4-90F6-EC6C38C21E09}"/>
+              </a:ext>
+            </a:extLst>
+          </p:cNvPr>
           <p:cNvSpPr>
             <a:spLocks noGrp="1"/>
           </p:cNvSpPr>
@@ -179,7 +195,13 @@
       </p:sp>
       <p:sp>
         <p:nvSpPr>
-          <p:cNvPr id="3" name="Marcador de fecha 2"/>
+          <p:cNvPr id="3" name="Marcador de fecha 2">
+            <a:extLst>
+              <a:ext uri="{FF2B5EF4-FFF2-40B4-BE49-F238E27FC236}">
+                <a16:creationId xmlns:a16="http://schemas.microsoft.com/office/drawing/2014/main" id="{7F9A55D4-3F02-4001-8E9E-673658EEB727}"/>
+              </a:ext>
+            </a:extLst>
+          </p:cNvPr>
           <p:cNvSpPr>
             <a:spLocks noGrp="1"/>
           </p:cNvSpPr>
@@ -204,9 +226,9 @@
             </a:lvl1pPr>
           </a:lstStyle>
           <a:p>
-            <a:fld id="{741FD0FB-0C59-4023-AC28-8EC04F9E40CD}" type="datetimeFigureOut">
+            <a:fld id="{C230A0C7-110F-445E-B540-501A2B1F546E}" type="datetimeFigureOut">
               <a:rPr lang="es-ES" smtClean="0"/>
-              <a:t>27/12/2019</a:t>
+              <a:t>28/12/2019</a:t>
             </a:fld>
             <a:endParaRPr lang="es-ES"/>
           </a:p>
@@ -214,7 +236,13 @@
       </p:sp>
       <p:sp>
         <p:nvSpPr>
-          <p:cNvPr id="4" name="Marcador de imagen de diapositiva 3"/>
+          <p:cNvPr id="4" name="Marcador de imagen de diapositiva 3">
+            <a:extLst>
+              <a:ext uri="{FF2B5EF4-FFF2-40B4-BE49-F238E27FC236}">
+                <a16:creationId xmlns:a16="http://schemas.microsoft.com/office/drawing/2014/main" id="{6CE57216-B098-4CAC-9812-2522144151FF}"/>
+              </a:ext>
+            </a:extLst>
+          </p:cNvPr>
           <p:cNvSpPr>
             <a:spLocks noGrp="1" noRot="1" noChangeAspect="1"/>
           </p:cNvSpPr>
@@ -247,7 +275,13 @@
       </p:sp>
       <p:sp>
         <p:nvSpPr>
-          <p:cNvPr id="5" name="Marcador de notas 4"/>
+          <p:cNvPr id="5" name="Marcador de notas 4">
+            <a:extLst>
+              <a:ext uri="{FF2B5EF4-FFF2-40B4-BE49-F238E27FC236}">
+                <a16:creationId xmlns:a16="http://schemas.microsoft.com/office/drawing/2014/main" id="{0A4DC568-CE41-4700-83A3-1DAFC79D6EA2}"/>
+              </a:ext>
+            </a:extLst>
+          </p:cNvPr>
           <p:cNvSpPr>
             <a:spLocks noGrp="1"/>
           </p:cNvSpPr>
@@ -306,7 +340,13 @@
       </p:sp>
       <p:sp>
         <p:nvSpPr>
-          <p:cNvPr id="6" name="Marcador de pie de página 5"/>
+          <p:cNvPr id="6" name="Marcador de pie de página 5">
+            <a:extLst>
+              <a:ext uri="{FF2B5EF4-FFF2-40B4-BE49-F238E27FC236}">
+                <a16:creationId xmlns:a16="http://schemas.microsoft.com/office/drawing/2014/main" id="{826CBA2E-EB71-4131-9316-3AF130A3104F}"/>
+              </a:ext>
+            </a:extLst>
+          </p:cNvPr>
           <p:cNvSpPr>
             <a:spLocks noGrp="1"/>
           </p:cNvSpPr>
@@ -337,7 +377,13 @@
       </p:sp>
       <p:sp>
         <p:nvSpPr>
-          <p:cNvPr id="7" name="Marcador de número de diapositiva 6"/>
+          <p:cNvPr id="7" name="Marcador de número de diapositiva 6">
+            <a:extLst>
+              <a:ext uri="{FF2B5EF4-FFF2-40B4-BE49-F238E27FC236}">
+                <a16:creationId xmlns:a16="http://schemas.microsoft.com/office/drawing/2014/main" id="{EDAB92F3-54C5-4C9F-9D01-576C3E38C36A}"/>
+              </a:ext>
+            </a:extLst>
+          </p:cNvPr>
           <p:cNvSpPr>
             <a:spLocks noGrp="1"/>
           </p:cNvSpPr>
@@ -362,7 +408,7 @@
             </a:lvl1pPr>
           </a:lstStyle>
           <a:p>
-            <a:fld id="{992F481A-68DC-4593-BC18-C777AF074AAA}" type="slidenum">
+            <a:fld id="{952DFED4-C9B3-4256-A404-B1BC51D2908D}" type="slidenum">
               <a:rPr lang="es-ES" smtClean="0"/>
               <a:t>‹Nº›</a:t>
             </a:fld>
@@ -371,11 +417,6 @@
         </p:txBody>
       </p:sp>
     </p:spTree>
-    <p:extLst>
-      <p:ext uri="{BB962C8B-B14F-4D97-AF65-F5344CB8AC3E}">
-        <p14:creationId xmlns:p14="http://schemas.microsoft.com/office/powerpoint/2010/main" val="3494827402"/>
-      </p:ext>
-    </p:extLst>
   </p:cSld>
   <p:clrMap bg1="lt1" tx1="dk1" bg2="lt2" tx2="dk2" accent1="accent1" accent2="accent2" accent3="accent3" accent4="accent4" accent5="accent5" accent6="accent6" hlink="hlink" folHlink="folHlink"/>
   <p:notesStyle>
@@ -558,7 +599,7 @@
 </file>
 
 <file path=ppt/slideLayouts/slideLayout1.xml><?xml version="1.0" encoding="utf-8"?>
-<p:sldLayout xmlns:a="http://schemas.openxmlformats.org/drawingml/2006/main" xmlns:r="http://schemas.openxmlformats.org/officeDocument/2006/relationships" xmlns:p="http://schemas.openxmlformats.org/presentationml/2006/main" type="title" preserve="1">
+<p:sldLayout xmlns:a="http://schemas.openxmlformats.org/drawingml/2006/main" xmlns:r="http://schemas.openxmlformats.org/officeDocument/2006/relationships" xmlns:p="http://schemas.openxmlformats.org/presentationml/2006/main" showMasterSp="0" type="title" preserve="1">
   <p:cSld name="Diapositiva de título">
     <p:spTree>
       <p:nvGrpSpPr>
@@ -574,15 +615,562 @@
           <a:chExt cx="0" cy="0"/>
         </a:xfrm>
       </p:grpSpPr>
-      <p:sp>
-        <p:nvSpPr>
-          <p:cNvPr id="2" name="Título 1">
-            <a:extLst>
-              <a:ext uri="{FF2B5EF4-FFF2-40B4-BE49-F238E27FC236}">
-                <a16:creationId xmlns:a16="http://schemas.microsoft.com/office/drawing/2014/main" id="{5B146F0E-0D54-4BE7-9267-98E96B74E045}"/>
-              </a:ext>
-            </a:extLst>
-          </p:cNvPr>
+      <p:grpSp>
+        <p:nvGrpSpPr>
+          <p:cNvPr id="16" name="Group 15"/>
+          <p:cNvGrpSpPr/>
+          <p:nvPr/>
+        </p:nvGrpSpPr>
+        <p:grpSpPr>
+          <a:xfrm>
+            <a:off x="0" y="-8467"/>
+            <a:ext cx="12192000" cy="6866467"/>
+            <a:chOff x="0" y="-8467"/>
+            <a:chExt cx="12192000" cy="6866467"/>
+          </a:xfrm>
+        </p:grpSpPr>
+        <p:sp>
+          <p:nvSpPr>
+            <p:cNvPr id="15" name="Freeform 14"/>
+            <p:cNvSpPr/>
+            <p:nvPr/>
+          </p:nvSpPr>
+          <p:spPr>
+            <a:xfrm>
+              <a:off x="0" y="-7862"/>
+              <a:ext cx="863600" cy="5698067"/>
+            </a:xfrm>
+            <a:custGeom>
+              <a:avLst/>
+              <a:gdLst/>
+              <a:ahLst/>
+              <a:cxnLst/>
+              <a:rect l="l" t="t" r="r" b="b"/>
+              <a:pathLst>
+                <a:path w="863600" h="5698067">
+                  <a:moveTo>
+                    <a:pt x="0" y="8467"/>
+                  </a:moveTo>
+                  <a:lnTo>
+                    <a:pt x="863600" y="0"/>
+                  </a:lnTo>
+                  <a:lnTo>
+                    <a:pt x="863600" y="16934"/>
+                  </a:lnTo>
+                  <a:lnTo>
+                    <a:pt x="0" y="5698067"/>
+                  </a:lnTo>
+                  <a:lnTo>
+                    <a:pt x="0" y="8467"/>
+                  </a:lnTo>
+                  <a:close/>
+                </a:path>
+              </a:pathLst>
+            </a:custGeom>
+            <a:solidFill>
+              <a:schemeClr val="accent1">
+                <a:alpha val="70000"/>
+              </a:schemeClr>
+            </a:solidFill>
+            <a:ln>
+              <a:noFill/>
+            </a:ln>
+            <a:effectLst/>
+          </p:spPr>
+          <p:style>
+            <a:lnRef idx="1">
+              <a:schemeClr val="accent1"/>
+            </a:lnRef>
+            <a:fillRef idx="3">
+              <a:schemeClr val="accent1"/>
+            </a:fillRef>
+            <a:effectRef idx="2">
+              <a:schemeClr val="accent1"/>
+            </a:effectRef>
+            <a:fontRef idx="minor">
+              <a:schemeClr val="lt1"/>
+            </a:fontRef>
+          </p:style>
+        </p:sp>
+        <p:cxnSp>
+          <p:nvCxnSpPr>
+            <p:cNvPr id="19" name="Straight Connector 18"/>
+            <p:cNvCxnSpPr/>
+            <p:nvPr/>
+          </p:nvCxnSpPr>
+          <p:spPr>
+            <a:xfrm>
+              <a:off x="9371012" y="0"/>
+              <a:ext cx="1219200" cy="6858000"/>
+            </a:xfrm>
+            <a:prstGeom prst="line">
+              <a:avLst/>
+            </a:prstGeom>
+            <a:ln w="9525">
+              <a:solidFill>
+                <a:schemeClr val="accent1">
+                  <a:alpha val="70000"/>
+                </a:schemeClr>
+              </a:solidFill>
+            </a:ln>
+          </p:spPr>
+          <p:style>
+            <a:lnRef idx="2">
+              <a:schemeClr val="accent1"/>
+            </a:lnRef>
+            <a:fillRef idx="0">
+              <a:schemeClr val="accent1"/>
+            </a:fillRef>
+            <a:effectRef idx="1">
+              <a:schemeClr val="accent1"/>
+            </a:effectRef>
+            <a:fontRef idx="minor">
+              <a:schemeClr val="tx1"/>
+            </a:fontRef>
+          </p:style>
+        </p:cxnSp>
+        <p:cxnSp>
+          <p:nvCxnSpPr>
+            <p:cNvPr id="20" name="Straight Connector 19"/>
+            <p:cNvCxnSpPr/>
+            <p:nvPr/>
+          </p:nvCxnSpPr>
+          <p:spPr>
+            <a:xfrm flipH="1">
+              <a:off x="7425267" y="3681413"/>
+              <a:ext cx="4763558" cy="3176587"/>
+            </a:xfrm>
+            <a:prstGeom prst="line">
+              <a:avLst/>
+            </a:prstGeom>
+            <a:ln w="9525">
+              <a:solidFill>
+                <a:schemeClr val="accent1">
+                  <a:alpha val="70000"/>
+                </a:schemeClr>
+              </a:solidFill>
+            </a:ln>
+          </p:spPr>
+          <p:style>
+            <a:lnRef idx="2">
+              <a:schemeClr val="accent1"/>
+            </a:lnRef>
+            <a:fillRef idx="0">
+              <a:schemeClr val="accent1"/>
+            </a:fillRef>
+            <a:effectRef idx="1">
+              <a:schemeClr val="accent1"/>
+            </a:effectRef>
+            <a:fontRef idx="minor">
+              <a:schemeClr val="tx1"/>
+            </a:fontRef>
+          </p:style>
+        </p:cxnSp>
+        <p:sp>
+          <p:nvSpPr>
+            <p:cNvPr id="21" name="Rectangle 23"/>
+            <p:cNvSpPr/>
+            <p:nvPr/>
+          </p:nvSpPr>
+          <p:spPr>
+            <a:xfrm>
+              <a:off x="9181476" y="-8467"/>
+              <a:ext cx="3007349" cy="6866467"/>
+            </a:xfrm>
+            <a:custGeom>
+              <a:avLst/>
+              <a:gdLst/>
+              <a:ahLst/>
+              <a:cxnLst/>
+              <a:rect l="l" t="t" r="r" b="b"/>
+              <a:pathLst>
+                <a:path w="3007349" h="6866467">
+                  <a:moveTo>
+                    <a:pt x="2045532" y="0"/>
+                  </a:moveTo>
+                  <a:lnTo>
+                    <a:pt x="3007349" y="0"/>
+                  </a:lnTo>
+                  <a:lnTo>
+                    <a:pt x="3007349" y="6866467"/>
+                  </a:lnTo>
+                  <a:lnTo>
+                    <a:pt x="0" y="6866467"/>
+                  </a:lnTo>
+                  <a:lnTo>
+                    <a:pt x="2045532" y="0"/>
+                  </a:lnTo>
+                  <a:close/>
+                </a:path>
+              </a:pathLst>
+            </a:custGeom>
+            <a:solidFill>
+              <a:schemeClr val="accent1">
+                <a:alpha val="36000"/>
+              </a:schemeClr>
+            </a:solidFill>
+            <a:ln>
+              <a:noFill/>
+            </a:ln>
+            <a:effectLst/>
+          </p:spPr>
+          <p:style>
+            <a:lnRef idx="1">
+              <a:schemeClr val="accent1"/>
+            </a:lnRef>
+            <a:fillRef idx="3">
+              <a:schemeClr val="accent1"/>
+            </a:fillRef>
+            <a:effectRef idx="2">
+              <a:schemeClr val="accent1"/>
+            </a:effectRef>
+            <a:fontRef idx="minor">
+              <a:schemeClr val="lt1"/>
+            </a:fontRef>
+          </p:style>
+        </p:sp>
+        <p:sp>
+          <p:nvSpPr>
+            <p:cNvPr id="22" name="Rectangle 25"/>
+            <p:cNvSpPr/>
+            <p:nvPr/>
+          </p:nvSpPr>
+          <p:spPr>
+            <a:xfrm>
+              <a:off x="9603442" y="-8467"/>
+              <a:ext cx="2588558" cy="6866467"/>
+            </a:xfrm>
+            <a:custGeom>
+              <a:avLst/>
+              <a:gdLst/>
+              <a:ahLst/>
+              <a:cxnLst/>
+              <a:rect l="l" t="t" r="r" b="b"/>
+              <a:pathLst>
+                <a:path w="2573311" h="6866467">
+                  <a:moveTo>
+                    <a:pt x="0" y="0"/>
+                  </a:moveTo>
+                  <a:lnTo>
+                    <a:pt x="2573311" y="0"/>
+                  </a:lnTo>
+                  <a:lnTo>
+                    <a:pt x="2573311" y="6866467"/>
+                  </a:lnTo>
+                  <a:lnTo>
+                    <a:pt x="1202336" y="6866467"/>
+                  </a:lnTo>
+                  <a:lnTo>
+                    <a:pt x="0" y="0"/>
+                  </a:lnTo>
+                  <a:close/>
+                </a:path>
+              </a:pathLst>
+            </a:custGeom>
+            <a:solidFill>
+              <a:schemeClr val="accent1">
+                <a:alpha val="20000"/>
+              </a:schemeClr>
+            </a:solidFill>
+            <a:ln>
+              <a:noFill/>
+            </a:ln>
+            <a:effectLst/>
+          </p:spPr>
+          <p:style>
+            <a:lnRef idx="1">
+              <a:schemeClr val="accent1"/>
+            </a:lnRef>
+            <a:fillRef idx="3">
+              <a:schemeClr val="accent1"/>
+            </a:fillRef>
+            <a:effectRef idx="2">
+              <a:schemeClr val="accent1"/>
+            </a:effectRef>
+            <a:fontRef idx="minor">
+              <a:schemeClr val="lt1"/>
+            </a:fontRef>
+          </p:style>
+        </p:sp>
+        <p:sp>
+          <p:nvSpPr>
+            <p:cNvPr id="23" name="Isosceles Triangle 22"/>
+            <p:cNvSpPr/>
+            <p:nvPr/>
+          </p:nvSpPr>
+          <p:spPr>
+            <a:xfrm>
+              <a:off x="8932333" y="3048000"/>
+              <a:ext cx="3259667" cy="3810000"/>
+            </a:xfrm>
+            <a:prstGeom prst="triangle">
+              <a:avLst>
+                <a:gd name="adj" fmla="val 100000"/>
+              </a:avLst>
+            </a:prstGeom>
+            <a:solidFill>
+              <a:schemeClr val="accent1">
+                <a:lumMod val="75000"/>
+                <a:alpha val="66000"/>
+              </a:schemeClr>
+            </a:solidFill>
+            <a:ln>
+              <a:noFill/>
+            </a:ln>
+            <a:effectLst/>
+          </p:spPr>
+          <p:style>
+            <a:lnRef idx="1">
+              <a:schemeClr val="accent1"/>
+            </a:lnRef>
+            <a:fillRef idx="3">
+              <a:schemeClr val="accent1"/>
+            </a:fillRef>
+            <a:effectRef idx="2">
+              <a:schemeClr val="accent1"/>
+            </a:effectRef>
+            <a:fontRef idx="minor">
+              <a:schemeClr val="lt1"/>
+            </a:fontRef>
+          </p:style>
+        </p:sp>
+        <p:sp>
+          <p:nvSpPr>
+            <p:cNvPr id="24" name="Rectangle 27"/>
+            <p:cNvSpPr/>
+            <p:nvPr/>
+          </p:nvSpPr>
+          <p:spPr>
+            <a:xfrm>
+              <a:off x="9334500" y="-8467"/>
+              <a:ext cx="2854326" cy="6866467"/>
+            </a:xfrm>
+            <a:custGeom>
+              <a:avLst/>
+              <a:gdLst/>
+              <a:ahLst/>
+              <a:cxnLst/>
+              <a:rect l="l" t="t" r="r" b="b"/>
+              <a:pathLst>
+                <a:path w="2858013" h="6866467">
+                  <a:moveTo>
+                    <a:pt x="0" y="0"/>
+                  </a:moveTo>
+                  <a:lnTo>
+                    <a:pt x="2858013" y="0"/>
+                  </a:lnTo>
+                  <a:lnTo>
+                    <a:pt x="2858013" y="6866467"/>
+                  </a:lnTo>
+                  <a:lnTo>
+                    <a:pt x="2473942" y="6866467"/>
+                  </a:lnTo>
+                  <a:lnTo>
+                    <a:pt x="0" y="0"/>
+                  </a:lnTo>
+                  <a:close/>
+                </a:path>
+              </a:pathLst>
+            </a:custGeom>
+            <a:solidFill>
+              <a:schemeClr val="accent1">
+                <a:lumMod val="75000"/>
+                <a:alpha val="50000"/>
+              </a:schemeClr>
+            </a:solidFill>
+            <a:ln>
+              <a:noFill/>
+            </a:ln>
+            <a:effectLst/>
+          </p:spPr>
+          <p:style>
+            <a:lnRef idx="1">
+              <a:schemeClr val="accent1"/>
+            </a:lnRef>
+            <a:fillRef idx="3">
+              <a:schemeClr val="accent1"/>
+            </a:fillRef>
+            <a:effectRef idx="2">
+              <a:schemeClr val="accent1"/>
+            </a:effectRef>
+            <a:fontRef idx="minor">
+              <a:schemeClr val="lt1"/>
+            </a:fontRef>
+          </p:style>
+        </p:sp>
+        <p:sp>
+          <p:nvSpPr>
+            <p:cNvPr id="25" name="Rectangle 28"/>
+            <p:cNvSpPr/>
+            <p:nvPr/>
+          </p:nvSpPr>
+          <p:spPr>
+            <a:xfrm>
+              <a:off x="10898730" y="-8467"/>
+              <a:ext cx="1290094" cy="6866467"/>
+            </a:xfrm>
+            <a:custGeom>
+              <a:avLst/>
+              <a:gdLst/>
+              <a:ahLst/>
+              <a:cxnLst/>
+              <a:rect l="l" t="t" r="r" b="b"/>
+              <a:pathLst>
+                <a:path w="1290094" h="6858000">
+                  <a:moveTo>
+                    <a:pt x="1019735" y="0"/>
+                  </a:moveTo>
+                  <a:lnTo>
+                    <a:pt x="1290094" y="0"/>
+                  </a:lnTo>
+                  <a:lnTo>
+                    <a:pt x="1290094" y="6858000"/>
+                  </a:lnTo>
+                  <a:lnTo>
+                    <a:pt x="0" y="6858000"/>
+                  </a:lnTo>
+                  <a:lnTo>
+                    <a:pt x="1019735" y="0"/>
+                  </a:lnTo>
+                  <a:close/>
+                </a:path>
+              </a:pathLst>
+            </a:custGeom>
+            <a:solidFill>
+              <a:schemeClr val="accent2">
+                <a:alpha val="70000"/>
+              </a:schemeClr>
+            </a:solidFill>
+            <a:ln>
+              <a:noFill/>
+            </a:ln>
+            <a:effectLst/>
+          </p:spPr>
+          <p:style>
+            <a:lnRef idx="1">
+              <a:schemeClr val="accent1"/>
+            </a:lnRef>
+            <a:fillRef idx="3">
+              <a:schemeClr val="accent1"/>
+            </a:fillRef>
+            <a:effectRef idx="2">
+              <a:schemeClr val="accent1"/>
+            </a:effectRef>
+            <a:fontRef idx="minor">
+              <a:schemeClr val="lt1"/>
+            </a:fontRef>
+          </p:style>
+        </p:sp>
+        <p:sp>
+          <p:nvSpPr>
+            <p:cNvPr id="26" name="Rectangle 29"/>
+            <p:cNvSpPr/>
+            <p:nvPr/>
+          </p:nvSpPr>
+          <p:spPr>
+            <a:xfrm>
+              <a:off x="10938999" y="-8467"/>
+              <a:ext cx="1249825" cy="6866467"/>
+            </a:xfrm>
+            <a:custGeom>
+              <a:avLst/>
+              <a:gdLst/>
+              <a:ahLst/>
+              <a:cxnLst/>
+              <a:rect l="l" t="t" r="r" b="b"/>
+              <a:pathLst>
+                <a:path w="1249825" h="6858000">
+                  <a:moveTo>
+                    <a:pt x="0" y="0"/>
+                  </a:moveTo>
+                  <a:lnTo>
+                    <a:pt x="1249825" y="0"/>
+                  </a:lnTo>
+                  <a:lnTo>
+                    <a:pt x="1249825" y="6858000"/>
+                  </a:lnTo>
+                  <a:lnTo>
+                    <a:pt x="1109382" y="6858000"/>
+                  </a:lnTo>
+                  <a:lnTo>
+                    <a:pt x="0" y="0"/>
+                  </a:lnTo>
+                  <a:close/>
+                </a:path>
+              </a:pathLst>
+            </a:custGeom>
+            <a:solidFill>
+              <a:schemeClr val="accent2">
+                <a:lumMod val="75000"/>
+                <a:alpha val="80000"/>
+              </a:schemeClr>
+            </a:solidFill>
+            <a:ln>
+              <a:noFill/>
+            </a:ln>
+            <a:effectLst/>
+          </p:spPr>
+          <p:style>
+            <a:lnRef idx="1">
+              <a:schemeClr val="accent1"/>
+            </a:lnRef>
+            <a:fillRef idx="3">
+              <a:schemeClr val="accent1"/>
+            </a:fillRef>
+            <a:effectRef idx="2">
+              <a:schemeClr val="accent1"/>
+            </a:effectRef>
+            <a:fontRef idx="minor">
+              <a:schemeClr val="lt1"/>
+            </a:fontRef>
+          </p:style>
+        </p:sp>
+        <p:sp>
+          <p:nvSpPr>
+            <p:cNvPr id="27" name="Isosceles Triangle 26"/>
+            <p:cNvSpPr/>
+            <p:nvPr/>
+          </p:nvSpPr>
+          <p:spPr>
+            <a:xfrm>
+              <a:off x="10371666" y="3589867"/>
+              <a:ext cx="1817159" cy="3268133"/>
+            </a:xfrm>
+            <a:prstGeom prst="triangle">
+              <a:avLst>
+                <a:gd name="adj" fmla="val 100000"/>
+              </a:avLst>
+            </a:prstGeom>
+            <a:solidFill>
+              <a:schemeClr val="accent1">
+                <a:lumMod val="75000"/>
+                <a:alpha val="66000"/>
+              </a:schemeClr>
+            </a:solidFill>
+            <a:ln>
+              <a:noFill/>
+            </a:ln>
+            <a:effectLst/>
+          </p:spPr>
+          <p:style>
+            <a:lnRef idx="1">
+              <a:schemeClr val="accent1"/>
+            </a:lnRef>
+            <a:fillRef idx="3">
+              <a:schemeClr val="accent1"/>
+            </a:fillRef>
+            <a:effectRef idx="2">
+              <a:schemeClr val="accent1"/>
+            </a:effectRef>
+            <a:fontRef idx="minor">
+              <a:schemeClr val="lt1"/>
+            </a:fontRef>
+          </p:style>
+        </p:sp>
+      </p:grpSp>
+      <p:sp>
+        <p:nvSpPr>
+          <p:cNvPr id="2" name="Title 1"/>
           <p:cNvSpPr>
             <a:spLocks noGrp="1"/>
           </p:cNvSpPr>
@@ -592,15 +1180,21 @@
         </p:nvSpPr>
         <p:spPr>
           <a:xfrm>
-            <a:off x="1524000" y="1122363"/>
-            <a:ext cx="9144000" cy="2387600"/>
+            <a:off x="1507067" y="2404534"/>
+            <a:ext cx="7766936" cy="1646302"/>
           </a:xfrm>
         </p:spPr>
         <p:txBody>
-          <a:bodyPr anchor="b"/>
+          <a:bodyPr anchor="b">
+            <a:noAutofit/>
+          </a:bodyPr>
           <a:lstStyle>
-            <a:lvl1pPr algn="ctr">
-              <a:defRPr sz="6000"/>
+            <a:lvl1pPr algn="r">
+              <a:defRPr sz="5400">
+                <a:solidFill>
+                  <a:schemeClr val="accent1"/>
+                </a:solidFill>
+              </a:defRPr>
             </a:lvl1pPr>
           </a:lstStyle>
           <a:p>
@@ -608,18 +1202,13 @@
               <a:rPr lang="es-ES"/>
               <a:t>Haga clic para modificar el estilo de título del patrón</a:t>
             </a:r>
-          </a:p>
-        </p:txBody>
-      </p:sp>
-      <p:sp>
-        <p:nvSpPr>
-          <p:cNvPr id="3" name="Subtítulo 2">
-            <a:extLst>
-              <a:ext uri="{FF2B5EF4-FFF2-40B4-BE49-F238E27FC236}">
-                <a16:creationId xmlns:a16="http://schemas.microsoft.com/office/drawing/2014/main" id="{8AAF44E0-5199-4126-BD8B-18BD08F57EC9}"/>
-              </a:ext>
-            </a:extLst>
-          </p:cNvPr>
+            <a:endParaRPr lang="en-US" dirty="0"/>
+          </a:p>
+        </p:txBody>
+      </p:sp>
+      <p:sp>
+        <p:nvSpPr>
+          <p:cNvPr id="3" name="Subtitle 2"/>
           <p:cNvSpPr>
             <a:spLocks noGrp="1"/>
           </p:cNvSpPr>
@@ -629,48 +1218,103 @@
         </p:nvSpPr>
         <p:spPr>
           <a:xfrm>
-            <a:off x="1524000" y="3602038"/>
-            <a:ext cx="9144000" cy="1655762"/>
+            <a:off x="1507067" y="4050833"/>
+            <a:ext cx="7766936" cy="1096899"/>
           </a:xfrm>
         </p:spPr>
         <p:txBody>
-          <a:bodyPr/>
+          <a:bodyPr anchor="t"/>
           <a:lstStyle>
-            <a:lvl1pPr marL="0" indent="0" algn="ctr">
-              <a:buNone/>
-              <a:defRPr sz="2400"/>
+            <a:lvl1pPr marL="0" indent="0" algn="r">
+              <a:buNone/>
+              <a:defRPr>
+                <a:solidFill>
+                  <a:schemeClr val="tx1">
+                    <a:lumMod val="50000"/>
+                    <a:lumOff val="50000"/>
+                  </a:schemeClr>
+                </a:solidFill>
+              </a:defRPr>
             </a:lvl1pPr>
             <a:lvl2pPr marL="457200" indent="0" algn="ctr">
               <a:buNone/>
-              <a:defRPr sz="2000"/>
+              <a:defRPr>
+                <a:solidFill>
+                  <a:schemeClr val="tx1">
+                    <a:tint val="75000"/>
+                  </a:schemeClr>
+                </a:solidFill>
+              </a:defRPr>
             </a:lvl2pPr>
             <a:lvl3pPr marL="914400" indent="0" algn="ctr">
               <a:buNone/>
-              <a:defRPr sz="1800"/>
+              <a:defRPr>
+                <a:solidFill>
+                  <a:schemeClr val="tx1">
+                    <a:tint val="75000"/>
+                  </a:schemeClr>
+                </a:solidFill>
+              </a:defRPr>
             </a:lvl3pPr>
             <a:lvl4pPr marL="1371600" indent="0" algn="ctr">
               <a:buNone/>
-              <a:defRPr sz="1600"/>
+              <a:defRPr>
+                <a:solidFill>
+                  <a:schemeClr val="tx1">
+                    <a:tint val="75000"/>
+                  </a:schemeClr>
+                </a:solidFill>
+              </a:defRPr>
             </a:lvl4pPr>
             <a:lvl5pPr marL="1828800" indent="0" algn="ctr">
               <a:buNone/>
-              <a:defRPr sz="1600"/>
+              <a:defRPr>
+                <a:solidFill>
+                  <a:schemeClr val="tx1">
+                    <a:tint val="75000"/>
+                  </a:schemeClr>
+                </a:solidFill>
+              </a:defRPr>
             </a:lvl5pPr>
             <a:lvl6pPr marL="2286000" indent="0" algn="ctr">
               <a:buNone/>
-              <a:defRPr sz="1600"/>
+              <a:defRPr>
+                <a:solidFill>
+                  <a:schemeClr val="tx1">
+                    <a:tint val="75000"/>
+                  </a:schemeClr>
+                </a:solidFill>
+              </a:defRPr>
             </a:lvl6pPr>
             <a:lvl7pPr marL="2743200" indent="0" algn="ctr">
               <a:buNone/>
-              <a:defRPr sz="1600"/>
+              <a:defRPr>
+                <a:solidFill>
+                  <a:schemeClr val="tx1">
+                    <a:tint val="75000"/>
+                  </a:schemeClr>
+                </a:solidFill>
+              </a:defRPr>
             </a:lvl7pPr>
             <a:lvl8pPr marL="3200400" indent="0" algn="ctr">
               <a:buNone/>
-              <a:defRPr sz="1600"/>
+              <a:defRPr>
+                <a:solidFill>
+                  <a:schemeClr val="tx1">
+                    <a:tint val="75000"/>
+                  </a:schemeClr>
+                </a:solidFill>
+              </a:defRPr>
             </a:lvl8pPr>
             <a:lvl9pPr marL="3657600" indent="0" algn="ctr">
               <a:buNone/>
-              <a:defRPr sz="1600"/>
+              <a:defRPr>
+                <a:solidFill>
+                  <a:schemeClr val="tx1">
+                    <a:tint val="75000"/>
+                  </a:schemeClr>
+                </a:solidFill>
+              </a:defRPr>
             </a:lvl9pPr>
           </a:lstStyle>
           <a:p>
@@ -678,18 +1322,13 @@
               <a:rPr lang="es-ES"/>
               <a:t>Haga clic para modificar el estilo de subtítulo del patrón</a:t>
             </a:r>
-          </a:p>
-        </p:txBody>
-      </p:sp>
-      <p:sp>
-        <p:nvSpPr>
-          <p:cNvPr id="4" name="Marcador de fecha 3">
-            <a:extLst>
-              <a:ext uri="{FF2B5EF4-FFF2-40B4-BE49-F238E27FC236}">
-                <a16:creationId xmlns:a16="http://schemas.microsoft.com/office/drawing/2014/main" id="{100C4AFD-1231-4CD3-83EA-3425C944C891}"/>
-              </a:ext>
-            </a:extLst>
-          </p:cNvPr>
+            <a:endParaRPr lang="en-US" dirty="0"/>
+          </a:p>
+        </p:txBody>
+      </p:sp>
+      <p:sp>
+        <p:nvSpPr>
+          <p:cNvPr id="4" name="Date Placeholder 3"/>
           <p:cNvSpPr>
             <a:spLocks noGrp="1"/>
           </p:cNvSpPr>
@@ -704,7 +1343,7 @@
           <a:p>
             <a:fld id="{84A2E3DD-9BCF-4B36-A258-34DF4D8074F3}" type="datetimeFigureOut">
               <a:rPr lang="es-ES" smtClean="0"/>
-              <a:t>27/12/2019</a:t>
+              <a:t>28/12/2019</a:t>
             </a:fld>
             <a:endParaRPr lang="es-ES"/>
           </a:p>
@@ -712,13 +1351,7 @@
       </p:sp>
       <p:sp>
         <p:nvSpPr>
-          <p:cNvPr id="5" name="Marcador de pie de página 4">
-            <a:extLst>
-              <a:ext uri="{FF2B5EF4-FFF2-40B4-BE49-F238E27FC236}">
-                <a16:creationId xmlns:a16="http://schemas.microsoft.com/office/drawing/2014/main" id="{5DA5D56F-951A-4DC2-98F7-B315E2E43C73}"/>
-              </a:ext>
-            </a:extLst>
-          </p:cNvPr>
+          <p:cNvPr id="5" name="Footer Placeholder 4"/>
           <p:cNvSpPr>
             <a:spLocks noGrp="1"/>
           </p:cNvSpPr>
@@ -737,13 +1370,7 @@
       </p:sp>
       <p:sp>
         <p:nvSpPr>
-          <p:cNvPr id="6" name="Marcador de número de diapositiva 5">
-            <a:extLst>
-              <a:ext uri="{FF2B5EF4-FFF2-40B4-BE49-F238E27FC236}">
-                <a16:creationId xmlns:a16="http://schemas.microsoft.com/office/drawing/2014/main" id="{F9FFFE78-D0BB-48C1-AFFA-7CC3C9DEFC2E}"/>
-              </a:ext>
-            </a:extLst>
-          </p:cNvPr>
+          <p:cNvPr id="6" name="Slide Number Placeholder 5"/>
           <p:cNvSpPr>
             <a:spLocks noGrp="1"/>
           </p:cNvSpPr>
@@ -767,7 +1394,7 @@
     </p:spTree>
     <p:extLst>
       <p:ext uri="{BB962C8B-B14F-4D97-AF65-F5344CB8AC3E}">
-        <p14:creationId xmlns:p14="http://schemas.microsoft.com/office/powerpoint/2010/main" val="3396930220"/>
+        <p14:creationId xmlns:p14="http://schemas.microsoft.com/office/powerpoint/2010/main" val="21240423"/>
       </p:ext>
     </p:extLst>
   </p:cSld>
@@ -778,6 +1405,1611 @@
 </file>
 
 <file path=ppt/slideLayouts/slideLayout10.xml><?xml version="1.0" encoding="utf-8"?>
+<p:sldLayout xmlns:a="http://schemas.openxmlformats.org/drawingml/2006/main" xmlns:r="http://schemas.openxmlformats.org/officeDocument/2006/relationships" xmlns:p="http://schemas.openxmlformats.org/presentationml/2006/main" preserve="1">
+  <p:cSld name="Título y descripción">
+    <p:spTree>
+      <p:nvGrpSpPr>
+        <p:cNvPr id="1" name=""/>
+        <p:cNvGrpSpPr/>
+        <p:nvPr/>
+      </p:nvGrpSpPr>
+      <p:grpSpPr>
+        <a:xfrm>
+          <a:off x="0" y="0"/>
+          <a:ext cx="0" cy="0"/>
+          <a:chOff x="0" y="0"/>
+          <a:chExt cx="0" cy="0"/>
+        </a:xfrm>
+      </p:grpSpPr>
+      <p:sp>
+        <p:nvSpPr>
+          <p:cNvPr id="2" name="Title 1"/>
+          <p:cNvSpPr>
+            <a:spLocks noGrp="1"/>
+          </p:cNvSpPr>
+          <p:nvPr>
+            <p:ph type="title"/>
+          </p:nvPr>
+        </p:nvSpPr>
+        <p:spPr>
+          <a:xfrm>
+            <a:off x="677335" y="609600"/>
+            <a:ext cx="8596668" cy="3403600"/>
+          </a:xfrm>
+        </p:spPr>
+        <p:txBody>
+          <a:bodyPr anchor="ctr">
+            <a:normAutofit/>
+          </a:bodyPr>
+          <a:lstStyle>
+            <a:lvl1pPr algn="l">
+              <a:defRPr sz="4400" b="0" cap="none"/>
+            </a:lvl1pPr>
+          </a:lstStyle>
+          <a:p>
+            <a:r>
+              <a:rPr lang="es-ES"/>
+              <a:t>Haga clic para modificar el estilo de título del patrón</a:t>
+            </a:r>
+            <a:endParaRPr lang="en-US" dirty="0"/>
+          </a:p>
+        </p:txBody>
+      </p:sp>
+      <p:sp>
+        <p:nvSpPr>
+          <p:cNvPr id="3" name="Text Placeholder 2"/>
+          <p:cNvSpPr>
+            <a:spLocks noGrp="1"/>
+          </p:cNvSpPr>
+          <p:nvPr>
+            <p:ph type="body" idx="1"/>
+          </p:nvPr>
+        </p:nvSpPr>
+        <p:spPr>
+          <a:xfrm>
+            <a:off x="677335" y="4470400"/>
+            <a:ext cx="8596668" cy="1570962"/>
+          </a:xfrm>
+        </p:spPr>
+        <p:txBody>
+          <a:bodyPr anchor="ctr">
+            <a:normAutofit/>
+          </a:bodyPr>
+          <a:lstStyle>
+            <a:lvl1pPr marL="0" indent="0" algn="l">
+              <a:buNone/>
+              <a:defRPr sz="1800">
+                <a:solidFill>
+                  <a:schemeClr val="tx1">
+                    <a:lumMod val="75000"/>
+                    <a:lumOff val="25000"/>
+                  </a:schemeClr>
+                </a:solidFill>
+              </a:defRPr>
+            </a:lvl1pPr>
+            <a:lvl2pPr marL="457200" indent="0">
+              <a:buNone/>
+              <a:defRPr sz="1800">
+                <a:solidFill>
+                  <a:schemeClr val="tx1">
+                    <a:tint val="75000"/>
+                  </a:schemeClr>
+                </a:solidFill>
+              </a:defRPr>
+            </a:lvl2pPr>
+            <a:lvl3pPr marL="914400" indent="0">
+              <a:buNone/>
+              <a:defRPr sz="1600">
+                <a:solidFill>
+                  <a:schemeClr val="tx1">
+                    <a:tint val="75000"/>
+                  </a:schemeClr>
+                </a:solidFill>
+              </a:defRPr>
+            </a:lvl3pPr>
+            <a:lvl4pPr marL="1371600" indent="0">
+              <a:buNone/>
+              <a:defRPr sz="1400">
+                <a:solidFill>
+                  <a:schemeClr val="tx1">
+                    <a:tint val="75000"/>
+                  </a:schemeClr>
+                </a:solidFill>
+              </a:defRPr>
+            </a:lvl4pPr>
+            <a:lvl5pPr marL="1828800" indent="0">
+              <a:buNone/>
+              <a:defRPr sz="1400">
+                <a:solidFill>
+                  <a:schemeClr val="tx1">
+                    <a:tint val="75000"/>
+                  </a:schemeClr>
+                </a:solidFill>
+              </a:defRPr>
+            </a:lvl5pPr>
+            <a:lvl6pPr marL="2286000" indent="0">
+              <a:buNone/>
+              <a:defRPr sz="1400">
+                <a:solidFill>
+                  <a:schemeClr val="tx1">
+                    <a:tint val="75000"/>
+                  </a:schemeClr>
+                </a:solidFill>
+              </a:defRPr>
+            </a:lvl6pPr>
+            <a:lvl7pPr marL="2743200" indent="0">
+              <a:buNone/>
+              <a:defRPr sz="1400">
+                <a:solidFill>
+                  <a:schemeClr val="tx1">
+                    <a:tint val="75000"/>
+                  </a:schemeClr>
+                </a:solidFill>
+              </a:defRPr>
+            </a:lvl7pPr>
+            <a:lvl8pPr marL="3200400" indent="0">
+              <a:buNone/>
+              <a:defRPr sz="1400">
+                <a:solidFill>
+                  <a:schemeClr val="tx1">
+                    <a:tint val="75000"/>
+                  </a:schemeClr>
+                </a:solidFill>
+              </a:defRPr>
+            </a:lvl8pPr>
+            <a:lvl9pPr marL="3657600" indent="0">
+              <a:buNone/>
+              <a:defRPr sz="1400">
+                <a:solidFill>
+                  <a:schemeClr val="tx1">
+                    <a:tint val="75000"/>
+                  </a:schemeClr>
+                </a:solidFill>
+              </a:defRPr>
+            </a:lvl9pPr>
+          </a:lstStyle>
+          <a:p>
+            <a:pPr lvl="0"/>
+            <a:r>
+              <a:rPr lang="es-ES"/>
+              <a:t>Haga clic para modificar los estilos de texto del patrón</a:t>
+            </a:r>
+          </a:p>
+        </p:txBody>
+      </p:sp>
+      <p:sp>
+        <p:nvSpPr>
+          <p:cNvPr id="4" name="Date Placeholder 3"/>
+          <p:cNvSpPr>
+            <a:spLocks noGrp="1"/>
+          </p:cNvSpPr>
+          <p:nvPr>
+            <p:ph type="dt" sz="half" idx="10"/>
+          </p:nvPr>
+        </p:nvSpPr>
+        <p:spPr/>
+        <p:txBody>
+          <a:bodyPr/>
+          <a:lstStyle/>
+          <a:p>
+            <a:fld id="{84A2E3DD-9BCF-4B36-A258-34DF4D8074F3}" type="datetimeFigureOut">
+              <a:rPr lang="es-ES" smtClean="0"/>
+              <a:t>28/12/2019</a:t>
+            </a:fld>
+            <a:endParaRPr lang="es-ES"/>
+          </a:p>
+        </p:txBody>
+      </p:sp>
+      <p:sp>
+        <p:nvSpPr>
+          <p:cNvPr id="5" name="Footer Placeholder 4"/>
+          <p:cNvSpPr>
+            <a:spLocks noGrp="1"/>
+          </p:cNvSpPr>
+          <p:nvPr>
+            <p:ph type="ftr" sz="quarter" idx="11"/>
+          </p:nvPr>
+        </p:nvSpPr>
+        <p:spPr/>
+        <p:txBody>
+          <a:bodyPr/>
+          <a:lstStyle/>
+          <a:p>
+            <a:endParaRPr lang="es-ES"/>
+          </a:p>
+        </p:txBody>
+      </p:sp>
+      <p:sp>
+        <p:nvSpPr>
+          <p:cNvPr id="6" name="Slide Number Placeholder 5"/>
+          <p:cNvSpPr>
+            <a:spLocks noGrp="1"/>
+          </p:cNvSpPr>
+          <p:nvPr>
+            <p:ph type="sldNum" sz="quarter" idx="12"/>
+          </p:nvPr>
+        </p:nvSpPr>
+        <p:spPr/>
+        <p:txBody>
+          <a:bodyPr/>
+          <a:lstStyle/>
+          <a:p>
+            <a:fld id="{1DEF7E57-B3A1-4B21-AECE-0DA3043CE6E3}" type="slidenum">
+              <a:rPr lang="es-ES" smtClean="0"/>
+              <a:t>‹Nº›</a:t>
+            </a:fld>
+            <a:endParaRPr lang="es-ES"/>
+          </a:p>
+        </p:txBody>
+      </p:sp>
+    </p:spTree>
+    <p:extLst>
+      <p:ext uri="{BB962C8B-B14F-4D97-AF65-F5344CB8AC3E}">
+        <p14:creationId xmlns:p14="http://schemas.microsoft.com/office/powerpoint/2010/main" val="783063371"/>
+      </p:ext>
+    </p:extLst>
+  </p:cSld>
+  <p:clrMapOvr>
+    <a:masterClrMapping/>
+  </p:clrMapOvr>
+</p:sldLayout>
+</file>
+
+<file path=ppt/slideLayouts/slideLayout11.xml><?xml version="1.0" encoding="utf-8"?>
+<p:sldLayout xmlns:a="http://schemas.openxmlformats.org/drawingml/2006/main" xmlns:r="http://schemas.openxmlformats.org/officeDocument/2006/relationships" xmlns:p="http://schemas.openxmlformats.org/presentationml/2006/main" preserve="1">
+  <p:cSld name="Cita con descripción">
+    <p:spTree>
+      <p:nvGrpSpPr>
+        <p:cNvPr id="1" name=""/>
+        <p:cNvGrpSpPr/>
+        <p:nvPr/>
+      </p:nvGrpSpPr>
+      <p:grpSpPr>
+        <a:xfrm>
+          <a:off x="0" y="0"/>
+          <a:ext cx="0" cy="0"/>
+          <a:chOff x="0" y="0"/>
+          <a:chExt cx="0" cy="0"/>
+        </a:xfrm>
+      </p:grpSpPr>
+      <p:sp>
+        <p:nvSpPr>
+          <p:cNvPr id="2" name="Title 1"/>
+          <p:cNvSpPr>
+            <a:spLocks noGrp="1"/>
+          </p:cNvSpPr>
+          <p:nvPr>
+            <p:ph type="title"/>
+          </p:nvPr>
+        </p:nvSpPr>
+        <p:spPr>
+          <a:xfrm>
+            <a:off x="931334" y="609600"/>
+            <a:ext cx="8094134" cy="3022600"/>
+          </a:xfrm>
+        </p:spPr>
+        <p:txBody>
+          <a:bodyPr anchor="ctr">
+            <a:normAutofit/>
+          </a:bodyPr>
+          <a:lstStyle>
+            <a:lvl1pPr algn="l">
+              <a:defRPr sz="4400" b="0" cap="none"/>
+            </a:lvl1pPr>
+          </a:lstStyle>
+          <a:p>
+            <a:r>
+              <a:rPr lang="es-ES"/>
+              <a:t>Haga clic para modificar el estilo de título del patrón</a:t>
+            </a:r>
+            <a:endParaRPr lang="en-US" dirty="0"/>
+          </a:p>
+        </p:txBody>
+      </p:sp>
+      <p:sp>
+        <p:nvSpPr>
+          <p:cNvPr id="23" name="Text Placeholder 9"/>
+          <p:cNvSpPr>
+            <a:spLocks noGrp="1"/>
+          </p:cNvSpPr>
+          <p:nvPr>
+            <p:ph type="body" sz="quarter" idx="13"/>
+          </p:nvPr>
+        </p:nvSpPr>
+        <p:spPr>
+          <a:xfrm>
+            <a:off x="1366139" y="3632200"/>
+            <a:ext cx="7224524" cy="381000"/>
+          </a:xfrm>
+        </p:spPr>
+        <p:txBody>
+          <a:bodyPr anchor="ctr">
+            <a:noAutofit/>
+          </a:bodyPr>
+          <a:lstStyle>
+            <a:lvl1pPr marL="0" indent="0">
+              <a:buFontTx/>
+              <a:buNone/>
+              <a:defRPr sz="1600">
+                <a:solidFill>
+                  <a:schemeClr val="tx1">
+                    <a:lumMod val="50000"/>
+                    <a:lumOff val="50000"/>
+                  </a:schemeClr>
+                </a:solidFill>
+              </a:defRPr>
+            </a:lvl1pPr>
+            <a:lvl2pPr marL="457200" indent="0">
+              <a:buFontTx/>
+              <a:buNone/>
+              <a:defRPr/>
+            </a:lvl2pPr>
+            <a:lvl3pPr marL="914400" indent="0">
+              <a:buFontTx/>
+              <a:buNone/>
+              <a:defRPr/>
+            </a:lvl3pPr>
+            <a:lvl4pPr marL="1371600" indent="0">
+              <a:buFontTx/>
+              <a:buNone/>
+              <a:defRPr/>
+            </a:lvl4pPr>
+            <a:lvl5pPr marL="1828800" indent="0">
+              <a:buFontTx/>
+              <a:buNone/>
+              <a:defRPr/>
+            </a:lvl5pPr>
+          </a:lstStyle>
+          <a:p>
+            <a:pPr lvl="0"/>
+            <a:r>
+              <a:rPr lang="es-ES"/>
+              <a:t>Haga clic para modificar los estilos de texto del patrón</a:t>
+            </a:r>
+          </a:p>
+        </p:txBody>
+      </p:sp>
+      <p:sp>
+        <p:nvSpPr>
+          <p:cNvPr id="3" name="Text Placeholder 2"/>
+          <p:cNvSpPr>
+            <a:spLocks noGrp="1"/>
+          </p:cNvSpPr>
+          <p:nvPr>
+            <p:ph type="body" idx="1"/>
+          </p:nvPr>
+        </p:nvSpPr>
+        <p:spPr>
+          <a:xfrm>
+            <a:off x="677335" y="4470400"/>
+            <a:ext cx="8596668" cy="1570962"/>
+          </a:xfrm>
+        </p:spPr>
+        <p:txBody>
+          <a:bodyPr anchor="ctr">
+            <a:normAutofit/>
+          </a:bodyPr>
+          <a:lstStyle>
+            <a:lvl1pPr marL="0" indent="0" algn="l">
+              <a:buNone/>
+              <a:defRPr sz="1800">
+                <a:solidFill>
+                  <a:schemeClr val="tx1">
+                    <a:lumMod val="75000"/>
+                    <a:lumOff val="25000"/>
+                  </a:schemeClr>
+                </a:solidFill>
+              </a:defRPr>
+            </a:lvl1pPr>
+            <a:lvl2pPr marL="457200" indent="0">
+              <a:buNone/>
+              <a:defRPr sz="1800">
+                <a:solidFill>
+                  <a:schemeClr val="tx1">
+                    <a:tint val="75000"/>
+                  </a:schemeClr>
+                </a:solidFill>
+              </a:defRPr>
+            </a:lvl2pPr>
+            <a:lvl3pPr marL="914400" indent="0">
+              <a:buNone/>
+              <a:defRPr sz="1600">
+                <a:solidFill>
+                  <a:schemeClr val="tx1">
+                    <a:tint val="75000"/>
+                  </a:schemeClr>
+                </a:solidFill>
+              </a:defRPr>
+            </a:lvl3pPr>
+            <a:lvl4pPr marL="1371600" indent="0">
+              <a:buNone/>
+              <a:defRPr sz="1400">
+                <a:solidFill>
+                  <a:schemeClr val="tx1">
+                    <a:tint val="75000"/>
+                  </a:schemeClr>
+                </a:solidFill>
+              </a:defRPr>
+            </a:lvl4pPr>
+            <a:lvl5pPr marL="1828800" indent="0">
+              <a:buNone/>
+              <a:defRPr sz="1400">
+                <a:solidFill>
+                  <a:schemeClr val="tx1">
+                    <a:tint val="75000"/>
+                  </a:schemeClr>
+                </a:solidFill>
+              </a:defRPr>
+            </a:lvl5pPr>
+            <a:lvl6pPr marL="2286000" indent="0">
+              <a:buNone/>
+              <a:defRPr sz="1400">
+                <a:solidFill>
+                  <a:schemeClr val="tx1">
+                    <a:tint val="75000"/>
+                  </a:schemeClr>
+                </a:solidFill>
+              </a:defRPr>
+            </a:lvl6pPr>
+            <a:lvl7pPr marL="2743200" indent="0">
+              <a:buNone/>
+              <a:defRPr sz="1400">
+                <a:solidFill>
+                  <a:schemeClr val="tx1">
+                    <a:tint val="75000"/>
+                  </a:schemeClr>
+                </a:solidFill>
+              </a:defRPr>
+            </a:lvl7pPr>
+            <a:lvl8pPr marL="3200400" indent="0">
+              <a:buNone/>
+              <a:defRPr sz="1400">
+                <a:solidFill>
+                  <a:schemeClr val="tx1">
+                    <a:tint val="75000"/>
+                  </a:schemeClr>
+                </a:solidFill>
+              </a:defRPr>
+            </a:lvl8pPr>
+            <a:lvl9pPr marL="3657600" indent="0">
+              <a:buNone/>
+              <a:defRPr sz="1400">
+                <a:solidFill>
+                  <a:schemeClr val="tx1">
+                    <a:tint val="75000"/>
+                  </a:schemeClr>
+                </a:solidFill>
+              </a:defRPr>
+            </a:lvl9pPr>
+          </a:lstStyle>
+          <a:p>
+            <a:pPr lvl="0"/>
+            <a:r>
+              <a:rPr lang="es-ES"/>
+              <a:t>Haga clic para modificar los estilos de texto del patrón</a:t>
+            </a:r>
+          </a:p>
+        </p:txBody>
+      </p:sp>
+      <p:sp>
+        <p:nvSpPr>
+          <p:cNvPr id="4" name="Date Placeholder 3"/>
+          <p:cNvSpPr>
+            <a:spLocks noGrp="1"/>
+          </p:cNvSpPr>
+          <p:nvPr>
+            <p:ph type="dt" sz="half" idx="10"/>
+          </p:nvPr>
+        </p:nvSpPr>
+        <p:spPr/>
+        <p:txBody>
+          <a:bodyPr/>
+          <a:lstStyle/>
+          <a:p>
+            <a:fld id="{84A2E3DD-9BCF-4B36-A258-34DF4D8074F3}" type="datetimeFigureOut">
+              <a:rPr lang="es-ES" smtClean="0"/>
+              <a:t>28/12/2019</a:t>
+            </a:fld>
+            <a:endParaRPr lang="es-ES"/>
+          </a:p>
+        </p:txBody>
+      </p:sp>
+      <p:sp>
+        <p:nvSpPr>
+          <p:cNvPr id="5" name="Footer Placeholder 4"/>
+          <p:cNvSpPr>
+            <a:spLocks noGrp="1"/>
+          </p:cNvSpPr>
+          <p:nvPr>
+            <p:ph type="ftr" sz="quarter" idx="11"/>
+          </p:nvPr>
+        </p:nvSpPr>
+        <p:spPr/>
+        <p:txBody>
+          <a:bodyPr/>
+          <a:lstStyle/>
+          <a:p>
+            <a:endParaRPr lang="es-ES"/>
+          </a:p>
+        </p:txBody>
+      </p:sp>
+      <p:sp>
+        <p:nvSpPr>
+          <p:cNvPr id="6" name="Slide Number Placeholder 5"/>
+          <p:cNvSpPr>
+            <a:spLocks noGrp="1"/>
+          </p:cNvSpPr>
+          <p:nvPr>
+            <p:ph type="sldNum" sz="quarter" idx="12"/>
+          </p:nvPr>
+        </p:nvSpPr>
+        <p:spPr/>
+        <p:txBody>
+          <a:bodyPr/>
+          <a:lstStyle/>
+          <a:p>
+            <a:fld id="{1DEF7E57-B3A1-4B21-AECE-0DA3043CE6E3}" type="slidenum">
+              <a:rPr lang="es-ES" smtClean="0"/>
+              <a:t>‹Nº›</a:t>
+            </a:fld>
+            <a:endParaRPr lang="es-ES"/>
+          </a:p>
+        </p:txBody>
+      </p:sp>
+      <p:sp>
+        <p:nvSpPr>
+          <p:cNvPr id="24" name="TextBox 23"/>
+          <p:cNvSpPr txBox="1"/>
+          <p:nvPr/>
+        </p:nvSpPr>
+        <p:spPr>
+          <a:xfrm>
+            <a:off x="541870" y="790378"/>
+            <a:ext cx="609600" cy="584776"/>
+          </a:xfrm>
+          <a:prstGeom prst="rect">
+            <a:avLst/>
+          </a:prstGeom>
+        </p:spPr>
+        <p:txBody>
+          <a:bodyPr vert="horz" lIns="91440" tIns="45720" rIns="91440" bIns="45720" rtlCol="0" anchor="ctr">
+            <a:noAutofit/>
+          </a:bodyPr>
+          <a:lstStyle/>
+          <a:p>
+            <a:pPr lvl="0"/>
+            <a:r>
+              <a:rPr lang="en-US" sz="8000" baseline="0" dirty="0">
+                <a:ln w="3175" cmpd="sng">
+                  <a:noFill/>
+                </a:ln>
+                <a:solidFill>
+                  <a:schemeClr val="accent1">
+                    <a:lumMod val="60000"/>
+                    <a:lumOff val="40000"/>
+                  </a:schemeClr>
+                </a:solidFill>
+                <a:effectLst/>
+                <a:latin typeface="Arial"/>
+              </a:rPr>
+              <a:t>“</a:t>
+            </a:r>
+          </a:p>
+        </p:txBody>
+      </p:sp>
+      <p:sp>
+        <p:nvSpPr>
+          <p:cNvPr id="25" name="TextBox 24"/>
+          <p:cNvSpPr txBox="1"/>
+          <p:nvPr/>
+        </p:nvSpPr>
+        <p:spPr>
+          <a:xfrm>
+            <a:off x="8893011" y="2886556"/>
+            <a:ext cx="609600" cy="584776"/>
+          </a:xfrm>
+          <a:prstGeom prst="rect">
+            <a:avLst/>
+          </a:prstGeom>
+        </p:spPr>
+        <p:txBody>
+          <a:bodyPr vert="horz" lIns="91440" tIns="45720" rIns="91440" bIns="45720" rtlCol="0" anchor="ctr">
+            <a:noAutofit/>
+          </a:bodyPr>
+          <a:lstStyle/>
+          <a:p>
+            <a:pPr lvl="0"/>
+            <a:r>
+              <a:rPr lang="en-US" sz="8000" baseline="0" dirty="0">
+                <a:ln w="3175" cmpd="sng">
+                  <a:noFill/>
+                </a:ln>
+                <a:solidFill>
+                  <a:schemeClr val="accent1">
+                    <a:lumMod val="60000"/>
+                    <a:lumOff val="40000"/>
+                  </a:schemeClr>
+                </a:solidFill>
+                <a:effectLst/>
+                <a:latin typeface="Arial"/>
+              </a:rPr>
+              <a:t>”</a:t>
+            </a:r>
+          </a:p>
+        </p:txBody>
+      </p:sp>
+    </p:spTree>
+    <p:extLst>
+      <p:ext uri="{BB962C8B-B14F-4D97-AF65-F5344CB8AC3E}">
+        <p14:creationId xmlns:p14="http://schemas.microsoft.com/office/powerpoint/2010/main" val="2453394595"/>
+      </p:ext>
+    </p:extLst>
+  </p:cSld>
+  <p:clrMapOvr>
+    <a:masterClrMapping/>
+  </p:clrMapOvr>
+</p:sldLayout>
+</file>
+
+<file path=ppt/slideLayouts/slideLayout12.xml><?xml version="1.0" encoding="utf-8"?>
+<p:sldLayout xmlns:a="http://schemas.openxmlformats.org/drawingml/2006/main" xmlns:r="http://schemas.openxmlformats.org/officeDocument/2006/relationships" xmlns:p="http://schemas.openxmlformats.org/presentationml/2006/main" preserve="1">
+  <p:cSld name="Tarjeta de nombre">
+    <p:spTree>
+      <p:nvGrpSpPr>
+        <p:cNvPr id="1" name=""/>
+        <p:cNvGrpSpPr/>
+        <p:nvPr/>
+      </p:nvGrpSpPr>
+      <p:grpSpPr>
+        <a:xfrm>
+          <a:off x="0" y="0"/>
+          <a:ext cx="0" cy="0"/>
+          <a:chOff x="0" y="0"/>
+          <a:chExt cx="0" cy="0"/>
+        </a:xfrm>
+      </p:grpSpPr>
+      <p:sp>
+        <p:nvSpPr>
+          <p:cNvPr id="2" name="Title 1"/>
+          <p:cNvSpPr>
+            <a:spLocks noGrp="1"/>
+          </p:cNvSpPr>
+          <p:nvPr>
+            <p:ph type="title"/>
+          </p:nvPr>
+        </p:nvSpPr>
+        <p:spPr>
+          <a:xfrm>
+            <a:off x="677335" y="1931988"/>
+            <a:ext cx="8596668" cy="2595460"/>
+          </a:xfrm>
+        </p:spPr>
+        <p:txBody>
+          <a:bodyPr anchor="b">
+            <a:normAutofit/>
+          </a:bodyPr>
+          <a:lstStyle>
+            <a:lvl1pPr algn="l">
+              <a:defRPr sz="4400" b="0" cap="none"/>
+            </a:lvl1pPr>
+          </a:lstStyle>
+          <a:p>
+            <a:r>
+              <a:rPr lang="es-ES"/>
+              <a:t>Haga clic para modificar el estilo de título del patrón</a:t>
+            </a:r>
+            <a:endParaRPr lang="en-US" dirty="0"/>
+          </a:p>
+        </p:txBody>
+      </p:sp>
+      <p:sp>
+        <p:nvSpPr>
+          <p:cNvPr id="3" name="Text Placeholder 2"/>
+          <p:cNvSpPr>
+            <a:spLocks noGrp="1"/>
+          </p:cNvSpPr>
+          <p:nvPr>
+            <p:ph type="body" idx="1"/>
+          </p:nvPr>
+        </p:nvSpPr>
+        <p:spPr>
+          <a:xfrm>
+            <a:off x="677335" y="4527448"/>
+            <a:ext cx="8596668" cy="1513914"/>
+          </a:xfrm>
+        </p:spPr>
+        <p:txBody>
+          <a:bodyPr anchor="t">
+            <a:normAutofit/>
+          </a:bodyPr>
+          <a:lstStyle>
+            <a:lvl1pPr marL="0" indent="0" algn="l">
+              <a:buNone/>
+              <a:defRPr sz="1800">
+                <a:solidFill>
+                  <a:schemeClr val="tx1">
+                    <a:lumMod val="75000"/>
+                    <a:lumOff val="25000"/>
+                  </a:schemeClr>
+                </a:solidFill>
+              </a:defRPr>
+            </a:lvl1pPr>
+            <a:lvl2pPr marL="457200" indent="0">
+              <a:buNone/>
+              <a:defRPr sz="1800">
+                <a:solidFill>
+                  <a:schemeClr val="tx1">
+                    <a:tint val="75000"/>
+                  </a:schemeClr>
+                </a:solidFill>
+              </a:defRPr>
+            </a:lvl2pPr>
+            <a:lvl3pPr marL="914400" indent="0">
+              <a:buNone/>
+              <a:defRPr sz="1600">
+                <a:solidFill>
+                  <a:schemeClr val="tx1">
+                    <a:tint val="75000"/>
+                  </a:schemeClr>
+                </a:solidFill>
+              </a:defRPr>
+            </a:lvl3pPr>
+            <a:lvl4pPr marL="1371600" indent="0">
+              <a:buNone/>
+              <a:defRPr sz="1400">
+                <a:solidFill>
+                  <a:schemeClr val="tx1">
+                    <a:tint val="75000"/>
+                  </a:schemeClr>
+                </a:solidFill>
+              </a:defRPr>
+            </a:lvl4pPr>
+            <a:lvl5pPr marL="1828800" indent="0">
+              <a:buNone/>
+              <a:defRPr sz="1400">
+                <a:solidFill>
+                  <a:schemeClr val="tx1">
+                    <a:tint val="75000"/>
+                  </a:schemeClr>
+                </a:solidFill>
+              </a:defRPr>
+            </a:lvl5pPr>
+            <a:lvl6pPr marL="2286000" indent="0">
+              <a:buNone/>
+              <a:defRPr sz="1400">
+                <a:solidFill>
+                  <a:schemeClr val="tx1">
+                    <a:tint val="75000"/>
+                  </a:schemeClr>
+                </a:solidFill>
+              </a:defRPr>
+            </a:lvl6pPr>
+            <a:lvl7pPr marL="2743200" indent="0">
+              <a:buNone/>
+              <a:defRPr sz="1400">
+                <a:solidFill>
+                  <a:schemeClr val="tx1">
+                    <a:tint val="75000"/>
+                  </a:schemeClr>
+                </a:solidFill>
+              </a:defRPr>
+            </a:lvl7pPr>
+            <a:lvl8pPr marL="3200400" indent="0">
+              <a:buNone/>
+              <a:defRPr sz="1400">
+                <a:solidFill>
+                  <a:schemeClr val="tx1">
+                    <a:tint val="75000"/>
+                  </a:schemeClr>
+                </a:solidFill>
+              </a:defRPr>
+            </a:lvl8pPr>
+            <a:lvl9pPr marL="3657600" indent="0">
+              <a:buNone/>
+              <a:defRPr sz="1400">
+                <a:solidFill>
+                  <a:schemeClr val="tx1">
+                    <a:tint val="75000"/>
+                  </a:schemeClr>
+                </a:solidFill>
+              </a:defRPr>
+            </a:lvl9pPr>
+          </a:lstStyle>
+          <a:p>
+            <a:pPr lvl="0"/>
+            <a:r>
+              <a:rPr lang="es-ES"/>
+              <a:t>Haga clic para modificar los estilos de texto del patrón</a:t>
+            </a:r>
+          </a:p>
+        </p:txBody>
+      </p:sp>
+      <p:sp>
+        <p:nvSpPr>
+          <p:cNvPr id="4" name="Date Placeholder 3"/>
+          <p:cNvSpPr>
+            <a:spLocks noGrp="1"/>
+          </p:cNvSpPr>
+          <p:nvPr>
+            <p:ph type="dt" sz="half" idx="10"/>
+          </p:nvPr>
+        </p:nvSpPr>
+        <p:spPr/>
+        <p:txBody>
+          <a:bodyPr/>
+          <a:lstStyle/>
+          <a:p>
+            <a:fld id="{84A2E3DD-9BCF-4B36-A258-34DF4D8074F3}" type="datetimeFigureOut">
+              <a:rPr lang="es-ES" smtClean="0"/>
+              <a:t>28/12/2019</a:t>
+            </a:fld>
+            <a:endParaRPr lang="es-ES"/>
+          </a:p>
+        </p:txBody>
+      </p:sp>
+      <p:sp>
+        <p:nvSpPr>
+          <p:cNvPr id="5" name="Footer Placeholder 4"/>
+          <p:cNvSpPr>
+            <a:spLocks noGrp="1"/>
+          </p:cNvSpPr>
+          <p:nvPr>
+            <p:ph type="ftr" sz="quarter" idx="11"/>
+          </p:nvPr>
+        </p:nvSpPr>
+        <p:spPr/>
+        <p:txBody>
+          <a:bodyPr/>
+          <a:lstStyle/>
+          <a:p>
+            <a:endParaRPr lang="es-ES"/>
+          </a:p>
+        </p:txBody>
+      </p:sp>
+      <p:sp>
+        <p:nvSpPr>
+          <p:cNvPr id="6" name="Slide Number Placeholder 5"/>
+          <p:cNvSpPr>
+            <a:spLocks noGrp="1"/>
+          </p:cNvSpPr>
+          <p:nvPr>
+            <p:ph type="sldNum" sz="quarter" idx="12"/>
+          </p:nvPr>
+        </p:nvSpPr>
+        <p:spPr/>
+        <p:txBody>
+          <a:bodyPr/>
+          <a:lstStyle/>
+          <a:p>
+            <a:fld id="{1DEF7E57-B3A1-4B21-AECE-0DA3043CE6E3}" type="slidenum">
+              <a:rPr lang="es-ES" smtClean="0"/>
+              <a:t>‹Nº›</a:t>
+            </a:fld>
+            <a:endParaRPr lang="es-ES"/>
+          </a:p>
+        </p:txBody>
+      </p:sp>
+    </p:spTree>
+    <p:extLst>
+      <p:ext uri="{BB962C8B-B14F-4D97-AF65-F5344CB8AC3E}">
+        <p14:creationId xmlns:p14="http://schemas.microsoft.com/office/powerpoint/2010/main" val="2962872101"/>
+      </p:ext>
+    </p:extLst>
+  </p:cSld>
+  <p:clrMapOvr>
+    <a:masterClrMapping/>
+  </p:clrMapOvr>
+</p:sldLayout>
+</file>
+
+<file path=ppt/slideLayouts/slideLayout13.xml><?xml version="1.0" encoding="utf-8"?>
+<p:sldLayout xmlns:a="http://schemas.openxmlformats.org/drawingml/2006/main" xmlns:r="http://schemas.openxmlformats.org/officeDocument/2006/relationships" xmlns:p="http://schemas.openxmlformats.org/presentationml/2006/main" preserve="1">
+  <p:cSld name="Citar la tarjeta de nombre">
+    <p:spTree>
+      <p:nvGrpSpPr>
+        <p:cNvPr id="1" name=""/>
+        <p:cNvGrpSpPr/>
+        <p:nvPr/>
+      </p:nvGrpSpPr>
+      <p:grpSpPr>
+        <a:xfrm>
+          <a:off x="0" y="0"/>
+          <a:ext cx="0" cy="0"/>
+          <a:chOff x="0" y="0"/>
+          <a:chExt cx="0" cy="0"/>
+        </a:xfrm>
+      </p:grpSpPr>
+      <p:sp>
+        <p:nvSpPr>
+          <p:cNvPr id="2" name="Title 1"/>
+          <p:cNvSpPr>
+            <a:spLocks noGrp="1"/>
+          </p:cNvSpPr>
+          <p:nvPr>
+            <p:ph type="title"/>
+          </p:nvPr>
+        </p:nvSpPr>
+        <p:spPr>
+          <a:xfrm>
+            <a:off x="931334" y="609600"/>
+            <a:ext cx="8094134" cy="3022600"/>
+          </a:xfrm>
+        </p:spPr>
+        <p:txBody>
+          <a:bodyPr anchor="ctr">
+            <a:normAutofit/>
+          </a:bodyPr>
+          <a:lstStyle>
+            <a:lvl1pPr algn="l">
+              <a:defRPr sz="4400" b="0" cap="none"/>
+            </a:lvl1pPr>
+          </a:lstStyle>
+          <a:p>
+            <a:r>
+              <a:rPr lang="es-ES"/>
+              <a:t>Haga clic para modificar el estilo de título del patrón</a:t>
+            </a:r>
+            <a:endParaRPr lang="en-US" dirty="0"/>
+          </a:p>
+        </p:txBody>
+      </p:sp>
+      <p:sp>
+        <p:nvSpPr>
+          <p:cNvPr id="23" name="Text Placeholder 9"/>
+          <p:cNvSpPr>
+            <a:spLocks noGrp="1"/>
+          </p:cNvSpPr>
+          <p:nvPr>
+            <p:ph type="body" sz="quarter" idx="13"/>
+          </p:nvPr>
+        </p:nvSpPr>
+        <p:spPr>
+          <a:xfrm>
+            <a:off x="677332" y="4013200"/>
+            <a:ext cx="8596669" cy="514248"/>
+          </a:xfrm>
+        </p:spPr>
+        <p:txBody>
+          <a:bodyPr anchor="b">
+            <a:noAutofit/>
+          </a:bodyPr>
+          <a:lstStyle>
+            <a:lvl1pPr marL="0" indent="0">
+              <a:buFontTx/>
+              <a:buNone/>
+              <a:defRPr sz="2400">
+                <a:solidFill>
+                  <a:schemeClr val="tx1">
+                    <a:lumMod val="75000"/>
+                    <a:lumOff val="25000"/>
+                  </a:schemeClr>
+                </a:solidFill>
+              </a:defRPr>
+            </a:lvl1pPr>
+            <a:lvl2pPr marL="457200" indent="0">
+              <a:buFontTx/>
+              <a:buNone/>
+              <a:defRPr/>
+            </a:lvl2pPr>
+            <a:lvl3pPr marL="914400" indent="0">
+              <a:buFontTx/>
+              <a:buNone/>
+              <a:defRPr/>
+            </a:lvl3pPr>
+            <a:lvl4pPr marL="1371600" indent="0">
+              <a:buFontTx/>
+              <a:buNone/>
+              <a:defRPr/>
+            </a:lvl4pPr>
+            <a:lvl5pPr marL="1828800" indent="0">
+              <a:buFontTx/>
+              <a:buNone/>
+              <a:defRPr/>
+            </a:lvl5pPr>
+          </a:lstStyle>
+          <a:p>
+            <a:pPr lvl="0"/>
+            <a:r>
+              <a:rPr lang="es-ES"/>
+              <a:t>Haga clic para modificar los estilos de texto del patrón</a:t>
+            </a:r>
+          </a:p>
+        </p:txBody>
+      </p:sp>
+      <p:sp>
+        <p:nvSpPr>
+          <p:cNvPr id="3" name="Text Placeholder 2"/>
+          <p:cNvSpPr>
+            <a:spLocks noGrp="1"/>
+          </p:cNvSpPr>
+          <p:nvPr>
+            <p:ph type="body" idx="1"/>
+          </p:nvPr>
+        </p:nvSpPr>
+        <p:spPr>
+          <a:xfrm>
+            <a:off x="677335" y="4527448"/>
+            <a:ext cx="8596668" cy="1513914"/>
+          </a:xfrm>
+        </p:spPr>
+        <p:txBody>
+          <a:bodyPr anchor="t">
+            <a:normAutofit/>
+          </a:bodyPr>
+          <a:lstStyle>
+            <a:lvl1pPr marL="0" indent="0" algn="l">
+              <a:buNone/>
+              <a:defRPr sz="1800">
+                <a:solidFill>
+                  <a:schemeClr val="tx1">
+                    <a:lumMod val="50000"/>
+                    <a:lumOff val="50000"/>
+                  </a:schemeClr>
+                </a:solidFill>
+              </a:defRPr>
+            </a:lvl1pPr>
+            <a:lvl2pPr marL="457200" indent="0">
+              <a:buNone/>
+              <a:defRPr sz="1800">
+                <a:solidFill>
+                  <a:schemeClr val="tx1">
+                    <a:tint val="75000"/>
+                  </a:schemeClr>
+                </a:solidFill>
+              </a:defRPr>
+            </a:lvl2pPr>
+            <a:lvl3pPr marL="914400" indent="0">
+              <a:buNone/>
+              <a:defRPr sz="1600">
+                <a:solidFill>
+                  <a:schemeClr val="tx1">
+                    <a:tint val="75000"/>
+                  </a:schemeClr>
+                </a:solidFill>
+              </a:defRPr>
+            </a:lvl3pPr>
+            <a:lvl4pPr marL="1371600" indent="0">
+              <a:buNone/>
+              <a:defRPr sz="1400">
+                <a:solidFill>
+                  <a:schemeClr val="tx1">
+                    <a:tint val="75000"/>
+                  </a:schemeClr>
+                </a:solidFill>
+              </a:defRPr>
+            </a:lvl4pPr>
+            <a:lvl5pPr marL="1828800" indent="0">
+              <a:buNone/>
+              <a:defRPr sz="1400">
+                <a:solidFill>
+                  <a:schemeClr val="tx1">
+                    <a:tint val="75000"/>
+                  </a:schemeClr>
+                </a:solidFill>
+              </a:defRPr>
+            </a:lvl5pPr>
+            <a:lvl6pPr marL="2286000" indent="0">
+              <a:buNone/>
+              <a:defRPr sz="1400">
+                <a:solidFill>
+                  <a:schemeClr val="tx1">
+                    <a:tint val="75000"/>
+                  </a:schemeClr>
+                </a:solidFill>
+              </a:defRPr>
+            </a:lvl6pPr>
+            <a:lvl7pPr marL="2743200" indent="0">
+              <a:buNone/>
+              <a:defRPr sz="1400">
+                <a:solidFill>
+                  <a:schemeClr val="tx1">
+                    <a:tint val="75000"/>
+                  </a:schemeClr>
+                </a:solidFill>
+              </a:defRPr>
+            </a:lvl7pPr>
+            <a:lvl8pPr marL="3200400" indent="0">
+              <a:buNone/>
+              <a:defRPr sz="1400">
+                <a:solidFill>
+                  <a:schemeClr val="tx1">
+                    <a:tint val="75000"/>
+                  </a:schemeClr>
+                </a:solidFill>
+              </a:defRPr>
+            </a:lvl8pPr>
+            <a:lvl9pPr marL="3657600" indent="0">
+              <a:buNone/>
+              <a:defRPr sz="1400">
+                <a:solidFill>
+                  <a:schemeClr val="tx1">
+                    <a:tint val="75000"/>
+                  </a:schemeClr>
+                </a:solidFill>
+              </a:defRPr>
+            </a:lvl9pPr>
+          </a:lstStyle>
+          <a:p>
+            <a:pPr lvl="0"/>
+            <a:r>
+              <a:rPr lang="es-ES"/>
+              <a:t>Haga clic para modificar los estilos de texto del patrón</a:t>
+            </a:r>
+          </a:p>
+        </p:txBody>
+      </p:sp>
+      <p:sp>
+        <p:nvSpPr>
+          <p:cNvPr id="4" name="Date Placeholder 3"/>
+          <p:cNvSpPr>
+            <a:spLocks noGrp="1"/>
+          </p:cNvSpPr>
+          <p:nvPr>
+            <p:ph type="dt" sz="half" idx="10"/>
+          </p:nvPr>
+        </p:nvSpPr>
+        <p:spPr/>
+        <p:txBody>
+          <a:bodyPr/>
+          <a:lstStyle/>
+          <a:p>
+            <a:fld id="{84A2E3DD-9BCF-4B36-A258-34DF4D8074F3}" type="datetimeFigureOut">
+              <a:rPr lang="es-ES" smtClean="0"/>
+              <a:t>28/12/2019</a:t>
+            </a:fld>
+            <a:endParaRPr lang="es-ES"/>
+          </a:p>
+        </p:txBody>
+      </p:sp>
+      <p:sp>
+        <p:nvSpPr>
+          <p:cNvPr id="5" name="Footer Placeholder 4"/>
+          <p:cNvSpPr>
+            <a:spLocks noGrp="1"/>
+          </p:cNvSpPr>
+          <p:nvPr>
+            <p:ph type="ftr" sz="quarter" idx="11"/>
+          </p:nvPr>
+        </p:nvSpPr>
+        <p:spPr/>
+        <p:txBody>
+          <a:bodyPr/>
+          <a:lstStyle/>
+          <a:p>
+            <a:endParaRPr lang="es-ES"/>
+          </a:p>
+        </p:txBody>
+      </p:sp>
+      <p:sp>
+        <p:nvSpPr>
+          <p:cNvPr id="6" name="Slide Number Placeholder 5"/>
+          <p:cNvSpPr>
+            <a:spLocks noGrp="1"/>
+          </p:cNvSpPr>
+          <p:nvPr>
+            <p:ph type="sldNum" sz="quarter" idx="12"/>
+          </p:nvPr>
+        </p:nvSpPr>
+        <p:spPr/>
+        <p:txBody>
+          <a:bodyPr/>
+          <a:lstStyle/>
+          <a:p>
+            <a:fld id="{1DEF7E57-B3A1-4B21-AECE-0DA3043CE6E3}" type="slidenum">
+              <a:rPr lang="es-ES" smtClean="0"/>
+              <a:t>‹Nº›</a:t>
+            </a:fld>
+            <a:endParaRPr lang="es-ES"/>
+          </a:p>
+        </p:txBody>
+      </p:sp>
+      <p:sp>
+        <p:nvSpPr>
+          <p:cNvPr id="24" name="TextBox 23"/>
+          <p:cNvSpPr txBox="1"/>
+          <p:nvPr/>
+        </p:nvSpPr>
+        <p:spPr>
+          <a:xfrm>
+            <a:off x="541870" y="790378"/>
+            <a:ext cx="609600" cy="584776"/>
+          </a:xfrm>
+          <a:prstGeom prst="rect">
+            <a:avLst/>
+          </a:prstGeom>
+        </p:spPr>
+        <p:txBody>
+          <a:bodyPr vert="horz" lIns="91440" tIns="45720" rIns="91440" bIns="45720" rtlCol="0" anchor="ctr">
+            <a:noAutofit/>
+          </a:bodyPr>
+          <a:lstStyle/>
+          <a:p>
+            <a:pPr lvl="0"/>
+            <a:r>
+              <a:rPr lang="en-US" sz="8000" baseline="0" dirty="0">
+                <a:ln w="3175" cmpd="sng">
+                  <a:noFill/>
+                </a:ln>
+                <a:solidFill>
+                  <a:schemeClr val="accent1">
+                    <a:lumMod val="60000"/>
+                    <a:lumOff val="40000"/>
+                  </a:schemeClr>
+                </a:solidFill>
+                <a:effectLst/>
+                <a:latin typeface="Arial"/>
+              </a:rPr>
+              <a:t>“</a:t>
+            </a:r>
+          </a:p>
+        </p:txBody>
+      </p:sp>
+      <p:sp>
+        <p:nvSpPr>
+          <p:cNvPr id="25" name="TextBox 24"/>
+          <p:cNvSpPr txBox="1"/>
+          <p:nvPr/>
+        </p:nvSpPr>
+        <p:spPr>
+          <a:xfrm>
+            <a:off x="8893011" y="2886556"/>
+            <a:ext cx="609600" cy="584776"/>
+          </a:xfrm>
+          <a:prstGeom prst="rect">
+            <a:avLst/>
+          </a:prstGeom>
+        </p:spPr>
+        <p:txBody>
+          <a:bodyPr vert="horz" lIns="91440" tIns="45720" rIns="91440" bIns="45720" rtlCol="0" anchor="ctr">
+            <a:noAutofit/>
+          </a:bodyPr>
+          <a:lstStyle/>
+          <a:p>
+            <a:pPr lvl="0"/>
+            <a:r>
+              <a:rPr lang="en-US" sz="8000" baseline="0" dirty="0">
+                <a:ln w="3175" cmpd="sng">
+                  <a:noFill/>
+                </a:ln>
+                <a:solidFill>
+                  <a:schemeClr val="accent1">
+                    <a:lumMod val="60000"/>
+                    <a:lumOff val="40000"/>
+                  </a:schemeClr>
+                </a:solidFill>
+                <a:effectLst/>
+                <a:latin typeface="Arial"/>
+              </a:rPr>
+              <a:t>”</a:t>
+            </a:r>
+          </a:p>
+        </p:txBody>
+      </p:sp>
+    </p:spTree>
+    <p:extLst>
+      <p:ext uri="{BB962C8B-B14F-4D97-AF65-F5344CB8AC3E}">
+        <p14:creationId xmlns:p14="http://schemas.microsoft.com/office/powerpoint/2010/main" val="646251863"/>
+      </p:ext>
+    </p:extLst>
+  </p:cSld>
+  <p:clrMapOvr>
+    <a:masterClrMapping/>
+  </p:clrMapOvr>
+</p:sldLayout>
+</file>
+
+<file path=ppt/slideLayouts/slideLayout14.xml><?xml version="1.0" encoding="utf-8"?>
+<p:sldLayout xmlns:a="http://schemas.openxmlformats.org/drawingml/2006/main" xmlns:r="http://schemas.openxmlformats.org/officeDocument/2006/relationships" xmlns:p="http://schemas.openxmlformats.org/presentationml/2006/main" preserve="1">
+  <p:cSld name="Verdadero o falso">
+    <p:spTree>
+      <p:nvGrpSpPr>
+        <p:cNvPr id="1" name=""/>
+        <p:cNvGrpSpPr/>
+        <p:nvPr/>
+      </p:nvGrpSpPr>
+      <p:grpSpPr>
+        <a:xfrm>
+          <a:off x="0" y="0"/>
+          <a:ext cx="0" cy="0"/>
+          <a:chOff x="0" y="0"/>
+          <a:chExt cx="0" cy="0"/>
+        </a:xfrm>
+      </p:grpSpPr>
+      <p:sp>
+        <p:nvSpPr>
+          <p:cNvPr id="2" name="Title 1"/>
+          <p:cNvSpPr>
+            <a:spLocks noGrp="1"/>
+          </p:cNvSpPr>
+          <p:nvPr>
+            <p:ph type="title"/>
+          </p:nvPr>
+        </p:nvSpPr>
+        <p:spPr>
+          <a:xfrm>
+            <a:off x="685799" y="609600"/>
+            <a:ext cx="8588203" cy="3022600"/>
+          </a:xfrm>
+        </p:spPr>
+        <p:txBody>
+          <a:bodyPr anchor="ctr">
+            <a:normAutofit/>
+          </a:bodyPr>
+          <a:lstStyle>
+            <a:lvl1pPr algn="l">
+              <a:defRPr sz="4400" b="0" cap="none"/>
+            </a:lvl1pPr>
+          </a:lstStyle>
+          <a:p>
+            <a:r>
+              <a:rPr lang="es-ES"/>
+              <a:t>Haga clic para modificar el estilo de título del patrón</a:t>
+            </a:r>
+            <a:endParaRPr lang="en-US" dirty="0"/>
+          </a:p>
+        </p:txBody>
+      </p:sp>
+      <p:sp>
+        <p:nvSpPr>
+          <p:cNvPr id="23" name="Text Placeholder 9"/>
+          <p:cNvSpPr>
+            <a:spLocks noGrp="1"/>
+          </p:cNvSpPr>
+          <p:nvPr>
+            <p:ph type="body" sz="quarter" idx="13"/>
+          </p:nvPr>
+        </p:nvSpPr>
+        <p:spPr>
+          <a:xfrm>
+            <a:off x="677332" y="4013200"/>
+            <a:ext cx="8596669" cy="514248"/>
+          </a:xfrm>
+        </p:spPr>
+        <p:txBody>
+          <a:bodyPr anchor="b">
+            <a:noAutofit/>
+          </a:bodyPr>
+          <a:lstStyle>
+            <a:lvl1pPr marL="0" indent="0">
+              <a:buFontTx/>
+              <a:buNone/>
+              <a:defRPr sz="2400">
+                <a:solidFill>
+                  <a:schemeClr val="accent1"/>
+                </a:solidFill>
+              </a:defRPr>
+            </a:lvl1pPr>
+            <a:lvl2pPr marL="457200" indent="0">
+              <a:buFontTx/>
+              <a:buNone/>
+              <a:defRPr/>
+            </a:lvl2pPr>
+            <a:lvl3pPr marL="914400" indent="0">
+              <a:buFontTx/>
+              <a:buNone/>
+              <a:defRPr/>
+            </a:lvl3pPr>
+            <a:lvl4pPr marL="1371600" indent="0">
+              <a:buFontTx/>
+              <a:buNone/>
+              <a:defRPr/>
+            </a:lvl4pPr>
+            <a:lvl5pPr marL="1828800" indent="0">
+              <a:buFontTx/>
+              <a:buNone/>
+              <a:defRPr/>
+            </a:lvl5pPr>
+          </a:lstStyle>
+          <a:p>
+            <a:pPr lvl="0"/>
+            <a:r>
+              <a:rPr lang="es-ES"/>
+              <a:t>Haga clic para modificar los estilos de texto del patrón</a:t>
+            </a:r>
+          </a:p>
+        </p:txBody>
+      </p:sp>
+      <p:sp>
+        <p:nvSpPr>
+          <p:cNvPr id="3" name="Text Placeholder 2"/>
+          <p:cNvSpPr>
+            <a:spLocks noGrp="1"/>
+          </p:cNvSpPr>
+          <p:nvPr>
+            <p:ph type="body" idx="1"/>
+          </p:nvPr>
+        </p:nvSpPr>
+        <p:spPr>
+          <a:xfrm>
+            <a:off x="677335" y="4527448"/>
+            <a:ext cx="8596668" cy="1513914"/>
+          </a:xfrm>
+        </p:spPr>
+        <p:txBody>
+          <a:bodyPr anchor="t">
+            <a:normAutofit/>
+          </a:bodyPr>
+          <a:lstStyle>
+            <a:lvl1pPr marL="0" indent="0" algn="l">
+              <a:buNone/>
+              <a:defRPr sz="1800">
+                <a:solidFill>
+                  <a:schemeClr val="tx1">
+                    <a:lumMod val="50000"/>
+                    <a:lumOff val="50000"/>
+                  </a:schemeClr>
+                </a:solidFill>
+              </a:defRPr>
+            </a:lvl1pPr>
+            <a:lvl2pPr marL="457200" indent="0">
+              <a:buNone/>
+              <a:defRPr sz="1800">
+                <a:solidFill>
+                  <a:schemeClr val="tx1">
+                    <a:tint val="75000"/>
+                  </a:schemeClr>
+                </a:solidFill>
+              </a:defRPr>
+            </a:lvl2pPr>
+            <a:lvl3pPr marL="914400" indent="0">
+              <a:buNone/>
+              <a:defRPr sz="1600">
+                <a:solidFill>
+                  <a:schemeClr val="tx1">
+                    <a:tint val="75000"/>
+                  </a:schemeClr>
+                </a:solidFill>
+              </a:defRPr>
+            </a:lvl3pPr>
+            <a:lvl4pPr marL="1371600" indent="0">
+              <a:buNone/>
+              <a:defRPr sz="1400">
+                <a:solidFill>
+                  <a:schemeClr val="tx1">
+                    <a:tint val="75000"/>
+                  </a:schemeClr>
+                </a:solidFill>
+              </a:defRPr>
+            </a:lvl4pPr>
+            <a:lvl5pPr marL="1828800" indent="0">
+              <a:buNone/>
+              <a:defRPr sz="1400">
+                <a:solidFill>
+                  <a:schemeClr val="tx1">
+                    <a:tint val="75000"/>
+                  </a:schemeClr>
+                </a:solidFill>
+              </a:defRPr>
+            </a:lvl5pPr>
+            <a:lvl6pPr marL="2286000" indent="0">
+              <a:buNone/>
+              <a:defRPr sz="1400">
+                <a:solidFill>
+                  <a:schemeClr val="tx1">
+                    <a:tint val="75000"/>
+                  </a:schemeClr>
+                </a:solidFill>
+              </a:defRPr>
+            </a:lvl6pPr>
+            <a:lvl7pPr marL="2743200" indent="0">
+              <a:buNone/>
+              <a:defRPr sz="1400">
+                <a:solidFill>
+                  <a:schemeClr val="tx1">
+                    <a:tint val="75000"/>
+                  </a:schemeClr>
+                </a:solidFill>
+              </a:defRPr>
+            </a:lvl7pPr>
+            <a:lvl8pPr marL="3200400" indent="0">
+              <a:buNone/>
+              <a:defRPr sz="1400">
+                <a:solidFill>
+                  <a:schemeClr val="tx1">
+                    <a:tint val="75000"/>
+                  </a:schemeClr>
+                </a:solidFill>
+              </a:defRPr>
+            </a:lvl8pPr>
+            <a:lvl9pPr marL="3657600" indent="0">
+              <a:buNone/>
+              <a:defRPr sz="1400">
+                <a:solidFill>
+                  <a:schemeClr val="tx1">
+                    <a:tint val="75000"/>
+                  </a:schemeClr>
+                </a:solidFill>
+              </a:defRPr>
+            </a:lvl9pPr>
+          </a:lstStyle>
+          <a:p>
+            <a:pPr lvl="0"/>
+            <a:r>
+              <a:rPr lang="es-ES"/>
+              <a:t>Haga clic para modificar los estilos de texto del patrón</a:t>
+            </a:r>
+          </a:p>
+        </p:txBody>
+      </p:sp>
+      <p:sp>
+        <p:nvSpPr>
+          <p:cNvPr id="4" name="Date Placeholder 3"/>
+          <p:cNvSpPr>
+            <a:spLocks noGrp="1"/>
+          </p:cNvSpPr>
+          <p:nvPr>
+            <p:ph type="dt" sz="half" idx="10"/>
+          </p:nvPr>
+        </p:nvSpPr>
+        <p:spPr/>
+        <p:txBody>
+          <a:bodyPr/>
+          <a:lstStyle/>
+          <a:p>
+            <a:fld id="{84A2E3DD-9BCF-4B36-A258-34DF4D8074F3}" type="datetimeFigureOut">
+              <a:rPr lang="es-ES" smtClean="0"/>
+              <a:t>28/12/2019</a:t>
+            </a:fld>
+            <a:endParaRPr lang="es-ES"/>
+          </a:p>
+        </p:txBody>
+      </p:sp>
+      <p:sp>
+        <p:nvSpPr>
+          <p:cNvPr id="5" name="Footer Placeholder 4"/>
+          <p:cNvSpPr>
+            <a:spLocks noGrp="1"/>
+          </p:cNvSpPr>
+          <p:nvPr>
+            <p:ph type="ftr" sz="quarter" idx="11"/>
+          </p:nvPr>
+        </p:nvSpPr>
+        <p:spPr/>
+        <p:txBody>
+          <a:bodyPr/>
+          <a:lstStyle/>
+          <a:p>
+            <a:endParaRPr lang="es-ES"/>
+          </a:p>
+        </p:txBody>
+      </p:sp>
+      <p:sp>
+        <p:nvSpPr>
+          <p:cNvPr id="6" name="Slide Number Placeholder 5"/>
+          <p:cNvSpPr>
+            <a:spLocks noGrp="1"/>
+          </p:cNvSpPr>
+          <p:nvPr>
+            <p:ph type="sldNum" sz="quarter" idx="12"/>
+          </p:nvPr>
+        </p:nvSpPr>
+        <p:spPr/>
+        <p:txBody>
+          <a:bodyPr/>
+          <a:lstStyle/>
+          <a:p>
+            <a:fld id="{1DEF7E57-B3A1-4B21-AECE-0DA3043CE6E3}" type="slidenum">
+              <a:rPr lang="es-ES" smtClean="0"/>
+              <a:t>‹Nº›</a:t>
+            </a:fld>
+            <a:endParaRPr lang="es-ES"/>
+          </a:p>
+        </p:txBody>
+      </p:sp>
+    </p:spTree>
+    <p:extLst>
+      <p:ext uri="{BB962C8B-B14F-4D97-AF65-F5344CB8AC3E}">
+        <p14:creationId xmlns:p14="http://schemas.microsoft.com/office/powerpoint/2010/main" val="4097598998"/>
+      </p:ext>
+    </p:extLst>
+  </p:cSld>
+  <p:clrMapOvr>
+    <a:masterClrMapping/>
+  </p:clrMapOvr>
+</p:sldLayout>
+</file>
+
+<file path=ppt/slideLayouts/slideLayout15.xml><?xml version="1.0" encoding="utf-8"?>
 <p:sldLayout xmlns:a="http://schemas.openxmlformats.org/drawingml/2006/main" xmlns:r="http://schemas.openxmlformats.org/officeDocument/2006/relationships" xmlns:p="http://schemas.openxmlformats.org/presentationml/2006/main" type="vertTx" preserve="1">
   <p:cSld name="Título y texto vertical">
     <p:spTree>
@@ -796,13 +3028,7 @@
       </p:grpSpPr>
       <p:sp>
         <p:nvSpPr>
-          <p:cNvPr id="2" name="Título 1">
-            <a:extLst>
-              <a:ext uri="{FF2B5EF4-FFF2-40B4-BE49-F238E27FC236}">
-                <a16:creationId xmlns:a16="http://schemas.microsoft.com/office/drawing/2014/main" id="{0E37BDBD-D9A0-44DD-8C5A-DB4DC62A1803}"/>
-              </a:ext>
-            </a:extLst>
-          </p:cNvPr>
+          <p:cNvPr id="2" name="Title 1"/>
           <p:cNvSpPr>
             <a:spLocks noGrp="1"/>
           </p:cNvSpPr>
@@ -819,18 +3045,13 @@
               <a:rPr lang="es-ES"/>
               <a:t>Haga clic para modificar el estilo de título del patrón</a:t>
             </a:r>
-          </a:p>
-        </p:txBody>
-      </p:sp>
-      <p:sp>
-        <p:nvSpPr>
-          <p:cNvPr id="3" name="Marcador de texto vertical 2">
-            <a:extLst>
-              <a:ext uri="{FF2B5EF4-FFF2-40B4-BE49-F238E27FC236}">
-                <a16:creationId xmlns:a16="http://schemas.microsoft.com/office/drawing/2014/main" id="{CDD39E4F-498C-46B5-980A-2ED5824C8504}"/>
-              </a:ext>
-            </a:extLst>
-          </p:cNvPr>
+            <a:endParaRPr lang="en-US" dirty="0"/>
+          </a:p>
+        </p:txBody>
+      </p:sp>
+      <p:sp>
+        <p:nvSpPr>
+          <p:cNvPr id="3" name="Vertical Text Placeholder 2"/>
           <p:cNvSpPr>
             <a:spLocks noGrp="1"/>
           </p:cNvSpPr>
@@ -876,18 +3097,13 @@
               <a:rPr lang="es-ES"/>
               <a:t>Quinto nivel</a:t>
             </a:r>
-          </a:p>
-        </p:txBody>
-      </p:sp>
-      <p:sp>
-        <p:nvSpPr>
-          <p:cNvPr id="4" name="Marcador de fecha 3">
-            <a:extLst>
-              <a:ext uri="{FF2B5EF4-FFF2-40B4-BE49-F238E27FC236}">
-                <a16:creationId xmlns:a16="http://schemas.microsoft.com/office/drawing/2014/main" id="{09117A80-7EAC-4A47-B1C4-6FE12589E794}"/>
-              </a:ext>
-            </a:extLst>
-          </p:cNvPr>
+            <a:endParaRPr lang="en-US" dirty="0"/>
+          </a:p>
+        </p:txBody>
+      </p:sp>
+      <p:sp>
+        <p:nvSpPr>
+          <p:cNvPr id="4" name="Date Placeholder 3"/>
           <p:cNvSpPr>
             <a:spLocks noGrp="1"/>
           </p:cNvSpPr>
@@ -902,7 +3118,7 @@
           <a:p>
             <a:fld id="{84A2E3DD-9BCF-4B36-A258-34DF4D8074F3}" type="datetimeFigureOut">
               <a:rPr lang="es-ES" smtClean="0"/>
-              <a:t>27/12/2019</a:t>
+              <a:t>28/12/2019</a:t>
             </a:fld>
             <a:endParaRPr lang="es-ES"/>
           </a:p>
@@ -910,13 +3126,7 @@
       </p:sp>
       <p:sp>
         <p:nvSpPr>
-          <p:cNvPr id="5" name="Marcador de pie de página 4">
-            <a:extLst>
-              <a:ext uri="{FF2B5EF4-FFF2-40B4-BE49-F238E27FC236}">
-                <a16:creationId xmlns:a16="http://schemas.microsoft.com/office/drawing/2014/main" id="{644B637F-5C39-478C-B793-290D0524246F}"/>
-              </a:ext>
-            </a:extLst>
-          </p:cNvPr>
+          <p:cNvPr id="5" name="Footer Placeholder 4"/>
           <p:cNvSpPr>
             <a:spLocks noGrp="1"/>
           </p:cNvSpPr>
@@ -935,13 +3145,7 @@
       </p:sp>
       <p:sp>
         <p:nvSpPr>
-          <p:cNvPr id="6" name="Marcador de número de diapositiva 5">
-            <a:extLst>
-              <a:ext uri="{FF2B5EF4-FFF2-40B4-BE49-F238E27FC236}">
-                <a16:creationId xmlns:a16="http://schemas.microsoft.com/office/drawing/2014/main" id="{035BBC5B-7FC5-4329-AF14-413ECE9BC2E8}"/>
-              </a:ext>
-            </a:extLst>
-          </p:cNvPr>
+          <p:cNvPr id="6" name="Slide Number Placeholder 5"/>
           <p:cNvSpPr>
             <a:spLocks noGrp="1"/>
           </p:cNvSpPr>
@@ -965,7 +3169,7 @@
     </p:spTree>
     <p:extLst>
       <p:ext uri="{BB962C8B-B14F-4D97-AF65-F5344CB8AC3E}">
-        <p14:creationId xmlns:p14="http://schemas.microsoft.com/office/powerpoint/2010/main" val="2269152508"/>
+        <p14:creationId xmlns:p14="http://schemas.microsoft.com/office/powerpoint/2010/main" val="3452417370"/>
       </p:ext>
     </p:extLst>
   </p:cSld>
@@ -975,7 +3179,7 @@
 </p:sldLayout>
 </file>
 
-<file path=ppt/slideLayouts/slideLayout11.xml><?xml version="1.0" encoding="utf-8"?>
+<file path=ppt/slideLayouts/slideLayout16.xml><?xml version="1.0" encoding="utf-8"?>
 <p:sldLayout xmlns:a="http://schemas.openxmlformats.org/drawingml/2006/main" xmlns:r="http://schemas.openxmlformats.org/officeDocument/2006/relationships" xmlns:p="http://schemas.openxmlformats.org/presentationml/2006/main" type="vertTitleAndTx" preserve="1">
   <p:cSld name="Título vertical y texto">
     <p:spTree>
@@ -994,13 +3198,7 @@
       </p:grpSpPr>
       <p:sp>
         <p:nvSpPr>
-          <p:cNvPr id="2" name="Título vertical 1">
-            <a:extLst>
-              <a:ext uri="{FF2B5EF4-FFF2-40B4-BE49-F238E27FC236}">
-                <a16:creationId xmlns:a16="http://schemas.microsoft.com/office/drawing/2014/main" id="{D323505B-9DF3-4A4F-B7C0-B054BBE38F52}"/>
-              </a:ext>
-            </a:extLst>
-          </p:cNvPr>
+          <p:cNvPr id="2" name="Vertical Title 1"/>
           <p:cNvSpPr>
             <a:spLocks noGrp="1"/>
           </p:cNvSpPr>
@@ -1010,30 +3208,25 @@
         </p:nvSpPr>
         <p:spPr>
           <a:xfrm>
-            <a:off x="8724900" y="365125"/>
-            <a:ext cx="2628900" cy="5811838"/>
+            <a:off x="7967673" y="609599"/>
+            <a:ext cx="1304743" cy="5251451"/>
           </a:xfrm>
         </p:spPr>
         <p:txBody>
-          <a:bodyPr vert="eaVert"/>
+          <a:bodyPr vert="eaVert" anchor="ctr"/>
           <a:lstStyle/>
           <a:p>
             <a:r>
               <a:rPr lang="es-ES"/>
               <a:t>Haga clic para modificar el estilo de título del patrón</a:t>
             </a:r>
-          </a:p>
-        </p:txBody>
-      </p:sp>
-      <p:sp>
-        <p:nvSpPr>
-          <p:cNvPr id="3" name="Marcador de texto vertical 2">
-            <a:extLst>
-              <a:ext uri="{FF2B5EF4-FFF2-40B4-BE49-F238E27FC236}">
-                <a16:creationId xmlns:a16="http://schemas.microsoft.com/office/drawing/2014/main" id="{59DA2FD7-5DB4-4D88-8208-D7042E1709A7}"/>
-              </a:ext>
-            </a:extLst>
-          </p:cNvPr>
+            <a:endParaRPr lang="en-US" dirty="0"/>
+          </a:p>
+        </p:txBody>
+      </p:sp>
+      <p:sp>
+        <p:nvSpPr>
+          <p:cNvPr id="3" name="Vertical Text Placeholder 2"/>
           <p:cNvSpPr>
             <a:spLocks noGrp="1"/>
           </p:cNvSpPr>
@@ -1043,8 +3236,8 @@
         </p:nvSpPr>
         <p:spPr>
           <a:xfrm>
-            <a:off x="838200" y="365125"/>
-            <a:ext cx="7734300" cy="5811838"/>
+            <a:off x="677335" y="609600"/>
+            <a:ext cx="7060150" cy="5251450"/>
           </a:xfrm>
         </p:spPr>
         <p:txBody>
@@ -1084,18 +3277,13 @@
               <a:rPr lang="es-ES"/>
               <a:t>Quinto nivel</a:t>
             </a:r>
-          </a:p>
-        </p:txBody>
-      </p:sp>
-      <p:sp>
-        <p:nvSpPr>
-          <p:cNvPr id="4" name="Marcador de fecha 3">
-            <a:extLst>
-              <a:ext uri="{FF2B5EF4-FFF2-40B4-BE49-F238E27FC236}">
-                <a16:creationId xmlns:a16="http://schemas.microsoft.com/office/drawing/2014/main" id="{70A4EB55-5D27-496B-A111-25372D31B6A7}"/>
-              </a:ext>
-            </a:extLst>
-          </p:cNvPr>
+            <a:endParaRPr lang="en-US" dirty="0"/>
+          </a:p>
+        </p:txBody>
+      </p:sp>
+      <p:sp>
+        <p:nvSpPr>
+          <p:cNvPr id="4" name="Date Placeholder 3"/>
           <p:cNvSpPr>
             <a:spLocks noGrp="1"/>
           </p:cNvSpPr>
@@ -1110,7 +3298,7 @@
           <a:p>
             <a:fld id="{84A2E3DD-9BCF-4B36-A258-34DF4D8074F3}" type="datetimeFigureOut">
               <a:rPr lang="es-ES" smtClean="0"/>
-              <a:t>27/12/2019</a:t>
+              <a:t>28/12/2019</a:t>
             </a:fld>
             <a:endParaRPr lang="es-ES"/>
           </a:p>
@@ -1118,13 +3306,7 @@
       </p:sp>
       <p:sp>
         <p:nvSpPr>
-          <p:cNvPr id="5" name="Marcador de pie de página 4">
-            <a:extLst>
-              <a:ext uri="{FF2B5EF4-FFF2-40B4-BE49-F238E27FC236}">
-                <a16:creationId xmlns:a16="http://schemas.microsoft.com/office/drawing/2014/main" id="{D1F62B8D-5E82-4843-BD49-1E2F1C5C0D81}"/>
-              </a:ext>
-            </a:extLst>
-          </p:cNvPr>
+          <p:cNvPr id="5" name="Footer Placeholder 4"/>
           <p:cNvSpPr>
             <a:spLocks noGrp="1"/>
           </p:cNvSpPr>
@@ -1143,13 +3325,7 @@
       </p:sp>
       <p:sp>
         <p:nvSpPr>
-          <p:cNvPr id="6" name="Marcador de número de diapositiva 5">
-            <a:extLst>
-              <a:ext uri="{FF2B5EF4-FFF2-40B4-BE49-F238E27FC236}">
-                <a16:creationId xmlns:a16="http://schemas.microsoft.com/office/drawing/2014/main" id="{9C986E85-83FF-419D-9B79-673A472ADC32}"/>
-              </a:ext>
-            </a:extLst>
-          </p:cNvPr>
+          <p:cNvPr id="6" name="Slide Number Placeholder 5"/>
           <p:cNvSpPr>
             <a:spLocks noGrp="1"/>
           </p:cNvSpPr>
@@ -1173,7 +3349,7 @@
     </p:spTree>
     <p:extLst>
       <p:ext uri="{BB962C8B-B14F-4D97-AF65-F5344CB8AC3E}">
-        <p14:creationId xmlns:p14="http://schemas.microsoft.com/office/powerpoint/2010/main" val="3090780352"/>
+        <p14:creationId xmlns:p14="http://schemas.microsoft.com/office/powerpoint/2010/main" val="3085915197"/>
       </p:ext>
     </p:extLst>
   </p:cSld>
@@ -1202,13 +3378,7 @@
       </p:grpSpPr>
       <p:sp>
         <p:nvSpPr>
-          <p:cNvPr id="2" name="Título 1">
-            <a:extLst>
-              <a:ext uri="{FF2B5EF4-FFF2-40B4-BE49-F238E27FC236}">
-                <a16:creationId xmlns:a16="http://schemas.microsoft.com/office/drawing/2014/main" id="{0F986FE7-2C38-4573-A6A0-F1D7BB35BD48}"/>
-              </a:ext>
-            </a:extLst>
-          </p:cNvPr>
+          <p:cNvPr id="2" name="Title 1"/>
           <p:cNvSpPr>
             <a:spLocks noGrp="1"/>
           </p:cNvSpPr>
@@ -1225,18 +3395,13 @@
               <a:rPr lang="es-ES"/>
               <a:t>Haga clic para modificar el estilo de título del patrón</a:t>
             </a:r>
-          </a:p>
-        </p:txBody>
-      </p:sp>
-      <p:sp>
-        <p:nvSpPr>
-          <p:cNvPr id="3" name="Marcador de contenido 2">
-            <a:extLst>
-              <a:ext uri="{FF2B5EF4-FFF2-40B4-BE49-F238E27FC236}">
-                <a16:creationId xmlns:a16="http://schemas.microsoft.com/office/drawing/2014/main" id="{34392CD6-9A7A-4C2A-AFA3-8C1AD0511817}"/>
-              </a:ext>
-            </a:extLst>
-          </p:cNvPr>
+            <a:endParaRPr lang="en-US" dirty="0"/>
+          </a:p>
+        </p:txBody>
+      </p:sp>
+      <p:sp>
+        <p:nvSpPr>
+          <p:cNvPr id="3" name="Content Placeholder 2"/>
           <p:cNvSpPr>
             <a:spLocks noGrp="1"/>
           </p:cNvSpPr>
@@ -1282,18 +3447,13 @@
               <a:rPr lang="es-ES"/>
               <a:t>Quinto nivel</a:t>
             </a:r>
-          </a:p>
-        </p:txBody>
-      </p:sp>
-      <p:sp>
-        <p:nvSpPr>
-          <p:cNvPr id="4" name="Marcador de fecha 3">
-            <a:extLst>
-              <a:ext uri="{FF2B5EF4-FFF2-40B4-BE49-F238E27FC236}">
-                <a16:creationId xmlns:a16="http://schemas.microsoft.com/office/drawing/2014/main" id="{5C4FFCD9-BA47-451B-B533-2749BC80C03E}"/>
-              </a:ext>
-            </a:extLst>
-          </p:cNvPr>
+            <a:endParaRPr lang="en-US" dirty="0"/>
+          </a:p>
+        </p:txBody>
+      </p:sp>
+      <p:sp>
+        <p:nvSpPr>
+          <p:cNvPr id="4" name="Date Placeholder 3"/>
           <p:cNvSpPr>
             <a:spLocks noGrp="1"/>
           </p:cNvSpPr>
@@ -1308,7 +3468,7 @@
           <a:p>
             <a:fld id="{84A2E3DD-9BCF-4B36-A258-34DF4D8074F3}" type="datetimeFigureOut">
               <a:rPr lang="es-ES" smtClean="0"/>
-              <a:t>27/12/2019</a:t>
+              <a:t>28/12/2019</a:t>
             </a:fld>
             <a:endParaRPr lang="es-ES"/>
           </a:p>
@@ -1316,13 +3476,7 @@
       </p:sp>
       <p:sp>
         <p:nvSpPr>
-          <p:cNvPr id="5" name="Marcador de pie de página 4">
-            <a:extLst>
-              <a:ext uri="{FF2B5EF4-FFF2-40B4-BE49-F238E27FC236}">
-                <a16:creationId xmlns:a16="http://schemas.microsoft.com/office/drawing/2014/main" id="{776692C0-6A09-4B63-9A92-18A810AEDDF0}"/>
-              </a:ext>
-            </a:extLst>
-          </p:cNvPr>
+          <p:cNvPr id="5" name="Footer Placeholder 4"/>
           <p:cNvSpPr>
             <a:spLocks noGrp="1"/>
           </p:cNvSpPr>
@@ -1341,13 +3495,7 @@
       </p:sp>
       <p:sp>
         <p:nvSpPr>
-          <p:cNvPr id="6" name="Marcador de número de diapositiva 5">
-            <a:extLst>
-              <a:ext uri="{FF2B5EF4-FFF2-40B4-BE49-F238E27FC236}">
-                <a16:creationId xmlns:a16="http://schemas.microsoft.com/office/drawing/2014/main" id="{E8FFF197-A6B7-4A5A-84DF-59D86FAD291A}"/>
-              </a:ext>
-            </a:extLst>
-          </p:cNvPr>
+          <p:cNvPr id="6" name="Slide Number Placeholder 5"/>
           <p:cNvSpPr>
             <a:spLocks noGrp="1"/>
           </p:cNvSpPr>
@@ -1371,7 +3519,7 @@
     </p:spTree>
     <p:extLst>
       <p:ext uri="{BB962C8B-B14F-4D97-AF65-F5344CB8AC3E}">
-        <p14:creationId xmlns:p14="http://schemas.microsoft.com/office/powerpoint/2010/main" val="1232224270"/>
+        <p14:creationId xmlns:p14="http://schemas.microsoft.com/office/powerpoint/2010/main" val="1821726689"/>
       </p:ext>
     </p:extLst>
   </p:cSld>
@@ -1400,13 +3548,7 @@
       </p:grpSpPr>
       <p:sp>
         <p:nvSpPr>
-          <p:cNvPr id="2" name="Título 1">
-            <a:extLst>
-              <a:ext uri="{FF2B5EF4-FFF2-40B4-BE49-F238E27FC236}">
-                <a16:creationId xmlns:a16="http://schemas.microsoft.com/office/drawing/2014/main" id="{B91BAE90-4AB9-4FD0-B1FF-812E4F64939D}"/>
-              </a:ext>
-            </a:extLst>
-          </p:cNvPr>
+          <p:cNvPr id="2" name="Title 1"/>
           <p:cNvSpPr>
             <a:spLocks noGrp="1"/>
           </p:cNvSpPr>
@@ -1416,15 +3558,15 @@
         </p:nvSpPr>
         <p:spPr>
           <a:xfrm>
-            <a:off x="831850" y="1709738"/>
-            <a:ext cx="10515600" cy="2852737"/>
+            <a:off x="677335" y="2700867"/>
+            <a:ext cx="8596668" cy="1826581"/>
           </a:xfrm>
         </p:spPr>
         <p:txBody>
           <a:bodyPr anchor="b"/>
           <a:lstStyle>
-            <a:lvl1pPr>
-              <a:defRPr sz="6000"/>
+            <a:lvl1pPr algn="l">
+              <a:defRPr sz="4000" b="0" cap="none"/>
             </a:lvl1pPr>
           </a:lstStyle>
           <a:p>
@@ -1432,18 +3574,13 @@
               <a:rPr lang="es-ES"/>
               <a:t>Haga clic para modificar el estilo de título del patrón</a:t>
             </a:r>
-          </a:p>
-        </p:txBody>
-      </p:sp>
-      <p:sp>
-        <p:nvSpPr>
-          <p:cNvPr id="3" name="Marcador de texto 2">
-            <a:extLst>
-              <a:ext uri="{FF2B5EF4-FFF2-40B4-BE49-F238E27FC236}">
-                <a16:creationId xmlns:a16="http://schemas.microsoft.com/office/drawing/2014/main" id="{D446D24A-741C-4F32-80FE-A48ADE714D6C}"/>
-              </a:ext>
-            </a:extLst>
-          </p:cNvPr>
+            <a:endParaRPr lang="en-US" dirty="0"/>
+          </a:p>
+        </p:txBody>
+      </p:sp>
+      <p:sp>
+        <p:nvSpPr>
+          <p:cNvPr id="3" name="Text Placeholder 2"/>
           <p:cNvSpPr>
             <a:spLocks noGrp="1"/>
           </p:cNvSpPr>
@@ -1453,26 +3590,27 @@
         </p:nvSpPr>
         <p:spPr>
           <a:xfrm>
-            <a:off x="831850" y="4589463"/>
-            <a:ext cx="10515600" cy="1500187"/>
+            <a:off x="677335" y="4527448"/>
+            <a:ext cx="8596668" cy="860400"/>
           </a:xfrm>
         </p:spPr>
         <p:txBody>
-          <a:bodyPr/>
+          <a:bodyPr anchor="t"/>
           <a:lstStyle>
-            <a:lvl1pPr marL="0" indent="0">
-              <a:buNone/>
-              <a:defRPr sz="2400">
+            <a:lvl1pPr marL="0" indent="0" algn="l">
+              <a:buNone/>
+              <a:defRPr sz="2000">
                 <a:solidFill>
                   <a:schemeClr val="tx1">
-                    <a:tint val="75000"/>
+                    <a:lumMod val="50000"/>
+                    <a:lumOff val="50000"/>
                   </a:schemeClr>
                 </a:solidFill>
               </a:defRPr>
             </a:lvl1pPr>
             <a:lvl2pPr marL="457200" indent="0">
               <a:buNone/>
-              <a:defRPr sz="2000">
+              <a:defRPr sz="1800">
                 <a:solidFill>
                   <a:schemeClr val="tx1">
                     <a:tint val="75000"/>
@@ -1482,7 +3620,7 @@
             </a:lvl2pPr>
             <a:lvl3pPr marL="914400" indent="0">
               <a:buNone/>
-              <a:defRPr sz="1800">
+              <a:defRPr sz="1600">
                 <a:solidFill>
                   <a:schemeClr val="tx1">
                     <a:tint val="75000"/>
@@ -1492,7 +3630,7 @@
             </a:lvl3pPr>
             <a:lvl4pPr marL="1371600" indent="0">
               <a:buNone/>
-              <a:defRPr sz="1600">
+              <a:defRPr sz="1400">
                 <a:solidFill>
                   <a:schemeClr val="tx1">
                     <a:tint val="75000"/>
@@ -1502,7 +3640,7 @@
             </a:lvl4pPr>
             <a:lvl5pPr marL="1828800" indent="0">
               <a:buNone/>
-              <a:defRPr sz="1600">
+              <a:defRPr sz="1400">
                 <a:solidFill>
                   <a:schemeClr val="tx1">
                     <a:tint val="75000"/>
@@ -1512,7 +3650,7 @@
             </a:lvl5pPr>
             <a:lvl6pPr marL="2286000" indent="0">
               <a:buNone/>
-              <a:defRPr sz="1600">
+              <a:defRPr sz="1400">
                 <a:solidFill>
                   <a:schemeClr val="tx1">
                     <a:tint val="75000"/>
@@ -1522,7 +3660,7 @@
             </a:lvl6pPr>
             <a:lvl7pPr marL="2743200" indent="0">
               <a:buNone/>
-              <a:defRPr sz="1600">
+              <a:defRPr sz="1400">
                 <a:solidFill>
                   <a:schemeClr val="tx1">
                     <a:tint val="75000"/>
@@ -1532,7 +3670,7 @@
             </a:lvl7pPr>
             <a:lvl8pPr marL="3200400" indent="0">
               <a:buNone/>
-              <a:defRPr sz="1600">
+              <a:defRPr sz="1400">
                 <a:solidFill>
                   <a:schemeClr val="tx1">
                     <a:tint val="75000"/>
@@ -1542,7 +3680,7 @@
             </a:lvl8pPr>
             <a:lvl9pPr marL="3657600" indent="0">
               <a:buNone/>
-              <a:defRPr sz="1600">
+              <a:defRPr sz="1400">
                 <a:solidFill>
                   <a:schemeClr val="tx1">
                     <a:tint val="75000"/>
@@ -1562,13 +3700,7 @@
       </p:sp>
       <p:sp>
         <p:nvSpPr>
-          <p:cNvPr id="4" name="Marcador de fecha 3">
-            <a:extLst>
-              <a:ext uri="{FF2B5EF4-FFF2-40B4-BE49-F238E27FC236}">
-                <a16:creationId xmlns:a16="http://schemas.microsoft.com/office/drawing/2014/main" id="{D61B13D9-92F0-44E7-B2BE-F5C382EAD08D}"/>
-              </a:ext>
-            </a:extLst>
-          </p:cNvPr>
+          <p:cNvPr id="4" name="Date Placeholder 3"/>
           <p:cNvSpPr>
             <a:spLocks noGrp="1"/>
           </p:cNvSpPr>
@@ -1583,7 +3715,7 @@
           <a:p>
             <a:fld id="{84A2E3DD-9BCF-4B36-A258-34DF4D8074F3}" type="datetimeFigureOut">
               <a:rPr lang="es-ES" smtClean="0"/>
-              <a:t>27/12/2019</a:t>
+              <a:t>28/12/2019</a:t>
             </a:fld>
             <a:endParaRPr lang="es-ES"/>
           </a:p>
@@ -1591,13 +3723,7 @@
       </p:sp>
       <p:sp>
         <p:nvSpPr>
-          <p:cNvPr id="5" name="Marcador de pie de página 4">
-            <a:extLst>
-              <a:ext uri="{FF2B5EF4-FFF2-40B4-BE49-F238E27FC236}">
-                <a16:creationId xmlns:a16="http://schemas.microsoft.com/office/drawing/2014/main" id="{98848862-2D6C-41C1-9980-907BCB0F00DD}"/>
-              </a:ext>
-            </a:extLst>
-          </p:cNvPr>
+          <p:cNvPr id="5" name="Footer Placeholder 4"/>
           <p:cNvSpPr>
             <a:spLocks noGrp="1"/>
           </p:cNvSpPr>
@@ -1616,13 +3742,7 @@
       </p:sp>
       <p:sp>
         <p:nvSpPr>
-          <p:cNvPr id="6" name="Marcador de número de diapositiva 5">
-            <a:extLst>
-              <a:ext uri="{FF2B5EF4-FFF2-40B4-BE49-F238E27FC236}">
-                <a16:creationId xmlns:a16="http://schemas.microsoft.com/office/drawing/2014/main" id="{4D1118A2-B162-47FC-8531-6C28A8207BED}"/>
-              </a:ext>
-            </a:extLst>
-          </p:cNvPr>
+          <p:cNvPr id="6" name="Slide Number Placeholder 5"/>
           <p:cNvSpPr>
             <a:spLocks noGrp="1"/>
           </p:cNvSpPr>
@@ -1646,7 +3766,7 @@
     </p:spTree>
     <p:extLst>
       <p:ext uri="{BB962C8B-B14F-4D97-AF65-F5344CB8AC3E}">
-        <p14:creationId xmlns:p14="http://schemas.microsoft.com/office/powerpoint/2010/main" val="3212834733"/>
+        <p14:creationId xmlns:p14="http://schemas.microsoft.com/office/powerpoint/2010/main" val="3789869145"/>
       </p:ext>
     </p:extLst>
   </p:cSld>
@@ -1675,13 +3795,7 @@
       </p:grpSpPr>
       <p:sp>
         <p:nvSpPr>
-          <p:cNvPr id="2" name="Título 1">
-            <a:extLst>
-              <a:ext uri="{FF2B5EF4-FFF2-40B4-BE49-F238E27FC236}">
-                <a16:creationId xmlns:a16="http://schemas.microsoft.com/office/drawing/2014/main" id="{5D11D336-884D-4AE3-AAA8-A718C5BB9CA1}"/>
-              </a:ext>
-            </a:extLst>
-          </p:cNvPr>
+          <p:cNvPr id="2" name="Title 1"/>
           <p:cNvSpPr>
             <a:spLocks noGrp="1"/>
           </p:cNvSpPr>
@@ -1698,18 +3812,13 @@
               <a:rPr lang="es-ES"/>
               <a:t>Haga clic para modificar el estilo de título del patrón</a:t>
             </a:r>
-          </a:p>
-        </p:txBody>
-      </p:sp>
-      <p:sp>
-        <p:nvSpPr>
-          <p:cNvPr id="3" name="Marcador de contenido 2">
-            <a:extLst>
-              <a:ext uri="{FF2B5EF4-FFF2-40B4-BE49-F238E27FC236}">
-                <a16:creationId xmlns:a16="http://schemas.microsoft.com/office/drawing/2014/main" id="{DA943438-D126-4894-A275-1715CEF97E18}"/>
-              </a:ext>
-            </a:extLst>
-          </p:cNvPr>
+            <a:endParaRPr lang="en-US" dirty="0"/>
+          </a:p>
+        </p:txBody>
+      </p:sp>
+      <p:sp>
+        <p:nvSpPr>
+          <p:cNvPr id="3" name="Content Placeholder 2"/>
           <p:cNvSpPr>
             <a:spLocks noGrp="1"/>
           </p:cNvSpPr>
@@ -1719,8 +3828,8 @@
         </p:nvSpPr>
         <p:spPr>
           <a:xfrm>
-            <a:off x="838200" y="1825625"/>
-            <a:ext cx="5181600" cy="4351338"/>
+            <a:off x="677334" y="2160589"/>
+            <a:ext cx="4184035" cy="3880772"/>
           </a:xfrm>
         </p:spPr>
         <p:txBody>
@@ -1760,18 +3869,13 @@
               <a:rPr lang="es-ES"/>
               <a:t>Quinto nivel</a:t>
             </a:r>
-          </a:p>
-        </p:txBody>
-      </p:sp>
-      <p:sp>
-        <p:nvSpPr>
-          <p:cNvPr id="4" name="Marcador de contenido 3">
-            <a:extLst>
-              <a:ext uri="{FF2B5EF4-FFF2-40B4-BE49-F238E27FC236}">
-                <a16:creationId xmlns:a16="http://schemas.microsoft.com/office/drawing/2014/main" id="{C02F570C-5346-43D1-8DA3-9CB9BF885721}"/>
-              </a:ext>
-            </a:extLst>
-          </p:cNvPr>
+            <a:endParaRPr lang="en-US" dirty="0"/>
+          </a:p>
+        </p:txBody>
+      </p:sp>
+      <p:sp>
+        <p:nvSpPr>
+          <p:cNvPr id="4" name="Content Placeholder 3"/>
           <p:cNvSpPr>
             <a:spLocks noGrp="1"/>
           </p:cNvSpPr>
@@ -1781,8 +3885,8 @@
         </p:nvSpPr>
         <p:spPr>
           <a:xfrm>
-            <a:off x="6172200" y="1825625"/>
-            <a:ext cx="5181600" cy="4351338"/>
+            <a:off x="5089970" y="2160589"/>
+            <a:ext cx="4184034" cy="3880773"/>
           </a:xfrm>
         </p:spPr>
         <p:txBody>
@@ -1822,18 +3926,13 @@
               <a:rPr lang="es-ES"/>
               <a:t>Quinto nivel</a:t>
             </a:r>
-          </a:p>
-        </p:txBody>
-      </p:sp>
-      <p:sp>
-        <p:nvSpPr>
-          <p:cNvPr id="5" name="Marcador de fecha 4">
-            <a:extLst>
-              <a:ext uri="{FF2B5EF4-FFF2-40B4-BE49-F238E27FC236}">
-                <a16:creationId xmlns:a16="http://schemas.microsoft.com/office/drawing/2014/main" id="{5C010BDD-7D91-4C58-A266-239A01BA765D}"/>
-              </a:ext>
-            </a:extLst>
-          </p:cNvPr>
+            <a:endParaRPr lang="en-US" dirty="0"/>
+          </a:p>
+        </p:txBody>
+      </p:sp>
+      <p:sp>
+        <p:nvSpPr>
+          <p:cNvPr id="5" name="Date Placeholder 4"/>
           <p:cNvSpPr>
             <a:spLocks noGrp="1"/>
           </p:cNvSpPr>
@@ -1848,7 +3947,7 @@
           <a:p>
             <a:fld id="{84A2E3DD-9BCF-4B36-A258-34DF4D8074F3}" type="datetimeFigureOut">
               <a:rPr lang="es-ES" smtClean="0"/>
-              <a:t>27/12/2019</a:t>
+              <a:t>28/12/2019</a:t>
             </a:fld>
             <a:endParaRPr lang="es-ES"/>
           </a:p>
@@ -1856,13 +3955,7 @@
       </p:sp>
       <p:sp>
         <p:nvSpPr>
-          <p:cNvPr id="6" name="Marcador de pie de página 5">
-            <a:extLst>
-              <a:ext uri="{FF2B5EF4-FFF2-40B4-BE49-F238E27FC236}">
-                <a16:creationId xmlns:a16="http://schemas.microsoft.com/office/drawing/2014/main" id="{F79BDF39-301C-4CE9-9ED0-6CE027D2BD78}"/>
-              </a:ext>
-            </a:extLst>
-          </p:cNvPr>
+          <p:cNvPr id="6" name="Footer Placeholder 5"/>
           <p:cNvSpPr>
             <a:spLocks noGrp="1"/>
           </p:cNvSpPr>
@@ -1881,13 +3974,7 @@
       </p:sp>
       <p:sp>
         <p:nvSpPr>
-          <p:cNvPr id="7" name="Marcador de número de diapositiva 6">
-            <a:extLst>
-              <a:ext uri="{FF2B5EF4-FFF2-40B4-BE49-F238E27FC236}">
-                <a16:creationId xmlns:a16="http://schemas.microsoft.com/office/drawing/2014/main" id="{9CB4AF84-3C9B-48D8-9222-60678F19FDF9}"/>
-              </a:ext>
-            </a:extLst>
-          </p:cNvPr>
+          <p:cNvPr id="7" name="Slide Number Placeholder 6"/>
           <p:cNvSpPr>
             <a:spLocks noGrp="1"/>
           </p:cNvSpPr>
@@ -1911,7 +3998,7 @@
     </p:spTree>
     <p:extLst>
       <p:ext uri="{BB962C8B-B14F-4D97-AF65-F5344CB8AC3E}">
-        <p14:creationId xmlns:p14="http://schemas.microsoft.com/office/powerpoint/2010/main" val="2563359949"/>
+        <p14:creationId xmlns:p14="http://schemas.microsoft.com/office/powerpoint/2010/main" val="2477630440"/>
       </p:ext>
     </p:extLst>
   </p:cSld>
@@ -1940,65 +4027,55 @@
       </p:grpSpPr>
       <p:sp>
         <p:nvSpPr>
-          <p:cNvPr id="2" name="Título 1">
-            <a:extLst>
-              <a:ext uri="{FF2B5EF4-FFF2-40B4-BE49-F238E27FC236}">
-                <a16:creationId xmlns:a16="http://schemas.microsoft.com/office/drawing/2014/main" id="{C2378CCC-7885-44EE-9095-E561C60B222C}"/>
-              </a:ext>
-            </a:extLst>
-          </p:cNvPr>
+          <p:cNvPr id="2" name="Title 1"/>
           <p:cNvSpPr>
             <a:spLocks noGrp="1"/>
           </p:cNvSpPr>
           <p:nvPr>
             <p:ph type="title"/>
+          </p:nvPr>
+        </p:nvSpPr>
+        <p:spPr/>
+        <p:txBody>
+          <a:bodyPr/>
+          <a:lstStyle>
+            <a:lvl1pPr>
+              <a:defRPr/>
+            </a:lvl1pPr>
+          </a:lstStyle>
+          <a:p>
+            <a:r>
+              <a:rPr lang="es-ES"/>
+              <a:t>Haga clic para modificar el estilo de título del patrón</a:t>
+            </a:r>
+            <a:endParaRPr lang="en-US" dirty="0"/>
+          </a:p>
+        </p:txBody>
+      </p:sp>
+      <p:sp>
+        <p:nvSpPr>
+          <p:cNvPr id="3" name="Text Placeholder 2"/>
+          <p:cNvSpPr>
+            <a:spLocks noGrp="1"/>
+          </p:cNvSpPr>
+          <p:nvPr>
+            <p:ph type="body" idx="1"/>
           </p:nvPr>
         </p:nvSpPr>
         <p:spPr>
           <a:xfrm>
-            <a:off x="839788" y="365125"/>
-            <a:ext cx="10515600" cy="1325563"/>
+            <a:off x="675745" y="2160983"/>
+            <a:ext cx="4185623" cy="576262"/>
           </a:xfrm>
         </p:spPr>
         <p:txBody>
-          <a:bodyPr/>
-          <a:lstStyle/>
-          <a:p>
-            <a:r>
-              <a:rPr lang="es-ES"/>
-              <a:t>Haga clic para modificar el estilo de título del patrón</a:t>
-            </a:r>
-          </a:p>
-        </p:txBody>
-      </p:sp>
-      <p:sp>
-        <p:nvSpPr>
-          <p:cNvPr id="3" name="Marcador de texto 2">
-            <a:extLst>
-              <a:ext uri="{FF2B5EF4-FFF2-40B4-BE49-F238E27FC236}">
-                <a16:creationId xmlns:a16="http://schemas.microsoft.com/office/drawing/2014/main" id="{524E9206-756E-4BF6-90DD-F34DDE5AABF7}"/>
-              </a:ext>
-            </a:extLst>
-          </p:cNvPr>
-          <p:cNvSpPr>
-            <a:spLocks noGrp="1"/>
-          </p:cNvSpPr>
-          <p:nvPr>
-            <p:ph type="body" idx="1"/>
-          </p:nvPr>
-        </p:nvSpPr>
-        <p:spPr>
-          <a:xfrm>
-            <a:off x="839788" y="1681163"/>
-            <a:ext cx="5157787" cy="823912"/>
-          </a:xfrm>
-        </p:spPr>
-        <p:txBody>
-          <a:bodyPr anchor="b"/>
+          <a:bodyPr anchor="b">
+            <a:noAutofit/>
+          </a:bodyPr>
           <a:lstStyle>
             <a:lvl1pPr marL="0" indent="0">
               <a:buNone/>
-              <a:defRPr sz="2400" b="1"/>
+              <a:defRPr sz="2400" b="0"/>
             </a:lvl1pPr>
             <a:lvl2pPr marL="457200" indent="0">
               <a:buNone/>
@@ -2044,13 +4121,7 @@
       </p:sp>
       <p:sp>
         <p:nvSpPr>
-          <p:cNvPr id="4" name="Marcador de contenido 3">
-            <a:extLst>
-              <a:ext uri="{FF2B5EF4-FFF2-40B4-BE49-F238E27FC236}">
-                <a16:creationId xmlns:a16="http://schemas.microsoft.com/office/drawing/2014/main" id="{1F13E5DF-9AFF-4126-8751-559EC97BA3F3}"/>
-              </a:ext>
-            </a:extLst>
-          </p:cNvPr>
+          <p:cNvPr id="4" name="Content Placeholder 3"/>
           <p:cNvSpPr>
             <a:spLocks noGrp="1"/>
           </p:cNvSpPr>
@@ -2060,12 +4131,14 @@
         </p:nvSpPr>
         <p:spPr>
           <a:xfrm>
-            <a:off x="839788" y="2505075"/>
-            <a:ext cx="5157787" cy="3684588"/>
+            <a:off x="675745" y="2737245"/>
+            <a:ext cx="4185623" cy="3304117"/>
           </a:xfrm>
         </p:spPr>
         <p:txBody>
-          <a:bodyPr/>
+          <a:bodyPr>
+            <a:normAutofit/>
+          </a:bodyPr>
           <a:lstStyle/>
           <a:p>
             <a:pPr lvl="0"/>
@@ -2101,18 +4174,13 @@
               <a:rPr lang="es-ES"/>
               <a:t>Quinto nivel</a:t>
             </a:r>
-          </a:p>
-        </p:txBody>
-      </p:sp>
-      <p:sp>
-        <p:nvSpPr>
-          <p:cNvPr id="5" name="Marcador de texto 4">
-            <a:extLst>
-              <a:ext uri="{FF2B5EF4-FFF2-40B4-BE49-F238E27FC236}">
-                <a16:creationId xmlns:a16="http://schemas.microsoft.com/office/drawing/2014/main" id="{31D0DE6B-C67E-4ECD-82C3-8F125C75558D}"/>
-              </a:ext>
-            </a:extLst>
-          </p:cNvPr>
+            <a:endParaRPr lang="en-US" dirty="0"/>
+          </a:p>
+        </p:txBody>
+      </p:sp>
+      <p:sp>
+        <p:nvSpPr>
+          <p:cNvPr id="5" name="Text Placeholder 4"/>
           <p:cNvSpPr>
             <a:spLocks noGrp="1"/>
           </p:cNvSpPr>
@@ -2122,16 +4190,18 @@
         </p:nvSpPr>
         <p:spPr>
           <a:xfrm>
-            <a:off x="6172200" y="1681163"/>
-            <a:ext cx="5183188" cy="823912"/>
+            <a:off x="5088383" y="2160983"/>
+            <a:ext cx="4185618" cy="576262"/>
           </a:xfrm>
         </p:spPr>
         <p:txBody>
-          <a:bodyPr anchor="b"/>
+          <a:bodyPr anchor="b">
+            <a:noAutofit/>
+          </a:bodyPr>
           <a:lstStyle>
             <a:lvl1pPr marL="0" indent="0">
               <a:buNone/>
-              <a:defRPr sz="2400" b="1"/>
+              <a:defRPr sz="2400" b="0"/>
             </a:lvl1pPr>
             <a:lvl2pPr marL="457200" indent="0">
               <a:buNone/>
@@ -2177,13 +4247,7 @@
       </p:sp>
       <p:sp>
         <p:nvSpPr>
-          <p:cNvPr id="6" name="Marcador de contenido 5">
-            <a:extLst>
-              <a:ext uri="{FF2B5EF4-FFF2-40B4-BE49-F238E27FC236}">
-                <a16:creationId xmlns:a16="http://schemas.microsoft.com/office/drawing/2014/main" id="{88E17D1E-1CFD-4842-BDF4-1B2EEF34F1AB}"/>
-              </a:ext>
-            </a:extLst>
-          </p:cNvPr>
+          <p:cNvPr id="6" name="Content Placeholder 5"/>
           <p:cNvSpPr>
             <a:spLocks noGrp="1"/>
           </p:cNvSpPr>
@@ -2193,12 +4257,14 @@
         </p:nvSpPr>
         <p:spPr>
           <a:xfrm>
-            <a:off x="6172200" y="2505075"/>
-            <a:ext cx="5183188" cy="3684588"/>
+            <a:off x="5088384" y="2737245"/>
+            <a:ext cx="4185617" cy="3304117"/>
           </a:xfrm>
         </p:spPr>
         <p:txBody>
-          <a:bodyPr/>
+          <a:bodyPr>
+            <a:normAutofit/>
+          </a:bodyPr>
           <a:lstStyle/>
           <a:p>
             <a:pPr lvl="0"/>
@@ -2234,18 +4300,13 @@
               <a:rPr lang="es-ES"/>
               <a:t>Quinto nivel</a:t>
             </a:r>
-          </a:p>
-        </p:txBody>
-      </p:sp>
-      <p:sp>
-        <p:nvSpPr>
-          <p:cNvPr id="7" name="Marcador de fecha 6">
-            <a:extLst>
-              <a:ext uri="{FF2B5EF4-FFF2-40B4-BE49-F238E27FC236}">
-                <a16:creationId xmlns:a16="http://schemas.microsoft.com/office/drawing/2014/main" id="{2E99E73F-2C59-440B-B4E3-50E04CFF376F}"/>
-              </a:ext>
-            </a:extLst>
-          </p:cNvPr>
+            <a:endParaRPr lang="en-US" dirty="0"/>
+          </a:p>
+        </p:txBody>
+      </p:sp>
+      <p:sp>
+        <p:nvSpPr>
+          <p:cNvPr id="7" name="Date Placeholder 6"/>
           <p:cNvSpPr>
             <a:spLocks noGrp="1"/>
           </p:cNvSpPr>
@@ -2260,7 +4321,7 @@
           <a:p>
             <a:fld id="{84A2E3DD-9BCF-4B36-A258-34DF4D8074F3}" type="datetimeFigureOut">
               <a:rPr lang="es-ES" smtClean="0"/>
-              <a:t>27/12/2019</a:t>
+              <a:t>28/12/2019</a:t>
             </a:fld>
             <a:endParaRPr lang="es-ES"/>
           </a:p>
@@ -2268,13 +4329,7 @@
       </p:sp>
       <p:sp>
         <p:nvSpPr>
-          <p:cNvPr id="8" name="Marcador de pie de página 7">
-            <a:extLst>
-              <a:ext uri="{FF2B5EF4-FFF2-40B4-BE49-F238E27FC236}">
-                <a16:creationId xmlns:a16="http://schemas.microsoft.com/office/drawing/2014/main" id="{FB0CBC03-AEF3-4010-8D15-19785E6CB442}"/>
-              </a:ext>
-            </a:extLst>
-          </p:cNvPr>
+          <p:cNvPr id="8" name="Footer Placeholder 7"/>
           <p:cNvSpPr>
             <a:spLocks noGrp="1"/>
           </p:cNvSpPr>
@@ -2293,13 +4348,7 @@
       </p:sp>
       <p:sp>
         <p:nvSpPr>
-          <p:cNvPr id="9" name="Marcador de número de diapositiva 8">
-            <a:extLst>
-              <a:ext uri="{FF2B5EF4-FFF2-40B4-BE49-F238E27FC236}">
-                <a16:creationId xmlns:a16="http://schemas.microsoft.com/office/drawing/2014/main" id="{C02FA86E-35F1-4113-8DF3-D7E750802878}"/>
-              </a:ext>
-            </a:extLst>
-          </p:cNvPr>
+          <p:cNvPr id="9" name="Slide Number Placeholder 8"/>
           <p:cNvSpPr>
             <a:spLocks noGrp="1"/>
           </p:cNvSpPr>
@@ -2323,7 +4372,7 @@
     </p:spTree>
     <p:extLst>
       <p:ext uri="{BB962C8B-B14F-4D97-AF65-F5344CB8AC3E}">
-        <p14:creationId xmlns:p14="http://schemas.microsoft.com/office/powerpoint/2010/main" val="2126793521"/>
+        <p14:creationId xmlns:p14="http://schemas.microsoft.com/office/powerpoint/2010/main" val="3372292670"/>
       </p:ext>
     </p:extLst>
   </p:cSld>
@@ -2352,13 +4401,7 @@
       </p:grpSpPr>
       <p:sp>
         <p:nvSpPr>
-          <p:cNvPr id="2" name="Título 1">
-            <a:extLst>
-              <a:ext uri="{FF2B5EF4-FFF2-40B4-BE49-F238E27FC236}">
-                <a16:creationId xmlns:a16="http://schemas.microsoft.com/office/drawing/2014/main" id="{96F78ACB-3982-4500-A76E-A6FA8C88B21D}"/>
-              </a:ext>
-            </a:extLst>
-          </p:cNvPr>
+          <p:cNvPr id="2" name="Title 1"/>
           <p:cNvSpPr>
             <a:spLocks noGrp="1"/>
           </p:cNvSpPr>
@@ -2366,7 +4409,12 @@
             <p:ph type="title"/>
           </p:nvPr>
         </p:nvSpPr>
-        <p:spPr/>
+        <p:spPr>
+          <a:xfrm>
+            <a:off x="677334" y="609600"/>
+            <a:ext cx="8596668" cy="1320800"/>
+          </a:xfrm>
+        </p:spPr>
         <p:txBody>
           <a:bodyPr/>
           <a:lstStyle/>
@@ -2375,18 +4423,13 @@
               <a:rPr lang="es-ES"/>
               <a:t>Haga clic para modificar el estilo de título del patrón</a:t>
             </a:r>
-          </a:p>
-        </p:txBody>
-      </p:sp>
-      <p:sp>
-        <p:nvSpPr>
-          <p:cNvPr id="3" name="Marcador de fecha 2">
-            <a:extLst>
-              <a:ext uri="{FF2B5EF4-FFF2-40B4-BE49-F238E27FC236}">
-                <a16:creationId xmlns:a16="http://schemas.microsoft.com/office/drawing/2014/main" id="{D2F7F876-9219-4174-808D-166EAED69CF5}"/>
-              </a:ext>
-            </a:extLst>
-          </p:cNvPr>
+            <a:endParaRPr lang="en-US" dirty="0"/>
+          </a:p>
+        </p:txBody>
+      </p:sp>
+      <p:sp>
+        <p:nvSpPr>
+          <p:cNvPr id="3" name="Date Placeholder 2"/>
           <p:cNvSpPr>
             <a:spLocks noGrp="1"/>
           </p:cNvSpPr>
@@ -2401,7 +4444,7 @@
           <a:p>
             <a:fld id="{84A2E3DD-9BCF-4B36-A258-34DF4D8074F3}" type="datetimeFigureOut">
               <a:rPr lang="es-ES" smtClean="0"/>
-              <a:t>27/12/2019</a:t>
+              <a:t>28/12/2019</a:t>
             </a:fld>
             <a:endParaRPr lang="es-ES"/>
           </a:p>
@@ -2409,13 +4452,7 @@
       </p:sp>
       <p:sp>
         <p:nvSpPr>
-          <p:cNvPr id="4" name="Marcador de pie de página 3">
-            <a:extLst>
-              <a:ext uri="{FF2B5EF4-FFF2-40B4-BE49-F238E27FC236}">
-                <a16:creationId xmlns:a16="http://schemas.microsoft.com/office/drawing/2014/main" id="{1EA07253-F19D-42A7-A7C7-368489A9F6D5}"/>
-              </a:ext>
-            </a:extLst>
-          </p:cNvPr>
+          <p:cNvPr id="4" name="Footer Placeholder 3"/>
           <p:cNvSpPr>
             <a:spLocks noGrp="1"/>
           </p:cNvSpPr>
@@ -2434,13 +4471,7 @@
       </p:sp>
       <p:sp>
         <p:nvSpPr>
-          <p:cNvPr id="5" name="Marcador de número de diapositiva 4">
-            <a:extLst>
-              <a:ext uri="{FF2B5EF4-FFF2-40B4-BE49-F238E27FC236}">
-                <a16:creationId xmlns:a16="http://schemas.microsoft.com/office/drawing/2014/main" id="{B4EE15FF-E48C-437D-858C-E5C124E6AAD9}"/>
-              </a:ext>
-            </a:extLst>
-          </p:cNvPr>
+          <p:cNvPr id="5" name="Slide Number Placeholder 4"/>
           <p:cNvSpPr>
             <a:spLocks noGrp="1"/>
           </p:cNvSpPr>
@@ -2464,7 +4495,7 @@
     </p:spTree>
     <p:extLst>
       <p:ext uri="{BB962C8B-B14F-4D97-AF65-F5344CB8AC3E}">
-        <p14:creationId xmlns:p14="http://schemas.microsoft.com/office/powerpoint/2010/main" val="3865248486"/>
+        <p14:creationId xmlns:p14="http://schemas.microsoft.com/office/powerpoint/2010/main" val="2083553775"/>
       </p:ext>
     </p:extLst>
   </p:cSld>
@@ -2493,13 +4524,7 @@
       </p:grpSpPr>
       <p:sp>
         <p:nvSpPr>
-          <p:cNvPr id="2" name="Marcador de fecha 1">
-            <a:extLst>
-              <a:ext uri="{FF2B5EF4-FFF2-40B4-BE49-F238E27FC236}">
-                <a16:creationId xmlns:a16="http://schemas.microsoft.com/office/drawing/2014/main" id="{7B68F28E-D21C-4C76-872C-786CCCF3EE4F}"/>
-              </a:ext>
-            </a:extLst>
-          </p:cNvPr>
+          <p:cNvPr id="2" name="Date Placeholder 1"/>
           <p:cNvSpPr>
             <a:spLocks noGrp="1"/>
           </p:cNvSpPr>
@@ -2514,7 +4539,7 @@
           <a:p>
             <a:fld id="{84A2E3DD-9BCF-4B36-A258-34DF4D8074F3}" type="datetimeFigureOut">
               <a:rPr lang="es-ES" smtClean="0"/>
-              <a:t>27/12/2019</a:t>
+              <a:t>28/12/2019</a:t>
             </a:fld>
             <a:endParaRPr lang="es-ES"/>
           </a:p>
@@ -2522,13 +4547,7 @@
       </p:sp>
       <p:sp>
         <p:nvSpPr>
-          <p:cNvPr id="3" name="Marcador de pie de página 2">
-            <a:extLst>
-              <a:ext uri="{FF2B5EF4-FFF2-40B4-BE49-F238E27FC236}">
-                <a16:creationId xmlns:a16="http://schemas.microsoft.com/office/drawing/2014/main" id="{FDFF975B-DDF5-4FA8-B29D-EECBE3BDA7C5}"/>
-              </a:ext>
-            </a:extLst>
-          </p:cNvPr>
+          <p:cNvPr id="3" name="Footer Placeholder 2"/>
           <p:cNvSpPr>
             <a:spLocks noGrp="1"/>
           </p:cNvSpPr>
@@ -2547,13 +4566,7 @@
       </p:sp>
       <p:sp>
         <p:nvSpPr>
-          <p:cNvPr id="4" name="Marcador de número de diapositiva 3">
-            <a:extLst>
-              <a:ext uri="{FF2B5EF4-FFF2-40B4-BE49-F238E27FC236}">
-                <a16:creationId xmlns:a16="http://schemas.microsoft.com/office/drawing/2014/main" id="{83957D1B-3DD1-4DEB-A28E-A9D0A7F09AF7}"/>
-              </a:ext>
-            </a:extLst>
-          </p:cNvPr>
+          <p:cNvPr id="4" name="Slide Number Placeholder 3"/>
           <p:cNvSpPr>
             <a:spLocks noGrp="1"/>
           </p:cNvSpPr>
@@ -2577,7 +4590,7 @@
     </p:spTree>
     <p:extLst>
       <p:ext uri="{BB962C8B-B14F-4D97-AF65-F5344CB8AC3E}">
-        <p14:creationId xmlns:p14="http://schemas.microsoft.com/office/powerpoint/2010/main" val="1698867793"/>
+        <p14:creationId xmlns:p14="http://schemas.microsoft.com/office/powerpoint/2010/main" val="1081468774"/>
       </p:ext>
     </p:extLst>
   </p:cSld>
@@ -2606,13 +4619,7 @@
       </p:grpSpPr>
       <p:sp>
         <p:nvSpPr>
-          <p:cNvPr id="2" name="Título 1">
-            <a:extLst>
-              <a:ext uri="{FF2B5EF4-FFF2-40B4-BE49-F238E27FC236}">
-                <a16:creationId xmlns:a16="http://schemas.microsoft.com/office/drawing/2014/main" id="{A0F36E91-0A3B-4311-893F-5F90452B3EE3}"/>
-              </a:ext>
-            </a:extLst>
-          </p:cNvPr>
+          <p:cNvPr id="2" name="Title 1"/>
           <p:cNvSpPr>
             <a:spLocks noGrp="1"/>
           </p:cNvSpPr>
@@ -2622,15 +4629,17 @@
         </p:nvSpPr>
         <p:spPr>
           <a:xfrm>
-            <a:off x="839788" y="457200"/>
-            <a:ext cx="3932237" cy="1600200"/>
+            <a:off x="677334" y="1498604"/>
+            <a:ext cx="3854528" cy="1278466"/>
           </a:xfrm>
         </p:spPr>
         <p:txBody>
-          <a:bodyPr anchor="b"/>
+          <a:bodyPr anchor="b">
+            <a:normAutofit/>
+          </a:bodyPr>
           <a:lstStyle>
             <a:lvl1pPr>
-              <a:defRPr sz="3200"/>
+              <a:defRPr sz="2000"/>
             </a:lvl1pPr>
           </a:lstStyle>
           <a:p>
@@ -2638,18 +4647,13 @@
               <a:rPr lang="es-ES"/>
               <a:t>Haga clic para modificar el estilo de título del patrón</a:t>
             </a:r>
-          </a:p>
-        </p:txBody>
-      </p:sp>
-      <p:sp>
-        <p:nvSpPr>
-          <p:cNvPr id="3" name="Marcador de contenido 2">
-            <a:extLst>
-              <a:ext uri="{FF2B5EF4-FFF2-40B4-BE49-F238E27FC236}">
-                <a16:creationId xmlns:a16="http://schemas.microsoft.com/office/drawing/2014/main" id="{B8FF2E89-5F21-4B73-9B26-DC8F6A5407B4}"/>
-              </a:ext>
-            </a:extLst>
-          </p:cNvPr>
+            <a:endParaRPr lang="en-US" dirty="0"/>
+          </a:p>
+        </p:txBody>
+      </p:sp>
+      <p:sp>
+        <p:nvSpPr>
+          <p:cNvPr id="3" name="Content Placeholder 2"/>
           <p:cNvSpPr>
             <a:spLocks noGrp="1"/>
           </p:cNvSpPr>
@@ -2659,41 +4663,15 @@
         </p:nvSpPr>
         <p:spPr>
           <a:xfrm>
-            <a:off x="5183188" y="987425"/>
-            <a:ext cx="6172200" cy="4873625"/>
+            <a:off x="4760461" y="514924"/>
+            <a:ext cx="4513541" cy="5526437"/>
           </a:xfrm>
         </p:spPr>
         <p:txBody>
-          <a:bodyPr/>
-          <a:lstStyle>
-            <a:lvl1pPr>
-              <a:defRPr sz="3200"/>
-            </a:lvl1pPr>
-            <a:lvl2pPr>
-              <a:defRPr sz="2800"/>
-            </a:lvl2pPr>
-            <a:lvl3pPr>
-              <a:defRPr sz="2400"/>
-            </a:lvl3pPr>
-            <a:lvl4pPr>
-              <a:defRPr sz="2000"/>
-            </a:lvl4pPr>
-            <a:lvl5pPr>
-              <a:defRPr sz="2000"/>
-            </a:lvl5pPr>
-            <a:lvl6pPr>
-              <a:defRPr sz="2000"/>
-            </a:lvl6pPr>
-            <a:lvl7pPr>
-              <a:defRPr sz="2000"/>
-            </a:lvl7pPr>
-            <a:lvl8pPr>
-              <a:defRPr sz="2000"/>
-            </a:lvl8pPr>
-            <a:lvl9pPr>
-              <a:defRPr sz="2000"/>
-            </a:lvl9pPr>
-          </a:lstStyle>
+          <a:bodyPr>
+            <a:normAutofit/>
+          </a:bodyPr>
+          <a:lstStyle/>
           <a:p>
             <a:pPr lvl="0"/>
             <a:r>
@@ -2728,18 +4706,13 @@
               <a:rPr lang="es-ES"/>
               <a:t>Quinto nivel</a:t>
             </a:r>
-          </a:p>
-        </p:txBody>
-      </p:sp>
-      <p:sp>
-        <p:nvSpPr>
-          <p:cNvPr id="4" name="Marcador de texto 3">
-            <a:extLst>
-              <a:ext uri="{FF2B5EF4-FFF2-40B4-BE49-F238E27FC236}">
-                <a16:creationId xmlns:a16="http://schemas.microsoft.com/office/drawing/2014/main" id="{C43E317A-B6FA-4895-9A4A-3534D3F9BBE6}"/>
-              </a:ext>
-            </a:extLst>
-          </p:cNvPr>
+            <a:endParaRPr lang="en-US" dirty="0"/>
+          </a:p>
+        </p:txBody>
+      </p:sp>
+      <p:sp>
+        <p:nvSpPr>
+          <p:cNvPr id="4" name="Text Placeholder 3"/>
           <p:cNvSpPr>
             <a:spLocks noGrp="1"/>
           </p:cNvSpPr>
@@ -2749,46 +4722,48 @@
         </p:nvSpPr>
         <p:spPr>
           <a:xfrm>
-            <a:off x="839788" y="2057400"/>
-            <a:ext cx="3932237" cy="3811588"/>
+            <a:off x="677334" y="2777069"/>
+            <a:ext cx="3854528" cy="2584449"/>
           </a:xfrm>
         </p:spPr>
         <p:txBody>
-          <a:bodyPr/>
+          <a:bodyPr>
+            <a:normAutofit/>
+          </a:bodyPr>
           <a:lstStyle>
             <a:lvl1pPr marL="0" indent="0">
               <a:buNone/>
-              <a:defRPr sz="1600"/>
+              <a:defRPr sz="1400"/>
             </a:lvl1pPr>
-            <a:lvl2pPr marL="457200" indent="0">
+            <a:lvl2pPr marL="457063" indent="0">
               <a:buNone/>
               <a:defRPr sz="1400"/>
             </a:lvl2pPr>
-            <a:lvl3pPr marL="914400" indent="0">
+            <a:lvl3pPr marL="914126" indent="0">
               <a:buNone/>
               <a:defRPr sz="1200"/>
             </a:lvl3pPr>
-            <a:lvl4pPr marL="1371600" indent="0">
+            <a:lvl4pPr marL="1371189" indent="0">
               <a:buNone/>
               <a:defRPr sz="1000"/>
             </a:lvl4pPr>
-            <a:lvl5pPr marL="1828800" indent="0">
+            <a:lvl5pPr marL="1828251" indent="0">
               <a:buNone/>
               <a:defRPr sz="1000"/>
             </a:lvl5pPr>
-            <a:lvl6pPr marL="2286000" indent="0">
+            <a:lvl6pPr marL="2285314" indent="0">
               <a:buNone/>
               <a:defRPr sz="1000"/>
             </a:lvl6pPr>
-            <a:lvl7pPr marL="2743200" indent="0">
+            <a:lvl7pPr marL="2742377" indent="0">
               <a:buNone/>
               <a:defRPr sz="1000"/>
             </a:lvl7pPr>
-            <a:lvl8pPr marL="3200400" indent="0">
+            <a:lvl8pPr marL="3199440" indent="0">
               <a:buNone/>
               <a:defRPr sz="1000"/>
             </a:lvl8pPr>
-            <a:lvl9pPr marL="3657600" indent="0">
+            <a:lvl9pPr marL="3656503" indent="0">
               <a:buNone/>
               <a:defRPr sz="1000"/>
             </a:lvl9pPr>
@@ -2804,13 +4779,7 @@
       </p:sp>
       <p:sp>
         <p:nvSpPr>
-          <p:cNvPr id="5" name="Marcador de fecha 4">
-            <a:extLst>
-              <a:ext uri="{FF2B5EF4-FFF2-40B4-BE49-F238E27FC236}">
-                <a16:creationId xmlns:a16="http://schemas.microsoft.com/office/drawing/2014/main" id="{5F8BE2B7-9A0C-494A-AFEE-FF9D2DE23D94}"/>
-              </a:ext>
-            </a:extLst>
-          </p:cNvPr>
+          <p:cNvPr id="5" name="Date Placeholder 4"/>
           <p:cNvSpPr>
             <a:spLocks noGrp="1"/>
           </p:cNvSpPr>
@@ -2825,7 +4794,7 @@
           <a:p>
             <a:fld id="{84A2E3DD-9BCF-4B36-A258-34DF4D8074F3}" type="datetimeFigureOut">
               <a:rPr lang="es-ES" smtClean="0"/>
-              <a:t>27/12/2019</a:t>
+              <a:t>28/12/2019</a:t>
             </a:fld>
             <a:endParaRPr lang="es-ES"/>
           </a:p>
@@ -2833,13 +4802,7 @@
       </p:sp>
       <p:sp>
         <p:nvSpPr>
-          <p:cNvPr id="6" name="Marcador de pie de página 5">
-            <a:extLst>
-              <a:ext uri="{FF2B5EF4-FFF2-40B4-BE49-F238E27FC236}">
-                <a16:creationId xmlns:a16="http://schemas.microsoft.com/office/drawing/2014/main" id="{4C69252B-BC07-48E1-AAFC-74394A64E565}"/>
-              </a:ext>
-            </a:extLst>
-          </p:cNvPr>
+          <p:cNvPr id="6" name="Footer Placeholder 5"/>
           <p:cNvSpPr>
             <a:spLocks noGrp="1"/>
           </p:cNvSpPr>
@@ -2858,13 +4821,7 @@
       </p:sp>
       <p:sp>
         <p:nvSpPr>
-          <p:cNvPr id="7" name="Marcador de número de diapositiva 6">
-            <a:extLst>
-              <a:ext uri="{FF2B5EF4-FFF2-40B4-BE49-F238E27FC236}">
-                <a16:creationId xmlns:a16="http://schemas.microsoft.com/office/drawing/2014/main" id="{B6DA2C92-2A61-4E9B-8A1A-631A10A1D22E}"/>
-              </a:ext>
-            </a:extLst>
-          </p:cNvPr>
+          <p:cNvPr id="7" name="Slide Number Placeholder 6"/>
           <p:cNvSpPr>
             <a:spLocks noGrp="1"/>
           </p:cNvSpPr>
@@ -2888,7 +4845,7 @@
     </p:spTree>
     <p:extLst>
       <p:ext uri="{BB962C8B-B14F-4D97-AF65-F5344CB8AC3E}">
-        <p14:creationId xmlns:p14="http://schemas.microsoft.com/office/powerpoint/2010/main" val="4031627401"/>
+        <p14:creationId xmlns:p14="http://schemas.microsoft.com/office/powerpoint/2010/main" val="3719893017"/>
       </p:ext>
     </p:extLst>
   </p:cSld>
@@ -2917,13 +4874,7 @@
       </p:grpSpPr>
       <p:sp>
         <p:nvSpPr>
-          <p:cNvPr id="2" name="Título 1">
-            <a:extLst>
-              <a:ext uri="{FF2B5EF4-FFF2-40B4-BE49-F238E27FC236}">
-                <a16:creationId xmlns:a16="http://schemas.microsoft.com/office/drawing/2014/main" id="{8241290F-1949-4760-927F-70F57ECC3FC3}"/>
-              </a:ext>
-            </a:extLst>
-          </p:cNvPr>
+          <p:cNvPr id="2" name="Title 1"/>
           <p:cNvSpPr>
             <a:spLocks noGrp="1"/>
           </p:cNvSpPr>
@@ -2933,15 +4884,17 @@
         </p:nvSpPr>
         <p:spPr>
           <a:xfrm>
-            <a:off x="839788" y="457200"/>
-            <a:ext cx="3932237" cy="1600200"/>
+            <a:off x="677334" y="4800600"/>
+            <a:ext cx="8596667" cy="566738"/>
           </a:xfrm>
         </p:spPr>
         <p:txBody>
-          <a:bodyPr anchor="b"/>
+          <a:bodyPr anchor="b">
+            <a:normAutofit/>
+          </a:bodyPr>
           <a:lstStyle>
-            <a:lvl1pPr>
-              <a:defRPr sz="3200"/>
+            <a:lvl1pPr algn="l">
+              <a:defRPr sz="2400" b="0"/>
             </a:lvl1pPr>
           </a:lstStyle>
           <a:p>
@@ -2949,20 +4902,15 @@
               <a:rPr lang="es-ES"/>
               <a:t>Haga clic para modificar el estilo de título del patrón</a:t>
             </a:r>
-          </a:p>
-        </p:txBody>
-      </p:sp>
-      <p:sp>
-        <p:nvSpPr>
-          <p:cNvPr id="3" name="Marcador de posición de imagen 2">
-            <a:extLst>
-              <a:ext uri="{FF2B5EF4-FFF2-40B4-BE49-F238E27FC236}">
-                <a16:creationId xmlns:a16="http://schemas.microsoft.com/office/drawing/2014/main" id="{E98553A7-714F-4FE2-90B8-B3BA5D7419E0}"/>
-              </a:ext>
-            </a:extLst>
-          </p:cNvPr>
-          <p:cNvSpPr>
-            <a:spLocks noGrp="1"/>
+            <a:endParaRPr lang="en-US" dirty="0"/>
+          </a:p>
+        </p:txBody>
+      </p:sp>
+      <p:sp>
+        <p:nvSpPr>
+          <p:cNvPr id="3" name="Picture Placeholder 2"/>
+          <p:cNvSpPr>
+            <a:spLocks noGrp="1" noChangeAspect="1"/>
           </p:cNvSpPr>
           <p:nvPr>
             <p:ph type="pic" idx="1"/>
@@ -2970,118 +4918,120 @@
         </p:nvSpPr>
         <p:spPr>
           <a:xfrm>
-            <a:off x="5183188" y="987425"/>
-            <a:ext cx="6172200" cy="4873625"/>
+            <a:off x="677334" y="609600"/>
+            <a:ext cx="8596668" cy="3845718"/>
           </a:xfrm>
         </p:spPr>
         <p:txBody>
-          <a:bodyPr/>
+          <a:bodyPr anchor="t">
+            <a:normAutofit/>
+          </a:bodyPr>
           <a:lstStyle>
-            <a:lvl1pPr marL="0" indent="0">
-              <a:buNone/>
-              <a:defRPr sz="3200"/>
-            </a:lvl1pPr>
-            <a:lvl2pPr marL="457200" indent="0">
-              <a:buNone/>
-              <a:defRPr sz="2800"/>
-            </a:lvl2pPr>
-            <a:lvl3pPr marL="914400" indent="0">
-              <a:buNone/>
-              <a:defRPr sz="2400"/>
-            </a:lvl3pPr>
-            <a:lvl4pPr marL="1371600" indent="0">
-              <a:buNone/>
-              <a:defRPr sz="2000"/>
-            </a:lvl4pPr>
-            <a:lvl5pPr marL="1828800" indent="0">
-              <a:buNone/>
-              <a:defRPr sz="2000"/>
-            </a:lvl5pPr>
-            <a:lvl6pPr marL="2286000" indent="0">
-              <a:buNone/>
-              <a:defRPr sz="2000"/>
-            </a:lvl6pPr>
-            <a:lvl7pPr marL="2743200" indent="0">
-              <a:buNone/>
-              <a:defRPr sz="2000"/>
-            </a:lvl7pPr>
-            <a:lvl8pPr marL="3200400" indent="0">
-              <a:buNone/>
-              <a:defRPr sz="2000"/>
-            </a:lvl8pPr>
-            <a:lvl9pPr marL="3657600" indent="0">
-              <a:buNone/>
-              <a:defRPr sz="2000"/>
-            </a:lvl9pPr>
-          </a:lstStyle>
-          <a:p>
-            <a:endParaRPr lang="es-ES"/>
-          </a:p>
-        </p:txBody>
-      </p:sp>
-      <p:sp>
-        <p:nvSpPr>
-          <p:cNvPr id="4" name="Marcador de texto 3">
-            <a:extLst>
-              <a:ext uri="{FF2B5EF4-FFF2-40B4-BE49-F238E27FC236}">
-                <a16:creationId xmlns:a16="http://schemas.microsoft.com/office/drawing/2014/main" id="{E6B16CCF-2893-4953-ADF3-D33128C05718}"/>
-              </a:ext>
-            </a:extLst>
-          </p:cNvPr>
-          <p:cNvSpPr>
-            <a:spLocks noGrp="1"/>
-          </p:cNvSpPr>
-          <p:nvPr>
-            <p:ph type="body" sz="half" idx="2"/>
-          </p:nvPr>
-        </p:nvSpPr>
-        <p:spPr>
-          <a:xfrm>
-            <a:off x="839788" y="2057400"/>
-            <a:ext cx="3932237" cy="3811588"/>
-          </a:xfrm>
-        </p:spPr>
-        <p:txBody>
-          <a:bodyPr/>
-          <a:lstStyle>
-            <a:lvl1pPr marL="0" indent="0">
+            <a:lvl1pPr marL="0" indent="0" algn="ctr">
               <a:buNone/>
               <a:defRPr sz="1600"/>
             </a:lvl1pPr>
             <a:lvl2pPr marL="457200" indent="0">
               <a:buNone/>
-              <a:defRPr sz="1400"/>
+              <a:defRPr sz="1600"/>
             </a:lvl2pPr>
             <a:lvl3pPr marL="914400" indent="0">
               <a:buNone/>
-              <a:defRPr sz="1200"/>
+              <a:defRPr sz="1600"/>
             </a:lvl3pPr>
             <a:lvl4pPr marL="1371600" indent="0">
               <a:buNone/>
-              <a:defRPr sz="1000"/>
+              <a:defRPr sz="1600"/>
             </a:lvl4pPr>
             <a:lvl5pPr marL="1828800" indent="0">
               <a:buNone/>
-              <a:defRPr sz="1000"/>
+              <a:defRPr sz="1600"/>
             </a:lvl5pPr>
             <a:lvl6pPr marL="2286000" indent="0">
               <a:buNone/>
-              <a:defRPr sz="1000"/>
+              <a:defRPr sz="1600"/>
             </a:lvl6pPr>
             <a:lvl7pPr marL="2743200" indent="0">
               <a:buNone/>
-              <a:defRPr sz="1000"/>
+              <a:defRPr sz="1600"/>
             </a:lvl7pPr>
             <a:lvl8pPr marL="3200400" indent="0">
               <a:buNone/>
-              <a:defRPr sz="1000"/>
+              <a:defRPr sz="1600"/>
             </a:lvl8pPr>
             <a:lvl9pPr marL="3657600" indent="0">
               <a:buNone/>
-              <a:defRPr sz="1000"/>
+              <a:defRPr sz="1600"/>
             </a:lvl9pPr>
           </a:lstStyle>
           <a:p>
+            <a:r>
+              <a:rPr lang="es-ES"/>
+              <a:t>Haga clic en el icono para agregar una imagen</a:t>
+            </a:r>
+            <a:endParaRPr lang="en-US" dirty="0"/>
+          </a:p>
+        </p:txBody>
+      </p:sp>
+      <p:sp>
+        <p:nvSpPr>
+          <p:cNvPr id="4" name="Text Placeholder 3"/>
+          <p:cNvSpPr>
+            <a:spLocks noGrp="1"/>
+          </p:cNvSpPr>
+          <p:nvPr>
+            <p:ph type="body" sz="half" idx="2"/>
+          </p:nvPr>
+        </p:nvSpPr>
+        <p:spPr>
+          <a:xfrm>
+            <a:off x="677334" y="5367338"/>
+            <a:ext cx="8596667" cy="674024"/>
+          </a:xfrm>
+        </p:spPr>
+        <p:txBody>
+          <a:bodyPr>
+            <a:normAutofit/>
+          </a:bodyPr>
+          <a:lstStyle>
+            <a:lvl1pPr marL="0" indent="0">
+              <a:buNone/>
+              <a:defRPr sz="1200"/>
+            </a:lvl1pPr>
+            <a:lvl2pPr marL="457200" indent="0">
+              <a:buNone/>
+              <a:defRPr sz="1200"/>
+            </a:lvl2pPr>
+            <a:lvl3pPr marL="914400" indent="0">
+              <a:buNone/>
+              <a:defRPr sz="1000"/>
+            </a:lvl3pPr>
+            <a:lvl4pPr marL="1371600" indent="0">
+              <a:buNone/>
+              <a:defRPr sz="900"/>
+            </a:lvl4pPr>
+            <a:lvl5pPr marL="1828800" indent="0">
+              <a:buNone/>
+              <a:defRPr sz="900"/>
+            </a:lvl5pPr>
+            <a:lvl6pPr marL="2286000" indent="0">
+              <a:buNone/>
+              <a:defRPr sz="900"/>
+            </a:lvl6pPr>
+            <a:lvl7pPr marL="2743200" indent="0">
+              <a:buNone/>
+              <a:defRPr sz="900"/>
+            </a:lvl7pPr>
+            <a:lvl8pPr marL="3200400" indent="0">
+              <a:buNone/>
+              <a:defRPr sz="900"/>
+            </a:lvl8pPr>
+            <a:lvl9pPr marL="3657600" indent="0">
+              <a:buNone/>
+              <a:defRPr sz="900"/>
+            </a:lvl9pPr>
+          </a:lstStyle>
+          <a:p>
             <a:pPr lvl="0"/>
             <a:r>
               <a:rPr lang="es-ES"/>
@@ -3092,18 +5042,12 @@
       </p:sp>
       <p:sp>
         <p:nvSpPr>
-          <p:cNvPr id="5" name="Marcador de fecha 4">
-            <a:extLst>
-              <a:ext uri="{FF2B5EF4-FFF2-40B4-BE49-F238E27FC236}">
-                <a16:creationId xmlns:a16="http://schemas.microsoft.com/office/drawing/2014/main" id="{EEFD5A94-B862-4A2B-8DCF-885C1143118A}"/>
-              </a:ext>
-            </a:extLst>
-          </p:cNvPr>
-          <p:cNvSpPr>
-            <a:spLocks noGrp="1"/>
-          </p:cNvSpPr>
-          <p:nvPr>
-            <p:ph type="dt" sz="half" idx="10"/>
+          <p:cNvPr id="6" name="Footer Placeholder 5"/>
+          <p:cNvSpPr>
+            <a:spLocks noGrp="1"/>
+          </p:cNvSpPr>
+          <p:nvPr>
+            <p:ph type="ftr" sz="quarter" idx="11"/>
           </p:nvPr>
         </p:nvSpPr>
         <p:spPr/>
@@ -3111,48 +5055,13 @@
           <a:bodyPr/>
           <a:lstStyle/>
           <a:p>
-            <a:fld id="{84A2E3DD-9BCF-4B36-A258-34DF4D8074F3}" type="datetimeFigureOut">
-              <a:rPr lang="es-ES" smtClean="0"/>
-              <a:t>27/12/2019</a:t>
-            </a:fld>
             <a:endParaRPr lang="es-ES"/>
           </a:p>
         </p:txBody>
       </p:sp>
       <p:sp>
         <p:nvSpPr>
-          <p:cNvPr id="6" name="Marcador de pie de página 5">
-            <a:extLst>
-              <a:ext uri="{FF2B5EF4-FFF2-40B4-BE49-F238E27FC236}">
-                <a16:creationId xmlns:a16="http://schemas.microsoft.com/office/drawing/2014/main" id="{6D8F98CA-2673-4C1A-B539-6CA371C04CE7}"/>
-              </a:ext>
-            </a:extLst>
-          </p:cNvPr>
-          <p:cNvSpPr>
-            <a:spLocks noGrp="1"/>
-          </p:cNvSpPr>
-          <p:nvPr>
-            <p:ph type="ftr" sz="quarter" idx="11"/>
-          </p:nvPr>
-        </p:nvSpPr>
-        <p:spPr/>
-        <p:txBody>
-          <a:bodyPr/>
-          <a:lstStyle/>
-          <a:p>
-            <a:endParaRPr lang="es-ES"/>
-          </a:p>
-        </p:txBody>
-      </p:sp>
-      <p:sp>
-        <p:nvSpPr>
-          <p:cNvPr id="7" name="Marcador de número de diapositiva 6">
-            <a:extLst>
-              <a:ext uri="{FF2B5EF4-FFF2-40B4-BE49-F238E27FC236}">
-                <a16:creationId xmlns:a16="http://schemas.microsoft.com/office/drawing/2014/main" id="{EE925F71-6097-4096-8BDF-64B0DC5EA4BB}"/>
-              </a:ext>
-            </a:extLst>
-          </p:cNvPr>
+          <p:cNvPr id="7" name="Slide Number Placeholder 6"/>
           <p:cNvSpPr>
             <a:spLocks noGrp="1"/>
           </p:cNvSpPr>
@@ -3173,10 +5082,33 @@
           </a:p>
         </p:txBody>
       </p:sp>
+      <p:sp>
+        <p:nvSpPr>
+          <p:cNvPr id="5" name="Date Placeholder 4"/>
+          <p:cNvSpPr>
+            <a:spLocks noGrp="1"/>
+          </p:cNvSpPr>
+          <p:nvPr>
+            <p:ph type="dt" sz="half" idx="10"/>
+          </p:nvPr>
+        </p:nvSpPr>
+        <p:spPr/>
+        <p:txBody>
+          <a:bodyPr/>
+          <a:lstStyle/>
+          <a:p>
+            <a:fld id="{84A2E3DD-9BCF-4B36-A258-34DF4D8074F3}" type="datetimeFigureOut">
+              <a:rPr lang="es-ES" smtClean="0"/>
+              <a:t>28/12/2019</a:t>
+            </a:fld>
+            <a:endParaRPr lang="es-ES"/>
+          </a:p>
+        </p:txBody>
+      </p:sp>
     </p:spTree>
     <p:extLst>
       <p:ext uri="{BB962C8B-B14F-4D97-AF65-F5344CB8AC3E}">
-        <p14:creationId xmlns:p14="http://schemas.microsoft.com/office/powerpoint/2010/main" val="4079603300"/>
+        <p14:creationId xmlns:p14="http://schemas.microsoft.com/office/powerpoint/2010/main" val="2898960312"/>
       </p:ext>
     </p:extLst>
   </p:cSld>
@@ -3208,15 +5140,540 @@
           <a:chExt cx="0" cy="0"/>
         </a:xfrm>
       </p:grpSpPr>
-      <p:sp>
-        <p:nvSpPr>
-          <p:cNvPr id="2" name="Marcador de título 1">
-            <a:extLst>
-              <a:ext uri="{FF2B5EF4-FFF2-40B4-BE49-F238E27FC236}">
-                <a16:creationId xmlns:a16="http://schemas.microsoft.com/office/drawing/2014/main" id="{DB6C944E-A116-4243-985F-CCD045B3BAC8}"/>
-              </a:ext>
-            </a:extLst>
-          </p:cNvPr>
+      <p:grpSp>
+        <p:nvGrpSpPr>
+          <p:cNvPr id="44" name="Group 43"/>
+          <p:cNvGrpSpPr/>
+          <p:nvPr/>
+        </p:nvGrpSpPr>
+        <p:grpSpPr>
+          <a:xfrm>
+            <a:off x="0" y="-8467"/>
+            <a:ext cx="12192000" cy="6866467"/>
+            <a:chOff x="0" y="-8467"/>
+            <a:chExt cx="12192000" cy="6866467"/>
+          </a:xfrm>
+        </p:grpSpPr>
+        <p:cxnSp>
+          <p:nvCxnSpPr>
+            <p:cNvPr id="20" name="Straight Connector 19"/>
+            <p:cNvCxnSpPr/>
+            <p:nvPr/>
+          </p:nvCxnSpPr>
+          <p:spPr>
+            <a:xfrm>
+              <a:off x="9371012" y="0"/>
+              <a:ext cx="1219200" cy="6858000"/>
+            </a:xfrm>
+            <a:prstGeom prst="line">
+              <a:avLst/>
+            </a:prstGeom>
+            <a:ln w="9525">
+              <a:solidFill>
+                <a:schemeClr val="accent1">
+                  <a:alpha val="70000"/>
+                </a:schemeClr>
+              </a:solidFill>
+            </a:ln>
+          </p:spPr>
+          <p:style>
+            <a:lnRef idx="2">
+              <a:schemeClr val="accent1"/>
+            </a:lnRef>
+            <a:fillRef idx="0">
+              <a:schemeClr val="accent1"/>
+            </a:fillRef>
+            <a:effectRef idx="1">
+              <a:schemeClr val="accent1"/>
+            </a:effectRef>
+            <a:fontRef idx="minor">
+              <a:schemeClr val="tx1"/>
+            </a:fontRef>
+          </p:style>
+        </p:cxnSp>
+        <p:cxnSp>
+          <p:nvCxnSpPr>
+            <p:cNvPr id="21" name="Straight Connector 20"/>
+            <p:cNvCxnSpPr/>
+            <p:nvPr/>
+          </p:nvCxnSpPr>
+          <p:spPr>
+            <a:xfrm flipH="1">
+              <a:off x="7425267" y="3681413"/>
+              <a:ext cx="4763558" cy="3176587"/>
+            </a:xfrm>
+            <a:prstGeom prst="line">
+              <a:avLst/>
+            </a:prstGeom>
+            <a:ln w="9525">
+              <a:solidFill>
+                <a:schemeClr val="accent1">
+                  <a:alpha val="70000"/>
+                </a:schemeClr>
+              </a:solidFill>
+            </a:ln>
+          </p:spPr>
+          <p:style>
+            <a:lnRef idx="2">
+              <a:schemeClr val="accent1"/>
+            </a:lnRef>
+            <a:fillRef idx="0">
+              <a:schemeClr val="accent1"/>
+            </a:fillRef>
+            <a:effectRef idx="1">
+              <a:schemeClr val="accent1"/>
+            </a:effectRef>
+            <a:fontRef idx="minor">
+              <a:schemeClr val="tx1"/>
+            </a:fontRef>
+          </p:style>
+        </p:cxnSp>
+        <p:sp>
+          <p:nvSpPr>
+            <p:cNvPr id="22" name="Rectangle 23"/>
+            <p:cNvSpPr/>
+            <p:nvPr/>
+          </p:nvSpPr>
+          <p:spPr>
+            <a:xfrm>
+              <a:off x="9181476" y="-8467"/>
+              <a:ext cx="3007349" cy="6866467"/>
+            </a:xfrm>
+            <a:custGeom>
+              <a:avLst/>
+              <a:gdLst/>
+              <a:ahLst/>
+              <a:cxnLst/>
+              <a:rect l="l" t="t" r="r" b="b"/>
+              <a:pathLst>
+                <a:path w="3007349" h="6866467">
+                  <a:moveTo>
+                    <a:pt x="2045532" y="0"/>
+                  </a:moveTo>
+                  <a:lnTo>
+                    <a:pt x="3007349" y="0"/>
+                  </a:lnTo>
+                  <a:lnTo>
+                    <a:pt x="3007349" y="6866467"/>
+                  </a:lnTo>
+                  <a:lnTo>
+                    <a:pt x="0" y="6866467"/>
+                  </a:lnTo>
+                  <a:lnTo>
+                    <a:pt x="2045532" y="0"/>
+                  </a:lnTo>
+                  <a:close/>
+                </a:path>
+              </a:pathLst>
+            </a:custGeom>
+            <a:solidFill>
+              <a:schemeClr val="accent1">
+                <a:alpha val="36000"/>
+              </a:schemeClr>
+            </a:solidFill>
+            <a:ln>
+              <a:noFill/>
+            </a:ln>
+            <a:effectLst/>
+          </p:spPr>
+          <p:style>
+            <a:lnRef idx="1">
+              <a:schemeClr val="accent1"/>
+            </a:lnRef>
+            <a:fillRef idx="3">
+              <a:schemeClr val="accent1"/>
+            </a:fillRef>
+            <a:effectRef idx="2">
+              <a:schemeClr val="accent1"/>
+            </a:effectRef>
+            <a:fontRef idx="minor">
+              <a:schemeClr val="lt1"/>
+            </a:fontRef>
+          </p:style>
+        </p:sp>
+        <p:sp>
+          <p:nvSpPr>
+            <p:cNvPr id="23" name="Rectangle 25"/>
+            <p:cNvSpPr/>
+            <p:nvPr/>
+          </p:nvSpPr>
+          <p:spPr>
+            <a:xfrm>
+              <a:off x="9603442" y="-8467"/>
+              <a:ext cx="2588558" cy="6866467"/>
+            </a:xfrm>
+            <a:custGeom>
+              <a:avLst/>
+              <a:gdLst/>
+              <a:ahLst/>
+              <a:cxnLst/>
+              <a:rect l="l" t="t" r="r" b="b"/>
+              <a:pathLst>
+                <a:path w="2573311" h="6866467">
+                  <a:moveTo>
+                    <a:pt x="0" y="0"/>
+                  </a:moveTo>
+                  <a:lnTo>
+                    <a:pt x="2573311" y="0"/>
+                  </a:lnTo>
+                  <a:lnTo>
+                    <a:pt x="2573311" y="6866467"/>
+                  </a:lnTo>
+                  <a:lnTo>
+                    <a:pt x="1202336" y="6866467"/>
+                  </a:lnTo>
+                  <a:lnTo>
+                    <a:pt x="0" y="0"/>
+                  </a:lnTo>
+                  <a:close/>
+                </a:path>
+              </a:pathLst>
+            </a:custGeom>
+            <a:solidFill>
+              <a:schemeClr val="accent1">
+                <a:alpha val="20000"/>
+              </a:schemeClr>
+            </a:solidFill>
+            <a:ln>
+              <a:noFill/>
+            </a:ln>
+            <a:effectLst/>
+          </p:spPr>
+          <p:style>
+            <a:lnRef idx="1">
+              <a:schemeClr val="accent1"/>
+            </a:lnRef>
+            <a:fillRef idx="3">
+              <a:schemeClr val="accent1"/>
+            </a:fillRef>
+            <a:effectRef idx="2">
+              <a:schemeClr val="accent1"/>
+            </a:effectRef>
+            <a:fontRef idx="minor">
+              <a:schemeClr val="lt1"/>
+            </a:fontRef>
+          </p:style>
+        </p:sp>
+        <p:sp>
+          <p:nvSpPr>
+            <p:cNvPr id="24" name="Isosceles Triangle 23"/>
+            <p:cNvSpPr/>
+            <p:nvPr/>
+          </p:nvSpPr>
+          <p:spPr>
+            <a:xfrm>
+              <a:off x="8932333" y="3048000"/>
+              <a:ext cx="3259667" cy="3810000"/>
+            </a:xfrm>
+            <a:prstGeom prst="triangle">
+              <a:avLst>
+                <a:gd name="adj" fmla="val 100000"/>
+              </a:avLst>
+            </a:prstGeom>
+            <a:solidFill>
+              <a:schemeClr val="accent1">
+                <a:lumMod val="75000"/>
+                <a:alpha val="66000"/>
+              </a:schemeClr>
+            </a:solidFill>
+            <a:ln>
+              <a:noFill/>
+            </a:ln>
+            <a:effectLst/>
+          </p:spPr>
+          <p:style>
+            <a:lnRef idx="1">
+              <a:schemeClr val="accent1"/>
+            </a:lnRef>
+            <a:fillRef idx="3">
+              <a:schemeClr val="accent1"/>
+            </a:fillRef>
+            <a:effectRef idx="2">
+              <a:schemeClr val="accent1"/>
+            </a:effectRef>
+            <a:fontRef idx="minor">
+              <a:schemeClr val="lt1"/>
+            </a:fontRef>
+          </p:style>
+        </p:sp>
+        <p:sp>
+          <p:nvSpPr>
+            <p:cNvPr id="25" name="Rectangle 27"/>
+            <p:cNvSpPr/>
+            <p:nvPr/>
+          </p:nvSpPr>
+          <p:spPr>
+            <a:xfrm>
+              <a:off x="9334500" y="-8467"/>
+              <a:ext cx="2854326" cy="6866467"/>
+            </a:xfrm>
+            <a:custGeom>
+              <a:avLst/>
+              <a:gdLst/>
+              <a:ahLst/>
+              <a:cxnLst/>
+              <a:rect l="l" t="t" r="r" b="b"/>
+              <a:pathLst>
+                <a:path w="2858013" h="6866467">
+                  <a:moveTo>
+                    <a:pt x="0" y="0"/>
+                  </a:moveTo>
+                  <a:lnTo>
+                    <a:pt x="2858013" y="0"/>
+                  </a:lnTo>
+                  <a:lnTo>
+                    <a:pt x="2858013" y="6866467"/>
+                  </a:lnTo>
+                  <a:lnTo>
+                    <a:pt x="2473942" y="6866467"/>
+                  </a:lnTo>
+                  <a:lnTo>
+                    <a:pt x="0" y="0"/>
+                  </a:lnTo>
+                  <a:close/>
+                </a:path>
+              </a:pathLst>
+            </a:custGeom>
+            <a:solidFill>
+              <a:schemeClr val="accent1">
+                <a:lumMod val="75000"/>
+                <a:alpha val="50000"/>
+              </a:schemeClr>
+            </a:solidFill>
+            <a:ln>
+              <a:noFill/>
+            </a:ln>
+            <a:effectLst/>
+          </p:spPr>
+          <p:style>
+            <a:lnRef idx="1">
+              <a:schemeClr val="accent1"/>
+            </a:lnRef>
+            <a:fillRef idx="3">
+              <a:schemeClr val="accent1"/>
+            </a:fillRef>
+            <a:effectRef idx="2">
+              <a:schemeClr val="accent1"/>
+            </a:effectRef>
+            <a:fontRef idx="minor">
+              <a:schemeClr val="lt1"/>
+            </a:fontRef>
+          </p:style>
+        </p:sp>
+        <p:sp>
+          <p:nvSpPr>
+            <p:cNvPr id="26" name="Rectangle 28"/>
+            <p:cNvSpPr/>
+            <p:nvPr/>
+          </p:nvSpPr>
+          <p:spPr>
+            <a:xfrm>
+              <a:off x="10898730" y="-8467"/>
+              <a:ext cx="1290094" cy="6866467"/>
+            </a:xfrm>
+            <a:custGeom>
+              <a:avLst/>
+              <a:gdLst/>
+              <a:ahLst/>
+              <a:cxnLst/>
+              <a:rect l="l" t="t" r="r" b="b"/>
+              <a:pathLst>
+                <a:path w="1290094" h="6858000">
+                  <a:moveTo>
+                    <a:pt x="1019735" y="0"/>
+                  </a:moveTo>
+                  <a:lnTo>
+                    <a:pt x="1290094" y="0"/>
+                  </a:lnTo>
+                  <a:lnTo>
+                    <a:pt x="1290094" y="6858000"/>
+                  </a:lnTo>
+                  <a:lnTo>
+                    <a:pt x="0" y="6858000"/>
+                  </a:lnTo>
+                  <a:lnTo>
+                    <a:pt x="1019735" y="0"/>
+                  </a:lnTo>
+                  <a:close/>
+                </a:path>
+              </a:pathLst>
+            </a:custGeom>
+            <a:solidFill>
+              <a:schemeClr val="accent2">
+                <a:alpha val="70000"/>
+              </a:schemeClr>
+            </a:solidFill>
+            <a:ln>
+              <a:noFill/>
+            </a:ln>
+            <a:effectLst/>
+          </p:spPr>
+          <p:style>
+            <a:lnRef idx="1">
+              <a:schemeClr val="accent1"/>
+            </a:lnRef>
+            <a:fillRef idx="3">
+              <a:schemeClr val="accent1"/>
+            </a:fillRef>
+            <a:effectRef idx="2">
+              <a:schemeClr val="accent1"/>
+            </a:effectRef>
+            <a:fontRef idx="minor">
+              <a:schemeClr val="lt1"/>
+            </a:fontRef>
+          </p:style>
+        </p:sp>
+        <p:sp>
+          <p:nvSpPr>
+            <p:cNvPr id="27" name="Rectangle 29"/>
+            <p:cNvSpPr/>
+            <p:nvPr/>
+          </p:nvSpPr>
+          <p:spPr>
+            <a:xfrm>
+              <a:off x="10938999" y="-8467"/>
+              <a:ext cx="1249825" cy="6866467"/>
+            </a:xfrm>
+            <a:custGeom>
+              <a:avLst/>
+              <a:gdLst/>
+              <a:ahLst/>
+              <a:cxnLst/>
+              <a:rect l="l" t="t" r="r" b="b"/>
+              <a:pathLst>
+                <a:path w="1249825" h="6858000">
+                  <a:moveTo>
+                    <a:pt x="0" y="0"/>
+                  </a:moveTo>
+                  <a:lnTo>
+                    <a:pt x="1249825" y="0"/>
+                  </a:lnTo>
+                  <a:lnTo>
+                    <a:pt x="1249825" y="6858000"/>
+                  </a:lnTo>
+                  <a:lnTo>
+                    <a:pt x="1109382" y="6858000"/>
+                  </a:lnTo>
+                  <a:lnTo>
+                    <a:pt x="0" y="0"/>
+                  </a:lnTo>
+                  <a:close/>
+                </a:path>
+              </a:pathLst>
+            </a:custGeom>
+            <a:solidFill>
+              <a:schemeClr val="accent2">
+                <a:lumMod val="75000"/>
+                <a:alpha val="80000"/>
+              </a:schemeClr>
+            </a:solidFill>
+            <a:ln>
+              <a:noFill/>
+            </a:ln>
+            <a:effectLst/>
+          </p:spPr>
+          <p:style>
+            <a:lnRef idx="1">
+              <a:schemeClr val="accent1"/>
+            </a:lnRef>
+            <a:fillRef idx="3">
+              <a:schemeClr val="accent1"/>
+            </a:fillRef>
+            <a:effectRef idx="2">
+              <a:schemeClr val="accent1"/>
+            </a:effectRef>
+            <a:fontRef idx="minor">
+              <a:schemeClr val="lt1"/>
+            </a:fontRef>
+          </p:style>
+        </p:sp>
+        <p:sp>
+          <p:nvSpPr>
+            <p:cNvPr id="28" name="Isosceles Triangle 27"/>
+            <p:cNvSpPr/>
+            <p:nvPr/>
+          </p:nvSpPr>
+          <p:spPr>
+            <a:xfrm>
+              <a:off x="10371666" y="3589867"/>
+              <a:ext cx="1817159" cy="3268133"/>
+            </a:xfrm>
+            <a:prstGeom prst="triangle">
+              <a:avLst>
+                <a:gd name="adj" fmla="val 100000"/>
+              </a:avLst>
+            </a:prstGeom>
+            <a:solidFill>
+              <a:schemeClr val="accent1">
+                <a:lumMod val="75000"/>
+                <a:alpha val="66000"/>
+              </a:schemeClr>
+            </a:solidFill>
+            <a:ln>
+              <a:noFill/>
+            </a:ln>
+            <a:effectLst/>
+          </p:spPr>
+          <p:style>
+            <a:lnRef idx="1">
+              <a:schemeClr val="accent1"/>
+            </a:lnRef>
+            <a:fillRef idx="3">
+              <a:schemeClr val="accent1"/>
+            </a:fillRef>
+            <a:effectRef idx="2">
+              <a:schemeClr val="accent1"/>
+            </a:effectRef>
+            <a:fontRef idx="minor">
+              <a:schemeClr val="lt1"/>
+            </a:fontRef>
+          </p:style>
+        </p:sp>
+        <p:sp>
+          <p:nvSpPr>
+            <p:cNvPr id="19" name="Isosceles Triangle 18"/>
+            <p:cNvSpPr/>
+            <p:nvPr/>
+          </p:nvSpPr>
+          <p:spPr>
+            <a:xfrm>
+              <a:off x="0" y="4013200"/>
+              <a:ext cx="448733" cy="2844800"/>
+            </a:xfrm>
+            <a:prstGeom prst="triangle">
+              <a:avLst>
+                <a:gd name="adj" fmla="val 0"/>
+              </a:avLst>
+            </a:prstGeom>
+            <a:solidFill>
+              <a:schemeClr val="accent1">
+                <a:alpha val="70000"/>
+              </a:schemeClr>
+            </a:solidFill>
+            <a:ln>
+              <a:noFill/>
+            </a:ln>
+            <a:effectLst/>
+          </p:spPr>
+          <p:style>
+            <a:lnRef idx="1">
+              <a:schemeClr val="accent1"/>
+            </a:lnRef>
+            <a:fillRef idx="3">
+              <a:schemeClr val="accent1"/>
+            </a:fillRef>
+            <a:effectRef idx="2">
+              <a:schemeClr val="accent1"/>
+            </a:effectRef>
+            <a:fontRef idx="minor">
+              <a:schemeClr val="lt1"/>
+            </a:fontRef>
+          </p:style>
+        </p:sp>
+      </p:grpSp>
+      <p:sp>
+        <p:nvSpPr>
+          <p:cNvPr id="2" name="Title Placeholder 1"/>
           <p:cNvSpPr>
             <a:spLocks noGrp="1"/>
           </p:cNvSpPr>
@@ -3226,15 +5683,15 @@
         </p:nvSpPr>
         <p:spPr>
           <a:xfrm>
-            <a:off x="838200" y="365125"/>
-            <a:ext cx="10515600" cy="1325563"/>
+            <a:off x="677334" y="609600"/>
+            <a:ext cx="8596668" cy="1320800"/>
           </a:xfrm>
           <a:prstGeom prst="rect">
             <a:avLst/>
           </a:prstGeom>
         </p:spPr>
         <p:txBody>
-          <a:bodyPr vert="horz" lIns="91440" tIns="45720" rIns="91440" bIns="45720" rtlCol="0" anchor="ctr">
+          <a:bodyPr vert="horz" lIns="91440" tIns="45720" rIns="91440" bIns="45720" rtlCol="0" anchor="t">
             <a:normAutofit/>
           </a:bodyPr>
           <a:lstStyle/>
@@ -3243,18 +5700,13 @@
               <a:rPr lang="es-ES"/>
               <a:t>Haga clic para modificar el estilo de título del patrón</a:t>
             </a:r>
-          </a:p>
-        </p:txBody>
-      </p:sp>
-      <p:sp>
-        <p:nvSpPr>
-          <p:cNvPr id="3" name="Marcador de texto 2">
-            <a:extLst>
-              <a:ext uri="{FF2B5EF4-FFF2-40B4-BE49-F238E27FC236}">
-                <a16:creationId xmlns:a16="http://schemas.microsoft.com/office/drawing/2014/main" id="{1C8E0EA6-D077-47FF-BD01-C3F3560C5C20}"/>
-              </a:ext>
-            </a:extLst>
-          </p:cNvPr>
+            <a:endParaRPr lang="en-US" dirty="0"/>
+          </a:p>
+        </p:txBody>
+      </p:sp>
+      <p:sp>
+        <p:nvSpPr>
+          <p:cNvPr id="3" name="Text Placeholder 2"/>
           <p:cNvSpPr>
             <a:spLocks noGrp="1"/>
           </p:cNvSpPr>
@@ -3264,8 +5716,8 @@
         </p:nvSpPr>
         <p:spPr>
           <a:xfrm>
-            <a:off x="838200" y="1825625"/>
-            <a:ext cx="10515600" cy="4351338"/>
+            <a:off x="677334" y="2160589"/>
+            <a:ext cx="8596668" cy="3880773"/>
           </a:xfrm>
           <a:prstGeom prst="rect">
             <a:avLst/>
@@ -3310,18 +5762,13 @@
               <a:rPr lang="es-ES"/>
               <a:t>Quinto nivel</a:t>
             </a:r>
-          </a:p>
-        </p:txBody>
-      </p:sp>
-      <p:sp>
-        <p:nvSpPr>
-          <p:cNvPr id="4" name="Marcador de fecha 3">
-            <a:extLst>
-              <a:ext uri="{FF2B5EF4-FFF2-40B4-BE49-F238E27FC236}">
-                <a16:creationId xmlns:a16="http://schemas.microsoft.com/office/drawing/2014/main" id="{15A15B65-3BB7-4F95-AC4E-D05503AF35B9}"/>
-              </a:ext>
-            </a:extLst>
-          </p:cNvPr>
+            <a:endParaRPr lang="en-US" dirty="0"/>
+          </a:p>
+        </p:txBody>
+      </p:sp>
+      <p:sp>
+        <p:nvSpPr>
+          <p:cNvPr id="4" name="Date Placeholder 3"/>
           <p:cNvSpPr>
             <a:spLocks noGrp="1"/>
           </p:cNvSpPr>
@@ -3331,8 +5778,8 @@
         </p:nvSpPr>
         <p:spPr>
           <a:xfrm>
-            <a:off x="838200" y="6356350"/>
-            <a:ext cx="2743200" cy="365125"/>
+            <a:off x="7205133" y="6041362"/>
+            <a:ext cx="911939" cy="365125"/>
           </a:xfrm>
           <a:prstGeom prst="rect">
             <a:avLst/>
@@ -3341,8 +5788,8 @@
         <p:txBody>
           <a:bodyPr vert="horz" lIns="91440" tIns="45720" rIns="91440" bIns="45720" rtlCol="0" anchor="ctr"/>
           <a:lstStyle>
-            <a:lvl1pPr algn="l">
-              <a:defRPr sz="1200">
+            <a:lvl1pPr algn="r">
+              <a:defRPr sz="900">
                 <a:solidFill>
                   <a:schemeClr val="tx1">
                     <a:tint val="75000"/>
@@ -3354,7 +5801,7 @@
           <a:p>
             <a:fld id="{84A2E3DD-9BCF-4B36-A258-34DF4D8074F3}" type="datetimeFigureOut">
               <a:rPr lang="es-ES" smtClean="0"/>
-              <a:t>27/12/2019</a:t>
+              <a:t>28/12/2019</a:t>
             </a:fld>
             <a:endParaRPr lang="es-ES"/>
           </a:p>
@@ -3362,13 +5809,7 @@
       </p:sp>
       <p:sp>
         <p:nvSpPr>
-          <p:cNvPr id="5" name="Marcador de pie de página 4">
-            <a:extLst>
-              <a:ext uri="{FF2B5EF4-FFF2-40B4-BE49-F238E27FC236}">
-                <a16:creationId xmlns:a16="http://schemas.microsoft.com/office/drawing/2014/main" id="{E7DC5138-54EE-42D3-BA7D-CAA932CE1317}"/>
-              </a:ext>
-            </a:extLst>
-          </p:cNvPr>
+          <p:cNvPr id="5" name="Footer Placeholder 4"/>
           <p:cNvSpPr>
             <a:spLocks noGrp="1"/>
           </p:cNvSpPr>
@@ -3378,8 +5819,8 @@
         </p:nvSpPr>
         <p:spPr>
           <a:xfrm>
-            <a:off x="4038600" y="6356350"/>
-            <a:ext cx="4114800" cy="365125"/>
+            <a:off x="677334" y="6041362"/>
+            <a:ext cx="6297612" cy="365125"/>
           </a:xfrm>
           <a:prstGeom prst="rect">
             <a:avLst/>
@@ -3388,8 +5829,8 @@
         <p:txBody>
           <a:bodyPr vert="horz" lIns="91440" tIns="45720" rIns="91440" bIns="45720" rtlCol="0" anchor="ctr"/>
           <a:lstStyle>
-            <a:lvl1pPr algn="ctr">
-              <a:defRPr sz="1200">
+            <a:lvl1pPr algn="l">
+              <a:defRPr sz="900">
                 <a:solidFill>
                   <a:schemeClr val="tx1">
                     <a:tint val="75000"/>
@@ -3405,13 +5846,7 @@
       </p:sp>
       <p:sp>
         <p:nvSpPr>
-          <p:cNvPr id="6" name="Marcador de número de diapositiva 5">
-            <a:extLst>
-              <a:ext uri="{FF2B5EF4-FFF2-40B4-BE49-F238E27FC236}">
-                <a16:creationId xmlns:a16="http://schemas.microsoft.com/office/drawing/2014/main" id="{F844656C-EBFC-4EC4-908E-97FC63F903B9}"/>
-              </a:ext>
-            </a:extLst>
-          </p:cNvPr>
+          <p:cNvPr id="6" name="Slide Number Placeholder 5"/>
           <p:cNvSpPr>
             <a:spLocks noGrp="1"/>
           </p:cNvSpPr>
@@ -3421,8 +5856,8 @@
         </p:nvSpPr>
         <p:spPr>
           <a:xfrm>
-            <a:off x="8610600" y="6356350"/>
-            <a:ext cx="2743200" cy="365125"/>
+            <a:off x="8590663" y="6041362"/>
+            <a:ext cx="683339" cy="365125"/>
           </a:xfrm>
           <a:prstGeom prst="rect">
             <a:avLst/>
@@ -3432,11 +5867,9 @@
           <a:bodyPr vert="horz" lIns="91440" tIns="45720" rIns="91440" bIns="45720" rtlCol="0" anchor="ctr"/>
           <a:lstStyle>
             <a:lvl1pPr algn="r">
-              <a:defRPr sz="1200">
+              <a:defRPr sz="900">
                 <a:solidFill>
-                  <a:schemeClr val="tx1">
-                    <a:tint val="75000"/>
-                  </a:schemeClr>
+                  <a:schemeClr val="accent1"/>
                 </a:solidFill>
               </a:defRPr>
             </a:lvl1pPr>
@@ -3453,55 +5886,335 @@
     </p:spTree>
     <p:extLst>
       <p:ext uri="{BB962C8B-B14F-4D97-AF65-F5344CB8AC3E}">
-        <p14:creationId xmlns:p14="http://schemas.microsoft.com/office/powerpoint/2010/main" val="849285846"/>
+        <p14:creationId xmlns:p14="http://schemas.microsoft.com/office/powerpoint/2010/main" val="2997858349"/>
       </p:ext>
     </p:extLst>
   </p:cSld>
   <p:clrMap bg1="lt1" tx1="dk1" bg2="lt2" tx2="dk2" accent1="accent1" accent2="accent2" accent3="accent3" accent4="accent4" accent5="accent5" accent6="accent6" hlink="hlink" folHlink="folHlink"/>
   <p:sldLayoutIdLst>
-    <p:sldLayoutId id="2147483649" r:id="rId1"/>
-    <p:sldLayoutId id="2147483650" r:id="rId2"/>
-    <p:sldLayoutId id="2147483651" r:id="rId3"/>
-    <p:sldLayoutId id="2147483652" r:id="rId4"/>
-    <p:sldLayoutId id="2147483653" r:id="rId5"/>
-    <p:sldLayoutId id="2147483654" r:id="rId6"/>
-    <p:sldLayoutId id="2147483655" r:id="rId7"/>
-    <p:sldLayoutId id="2147483656" r:id="rId8"/>
-    <p:sldLayoutId id="2147483657" r:id="rId9"/>
-    <p:sldLayoutId id="2147483658" r:id="rId10"/>
-    <p:sldLayoutId id="2147483659" r:id="rId11"/>
+    <p:sldLayoutId id="2147483712" r:id="rId1"/>
+    <p:sldLayoutId id="2147483713" r:id="rId2"/>
+    <p:sldLayoutId id="2147483714" r:id="rId3"/>
+    <p:sldLayoutId id="2147483715" r:id="rId4"/>
+    <p:sldLayoutId id="2147483716" r:id="rId5"/>
+    <p:sldLayoutId id="2147483717" r:id="rId6"/>
+    <p:sldLayoutId id="2147483718" r:id="rId7"/>
+    <p:sldLayoutId id="2147483719" r:id="rId8"/>
+    <p:sldLayoutId id="2147483720" r:id="rId9"/>
+    <p:sldLayoutId id="2147483721" r:id="rId10"/>
+    <p:sldLayoutId id="2147483722" r:id="rId11"/>
+    <p:sldLayoutId id="2147483723" r:id="rId12"/>
+    <p:sldLayoutId id="2147483724" r:id="rId13"/>
+    <p:sldLayoutId id="2147483725" r:id="rId14"/>
+    <p:sldLayoutId id="2147483726" r:id="rId15"/>
+    <p:sldLayoutId id="2147483727" r:id="rId16"/>
   </p:sldLayoutIdLst>
   <p:txStyles>
     <p:titleStyle>
-      <a:lvl1pPr algn="l" defTabSz="914400" rtl="0" eaLnBrk="1" latinLnBrk="0" hangingPunct="1">
-        <a:lnSpc>
-          <a:spcPct val="90000"/>
-        </a:lnSpc>
+      <a:lvl1pPr algn="l" defTabSz="457200" rtl="0" eaLnBrk="1" latinLnBrk="0" hangingPunct="1">
         <a:spcBef>
           <a:spcPct val="0"/>
         </a:spcBef>
         <a:buNone/>
-        <a:defRPr sz="4400" kern="1200">
+        <a:defRPr sz="3600" kern="1200">
           <a:solidFill>
-            <a:schemeClr val="tx1"/>
+            <a:schemeClr val="accent1"/>
           </a:solidFill>
           <a:latin typeface="+mj-lt"/>
           <a:ea typeface="+mj-ea"/>
           <a:cs typeface="+mj-cs"/>
         </a:defRPr>
       </a:lvl1pPr>
+      <a:lvl2pPr eaLnBrk="1" hangingPunct="1">
+        <a:defRPr>
+          <a:solidFill>
+            <a:schemeClr val="tx2"/>
+          </a:solidFill>
+        </a:defRPr>
+      </a:lvl2pPr>
+      <a:lvl3pPr eaLnBrk="1" hangingPunct="1">
+        <a:defRPr>
+          <a:solidFill>
+            <a:schemeClr val="tx2"/>
+          </a:solidFill>
+        </a:defRPr>
+      </a:lvl3pPr>
+      <a:lvl4pPr eaLnBrk="1" hangingPunct="1">
+        <a:defRPr>
+          <a:solidFill>
+            <a:schemeClr val="tx2"/>
+          </a:solidFill>
+        </a:defRPr>
+      </a:lvl4pPr>
+      <a:lvl5pPr eaLnBrk="1" hangingPunct="1">
+        <a:defRPr>
+          <a:solidFill>
+            <a:schemeClr val="tx2"/>
+          </a:solidFill>
+        </a:defRPr>
+      </a:lvl5pPr>
+      <a:lvl6pPr eaLnBrk="1" hangingPunct="1">
+        <a:defRPr>
+          <a:solidFill>
+            <a:schemeClr val="tx2"/>
+          </a:solidFill>
+        </a:defRPr>
+      </a:lvl6pPr>
+      <a:lvl7pPr eaLnBrk="1" hangingPunct="1">
+        <a:defRPr>
+          <a:solidFill>
+            <a:schemeClr val="tx2"/>
+          </a:solidFill>
+        </a:defRPr>
+      </a:lvl7pPr>
+      <a:lvl8pPr eaLnBrk="1" hangingPunct="1">
+        <a:defRPr>
+          <a:solidFill>
+            <a:schemeClr val="tx2"/>
+          </a:solidFill>
+        </a:defRPr>
+      </a:lvl8pPr>
+      <a:lvl9pPr eaLnBrk="1" hangingPunct="1">
+        <a:defRPr>
+          <a:solidFill>
+            <a:schemeClr val="tx2"/>
+          </a:solidFill>
+        </a:defRPr>
+      </a:lvl9pPr>
     </p:titleStyle>
     <p:bodyStyle>
-      <a:lvl1pPr marL="228600" indent="-228600" algn="l" defTabSz="914400" rtl="0" eaLnBrk="1" latinLnBrk="0" hangingPunct="1">
-        <a:lnSpc>
-          <a:spcPct val="90000"/>
-        </a:lnSpc>
+      <a:lvl1pPr marL="342900" indent="-342900" algn="l" defTabSz="457200" rtl="0" eaLnBrk="1" latinLnBrk="0" hangingPunct="1">
         <a:spcBef>
           <a:spcPts val="1000"/>
         </a:spcBef>
-        <a:buFont typeface="Arial" panose="020B0604020202020204" pitchFamily="34" charset="0"/>
-        <a:buChar char="•"/>
-        <a:defRPr sz="2800" kern="1200">
+        <a:spcAft>
+          <a:spcPts val="0"/>
+        </a:spcAft>
+        <a:buClr>
+          <a:schemeClr val="accent1"/>
+        </a:buClr>
+        <a:buSzPct val="80000"/>
+        <a:buFont typeface="Wingdings 3" charset="2"/>
+        <a:buChar char=""/>
+        <a:defRPr sz="1800" kern="1200">
+          <a:solidFill>
+            <a:schemeClr val="tx1">
+              <a:lumMod val="75000"/>
+              <a:lumOff val="25000"/>
+            </a:schemeClr>
+          </a:solidFill>
+          <a:latin typeface="+mn-lt"/>
+          <a:ea typeface="+mn-ea"/>
+          <a:cs typeface="+mn-cs"/>
+        </a:defRPr>
+      </a:lvl1pPr>
+      <a:lvl2pPr marL="742950" indent="-285750" algn="l" defTabSz="457200" rtl="0" eaLnBrk="1" latinLnBrk="0" hangingPunct="1">
+        <a:spcBef>
+          <a:spcPts val="1000"/>
+        </a:spcBef>
+        <a:spcAft>
+          <a:spcPts val="0"/>
+        </a:spcAft>
+        <a:buClr>
+          <a:schemeClr val="accent1"/>
+        </a:buClr>
+        <a:buSzPct val="80000"/>
+        <a:buFont typeface="Wingdings 3" charset="2"/>
+        <a:buChar char=""/>
+        <a:defRPr sz="1600" kern="1200">
+          <a:solidFill>
+            <a:schemeClr val="tx1">
+              <a:lumMod val="75000"/>
+              <a:lumOff val="25000"/>
+            </a:schemeClr>
+          </a:solidFill>
+          <a:latin typeface="+mn-lt"/>
+          <a:ea typeface="+mn-ea"/>
+          <a:cs typeface="+mn-cs"/>
+        </a:defRPr>
+      </a:lvl2pPr>
+      <a:lvl3pPr marL="1143000" indent="-228600" algn="l" defTabSz="457200" rtl="0" eaLnBrk="1" latinLnBrk="0" hangingPunct="1">
+        <a:spcBef>
+          <a:spcPts val="1000"/>
+        </a:spcBef>
+        <a:spcAft>
+          <a:spcPts val="0"/>
+        </a:spcAft>
+        <a:buClr>
+          <a:schemeClr val="accent1"/>
+        </a:buClr>
+        <a:buSzPct val="80000"/>
+        <a:buFont typeface="Wingdings 3" charset="2"/>
+        <a:buChar char=""/>
+        <a:defRPr sz="1400" kern="1200">
+          <a:solidFill>
+            <a:schemeClr val="tx1">
+              <a:lumMod val="75000"/>
+              <a:lumOff val="25000"/>
+            </a:schemeClr>
+          </a:solidFill>
+          <a:latin typeface="+mn-lt"/>
+          <a:ea typeface="+mn-ea"/>
+          <a:cs typeface="+mn-cs"/>
+        </a:defRPr>
+      </a:lvl3pPr>
+      <a:lvl4pPr marL="1600200" indent="-228600" algn="l" defTabSz="457200" rtl="0" eaLnBrk="1" latinLnBrk="0" hangingPunct="1">
+        <a:spcBef>
+          <a:spcPts val="1000"/>
+        </a:spcBef>
+        <a:spcAft>
+          <a:spcPts val="0"/>
+        </a:spcAft>
+        <a:buClr>
+          <a:schemeClr val="accent1"/>
+        </a:buClr>
+        <a:buSzPct val="80000"/>
+        <a:buFont typeface="Wingdings 3" charset="2"/>
+        <a:buChar char=""/>
+        <a:defRPr sz="1200" kern="1200">
+          <a:solidFill>
+            <a:schemeClr val="tx1">
+              <a:lumMod val="75000"/>
+              <a:lumOff val="25000"/>
+            </a:schemeClr>
+          </a:solidFill>
+          <a:latin typeface="+mn-lt"/>
+          <a:ea typeface="+mn-ea"/>
+          <a:cs typeface="+mn-cs"/>
+        </a:defRPr>
+      </a:lvl4pPr>
+      <a:lvl5pPr marL="2057400" indent="-228600" algn="l" defTabSz="457200" rtl="0" eaLnBrk="1" latinLnBrk="0" hangingPunct="1">
+        <a:spcBef>
+          <a:spcPts val="1000"/>
+        </a:spcBef>
+        <a:spcAft>
+          <a:spcPts val="0"/>
+        </a:spcAft>
+        <a:buClr>
+          <a:schemeClr val="accent1"/>
+        </a:buClr>
+        <a:buSzPct val="80000"/>
+        <a:buFont typeface="Wingdings 3" charset="2"/>
+        <a:buChar char=""/>
+        <a:defRPr sz="1200" kern="1200">
+          <a:solidFill>
+            <a:schemeClr val="tx1">
+              <a:lumMod val="75000"/>
+              <a:lumOff val="25000"/>
+            </a:schemeClr>
+          </a:solidFill>
+          <a:latin typeface="+mn-lt"/>
+          <a:ea typeface="+mn-ea"/>
+          <a:cs typeface="+mn-cs"/>
+        </a:defRPr>
+      </a:lvl5pPr>
+      <a:lvl6pPr marL="2514600" indent="-228600" algn="l" defTabSz="457200" rtl="0" eaLnBrk="1" latinLnBrk="0" hangingPunct="1">
+        <a:spcBef>
+          <a:spcPts val="1000"/>
+        </a:spcBef>
+        <a:spcAft>
+          <a:spcPts val="0"/>
+        </a:spcAft>
+        <a:buClr>
+          <a:schemeClr val="accent1"/>
+        </a:buClr>
+        <a:buSzPct val="80000"/>
+        <a:buFont typeface="Wingdings 3" charset="2"/>
+        <a:buChar char=""/>
+        <a:defRPr sz="1200" kern="1200">
+          <a:solidFill>
+            <a:schemeClr val="tx1">
+              <a:lumMod val="75000"/>
+              <a:lumOff val="25000"/>
+            </a:schemeClr>
+          </a:solidFill>
+          <a:latin typeface="+mn-lt"/>
+          <a:ea typeface="+mn-ea"/>
+          <a:cs typeface="+mn-cs"/>
+        </a:defRPr>
+      </a:lvl6pPr>
+      <a:lvl7pPr marL="2971800" indent="-228600" algn="l" defTabSz="457200" rtl="0" eaLnBrk="1" latinLnBrk="0" hangingPunct="1">
+        <a:spcBef>
+          <a:spcPts val="1000"/>
+        </a:spcBef>
+        <a:spcAft>
+          <a:spcPts val="0"/>
+        </a:spcAft>
+        <a:buClr>
+          <a:schemeClr val="accent1"/>
+        </a:buClr>
+        <a:buSzPct val="80000"/>
+        <a:buFont typeface="Wingdings 3" charset="2"/>
+        <a:buChar char=""/>
+        <a:defRPr sz="1200" kern="1200">
+          <a:solidFill>
+            <a:schemeClr val="tx1">
+              <a:lumMod val="75000"/>
+              <a:lumOff val="25000"/>
+            </a:schemeClr>
+          </a:solidFill>
+          <a:latin typeface="+mn-lt"/>
+          <a:ea typeface="+mn-ea"/>
+          <a:cs typeface="+mn-cs"/>
+        </a:defRPr>
+      </a:lvl7pPr>
+      <a:lvl8pPr marL="3429000" indent="-228600" algn="l" defTabSz="457200" rtl="0" eaLnBrk="1" latinLnBrk="0" hangingPunct="1">
+        <a:spcBef>
+          <a:spcPts val="1000"/>
+        </a:spcBef>
+        <a:spcAft>
+          <a:spcPts val="0"/>
+        </a:spcAft>
+        <a:buClr>
+          <a:schemeClr val="accent1"/>
+        </a:buClr>
+        <a:buSzPct val="80000"/>
+        <a:buFont typeface="Wingdings 3" charset="2"/>
+        <a:buChar char=""/>
+        <a:defRPr sz="1200" kern="1200">
+          <a:solidFill>
+            <a:schemeClr val="tx1">
+              <a:lumMod val="75000"/>
+              <a:lumOff val="25000"/>
+            </a:schemeClr>
+          </a:solidFill>
+          <a:latin typeface="+mn-lt"/>
+          <a:ea typeface="+mn-ea"/>
+          <a:cs typeface="+mn-cs"/>
+        </a:defRPr>
+      </a:lvl8pPr>
+      <a:lvl9pPr marL="3886200" indent="-228600" algn="l" defTabSz="457200" rtl="0" eaLnBrk="1" latinLnBrk="0" hangingPunct="1">
+        <a:spcBef>
+          <a:spcPts val="1000"/>
+        </a:spcBef>
+        <a:spcAft>
+          <a:spcPts val="0"/>
+        </a:spcAft>
+        <a:buClr>
+          <a:schemeClr val="accent1"/>
+        </a:buClr>
+        <a:buSzPct val="80000"/>
+        <a:buFont typeface="Wingdings 3" charset="2"/>
+        <a:buChar char=""/>
+        <a:defRPr sz="1200" kern="1200">
+          <a:solidFill>
+            <a:schemeClr val="tx1">
+              <a:lumMod val="75000"/>
+              <a:lumOff val="25000"/>
+            </a:schemeClr>
+          </a:solidFill>
+          <a:latin typeface="+mn-lt"/>
+          <a:ea typeface="+mn-ea"/>
+          <a:cs typeface="+mn-cs"/>
+        </a:defRPr>
+      </a:lvl9pPr>
+    </p:bodyStyle>
+    <p:otherStyle>
+      <a:defPPr>
+        <a:defRPr lang="en-US"/>
+      </a:defPPr>
+      <a:lvl1pPr marL="0" algn="l" defTabSz="457200" rtl="0" eaLnBrk="1" latinLnBrk="0" hangingPunct="1">
+        <a:defRPr sz="1800" kern="1200">
           <a:solidFill>
             <a:schemeClr val="tx1"/>
           </a:solidFill>
@@ -3510,16 +6223,8 @@
           <a:cs typeface="+mn-cs"/>
         </a:defRPr>
       </a:lvl1pPr>
-      <a:lvl2pPr marL="685800" indent="-228600" algn="l" defTabSz="914400" rtl="0" eaLnBrk="1" latinLnBrk="0" hangingPunct="1">
-        <a:lnSpc>
-          <a:spcPct val="90000"/>
-        </a:lnSpc>
-        <a:spcBef>
-          <a:spcPts val="500"/>
-        </a:spcBef>
-        <a:buFont typeface="Arial" panose="020B0604020202020204" pitchFamily="34" charset="0"/>
-        <a:buChar char="•"/>
-        <a:defRPr sz="2400" kern="1200">
+      <a:lvl2pPr marL="457200" algn="l" defTabSz="457200" rtl="0" eaLnBrk="1" latinLnBrk="0" hangingPunct="1">
+        <a:defRPr sz="1800" kern="1200">
           <a:solidFill>
             <a:schemeClr val="tx1"/>
           </a:solidFill>
@@ -3528,16 +6233,8 @@
           <a:cs typeface="+mn-cs"/>
         </a:defRPr>
       </a:lvl2pPr>
-      <a:lvl3pPr marL="1143000" indent="-228600" algn="l" defTabSz="914400" rtl="0" eaLnBrk="1" latinLnBrk="0" hangingPunct="1">
-        <a:lnSpc>
-          <a:spcPct val="90000"/>
-        </a:lnSpc>
-        <a:spcBef>
-          <a:spcPts val="500"/>
-        </a:spcBef>
-        <a:buFont typeface="Arial" panose="020B0604020202020204" pitchFamily="34" charset="0"/>
-        <a:buChar char="•"/>
-        <a:defRPr sz="2000" kern="1200">
+      <a:lvl3pPr marL="914400" algn="l" defTabSz="457200" rtl="0" eaLnBrk="1" latinLnBrk="0" hangingPunct="1">
+        <a:defRPr sz="1800" kern="1200">
           <a:solidFill>
             <a:schemeClr val="tx1"/>
           </a:solidFill>
@@ -3546,15 +6243,7 @@
           <a:cs typeface="+mn-cs"/>
         </a:defRPr>
       </a:lvl3pPr>
-      <a:lvl4pPr marL="1600200" indent="-228600" algn="l" defTabSz="914400" rtl="0" eaLnBrk="1" latinLnBrk="0" hangingPunct="1">
-        <a:lnSpc>
-          <a:spcPct val="90000"/>
-        </a:lnSpc>
-        <a:spcBef>
-          <a:spcPts val="500"/>
-        </a:spcBef>
-        <a:buFont typeface="Arial" panose="020B0604020202020204" pitchFamily="34" charset="0"/>
-        <a:buChar char="•"/>
+      <a:lvl4pPr marL="1371600" algn="l" defTabSz="457200" rtl="0" eaLnBrk="1" latinLnBrk="0" hangingPunct="1">
         <a:defRPr sz="1800" kern="1200">
           <a:solidFill>
             <a:schemeClr val="tx1"/>
@@ -3564,15 +6253,7 @@
           <a:cs typeface="+mn-cs"/>
         </a:defRPr>
       </a:lvl4pPr>
-      <a:lvl5pPr marL="2057400" indent="-228600" algn="l" defTabSz="914400" rtl="0" eaLnBrk="1" latinLnBrk="0" hangingPunct="1">
-        <a:lnSpc>
-          <a:spcPct val="90000"/>
-        </a:lnSpc>
-        <a:spcBef>
-          <a:spcPts val="500"/>
-        </a:spcBef>
-        <a:buFont typeface="Arial" panose="020B0604020202020204" pitchFamily="34" charset="0"/>
-        <a:buChar char="•"/>
+      <a:lvl5pPr marL="1828800" algn="l" defTabSz="457200" rtl="0" eaLnBrk="1" latinLnBrk="0" hangingPunct="1">
         <a:defRPr sz="1800" kern="1200">
           <a:solidFill>
             <a:schemeClr val="tx1"/>
@@ -3582,15 +6263,7 @@
           <a:cs typeface="+mn-cs"/>
         </a:defRPr>
       </a:lvl5pPr>
-      <a:lvl6pPr marL="2514600" indent="-228600" algn="l" defTabSz="914400" rtl="0" eaLnBrk="1" latinLnBrk="0" hangingPunct="1">
-        <a:lnSpc>
-          <a:spcPct val="90000"/>
-        </a:lnSpc>
-        <a:spcBef>
-          <a:spcPts val="500"/>
-        </a:spcBef>
-        <a:buFont typeface="Arial" panose="020B0604020202020204" pitchFamily="34" charset="0"/>
-        <a:buChar char="•"/>
+      <a:lvl6pPr marL="2286000" algn="l" defTabSz="457200" rtl="0" eaLnBrk="1" latinLnBrk="0" hangingPunct="1">
         <a:defRPr sz="1800" kern="1200">
           <a:solidFill>
             <a:schemeClr val="tx1"/>
@@ -3600,15 +6273,7 @@
           <a:cs typeface="+mn-cs"/>
         </a:defRPr>
       </a:lvl6pPr>
-      <a:lvl7pPr marL="2971800" indent="-228600" algn="l" defTabSz="914400" rtl="0" eaLnBrk="1" latinLnBrk="0" hangingPunct="1">
-        <a:lnSpc>
-          <a:spcPct val="90000"/>
-        </a:lnSpc>
-        <a:spcBef>
-          <a:spcPts val="500"/>
-        </a:spcBef>
-        <a:buFont typeface="Arial" panose="020B0604020202020204" pitchFamily="34" charset="0"/>
-        <a:buChar char="•"/>
+      <a:lvl7pPr marL="2743200" algn="l" defTabSz="457200" rtl="0" eaLnBrk="1" latinLnBrk="0" hangingPunct="1">
         <a:defRPr sz="1800" kern="1200">
           <a:solidFill>
             <a:schemeClr val="tx1"/>
@@ -3618,15 +6283,7 @@
           <a:cs typeface="+mn-cs"/>
         </a:defRPr>
       </a:lvl7pPr>
-      <a:lvl8pPr marL="3429000" indent="-228600" algn="l" defTabSz="914400" rtl="0" eaLnBrk="1" latinLnBrk="0" hangingPunct="1">
-        <a:lnSpc>
-          <a:spcPct val="90000"/>
-        </a:lnSpc>
-        <a:spcBef>
-          <a:spcPts val="500"/>
-        </a:spcBef>
-        <a:buFont typeface="Arial" panose="020B0604020202020204" pitchFamily="34" charset="0"/>
-        <a:buChar char="•"/>
+      <a:lvl8pPr marL="3200400" algn="l" defTabSz="457200" rtl="0" eaLnBrk="1" latinLnBrk="0" hangingPunct="1">
         <a:defRPr sz="1800" kern="1200">
           <a:solidFill>
             <a:schemeClr val="tx1"/>
@@ -3636,110 +6293,7 @@
           <a:cs typeface="+mn-cs"/>
         </a:defRPr>
       </a:lvl8pPr>
-      <a:lvl9pPr marL="3886200" indent="-228600" algn="l" defTabSz="914400" rtl="0" eaLnBrk="1" latinLnBrk="0" hangingPunct="1">
-        <a:lnSpc>
-          <a:spcPct val="90000"/>
-        </a:lnSpc>
-        <a:spcBef>
-          <a:spcPts val="500"/>
-        </a:spcBef>
-        <a:buFont typeface="Arial" panose="020B0604020202020204" pitchFamily="34" charset="0"/>
-        <a:buChar char="•"/>
-        <a:defRPr sz="1800" kern="1200">
-          <a:solidFill>
-            <a:schemeClr val="tx1"/>
-          </a:solidFill>
-          <a:latin typeface="+mn-lt"/>
-          <a:ea typeface="+mn-ea"/>
-          <a:cs typeface="+mn-cs"/>
-        </a:defRPr>
-      </a:lvl9pPr>
-    </p:bodyStyle>
-    <p:otherStyle>
-      <a:defPPr>
-        <a:defRPr lang="es-ES"/>
-      </a:defPPr>
-      <a:lvl1pPr marL="0" algn="l" defTabSz="914400" rtl="0" eaLnBrk="1" latinLnBrk="0" hangingPunct="1">
-        <a:defRPr sz="1800" kern="1200">
-          <a:solidFill>
-            <a:schemeClr val="tx1"/>
-          </a:solidFill>
-          <a:latin typeface="+mn-lt"/>
-          <a:ea typeface="+mn-ea"/>
-          <a:cs typeface="+mn-cs"/>
-        </a:defRPr>
-      </a:lvl1pPr>
-      <a:lvl2pPr marL="457200" algn="l" defTabSz="914400" rtl="0" eaLnBrk="1" latinLnBrk="0" hangingPunct="1">
-        <a:defRPr sz="1800" kern="1200">
-          <a:solidFill>
-            <a:schemeClr val="tx1"/>
-          </a:solidFill>
-          <a:latin typeface="+mn-lt"/>
-          <a:ea typeface="+mn-ea"/>
-          <a:cs typeface="+mn-cs"/>
-        </a:defRPr>
-      </a:lvl2pPr>
-      <a:lvl3pPr marL="914400" algn="l" defTabSz="914400" rtl="0" eaLnBrk="1" latinLnBrk="0" hangingPunct="1">
-        <a:defRPr sz="1800" kern="1200">
-          <a:solidFill>
-            <a:schemeClr val="tx1"/>
-          </a:solidFill>
-          <a:latin typeface="+mn-lt"/>
-          <a:ea typeface="+mn-ea"/>
-          <a:cs typeface="+mn-cs"/>
-        </a:defRPr>
-      </a:lvl3pPr>
-      <a:lvl4pPr marL="1371600" algn="l" defTabSz="914400" rtl="0" eaLnBrk="1" latinLnBrk="0" hangingPunct="1">
-        <a:defRPr sz="1800" kern="1200">
-          <a:solidFill>
-            <a:schemeClr val="tx1"/>
-          </a:solidFill>
-          <a:latin typeface="+mn-lt"/>
-          <a:ea typeface="+mn-ea"/>
-          <a:cs typeface="+mn-cs"/>
-        </a:defRPr>
-      </a:lvl4pPr>
-      <a:lvl5pPr marL="1828800" algn="l" defTabSz="914400" rtl="0" eaLnBrk="1" latinLnBrk="0" hangingPunct="1">
-        <a:defRPr sz="1800" kern="1200">
-          <a:solidFill>
-            <a:schemeClr val="tx1"/>
-          </a:solidFill>
-          <a:latin typeface="+mn-lt"/>
-          <a:ea typeface="+mn-ea"/>
-          <a:cs typeface="+mn-cs"/>
-        </a:defRPr>
-      </a:lvl5pPr>
-      <a:lvl6pPr marL="2286000" algn="l" defTabSz="914400" rtl="0" eaLnBrk="1" latinLnBrk="0" hangingPunct="1">
-        <a:defRPr sz="1800" kern="1200">
-          <a:solidFill>
-            <a:schemeClr val="tx1"/>
-          </a:solidFill>
-          <a:latin typeface="+mn-lt"/>
-          <a:ea typeface="+mn-ea"/>
-          <a:cs typeface="+mn-cs"/>
-        </a:defRPr>
-      </a:lvl6pPr>
-      <a:lvl7pPr marL="2743200" algn="l" defTabSz="914400" rtl="0" eaLnBrk="1" latinLnBrk="0" hangingPunct="1">
-        <a:defRPr sz="1800" kern="1200">
-          <a:solidFill>
-            <a:schemeClr val="tx1"/>
-          </a:solidFill>
-          <a:latin typeface="+mn-lt"/>
-          <a:ea typeface="+mn-ea"/>
-          <a:cs typeface="+mn-cs"/>
-        </a:defRPr>
-      </a:lvl7pPr>
-      <a:lvl8pPr marL="3200400" algn="l" defTabSz="914400" rtl="0" eaLnBrk="1" latinLnBrk="0" hangingPunct="1">
-        <a:defRPr sz="1800" kern="1200">
-          <a:solidFill>
-            <a:schemeClr val="tx1"/>
-          </a:solidFill>
-          <a:latin typeface="+mn-lt"/>
-          <a:ea typeface="+mn-ea"/>
-          <a:cs typeface="+mn-cs"/>
-        </a:defRPr>
-      </a:lvl8pPr>
-      <a:lvl9pPr marL="3657600" algn="l" defTabSz="914400" rtl="0" eaLnBrk="1" latinLnBrk="0" hangingPunct="1">
+      <a:lvl9pPr marL="3657600" algn="l" defTabSz="457200" rtl="0" eaLnBrk="1" latinLnBrk="0" hangingPunct="1">
         <a:defRPr sz="1800" kern="1200">
           <a:solidFill>
             <a:schemeClr val="tx1"/>
@@ -3796,7 +6350,7 @@
           <a:p>
             <a:r>
               <a:rPr lang="es-ES" dirty="0"/>
-              <a:t>Clasificar enfermedades mentales según las políticas de la empresa</a:t>
+              <a:t>Predicción de posibles enfermos mentales según su entorno laboral</a:t>
             </a:r>
           </a:p>
         </p:txBody>
@@ -3819,7 +6373,9 @@
         </p:nvSpPr>
         <p:spPr/>
         <p:txBody>
-          <a:bodyPr/>
+          <a:bodyPr>
+            <a:normAutofit lnSpcReduction="10000"/>
+          </a:bodyPr>
           <a:lstStyle/>
           <a:p>
             <a:r>
@@ -3920,7 +6476,12 @@
             <p:ph idx="1"/>
           </p:nvPr>
         </p:nvSpPr>
-        <p:spPr/>
+        <p:spPr>
+          <a:xfrm>
+            <a:off x="677334" y="1930400"/>
+            <a:ext cx="8596668" cy="3880773"/>
+          </a:xfrm>
+        </p:spPr>
         <p:txBody>
           <a:bodyPr>
             <a:normAutofit/>
@@ -3974,34 +6535,6 @@
               </a:rPr>
               <a:t>outliers</a:t>
             </a:r>
-            <a:endParaRPr lang="es-ES" dirty="0">
-              <a:sym typeface="Wingdings" panose="05000000000000000000" pitchFamily="2" charset="2"/>
-            </a:endParaRPr>
-          </a:p>
-          <a:p>
-            <a:pPr lvl="1"/>
-            <a:endParaRPr lang="es-ES" i="1" dirty="0">
-              <a:sym typeface="Wingdings" panose="05000000000000000000" pitchFamily="2" charset="2"/>
-            </a:endParaRPr>
-          </a:p>
-          <a:p>
-            <a:r>
-              <a:rPr lang="es-ES" i="1" dirty="0">
-                <a:solidFill>
-                  <a:srgbClr val="FF0000"/>
-                </a:solidFill>
-                <a:sym typeface="Wingdings" panose="05000000000000000000" pitchFamily="2" charset="2"/>
-              </a:rPr>
-              <a:t>EJEMPLO DE LAS PERSONAS QUE PUSIERON MAL SU EDAD</a:t>
-            </a:r>
-            <a:endParaRPr lang="es-ES" i="1" dirty="0">
-              <a:solidFill>
-                <a:srgbClr val="FF0000"/>
-              </a:solidFill>
-            </a:endParaRPr>
-          </a:p>
-          <a:p>
-            <a:pPr lvl="1"/>
             <a:endParaRPr lang="es-ES" dirty="0">
               <a:solidFill>
                 <a:srgbClr val="FF0000"/>
@@ -4101,7 +6634,12 @@
             <p:ph idx="1"/>
           </p:nvPr>
         </p:nvSpPr>
-        <p:spPr/>
+        <p:spPr>
+          <a:xfrm>
+            <a:off x="677334" y="1934229"/>
+            <a:ext cx="8596668" cy="3880773"/>
+          </a:xfrm>
+        </p:spPr>
         <p:txBody>
           <a:bodyPr>
             <a:normAutofit/>
@@ -4110,44 +6648,59 @@
           <a:p>
             <a:r>
               <a:rPr lang="es-ES" dirty="0"/>
-              <a:t>Datos mal escritos</a:t>
-            </a:r>
+              <a:t>Datos nulos o </a:t>
+            </a:r>
+            <a:r>
+              <a:rPr lang="es-ES" i="1" dirty="0" err="1"/>
+              <a:t>outliers</a:t>
+            </a:r>
+            <a:endParaRPr lang="es-ES" dirty="0"/>
           </a:p>
           <a:p>
             <a:pPr lvl="1"/>
             <a:r>
               <a:rPr lang="es-ES" dirty="0"/>
-              <a:t>CSV mal organizado</a:t>
-            </a:r>
-            <a:endParaRPr lang="es-ES" i="1" dirty="0"/>
+              <a:t>Tabla filtrada por “</a:t>
+            </a:r>
+            <a:r>
+              <a:rPr lang="es-ES" i="1" dirty="0"/>
+              <a:t>Are you </a:t>
+            </a:r>
+            <a:r>
+              <a:rPr lang="es-ES" i="1" dirty="0" err="1"/>
+              <a:t>self-employed</a:t>
+            </a:r>
+            <a:r>
+              <a:rPr lang="es-ES" i="1" dirty="0"/>
+              <a:t>?”</a:t>
+            </a:r>
           </a:p>
           <a:p>
             <a:pPr lvl="1"/>
+            <a:r>
+              <a:rPr lang="es-ES" dirty="0"/>
+              <a:t>Encuesta cerrada </a:t>
+            </a:r>
             <a:r>
               <a:rPr lang="es-ES" dirty="0">
                 <a:sym typeface="Wingdings" panose="05000000000000000000" pitchFamily="2" charset="2"/>
               </a:rPr>
-              <a:t>Columnas con comas entre los nombres</a:t>
-            </a:r>
-          </a:p>
-          <a:p>
-            <a:r>
-              <a:rPr lang="es-ES" i="1" dirty="0">
-                <a:solidFill>
-                  <a:srgbClr val="FF0000"/>
-                </a:solidFill>
+              <a:t> Pocos </a:t>
+            </a:r>
+            <a:r>
+              <a:rPr lang="es-ES" i="1" dirty="0" err="1">
                 <a:sym typeface="Wingdings" panose="05000000000000000000" pitchFamily="2" charset="2"/>
               </a:rPr>
-              <a:t>EJEMPLO DE LAS COLUMNAS CON COMAS</a:t>
-            </a:r>
-            <a:endParaRPr lang="es-ES" i="1" dirty="0">
-              <a:solidFill>
-                <a:srgbClr val="FF0000"/>
-              </a:solidFill>
+              <a:t>outliers</a:t>
+            </a:r>
+            <a:endParaRPr lang="es-ES" dirty="0">
+              <a:sym typeface="Wingdings" panose="05000000000000000000" pitchFamily="2" charset="2"/>
             </a:endParaRPr>
           </a:p>
           <a:p>
-            <a:pPr lvl="1"/>
+            <a:pPr marL="457200" lvl="1" indent="0">
+              <a:buNone/>
+            </a:pPr>
             <a:endParaRPr lang="es-ES" dirty="0">
               <a:solidFill>
                 <a:srgbClr val="FF0000"/>
@@ -4168,10 +6721,70 @@
           </a:p>
         </p:txBody>
       </p:sp>
+      <p:pic>
+        <p:nvPicPr>
+          <p:cNvPr id="4" name="Imagen 3">
+            <a:extLst>
+              <a:ext uri="{FF2B5EF4-FFF2-40B4-BE49-F238E27FC236}">
+                <a16:creationId xmlns:a16="http://schemas.microsoft.com/office/drawing/2014/main" id="{AB2FF908-0071-4C81-A447-76C03ED4BAD1}"/>
+              </a:ext>
+            </a:extLst>
+          </p:cNvPr>
+          <p:cNvPicPr>
+            <a:picLocks noChangeAspect="1"/>
+          </p:cNvPicPr>
+          <p:nvPr/>
+        </p:nvPicPr>
+        <p:blipFill>
+          <a:blip r:embed="rId2"/>
+          <a:stretch>
+            <a:fillRect/>
+          </a:stretch>
+        </p:blipFill>
+        <p:spPr>
+          <a:xfrm>
+            <a:off x="7430218" y="2108202"/>
+            <a:ext cx="1985227" cy="1085936"/>
+          </a:xfrm>
+          <a:prstGeom prst="rect">
+            <a:avLst/>
+          </a:prstGeom>
+        </p:spPr>
+      </p:pic>
+      <p:pic>
+        <p:nvPicPr>
+          <p:cNvPr id="5" name="Imagen 4">
+            <a:extLst>
+              <a:ext uri="{FF2B5EF4-FFF2-40B4-BE49-F238E27FC236}">
+                <a16:creationId xmlns:a16="http://schemas.microsoft.com/office/drawing/2014/main" id="{4BB864C3-74D7-463C-9A9E-44D9376B597A}"/>
+              </a:ext>
+            </a:extLst>
+          </p:cNvPr>
+          <p:cNvPicPr>
+            <a:picLocks noChangeAspect="1"/>
+          </p:cNvPicPr>
+          <p:nvPr/>
+        </p:nvPicPr>
+        <p:blipFill>
+          <a:blip r:embed="rId3"/>
+          <a:stretch>
+            <a:fillRect/>
+          </a:stretch>
+        </p:blipFill>
+        <p:spPr>
+          <a:xfrm>
+            <a:off x="6096000" y="3663863"/>
+            <a:ext cx="1730938" cy="1501167"/>
+          </a:xfrm>
+          <a:prstGeom prst="rect">
+            <a:avLst/>
+          </a:prstGeom>
+        </p:spPr>
+      </p:pic>
     </p:spTree>
     <p:extLst>
       <p:ext uri="{BB962C8B-B14F-4D97-AF65-F5344CB8AC3E}">
-        <p14:creationId xmlns:p14="http://schemas.microsoft.com/office/powerpoint/2010/main" val="927625827"/>
+        <p14:creationId xmlns:p14="http://schemas.microsoft.com/office/powerpoint/2010/main" val="2561845859"/>
       </p:ext>
     </p:extLst>
   </p:cSld>
@@ -4247,7 +6860,204 @@
             <p:ph idx="1"/>
           </p:nvPr>
         </p:nvSpPr>
+        <p:spPr>
+          <a:xfrm>
+            <a:off x="677334" y="1930400"/>
+            <a:ext cx="8596668" cy="3880773"/>
+          </a:xfrm>
+        </p:spPr>
+        <p:txBody>
+          <a:bodyPr>
+            <a:normAutofit/>
+          </a:bodyPr>
+          <a:lstStyle/>
+          <a:p>
+            <a:r>
+              <a:rPr lang="es-ES" dirty="0"/>
+              <a:t>Datos mal escritos</a:t>
+            </a:r>
+          </a:p>
+          <a:p>
+            <a:pPr lvl="1"/>
+            <a:r>
+              <a:rPr lang="es-ES" dirty="0"/>
+              <a:t>CSV mal organizado</a:t>
+            </a:r>
+            <a:endParaRPr lang="es-ES" i="1" dirty="0"/>
+          </a:p>
+          <a:p>
+            <a:pPr lvl="1"/>
+            <a:r>
+              <a:rPr lang="es-ES" dirty="0">
+                <a:sym typeface="Wingdings" panose="05000000000000000000" pitchFamily="2" charset="2"/>
+              </a:rPr>
+              <a:t>Columnas con comas entre los nombres</a:t>
+            </a:r>
+            <a:endParaRPr lang="es-ES" dirty="0">
+              <a:solidFill>
+                <a:srgbClr val="FF0000"/>
+              </a:solidFill>
+            </a:endParaRPr>
+          </a:p>
+          <a:p>
+            <a:pPr marL="457200" lvl="1" indent="0">
+              <a:buNone/>
+            </a:pPr>
+            <a:endParaRPr lang="es-ES" dirty="0"/>
+          </a:p>
+          <a:p>
+            <a:pPr marL="0" indent="0">
+              <a:buNone/>
+            </a:pPr>
+            <a:endParaRPr lang="es-ES" dirty="0"/>
+          </a:p>
+        </p:txBody>
+      </p:sp>
+      <p:pic>
+        <p:nvPicPr>
+          <p:cNvPr id="4" name="Imagen 3">
+            <a:extLst>
+              <a:ext uri="{FF2B5EF4-FFF2-40B4-BE49-F238E27FC236}">
+                <a16:creationId xmlns:a16="http://schemas.microsoft.com/office/drawing/2014/main" id="{740F131A-AFCB-4A32-AC22-3387F49C9D34}"/>
+              </a:ext>
+            </a:extLst>
+          </p:cNvPr>
+          <p:cNvPicPr>
+            <a:picLocks noChangeAspect="1"/>
+          </p:cNvPicPr>
+          <p:nvPr/>
+        </p:nvPicPr>
+        <p:blipFill>
+          <a:blip r:embed="rId2"/>
+          <a:stretch>
+            <a:fillRect/>
+          </a:stretch>
+        </p:blipFill>
+        <p:spPr>
+          <a:xfrm>
+            <a:off x="3789775" y="4375151"/>
+            <a:ext cx="7067550" cy="1104900"/>
+          </a:xfrm>
+          <a:prstGeom prst="rect">
+            <a:avLst/>
+          </a:prstGeom>
+        </p:spPr>
+      </p:pic>
+      <p:pic>
+        <p:nvPicPr>
+          <p:cNvPr id="5" name="Imagen 4">
+            <a:extLst>
+              <a:ext uri="{FF2B5EF4-FFF2-40B4-BE49-F238E27FC236}">
+                <a16:creationId xmlns:a16="http://schemas.microsoft.com/office/drawing/2014/main" id="{FDAAE0BD-60EC-4308-8967-DCFFA7E947C5}"/>
+              </a:ext>
+            </a:extLst>
+          </p:cNvPr>
+          <p:cNvPicPr>
+            <a:picLocks noChangeAspect="1"/>
+          </p:cNvPicPr>
+          <p:nvPr/>
+        </p:nvPicPr>
+        <p:blipFill>
+          <a:blip r:embed="rId3"/>
+          <a:stretch>
+            <a:fillRect/>
+          </a:stretch>
+        </p:blipFill>
+        <p:spPr>
+          <a:xfrm>
+            <a:off x="5475816" y="3107531"/>
+            <a:ext cx="6038850" cy="1152525"/>
+          </a:xfrm>
+          <a:prstGeom prst="rect">
+            <a:avLst/>
+          </a:prstGeom>
+        </p:spPr>
+      </p:pic>
+    </p:spTree>
+    <p:extLst>
+      <p:ext uri="{BB962C8B-B14F-4D97-AF65-F5344CB8AC3E}">
+        <p14:creationId xmlns:p14="http://schemas.microsoft.com/office/powerpoint/2010/main" val="927625827"/>
+      </p:ext>
+    </p:extLst>
+  </p:cSld>
+  <p:clrMapOvr>
+    <a:masterClrMapping/>
+  </p:clrMapOvr>
+</p:sld>
+</file>
+
+<file path=ppt/slides/slide13.xml><?xml version="1.0" encoding="utf-8"?>
+<p:sld xmlns:a="http://schemas.openxmlformats.org/drawingml/2006/main" xmlns:r="http://schemas.openxmlformats.org/officeDocument/2006/relationships" xmlns:p="http://schemas.openxmlformats.org/presentationml/2006/main">
+  <p:cSld>
+    <p:spTree>
+      <p:nvGrpSpPr>
+        <p:cNvPr id="1" name=""/>
+        <p:cNvGrpSpPr/>
+        <p:nvPr/>
+      </p:nvGrpSpPr>
+      <p:grpSpPr>
+        <a:xfrm>
+          <a:off x="0" y="0"/>
+          <a:ext cx="0" cy="0"/>
+          <a:chOff x="0" y="0"/>
+          <a:chExt cx="0" cy="0"/>
+        </a:xfrm>
+      </p:grpSpPr>
+      <p:sp>
+        <p:nvSpPr>
+          <p:cNvPr id="2" name="Título 1">
+            <a:extLst>
+              <a:ext uri="{FF2B5EF4-FFF2-40B4-BE49-F238E27FC236}">
+                <a16:creationId xmlns:a16="http://schemas.microsoft.com/office/drawing/2014/main" id="{C5914800-5D96-4191-8787-3748D862FCE4}"/>
+              </a:ext>
+            </a:extLst>
+          </p:cNvPr>
+          <p:cNvSpPr>
+            <a:spLocks noGrp="1"/>
+          </p:cNvSpPr>
+          <p:nvPr>
+            <p:ph type="title"/>
+          </p:nvPr>
+        </p:nvSpPr>
         <p:spPr/>
+        <p:txBody>
+          <a:bodyPr/>
+          <a:lstStyle/>
+          <a:p>
+            <a:r>
+              <a:rPr lang="es-ES" dirty="0"/>
+              <a:t>2. Primera iteración: </a:t>
+            </a:r>
+            <a:r>
+              <a:rPr lang="es-ES" dirty="0" err="1"/>
+              <a:t>pre-procesado</a:t>
+            </a:r>
+            <a:endParaRPr lang="es-ES" dirty="0"/>
+          </a:p>
+        </p:txBody>
+      </p:sp>
+      <p:sp>
+        <p:nvSpPr>
+          <p:cNvPr id="3" name="Marcador de contenido 2">
+            <a:extLst>
+              <a:ext uri="{FF2B5EF4-FFF2-40B4-BE49-F238E27FC236}">
+                <a16:creationId xmlns:a16="http://schemas.microsoft.com/office/drawing/2014/main" id="{7DE40EF3-9756-432F-B5BF-4931921D21CD}"/>
+              </a:ext>
+            </a:extLst>
+          </p:cNvPr>
+          <p:cNvSpPr>
+            <a:spLocks noGrp="1"/>
+          </p:cNvSpPr>
+          <p:nvPr>
+            <p:ph idx="1"/>
+          </p:nvPr>
+        </p:nvSpPr>
+        <p:spPr>
+          <a:xfrm>
+            <a:off x="677334" y="1930400"/>
+            <a:ext cx="8596668" cy="3880773"/>
+          </a:xfrm>
+        </p:spPr>
         <p:txBody>
           <a:bodyPr>
             <a:normAutofit/>
@@ -4353,131 +7163,6 @@
 </p:sld>
 </file>
 
-<file path=ppt/slides/slide13.xml><?xml version="1.0" encoding="utf-8"?>
-<p:sld xmlns:a="http://schemas.openxmlformats.org/drawingml/2006/main" xmlns:r="http://schemas.openxmlformats.org/officeDocument/2006/relationships" xmlns:p="http://schemas.openxmlformats.org/presentationml/2006/main">
-  <p:cSld>
-    <p:spTree>
-      <p:nvGrpSpPr>
-        <p:cNvPr id="1" name=""/>
-        <p:cNvGrpSpPr/>
-        <p:nvPr/>
-      </p:nvGrpSpPr>
-      <p:grpSpPr>
-        <a:xfrm>
-          <a:off x="0" y="0"/>
-          <a:ext cx="0" cy="0"/>
-          <a:chOff x="0" y="0"/>
-          <a:chExt cx="0" cy="0"/>
-        </a:xfrm>
-      </p:grpSpPr>
-      <p:sp>
-        <p:nvSpPr>
-          <p:cNvPr id="2" name="Título 1">
-            <a:extLst>
-              <a:ext uri="{FF2B5EF4-FFF2-40B4-BE49-F238E27FC236}">
-                <a16:creationId xmlns:a16="http://schemas.microsoft.com/office/drawing/2014/main" id="{0F08129C-58B4-45D6-9BA0-96204C339F83}"/>
-              </a:ext>
-            </a:extLst>
-          </p:cNvPr>
-          <p:cNvSpPr>
-            <a:spLocks noGrp="1"/>
-          </p:cNvSpPr>
-          <p:nvPr>
-            <p:ph type="title"/>
-          </p:nvPr>
-        </p:nvSpPr>
-        <p:spPr/>
-        <p:txBody>
-          <a:bodyPr/>
-          <a:lstStyle/>
-          <a:p>
-            <a:r>
-              <a:rPr lang="es-ES" dirty="0"/>
-              <a:t>2. Primera iteración: </a:t>
-            </a:r>
-            <a:r>
-              <a:rPr lang="es-ES" dirty="0" err="1"/>
-              <a:t>pre-procesado</a:t>
-            </a:r>
-            <a:endParaRPr lang="es-ES" dirty="0"/>
-          </a:p>
-        </p:txBody>
-      </p:sp>
-      <p:sp>
-        <p:nvSpPr>
-          <p:cNvPr id="3" name="Marcador de contenido 2">
-            <a:extLst>
-              <a:ext uri="{FF2B5EF4-FFF2-40B4-BE49-F238E27FC236}">
-                <a16:creationId xmlns:a16="http://schemas.microsoft.com/office/drawing/2014/main" id="{6F100738-AC81-45FA-83D4-4F15CC57FA8A}"/>
-              </a:ext>
-            </a:extLst>
-          </p:cNvPr>
-          <p:cNvSpPr>
-            <a:spLocks noGrp="1"/>
-          </p:cNvSpPr>
-          <p:nvPr>
-            <p:ph idx="1"/>
-          </p:nvPr>
-        </p:nvSpPr>
-        <p:spPr/>
-        <p:txBody>
-          <a:bodyPr/>
-          <a:lstStyle/>
-          <a:p>
-            <a:r>
-              <a:rPr lang="es-ES" dirty="0"/>
-              <a:t>Tras el </a:t>
-            </a:r>
-            <a:r>
-              <a:rPr lang="es-ES" dirty="0" err="1"/>
-              <a:t>pre-procesado</a:t>
-            </a:r>
-            <a:r>
-              <a:rPr lang="es-ES" dirty="0"/>
-              <a:t>…</a:t>
-            </a:r>
-          </a:p>
-          <a:p>
-            <a:pPr lvl="1"/>
-            <a:r>
-              <a:rPr lang="es-ES" dirty="0"/>
-              <a:t>25 columnas</a:t>
-            </a:r>
-          </a:p>
-          <a:p>
-            <a:pPr lvl="1"/>
-            <a:r>
-              <a:rPr lang="es-ES" dirty="0"/>
-              <a:t>__ filas</a:t>
-            </a:r>
-          </a:p>
-          <a:p>
-            <a:endParaRPr lang="es-ES" dirty="0"/>
-          </a:p>
-          <a:p>
-            <a:endParaRPr lang="es-ES" dirty="0"/>
-          </a:p>
-          <a:p>
-            <a:pPr marL="0" indent="0">
-              <a:buNone/>
-            </a:pPr>
-            <a:endParaRPr lang="es-ES" dirty="0"/>
-          </a:p>
-        </p:txBody>
-      </p:sp>
-    </p:spTree>
-    <p:extLst>
-      <p:ext uri="{BB962C8B-B14F-4D97-AF65-F5344CB8AC3E}">
-        <p14:creationId xmlns:p14="http://schemas.microsoft.com/office/powerpoint/2010/main" val="483155530"/>
-      </p:ext>
-    </p:extLst>
-  </p:cSld>
-  <p:clrMapOvr>
-    <a:masterClrMapping/>
-  </p:clrMapOvr>
-</p:sld>
-</file>
-
 <file path=ppt/slides/slide14.xml><?xml version="1.0" encoding="utf-8"?>
 <p:sld xmlns:a="http://schemas.openxmlformats.org/drawingml/2006/main" xmlns:r="http://schemas.openxmlformats.org/officeDocument/2006/relationships" xmlns:p="http://schemas.openxmlformats.org/presentationml/2006/main">
   <p:cSld>
@@ -4544,7 +7229,12 @@
             <p:ph idx="1"/>
           </p:nvPr>
         </p:nvSpPr>
-        <p:spPr/>
+        <p:spPr>
+          <a:xfrm>
+            <a:off x="677334" y="1930400"/>
+            <a:ext cx="8596668" cy="3880773"/>
+          </a:xfrm>
+        </p:spPr>
         <p:txBody>
           <a:bodyPr/>
           <a:lstStyle/>
@@ -4573,7 +7263,137 @@
             <a:pPr lvl="1"/>
             <a:r>
               <a:rPr lang="es-ES" dirty="0"/>
-              <a:t>__ filas</a:t>
+              <a:t>1146 filas</a:t>
+            </a:r>
+          </a:p>
+          <a:p>
+            <a:endParaRPr lang="es-ES" dirty="0"/>
+          </a:p>
+          <a:p>
+            <a:endParaRPr lang="es-ES" dirty="0"/>
+          </a:p>
+          <a:p>
+            <a:pPr marL="0" indent="0">
+              <a:buNone/>
+            </a:pPr>
+            <a:endParaRPr lang="es-ES" dirty="0"/>
+          </a:p>
+        </p:txBody>
+      </p:sp>
+    </p:spTree>
+    <p:extLst>
+      <p:ext uri="{BB962C8B-B14F-4D97-AF65-F5344CB8AC3E}">
+        <p14:creationId xmlns:p14="http://schemas.microsoft.com/office/powerpoint/2010/main" val="483155530"/>
+      </p:ext>
+    </p:extLst>
+  </p:cSld>
+  <p:clrMapOvr>
+    <a:masterClrMapping/>
+  </p:clrMapOvr>
+</p:sld>
+</file>
+
+<file path=ppt/slides/slide15.xml><?xml version="1.0" encoding="utf-8"?>
+<p:sld xmlns:a="http://schemas.openxmlformats.org/drawingml/2006/main" xmlns:r="http://schemas.openxmlformats.org/officeDocument/2006/relationships" xmlns:p="http://schemas.openxmlformats.org/presentationml/2006/main">
+  <p:cSld>
+    <p:spTree>
+      <p:nvGrpSpPr>
+        <p:cNvPr id="1" name=""/>
+        <p:cNvGrpSpPr/>
+        <p:nvPr/>
+      </p:nvGrpSpPr>
+      <p:grpSpPr>
+        <a:xfrm>
+          <a:off x="0" y="0"/>
+          <a:ext cx="0" cy="0"/>
+          <a:chOff x="0" y="0"/>
+          <a:chExt cx="0" cy="0"/>
+        </a:xfrm>
+      </p:grpSpPr>
+      <p:sp>
+        <p:nvSpPr>
+          <p:cNvPr id="2" name="Título 1">
+            <a:extLst>
+              <a:ext uri="{FF2B5EF4-FFF2-40B4-BE49-F238E27FC236}">
+                <a16:creationId xmlns:a16="http://schemas.microsoft.com/office/drawing/2014/main" id="{0F08129C-58B4-45D6-9BA0-96204C339F83}"/>
+              </a:ext>
+            </a:extLst>
+          </p:cNvPr>
+          <p:cNvSpPr>
+            <a:spLocks noGrp="1"/>
+          </p:cNvSpPr>
+          <p:nvPr>
+            <p:ph type="title"/>
+          </p:nvPr>
+        </p:nvSpPr>
+        <p:spPr/>
+        <p:txBody>
+          <a:bodyPr/>
+          <a:lstStyle/>
+          <a:p>
+            <a:r>
+              <a:rPr lang="es-ES" dirty="0"/>
+              <a:t>2. Primera iteración: </a:t>
+            </a:r>
+            <a:r>
+              <a:rPr lang="es-ES" dirty="0" err="1"/>
+              <a:t>pre-procesado</a:t>
+            </a:r>
+            <a:endParaRPr lang="es-ES" dirty="0"/>
+          </a:p>
+        </p:txBody>
+      </p:sp>
+      <p:sp>
+        <p:nvSpPr>
+          <p:cNvPr id="3" name="Marcador de contenido 2">
+            <a:extLst>
+              <a:ext uri="{FF2B5EF4-FFF2-40B4-BE49-F238E27FC236}">
+                <a16:creationId xmlns:a16="http://schemas.microsoft.com/office/drawing/2014/main" id="{6F100738-AC81-45FA-83D4-4F15CC57FA8A}"/>
+              </a:ext>
+            </a:extLst>
+          </p:cNvPr>
+          <p:cNvSpPr>
+            <a:spLocks noGrp="1"/>
+          </p:cNvSpPr>
+          <p:nvPr>
+            <p:ph idx="1"/>
+          </p:nvPr>
+        </p:nvSpPr>
+        <p:spPr>
+          <a:xfrm>
+            <a:off x="677334" y="1930400"/>
+            <a:ext cx="8596668" cy="3880773"/>
+          </a:xfrm>
+        </p:spPr>
+        <p:txBody>
+          <a:bodyPr/>
+          <a:lstStyle/>
+          <a:p>
+            <a:r>
+              <a:rPr lang="es-ES" dirty="0"/>
+              <a:t>Tras el </a:t>
+            </a:r>
+            <a:r>
+              <a:rPr lang="es-ES" dirty="0" err="1"/>
+              <a:t>pre-procesado</a:t>
+            </a:r>
+            <a:r>
+              <a:rPr lang="es-ES" dirty="0"/>
+              <a:t>…</a:t>
+            </a:r>
+          </a:p>
+          <a:p>
+            <a:pPr lvl="1"/>
+            <a:r>
+              <a:rPr lang="es-ES" dirty="0"/>
+              <a:t>25 columnas</a:t>
+            </a:r>
+          </a:p>
+          <a:p>
+            <a:pPr lvl="1"/>
+            <a:r>
+              <a:rPr lang="es-ES" dirty="0"/>
+              <a:t>1146 filas</a:t>
             </a:r>
           </a:p>
           <a:p>
@@ -4617,7 +7437,7 @@
         </p:blipFill>
         <p:spPr bwMode="auto">
           <a:xfrm>
-            <a:off x="4690472" y="2220686"/>
+            <a:off x="4176905" y="2160589"/>
             <a:ext cx="6830967" cy="4480560"/>
           </a:xfrm>
           <a:prstGeom prst="rect">
@@ -4642,7 +7462,7 @@
 </p:sld>
 </file>
 
-<file path=ppt/slides/slide15.xml><?xml version="1.0" encoding="utf-8"?>
+<file path=ppt/slides/slide16.xml><?xml version="1.0" encoding="utf-8"?>
 <p:sld xmlns:a="http://schemas.openxmlformats.org/drawingml/2006/main" xmlns:r="http://schemas.openxmlformats.org/officeDocument/2006/relationships" xmlns:p="http://schemas.openxmlformats.org/presentationml/2006/main">
   <p:cSld>
     <p:spTree>
@@ -4708,18 +7528,60 @@
             <p:ph idx="1"/>
           </p:nvPr>
         </p:nvSpPr>
-        <p:spPr/>
+        <p:spPr>
+          <a:xfrm>
+            <a:off x="677334" y="1930400"/>
+            <a:ext cx="8596668" cy="3880773"/>
+          </a:xfrm>
+        </p:spPr>
         <p:txBody>
           <a:bodyPr/>
           <a:lstStyle/>
           <a:p>
+            <a:r>
+              <a:rPr lang="es-ES" dirty="0"/>
+              <a:t>Datos divididos para training/</a:t>
+            </a:r>
+            <a:r>
+              <a:rPr lang="es-ES" dirty="0" err="1"/>
+              <a:t>testing</a:t>
+            </a:r>
+            <a:endParaRPr lang="es-ES" dirty="0"/>
+          </a:p>
+          <a:p>
+            <a:endParaRPr lang="es-ES" dirty="0"/>
+          </a:p>
+          <a:p>
+            <a:pPr marL="0" indent="0">
+              <a:buNone/>
+            </a:pPr>
+            <a:r>
+              <a:rPr lang="es-ES" dirty="0"/>
+              <a:t>				</a:t>
+            </a:r>
+            <a:r>
+              <a:rPr lang="es-ES" sz="3600" dirty="0"/>
+              <a:t>	90% / 10%</a:t>
+            </a:r>
+          </a:p>
+          <a:p>
+            <a:pPr marL="0" indent="0">
+              <a:buNone/>
+            </a:pPr>
+            <a:endParaRPr lang="es-ES" dirty="0"/>
+          </a:p>
+          <a:p>
+            <a:r>
+              <a:rPr lang="es-ES" dirty="0"/>
+              <a:t>Proceso en </a:t>
+            </a:r>
             <a:r>
               <a:rPr lang="es-ES" dirty="0" err="1"/>
               <a:t>BigML</a:t>
             </a:r>
             <a:r>
               <a:rPr lang="es-ES" dirty="0"/>
-              <a:t> + algoritmo KNN</a:t>
+              <a:t> y algoritmo KNN.</a:t>
             </a:r>
           </a:p>
         </p:txBody>
@@ -4728,6 +7590,416 @@
     <p:extLst>
       <p:ext uri="{BB962C8B-B14F-4D97-AF65-F5344CB8AC3E}">
         <p14:creationId xmlns:p14="http://schemas.microsoft.com/office/powerpoint/2010/main" val="506994066"/>
+      </p:ext>
+    </p:extLst>
+  </p:cSld>
+  <p:clrMapOvr>
+    <a:masterClrMapping/>
+  </p:clrMapOvr>
+</p:sld>
+</file>
+
+<file path=ppt/slides/slide17.xml><?xml version="1.0" encoding="utf-8"?>
+<p:sld xmlns:a="http://schemas.openxmlformats.org/drawingml/2006/main" xmlns:r="http://schemas.openxmlformats.org/officeDocument/2006/relationships" xmlns:p="http://schemas.openxmlformats.org/presentationml/2006/main">
+  <p:cSld>
+    <p:spTree>
+      <p:nvGrpSpPr>
+        <p:cNvPr id="1" name=""/>
+        <p:cNvGrpSpPr/>
+        <p:nvPr/>
+      </p:nvGrpSpPr>
+      <p:grpSpPr>
+        <a:xfrm>
+          <a:off x="0" y="0"/>
+          <a:ext cx="0" cy="0"/>
+          <a:chOff x="0" y="0"/>
+          <a:chExt cx="0" cy="0"/>
+        </a:xfrm>
+      </p:grpSpPr>
+      <p:sp>
+        <p:nvSpPr>
+          <p:cNvPr id="2" name="Título 1">
+            <a:extLst>
+              <a:ext uri="{FF2B5EF4-FFF2-40B4-BE49-F238E27FC236}">
+                <a16:creationId xmlns:a16="http://schemas.microsoft.com/office/drawing/2014/main" id="{8939D2C4-A087-47E9-940A-6C87293FE2B8}"/>
+              </a:ext>
+            </a:extLst>
+          </p:cNvPr>
+          <p:cNvSpPr>
+            <a:spLocks noGrp="1"/>
+          </p:cNvSpPr>
+          <p:nvPr>
+            <p:ph type="title"/>
+          </p:nvPr>
+        </p:nvSpPr>
+        <p:spPr/>
+        <p:txBody>
+          <a:bodyPr/>
+          <a:lstStyle/>
+          <a:p>
+            <a:r>
+              <a:rPr lang="es-ES" dirty="0"/>
+              <a:t>2. Primera iteración: data </a:t>
+            </a:r>
+            <a:r>
+              <a:rPr lang="es-ES" dirty="0" err="1"/>
+              <a:t>mining</a:t>
+            </a:r>
+            <a:endParaRPr lang="es-ES" dirty="0"/>
+          </a:p>
+        </p:txBody>
+      </p:sp>
+      <p:sp>
+        <p:nvSpPr>
+          <p:cNvPr id="3" name="Marcador de contenido 2">
+            <a:extLst>
+              <a:ext uri="{FF2B5EF4-FFF2-40B4-BE49-F238E27FC236}">
+                <a16:creationId xmlns:a16="http://schemas.microsoft.com/office/drawing/2014/main" id="{78F7A0E2-4927-4C37-B289-5EE2C9B6DD3E}"/>
+              </a:ext>
+            </a:extLst>
+          </p:cNvPr>
+          <p:cNvSpPr>
+            <a:spLocks noGrp="1"/>
+          </p:cNvSpPr>
+          <p:nvPr>
+            <p:ph idx="1"/>
+          </p:nvPr>
+        </p:nvSpPr>
+        <p:spPr>
+          <a:xfrm>
+            <a:off x="677334" y="1930400"/>
+            <a:ext cx="8596668" cy="3880773"/>
+          </a:xfrm>
+        </p:spPr>
+        <p:txBody>
+          <a:bodyPr/>
+          <a:lstStyle/>
+          <a:p>
+            <a:r>
+              <a:rPr lang="es-ES" dirty="0"/>
+              <a:t>Árbol de decisión</a:t>
+            </a:r>
+          </a:p>
+          <a:p>
+            <a:pPr marL="0" indent="0">
+              <a:buNone/>
+            </a:pPr>
+            <a:endParaRPr lang="es-ES" dirty="0"/>
+          </a:p>
+        </p:txBody>
+      </p:sp>
+      <p:pic>
+        <p:nvPicPr>
+          <p:cNvPr id="4" name="Imagen 3">
+            <a:extLst>
+              <a:ext uri="{FF2B5EF4-FFF2-40B4-BE49-F238E27FC236}">
+                <a16:creationId xmlns:a16="http://schemas.microsoft.com/office/drawing/2014/main" id="{1401A36A-C812-4063-988D-E96BBE2DD96B}"/>
+              </a:ext>
+            </a:extLst>
+          </p:cNvPr>
+          <p:cNvPicPr/>
+          <p:nvPr/>
+        </p:nvPicPr>
+        <p:blipFill>
+          <a:blip r:embed="rId2"/>
+          <a:stretch>
+            <a:fillRect/>
+          </a:stretch>
+        </p:blipFill>
+        <p:spPr>
+          <a:xfrm>
+            <a:off x="1565330" y="2642026"/>
+            <a:ext cx="8797508" cy="3880773"/>
+          </a:xfrm>
+          <a:prstGeom prst="rect">
+            <a:avLst/>
+          </a:prstGeom>
+        </p:spPr>
+      </p:pic>
+    </p:spTree>
+    <p:extLst>
+      <p:ext uri="{BB962C8B-B14F-4D97-AF65-F5344CB8AC3E}">
+        <p14:creationId xmlns:p14="http://schemas.microsoft.com/office/powerpoint/2010/main" val="112058444"/>
+      </p:ext>
+    </p:extLst>
+  </p:cSld>
+  <p:clrMapOvr>
+    <a:masterClrMapping/>
+  </p:clrMapOvr>
+</p:sld>
+</file>
+
+<file path=ppt/slides/slide18.xml><?xml version="1.0" encoding="utf-8"?>
+<p:sld xmlns:a="http://schemas.openxmlformats.org/drawingml/2006/main" xmlns:r="http://schemas.openxmlformats.org/officeDocument/2006/relationships" xmlns:p="http://schemas.openxmlformats.org/presentationml/2006/main">
+  <p:cSld>
+    <p:spTree>
+      <p:nvGrpSpPr>
+        <p:cNvPr id="1" name=""/>
+        <p:cNvGrpSpPr/>
+        <p:nvPr/>
+      </p:nvGrpSpPr>
+      <p:grpSpPr>
+        <a:xfrm>
+          <a:off x="0" y="0"/>
+          <a:ext cx="0" cy="0"/>
+          <a:chOff x="0" y="0"/>
+          <a:chExt cx="0" cy="0"/>
+        </a:xfrm>
+      </p:grpSpPr>
+      <p:sp>
+        <p:nvSpPr>
+          <p:cNvPr id="2" name="Título 1">
+            <a:extLst>
+              <a:ext uri="{FF2B5EF4-FFF2-40B4-BE49-F238E27FC236}">
+                <a16:creationId xmlns:a16="http://schemas.microsoft.com/office/drawing/2014/main" id="{8939D2C4-A087-47E9-940A-6C87293FE2B8}"/>
+              </a:ext>
+            </a:extLst>
+          </p:cNvPr>
+          <p:cNvSpPr>
+            <a:spLocks noGrp="1"/>
+          </p:cNvSpPr>
+          <p:nvPr>
+            <p:ph type="title"/>
+          </p:nvPr>
+        </p:nvSpPr>
+        <p:spPr/>
+        <p:txBody>
+          <a:bodyPr/>
+          <a:lstStyle/>
+          <a:p>
+            <a:r>
+              <a:rPr lang="es-ES" dirty="0"/>
+              <a:t>2. Primera iteración: data </a:t>
+            </a:r>
+            <a:r>
+              <a:rPr lang="es-ES" dirty="0" err="1"/>
+              <a:t>mining</a:t>
+            </a:r>
+            <a:endParaRPr lang="es-ES" dirty="0"/>
+          </a:p>
+        </p:txBody>
+      </p:sp>
+      <p:sp>
+        <p:nvSpPr>
+          <p:cNvPr id="3" name="Marcador de contenido 2">
+            <a:extLst>
+              <a:ext uri="{FF2B5EF4-FFF2-40B4-BE49-F238E27FC236}">
+                <a16:creationId xmlns:a16="http://schemas.microsoft.com/office/drawing/2014/main" id="{78F7A0E2-4927-4C37-B289-5EE2C9B6DD3E}"/>
+              </a:ext>
+            </a:extLst>
+          </p:cNvPr>
+          <p:cNvSpPr>
+            <a:spLocks noGrp="1"/>
+          </p:cNvSpPr>
+          <p:nvPr>
+            <p:ph idx="1"/>
+          </p:nvPr>
+        </p:nvSpPr>
+        <p:spPr>
+          <a:xfrm>
+            <a:off x="677334" y="1930400"/>
+            <a:ext cx="8596668" cy="3880773"/>
+          </a:xfrm>
+        </p:spPr>
+        <p:txBody>
+          <a:bodyPr/>
+          <a:lstStyle/>
+          <a:p>
+            <a:r>
+              <a:rPr lang="es-ES" dirty="0"/>
+              <a:t>Árbol de decisión</a:t>
+            </a:r>
+          </a:p>
+          <a:p>
+            <a:pPr lvl="1"/>
+            <a:r>
+              <a:rPr lang="es-ES" dirty="0"/>
+              <a:t>Pregunta más decisiva:</a:t>
+            </a:r>
+          </a:p>
+          <a:p>
+            <a:pPr marL="457200" lvl="1" indent="0">
+              <a:buNone/>
+            </a:pPr>
+            <a:endParaRPr lang="es-ES" dirty="0"/>
+          </a:p>
+          <a:p>
+            <a:pPr marL="457200" lvl="1" indent="0">
+              <a:buNone/>
+            </a:pPr>
+            <a:r>
+              <a:rPr lang="en-US" i="1" dirty="0"/>
+              <a:t>“If you have a mental health issue do you feel that it interferes with your work when NOT being treated effectively?”</a:t>
+            </a:r>
+            <a:endParaRPr lang="es-ES" dirty="0"/>
+          </a:p>
+          <a:p>
+            <a:pPr marL="0" indent="0">
+              <a:buNone/>
+            </a:pPr>
+            <a:endParaRPr lang="es-ES" dirty="0"/>
+          </a:p>
+        </p:txBody>
+      </p:sp>
+    </p:spTree>
+    <p:extLst>
+      <p:ext uri="{BB962C8B-B14F-4D97-AF65-F5344CB8AC3E}">
+        <p14:creationId xmlns:p14="http://schemas.microsoft.com/office/powerpoint/2010/main" val="935833901"/>
+      </p:ext>
+    </p:extLst>
+  </p:cSld>
+  <p:clrMapOvr>
+    <a:masterClrMapping/>
+  </p:clrMapOvr>
+</p:sld>
+</file>
+
+<file path=ppt/slides/slide19.xml><?xml version="1.0" encoding="utf-8"?>
+<p:sld xmlns:a="http://schemas.openxmlformats.org/drawingml/2006/main" xmlns:r="http://schemas.openxmlformats.org/officeDocument/2006/relationships" xmlns:p="http://schemas.openxmlformats.org/presentationml/2006/main">
+  <p:cSld>
+    <p:spTree>
+      <p:nvGrpSpPr>
+        <p:cNvPr id="1" name=""/>
+        <p:cNvGrpSpPr/>
+        <p:nvPr/>
+      </p:nvGrpSpPr>
+      <p:grpSpPr>
+        <a:xfrm>
+          <a:off x="0" y="0"/>
+          <a:ext cx="0" cy="0"/>
+          <a:chOff x="0" y="0"/>
+          <a:chExt cx="0" cy="0"/>
+        </a:xfrm>
+      </p:grpSpPr>
+      <p:sp>
+        <p:nvSpPr>
+          <p:cNvPr id="2" name="Título 1">
+            <a:extLst>
+              <a:ext uri="{FF2B5EF4-FFF2-40B4-BE49-F238E27FC236}">
+                <a16:creationId xmlns:a16="http://schemas.microsoft.com/office/drawing/2014/main" id="{8939D2C4-A087-47E9-940A-6C87293FE2B8}"/>
+              </a:ext>
+            </a:extLst>
+          </p:cNvPr>
+          <p:cNvSpPr>
+            <a:spLocks noGrp="1"/>
+          </p:cNvSpPr>
+          <p:nvPr>
+            <p:ph type="title"/>
+          </p:nvPr>
+        </p:nvSpPr>
+        <p:spPr/>
+        <p:txBody>
+          <a:bodyPr/>
+          <a:lstStyle/>
+          <a:p>
+            <a:r>
+              <a:rPr lang="es-ES" dirty="0"/>
+              <a:t>2. Primera iteración: data </a:t>
+            </a:r>
+            <a:r>
+              <a:rPr lang="es-ES" dirty="0" err="1"/>
+              <a:t>mining</a:t>
+            </a:r>
+            <a:endParaRPr lang="es-ES" dirty="0"/>
+          </a:p>
+        </p:txBody>
+      </p:sp>
+      <p:sp>
+        <p:nvSpPr>
+          <p:cNvPr id="3" name="Marcador de contenido 2">
+            <a:extLst>
+              <a:ext uri="{FF2B5EF4-FFF2-40B4-BE49-F238E27FC236}">
+                <a16:creationId xmlns:a16="http://schemas.microsoft.com/office/drawing/2014/main" id="{78F7A0E2-4927-4C37-B289-5EE2C9B6DD3E}"/>
+              </a:ext>
+            </a:extLst>
+          </p:cNvPr>
+          <p:cNvSpPr>
+            <a:spLocks noGrp="1"/>
+          </p:cNvSpPr>
+          <p:nvPr>
+            <p:ph idx="1"/>
+          </p:nvPr>
+        </p:nvSpPr>
+        <p:spPr>
+          <a:xfrm>
+            <a:off x="677334" y="1930400"/>
+            <a:ext cx="8596668" cy="3880773"/>
+          </a:xfrm>
+        </p:spPr>
+        <p:txBody>
+          <a:bodyPr/>
+          <a:lstStyle/>
+          <a:p>
+            <a:r>
+              <a:rPr lang="es-ES" dirty="0"/>
+              <a:t>Árbol de decisión</a:t>
+            </a:r>
+          </a:p>
+          <a:p>
+            <a:pPr lvl="1"/>
+            <a:r>
+              <a:rPr lang="es-ES" dirty="0"/>
+              <a:t>Pregunta más decisiva:</a:t>
+            </a:r>
+          </a:p>
+          <a:p>
+            <a:pPr marL="457200" lvl="1" indent="0">
+              <a:buNone/>
+            </a:pPr>
+            <a:endParaRPr lang="es-ES" dirty="0"/>
+          </a:p>
+          <a:p>
+            <a:pPr marL="457200" lvl="1" indent="0">
+              <a:buNone/>
+            </a:pPr>
+            <a:r>
+              <a:rPr lang="en-US" i="1" dirty="0"/>
+              <a:t>“If you have a mental health issue do you feel that it interferes with your work when NOT being treated effectively?”</a:t>
+            </a:r>
+          </a:p>
+          <a:p>
+            <a:pPr marL="457200" lvl="1" indent="0">
+              <a:buNone/>
+            </a:pPr>
+            <a:endParaRPr lang="en-US" i="1" dirty="0"/>
+          </a:p>
+          <a:p>
+            <a:pPr lvl="1"/>
+            <a:r>
+              <a:rPr lang="en-US" dirty="0" err="1"/>
+              <a:t>Seguida</a:t>
+            </a:r>
+            <a:r>
+              <a:rPr lang="en-US" dirty="0"/>
+              <a:t> por…</a:t>
+            </a:r>
+          </a:p>
+          <a:p>
+            <a:pPr marL="457200" lvl="1" indent="0">
+              <a:buNone/>
+            </a:pPr>
+            <a:r>
+              <a:rPr lang="en-US" i="1" dirty="0"/>
+              <a:t>“If you have a mental health issue do you feel that it interferes with your work when being treated effectively?”.</a:t>
+            </a:r>
+            <a:r>
+              <a:rPr lang="en-US" dirty="0"/>
+              <a:t> </a:t>
+            </a:r>
+            <a:endParaRPr lang="es-ES" dirty="0"/>
+          </a:p>
+          <a:p>
+            <a:pPr marL="0" indent="0">
+              <a:buNone/>
+            </a:pPr>
+            <a:endParaRPr lang="es-ES" dirty="0"/>
+          </a:p>
+        </p:txBody>
+      </p:sp>
+    </p:spTree>
+    <p:extLst>
+      <p:ext uri="{BB962C8B-B14F-4D97-AF65-F5344CB8AC3E}">
+        <p14:creationId xmlns:p14="http://schemas.microsoft.com/office/powerpoint/2010/main" val="2153251069"/>
       </p:ext>
     </p:extLst>
   </p:cSld>
@@ -4871,6 +8143,169 @@
     <p:extLst>
       <p:ext uri="{BB962C8B-B14F-4D97-AF65-F5344CB8AC3E}">
         <p14:creationId xmlns:p14="http://schemas.microsoft.com/office/powerpoint/2010/main" val="165222934"/>
+      </p:ext>
+    </p:extLst>
+  </p:cSld>
+  <p:clrMapOvr>
+    <a:masterClrMapping/>
+  </p:clrMapOvr>
+</p:sld>
+</file>
+
+<file path=ppt/slides/slide20.xml><?xml version="1.0" encoding="utf-8"?>
+<p:sld xmlns:a="http://schemas.openxmlformats.org/drawingml/2006/main" xmlns:r="http://schemas.openxmlformats.org/officeDocument/2006/relationships" xmlns:p="http://schemas.openxmlformats.org/presentationml/2006/main">
+  <p:cSld>
+    <p:spTree>
+      <p:nvGrpSpPr>
+        <p:cNvPr id="1" name=""/>
+        <p:cNvGrpSpPr/>
+        <p:nvPr/>
+      </p:nvGrpSpPr>
+      <p:grpSpPr>
+        <a:xfrm>
+          <a:off x="0" y="0"/>
+          <a:ext cx="0" cy="0"/>
+          <a:chOff x="0" y="0"/>
+          <a:chExt cx="0" cy="0"/>
+        </a:xfrm>
+      </p:grpSpPr>
+      <p:sp>
+        <p:nvSpPr>
+          <p:cNvPr id="2" name="Título 1">
+            <a:extLst>
+              <a:ext uri="{FF2B5EF4-FFF2-40B4-BE49-F238E27FC236}">
+                <a16:creationId xmlns:a16="http://schemas.microsoft.com/office/drawing/2014/main" id="{713C02B5-CD52-4C57-A973-686529F05156}"/>
+              </a:ext>
+            </a:extLst>
+          </p:cNvPr>
+          <p:cNvSpPr>
+            <a:spLocks noGrp="1"/>
+          </p:cNvSpPr>
+          <p:nvPr>
+            <p:ph type="title"/>
+          </p:nvPr>
+        </p:nvSpPr>
+        <p:spPr/>
+        <p:txBody>
+          <a:bodyPr/>
+          <a:lstStyle/>
+          <a:p>
+            <a:r>
+              <a:rPr lang="es-ES" dirty="0"/>
+              <a:t>2. Primera iteración: data </a:t>
+            </a:r>
+            <a:r>
+              <a:rPr lang="es-ES" dirty="0" err="1"/>
+              <a:t>mining</a:t>
+            </a:r>
+            <a:endParaRPr lang="es-ES" dirty="0"/>
+          </a:p>
+        </p:txBody>
+      </p:sp>
+      <p:sp>
+        <p:nvSpPr>
+          <p:cNvPr id="3" name="Marcador de contenido 2">
+            <a:extLst>
+              <a:ext uri="{FF2B5EF4-FFF2-40B4-BE49-F238E27FC236}">
+                <a16:creationId xmlns:a16="http://schemas.microsoft.com/office/drawing/2014/main" id="{C04CABB0-F69E-47FE-82C9-C9022F4AE937}"/>
+              </a:ext>
+            </a:extLst>
+          </p:cNvPr>
+          <p:cNvSpPr>
+            <a:spLocks noGrp="1"/>
+          </p:cNvSpPr>
+          <p:nvPr>
+            <p:ph idx="1"/>
+          </p:nvPr>
+        </p:nvSpPr>
+        <p:spPr>
+          <a:xfrm>
+            <a:off x="838200" y="1815783"/>
+            <a:ext cx="10515600" cy="4351338"/>
+          </a:xfrm>
+        </p:spPr>
+        <p:txBody>
+          <a:bodyPr/>
+          <a:lstStyle/>
+          <a:p>
+            <a:r>
+              <a:rPr lang="es-ES" dirty="0"/>
+              <a:t>Algoritmo KNN</a:t>
+            </a:r>
+          </a:p>
+          <a:p>
+            <a:endParaRPr lang="es-ES" dirty="0"/>
+          </a:p>
+        </p:txBody>
+      </p:sp>
+      <p:pic>
+        <p:nvPicPr>
+          <p:cNvPr id="4" name="Imagen 3">
+            <a:extLst>
+              <a:ext uri="{FF2B5EF4-FFF2-40B4-BE49-F238E27FC236}">
+                <a16:creationId xmlns:a16="http://schemas.microsoft.com/office/drawing/2014/main" id="{8BF8317C-F90F-4178-BECB-508F5830A450}"/>
+              </a:ext>
+            </a:extLst>
+          </p:cNvPr>
+          <p:cNvPicPr/>
+          <p:nvPr/>
+        </p:nvPicPr>
+        <p:blipFill>
+          <a:blip r:embed="rId2">
+            <a:extLst>
+              <a:ext uri="{28A0092B-C50C-407E-A947-70E740481C1C}">
+                <a14:useLocalDpi xmlns:a14="http://schemas.microsoft.com/office/drawing/2010/main" val="0"/>
+              </a:ext>
+            </a:extLst>
+          </a:blip>
+          <a:stretch>
+            <a:fillRect/>
+          </a:stretch>
+        </p:blipFill>
+        <p:spPr>
+          <a:xfrm>
+            <a:off x="1059191" y="2697479"/>
+            <a:ext cx="5235406" cy="3389811"/>
+          </a:xfrm>
+          <a:prstGeom prst="rect">
+            <a:avLst/>
+          </a:prstGeom>
+        </p:spPr>
+      </p:pic>
+      <p:pic>
+        <p:nvPicPr>
+          <p:cNvPr id="6" name="Imagen 5">
+            <a:extLst>
+              <a:ext uri="{FF2B5EF4-FFF2-40B4-BE49-F238E27FC236}">
+                <a16:creationId xmlns:a16="http://schemas.microsoft.com/office/drawing/2014/main" id="{5B16A2BA-37FB-42AF-93EB-C5832A3F3DF6}"/>
+              </a:ext>
+            </a:extLst>
+          </p:cNvPr>
+          <p:cNvPicPr>
+            <a:picLocks noChangeAspect="1"/>
+          </p:cNvPicPr>
+          <p:nvPr/>
+        </p:nvPicPr>
+        <p:blipFill>
+          <a:blip r:embed="rId3"/>
+          <a:stretch>
+            <a:fillRect/>
+          </a:stretch>
+        </p:blipFill>
+        <p:spPr>
+          <a:xfrm>
+            <a:off x="6676454" y="3429000"/>
+            <a:ext cx="4838212" cy="1326210"/>
+          </a:xfrm>
+          <a:prstGeom prst="rect">
+            <a:avLst/>
+          </a:prstGeom>
+        </p:spPr>
+      </p:pic>
+    </p:spTree>
+    <p:extLst>
+      <p:ext uri="{BB962C8B-B14F-4D97-AF65-F5344CB8AC3E}">
+        <p14:creationId xmlns:p14="http://schemas.microsoft.com/office/powerpoint/2010/main" val="4074770714"/>
       </p:ext>
     </p:extLst>
   </p:cSld>
@@ -5137,7 +8572,7 @@
           <a:p>
             <a:r>
               <a:rPr lang="es-ES" dirty="0"/>
-              <a:t>1. Introducción</a:t>
+              <a:t>1. Introducción: proceso KDD</a:t>
             </a:r>
           </a:p>
         </p:txBody>
@@ -5183,42 +8618,68 @@
             </a:r>
             <a:endParaRPr lang="es-ES" dirty="0"/>
           </a:p>
-          <a:p>
-            <a:pPr lvl="1"/>
-            <a:endParaRPr lang="es-ES" dirty="0"/>
-          </a:p>
-          <a:p>
-            <a:pPr lvl="1"/>
-            <a:endParaRPr lang="es-ES" dirty="0">
-              <a:solidFill>
-                <a:srgbClr val="FF0000"/>
-              </a:solidFill>
-            </a:endParaRPr>
-          </a:p>
-          <a:p>
-            <a:pPr lvl="1"/>
-            <a:r>
-              <a:rPr lang="es-ES" dirty="0">
-                <a:solidFill>
-                  <a:srgbClr val="FF0000"/>
-                </a:solidFill>
-              </a:rPr>
-              <a:t>IMAGEN DEL SCRIPT</a:t>
-            </a:r>
-          </a:p>
-          <a:p>
-            <a:pPr lvl="1"/>
-            <a:r>
-              <a:rPr lang="es-ES" dirty="0">
-                <a:solidFill>
-                  <a:srgbClr val="FF0000"/>
-                </a:solidFill>
-              </a:rPr>
-              <a:t>IMAGEN DE BIGML</a:t>
-            </a:r>
-          </a:p>
-        </p:txBody>
-      </p:sp>
+        </p:txBody>
+      </p:sp>
+      <p:pic>
+        <p:nvPicPr>
+          <p:cNvPr id="4" name="Imagen 3">
+            <a:extLst>
+              <a:ext uri="{FF2B5EF4-FFF2-40B4-BE49-F238E27FC236}">
+                <a16:creationId xmlns:a16="http://schemas.microsoft.com/office/drawing/2014/main" id="{A8644FE4-0DF7-4101-90D9-43D010685D81}"/>
+              </a:ext>
+            </a:extLst>
+          </p:cNvPr>
+          <p:cNvPicPr>
+            <a:picLocks noChangeAspect="1"/>
+          </p:cNvPicPr>
+          <p:nvPr/>
+        </p:nvPicPr>
+        <p:blipFill>
+          <a:blip r:embed="rId2"/>
+          <a:stretch>
+            <a:fillRect/>
+          </a:stretch>
+        </p:blipFill>
+        <p:spPr>
+          <a:xfrm>
+            <a:off x="3920647" y="1579606"/>
+            <a:ext cx="7155318" cy="5014528"/>
+          </a:xfrm>
+          <a:prstGeom prst="rect">
+            <a:avLst/>
+          </a:prstGeom>
+        </p:spPr>
+      </p:pic>
+      <p:pic>
+        <p:nvPicPr>
+          <p:cNvPr id="5" name="Imagen 4">
+            <a:extLst>
+              <a:ext uri="{FF2B5EF4-FFF2-40B4-BE49-F238E27FC236}">
+                <a16:creationId xmlns:a16="http://schemas.microsoft.com/office/drawing/2014/main" id="{DCCA18A5-F2D5-45DB-906B-6242E68A264E}"/>
+              </a:ext>
+            </a:extLst>
+          </p:cNvPr>
+          <p:cNvPicPr>
+            <a:picLocks noChangeAspect="1"/>
+          </p:cNvPicPr>
+          <p:nvPr/>
+        </p:nvPicPr>
+        <p:blipFill>
+          <a:blip r:embed="rId3"/>
+          <a:stretch>
+            <a:fillRect/>
+          </a:stretch>
+        </p:blipFill>
+        <p:spPr>
+          <a:xfrm>
+            <a:off x="5571864" y="3429000"/>
+            <a:ext cx="6417539" cy="3246439"/>
+          </a:xfrm>
+          <a:prstGeom prst="rect">
+            <a:avLst/>
+          </a:prstGeom>
+        </p:spPr>
+      </p:pic>
     </p:spTree>
     <p:extLst>
       <p:ext uri="{BB962C8B-B14F-4D97-AF65-F5344CB8AC3E}">
@@ -5272,7 +8733,7 @@
           <a:p>
             <a:r>
               <a:rPr lang="es-ES" dirty="0"/>
-              <a:t>2. Proceso KDD: selección del conjunto de datos</a:t>
+              <a:t>2. Primera iteración: selección del conjunto de datos</a:t>
             </a:r>
           </a:p>
         </p:txBody>
@@ -5558,7 +9019,12 @@
             <p:ph idx="1"/>
           </p:nvPr>
         </p:nvSpPr>
-        <p:spPr/>
+        <p:spPr>
+          <a:xfrm>
+            <a:off x="677334" y="1930400"/>
+            <a:ext cx="8596668" cy="3880773"/>
+          </a:xfrm>
+        </p:spPr>
         <p:txBody>
           <a:bodyPr/>
           <a:lstStyle/>
@@ -5690,7 +9156,12 @@
             <p:ph idx="1"/>
           </p:nvPr>
         </p:nvSpPr>
-        <p:spPr/>
+        <p:spPr>
+          <a:xfrm>
+            <a:off x="677334" y="1930400"/>
+            <a:ext cx="8596668" cy="3880773"/>
+          </a:xfrm>
+        </p:spPr>
         <p:txBody>
           <a:bodyPr/>
           <a:lstStyle/>
@@ -5801,7 +9272,12 @@
             <p:ph idx="1"/>
           </p:nvPr>
         </p:nvSpPr>
-        <p:spPr/>
+        <p:spPr>
+          <a:xfrm>
+            <a:off x="677334" y="1930400"/>
+            <a:ext cx="8596668" cy="3880773"/>
+          </a:xfrm>
+        </p:spPr>
         <p:txBody>
           <a:bodyPr/>
           <a:lstStyle/>
@@ -5930,9 +9406,9 @@
 </file>
 
 <file path=ppt/theme/theme1.xml><?xml version="1.0" encoding="utf-8"?>
-<a:theme xmlns:a="http://schemas.openxmlformats.org/drawingml/2006/main" name="Tema de Office">
+<a:theme xmlns:a="http://schemas.openxmlformats.org/drawingml/2006/main" name="Faceta">
   <a:themeElements>
-    <a:clrScheme name="Office">
+    <a:clrScheme name="Verde azulado">
       <a:dk1>
         <a:sysClr val="windowText" lastClr="000000"/>
       </a:dk1>
@@ -5940,52 +9416,52 @@
         <a:sysClr val="window" lastClr="FFFFFF"/>
       </a:lt1>
       <a:dk2>
-        <a:srgbClr val="44546A"/>
+        <a:srgbClr val="373545"/>
       </a:dk2>
       <a:lt2>
-        <a:srgbClr val="E7E6E6"/>
+        <a:srgbClr val="CEDBE6"/>
       </a:lt2>
       <a:accent1>
-        <a:srgbClr val="4472C4"/>
+        <a:srgbClr val="3494BA"/>
       </a:accent1>
       <a:accent2>
-        <a:srgbClr val="ED7D31"/>
+        <a:srgbClr val="58B6C0"/>
       </a:accent2>
       <a:accent3>
-        <a:srgbClr val="A5A5A5"/>
+        <a:srgbClr val="75BDA7"/>
       </a:accent3>
       <a:accent4>
-        <a:srgbClr val="FFC000"/>
+        <a:srgbClr val="7A8C8E"/>
       </a:accent4>
       <a:accent5>
-        <a:srgbClr val="5B9BD5"/>
+        <a:srgbClr val="84ACB6"/>
       </a:accent5>
       <a:accent6>
-        <a:srgbClr val="70AD47"/>
+        <a:srgbClr val="2683C6"/>
       </a:accent6>
       <a:hlink>
-        <a:srgbClr val="0563C1"/>
+        <a:srgbClr val="6B9F25"/>
       </a:hlink>
       <a:folHlink>
-        <a:srgbClr val="954F72"/>
+        <a:srgbClr val="9F6715"/>
       </a:folHlink>
     </a:clrScheme>
-    <a:fontScheme name="Office">
+    <a:fontScheme name="Faceta">
       <a:majorFont>
-        <a:latin typeface="Calibri Light" panose="020F0302020204030204"/>
+        <a:latin typeface="Trebuchet MS" panose="020B0603020202020204"/>
         <a:ea typeface=""/>
         <a:cs typeface=""/>
-        <a:font script="Jpan" typeface="游ゴシック Light"/>
+        <a:font script="Jpan" typeface="メイリオ"/>
         <a:font script="Hang" typeface="맑은 고딕"/>
-        <a:font script="Hans" typeface="等线 Light"/>
-        <a:font script="Hant" typeface="新細明體"/>
-        <a:font script="Arab" typeface="Times New Roman"/>
-        <a:font script="Hebr" typeface="Times New Roman"/>
-        <a:font script="Thai" typeface="Angsana New"/>
+        <a:font script="Hans" typeface="方正姚体"/>
+        <a:font script="Hant" typeface="微軟正黑體"/>
+        <a:font script="Arab" typeface="Tahoma"/>
+        <a:font script="Hebr" typeface="Arial"/>
+        <a:font script="Thai" typeface="Cordia New"/>
         <a:font script="Ethi" typeface="Nyala"/>
         <a:font script="Beng" typeface="Vrinda"/>
         <a:font script="Gujr" typeface="Shruti"/>
-        <a:font script="Khmr" typeface="MoolBoran"/>
+        <a:font script="Khmr" typeface="DaunPenh"/>
         <a:font script="Knda" typeface="Tunga"/>
         <a:font script="Guru" typeface="Raavi"/>
         <a:font script="Cans" typeface="Euphemia"/>
@@ -6002,38 +9478,21 @@
         <a:font script="Laoo" typeface="DokChampa"/>
         <a:font script="Sinh" typeface="Iskoola Pota"/>
         <a:font script="Mong" typeface="Mongolian Baiti"/>
-        <a:font script="Viet" typeface="Times New Roman"/>
+        <a:font script="Viet" typeface="Tahoma"/>
         <a:font script="Uigh" typeface="Microsoft Uighur"/>
         <a:font script="Geor" typeface="Sylfaen"/>
-        <a:font script="Armn" typeface="Arial"/>
-        <a:font script="Bugi" typeface="Leelawadee UI"/>
-        <a:font script="Bopo" typeface="Microsoft JhengHei"/>
-        <a:font script="Java" typeface="Javanese Text"/>
-        <a:font script="Lisu" typeface="Segoe UI"/>
-        <a:font script="Mymr" typeface="Myanmar Text"/>
-        <a:font script="Nkoo" typeface="Ebrima"/>
-        <a:font script="Olck" typeface="Nirmala UI"/>
-        <a:font script="Osma" typeface="Ebrima"/>
-        <a:font script="Phag" typeface="Phagspa"/>
-        <a:font script="Syrn" typeface="Estrangelo Edessa"/>
-        <a:font script="Syrj" typeface="Estrangelo Edessa"/>
-        <a:font script="Syre" typeface="Estrangelo Edessa"/>
-        <a:font script="Sora" typeface="Nirmala UI"/>
-        <a:font script="Tale" typeface="Microsoft Tai Le"/>
-        <a:font script="Talu" typeface="Microsoft New Tai Lue"/>
-        <a:font script="Tfng" typeface="Ebrima"/>
       </a:majorFont>
       <a:minorFont>
-        <a:latin typeface="Calibri" panose="020F0502020204030204"/>
+        <a:latin typeface="Trebuchet MS" panose="020B0603020202020204"/>
         <a:ea typeface=""/>
         <a:cs typeface=""/>
-        <a:font script="Jpan" typeface="游ゴシック"/>
-        <a:font script="Hang" typeface="맑은 고딕"/>
-        <a:font script="Hans" typeface="等线"/>
-        <a:font script="Hant" typeface="新細明體"/>
-        <a:font script="Arab" typeface="Arial"/>
-        <a:font script="Hebr" typeface="Arial"/>
-        <a:font script="Thai" typeface="Cordia New"/>
+        <a:font script="Jpan" typeface="メイリオ"/>
+        <a:font script="Hang" typeface="HY그래픽M"/>
+        <a:font script="Hans" typeface="华文新魏"/>
+        <a:font script="Hant" typeface="微軟正黑體"/>
+        <a:font script="Arab" typeface="Tahoma"/>
+        <a:font script="Hebr" typeface="Gisha"/>
+        <a:font script="Thai" typeface="IrisUPC"/>
         <a:font script="Ethi" typeface="Nyala"/>
         <a:font script="Beng" typeface="Vrinda"/>
         <a:font script="Gujr" typeface="Shruti"/>
@@ -6057,26 +9516,9 @@
         <a:font script="Viet" typeface="Arial"/>
         <a:font script="Uigh" typeface="Microsoft Uighur"/>
         <a:font script="Geor" typeface="Sylfaen"/>
-        <a:font script="Armn" typeface="Arial"/>
-        <a:font script="Bugi" typeface="Leelawadee UI"/>
-        <a:font script="Bopo" typeface="Microsoft JhengHei"/>
-        <a:font script="Java" typeface="Javanese Text"/>
-        <a:font script="Lisu" typeface="Segoe UI"/>
-        <a:font script="Mymr" typeface="Myanmar Text"/>
-        <a:font script="Nkoo" typeface="Ebrima"/>
-        <a:font script="Olck" typeface="Nirmala UI"/>
-        <a:font script="Osma" typeface="Ebrima"/>
-        <a:font script="Phag" typeface="Phagspa"/>
-        <a:font script="Syrn" typeface="Estrangelo Edessa"/>
-        <a:font script="Syrj" typeface="Estrangelo Edessa"/>
-        <a:font script="Syre" typeface="Estrangelo Edessa"/>
-        <a:font script="Sora" typeface="Nirmala UI"/>
-        <a:font script="Tale" typeface="Microsoft Tai Le"/>
-        <a:font script="Talu" typeface="Microsoft New Tai Lue"/>
-        <a:font script="Tfng" typeface="Ebrima"/>
       </a:minorFont>
     </a:fontScheme>
-    <a:fmtScheme name="Office">
+    <a:fmtScheme name="Faceta">
       <a:fillStyleLst>
         <a:solidFill>
           <a:schemeClr val="phClr"/>
@@ -6085,23 +9527,13 @@
           <a:gsLst>
             <a:gs pos="0">
               <a:schemeClr val="phClr">
+                <a:tint val="65000"/>
                 <a:lumMod val="110000"/>
-                <a:satMod val="105000"/>
-                <a:tint val="67000"/>
               </a:schemeClr>
             </a:gs>
-            <a:gs pos="50000">
+            <a:gs pos="88000">
               <a:schemeClr val="phClr">
-                <a:lumMod val="105000"/>
-                <a:satMod val="103000"/>
-                <a:tint val="73000"/>
-              </a:schemeClr>
-            </a:gs>
-            <a:gs pos="100000">
-              <a:schemeClr val="phClr">
-                <a:lumMod val="105000"/>
-                <a:satMod val="109000"/>
-                <a:tint val="81000"/>
+                <a:tint val="90000"/>
               </a:schemeClr>
             </a:gs>
           </a:gsLst>
@@ -6111,23 +9543,14 @@
           <a:gsLst>
             <a:gs pos="0">
               <a:schemeClr val="phClr">
-                <a:satMod val="103000"/>
-                <a:lumMod val="102000"/>
-                <a:tint val="94000"/>
+                <a:tint val="96000"/>
+                <a:lumMod val="100000"/>
               </a:schemeClr>
             </a:gs>
-            <a:gs pos="50000">
+            <a:gs pos="78000">
               <a:schemeClr val="phClr">
-                <a:satMod val="110000"/>
-                <a:lumMod val="100000"/>
-                <a:shade val="100000"/>
-              </a:schemeClr>
-            </a:gs>
-            <a:gs pos="100000">
-              <a:schemeClr val="phClr">
-                <a:lumMod val="99000"/>
-                <a:satMod val="120000"/>
-                <a:shade val="78000"/>
+                <a:shade val="94000"/>
+                <a:lumMod val="94000"/>
               </a:schemeClr>
             </a:gs>
           </a:gsLst>
@@ -6135,26 +9558,23 @@
         </a:gradFill>
       </a:fillStyleLst>
       <a:lnStyleLst>
-        <a:ln w="6350" cap="flat" cmpd="sng" algn="ctr">
+        <a:ln w="12700" cap="rnd" cmpd="sng" algn="ctr">
           <a:solidFill>
             <a:schemeClr val="phClr"/>
           </a:solidFill>
           <a:prstDash val="solid"/>
-          <a:miter lim="800000"/>
         </a:ln>
-        <a:ln w="12700" cap="flat" cmpd="sng" algn="ctr">
+        <a:ln w="19050" cap="rnd" cmpd="sng" algn="ctr">
           <a:solidFill>
             <a:schemeClr val="phClr"/>
           </a:solidFill>
           <a:prstDash val="solid"/>
-          <a:miter lim="800000"/>
         </a:ln>
-        <a:ln w="19050" cap="flat" cmpd="sng" algn="ctr">
+        <a:ln w="25400" cap="rnd" cmpd="sng" algn="ctr">
           <a:solidFill>
             <a:schemeClr val="phClr"/>
           </a:solidFill>
           <a:prstDash val="solid"/>
-          <a:miter lim="800000"/>
         </a:ln>
       </a:lnStyleLst>
       <a:effectStyleLst>
@@ -6162,54 +9582,72 @@
           <a:effectLst/>
         </a:effectStyle>
         <a:effectStyle>
-          <a:effectLst/>
+          <a:effectLst>
+            <a:outerShdw blurRad="38100" dist="25400" dir="5400000" rotWithShape="0">
+              <a:srgbClr val="000000">
+                <a:alpha val="35000"/>
+              </a:srgbClr>
+            </a:outerShdw>
+          </a:effectLst>
         </a:effectStyle>
         <a:effectStyle>
           <a:effectLst>
-            <a:outerShdw blurRad="57150" dist="19050" dir="5400000" algn="ctr" rotWithShape="0">
+            <a:outerShdw blurRad="50800" dist="38100" dir="5400000" rotWithShape="0">
               <a:srgbClr val="000000">
-                <a:alpha val="63000"/>
+                <a:alpha val="35000"/>
               </a:srgbClr>
             </a:outerShdw>
           </a:effectLst>
+          <a:scene3d>
+            <a:camera prst="orthographicFront">
+              <a:rot lat="0" lon="0" rev="0"/>
+            </a:camera>
+            <a:lightRig rig="threePt" dir="tl"/>
+          </a:scene3d>
+          <a:sp3d prstMaterial="plastic">
+            <a:bevelT w="0" h="0"/>
+          </a:sp3d>
         </a:effectStyle>
       </a:effectStyleLst>
       <a:bgFillStyleLst>
         <a:solidFill>
           <a:schemeClr val="phClr"/>
         </a:solidFill>
-        <a:solidFill>
-          <a:schemeClr val="phClr">
-            <a:tint val="95000"/>
-            <a:satMod val="170000"/>
-          </a:schemeClr>
-        </a:solidFill>
         <a:gradFill rotWithShape="1">
           <a:gsLst>
             <a:gs pos="0">
               <a:schemeClr val="phClr">
-                <a:tint val="93000"/>
-                <a:satMod val="150000"/>
-                <a:shade val="98000"/>
-                <a:lumMod val="102000"/>
+                <a:tint val="90000"/>
+                <a:lumMod val="104000"/>
               </a:schemeClr>
             </a:gs>
-            <a:gs pos="50000">
+            <a:gs pos="94000">
               <a:schemeClr val="phClr">
-                <a:tint val="98000"/>
-                <a:satMod val="130000"/>
-                <a:shade val="90000"/>
-                <a:lumMod val="103000"/>
+                <a:shade val="96000"/>
+                <a:lumMod val="82000"/>
+              </a:schemeClr>
+            </a:gs>
+          </a:gsLst>
+          <a:lin ang="5400000" scaled="0"/>
+        </a:gradFill>
+        <a:gradFill rotWithShape="1">
+          <a:gsLst>
+            <a:gs pos="0">
+              <a:schemeClr val="phClr">
+                <a:tint val="90000"/>
+                <a:lumMod val="110000"/>
               </a:schemeClr>
             </a:gs>
             <a:gs pos="100000">
               <a:schemeClr val="phClr">
-                <a:shade val="63000"/>
-                <a:satMod val="120000"/>
+                <a:shade val="94000"/>
+                <a:lumMod val="96000"/>
               </a:schemeClr>
             </a:gs>
           </a:gsLst>
-          <a:lin ang="5400000" scaled="0"/>
+          <a:path path="circle">
+            <a:fillToRect l="50000" t="50000" r="100000" b="100000"/>
+          </a:path>
         </a:gradFill>
       </a:bgFillStyleLst>
     </a:fmtScheme>
@@ -6218,7 +9656,7 @@
   <a:extraClrSchemeLst/>
   <a:extLst>
     <a:ext uri="{05A4C25C-085E-4340-85A3-A5531E510DB2}">
-      <thm15:themeFamily xmlns:thm15="http://schemas.microsoft.com/office/thememl/2012/main" name="Office Theme" id="{62F939B6-93AF-4DB8-9C6B-D6C7DFDC589F}" vid="{4A3C46E8-61CC-4603-A589-7422A47A8E4A}"/>
+      <thm15:themeFamily xmlns:thm15="http://schemas.microsoft.com/office/thememl/2012/main" name="Facet" id="{C0C680CD-088A-49FC-A102-D699147F32B2}" vid="{0B5AB586-D108-4FC1-8368-649FE654B894}"/>
     </a:ext>
   </a:extLst>
 </a:theme>

--- a/Presentación DataMiningHealth.pptx
+++ b/Presentación DataMiningHealth.pptx
@@ -5,7 +5,7 @@
     <p:sldMasterId id="2147483711" r:id="rId1"/>
   </p:sldMasterIdLst>
   <p:notesMasterIdLst>
-    <p:notesMasterId r:id="rId22"/>
+    <p:notesMasterId r:id="rId46"/>
   </p:notesMasterIdLst>
   <p:sldIdLst>
     <p:sldId id="256" r:id="rId2"/>
@@ -28,6 +28,30 @@
     <p:sldId id="272" r:id="rId19"/>
     <p:sldId id="273" r:id="rId20"/>
     <p:sldId id="274" r:id="rId21"/>
+    <p:sldId id="276" r:id="rId22"/>
+    <p:sldId id="277" r:id="rId23"/>
+    <p:sldId id="278" r:id="rId24"/>
+    <p:sldId id="279" r:id="rId25"/>
+    <p:sldId id="280" r:id="rId26"/>
+    <p:sldId id="281" r:id="rId27"/>
+    <p:sldId id="282" r:id="rId28"/>
+    <p:sldId id="283" r:id="rId29"/>
+    <p:sldId id="284" r:id="rId30"/>
+    <p:sldId id="285" r:id="rId31"/>
+    <p:sldId id="286" r:id="rId32"/>
+    <p:sldId id="287" r:id="rId33"/>
+    <p:sldId id="288" r:id="rId34"/>
+    <p:sldId id="289" r:id="rId35"/>
+    <p:sldId id="290" r:id="rId36"/>
+    <p:sldId id="291" r:id="rId37"/>
+    <p:sldId id="292" r:id="rId38"/>
+    <p:sldId id="293" r:id="rId39"/>
+    <p:sldId id="294" r:id="rId40"/>
+    <p:sldId id="295" r:id="rId41"/>
+    <p:sldId id="296" r:id="rId42"/>
+    <p:sldId id="297" r:id="rId43"/>
+    <p:sldId id="298" r:id="rId44"/>
+    <p:sldId id="299" r:id="rId45"/>
   </p:sldIdLst>
   <p:sldSz cx="12192000" cy="6858000"/>
   <p:notesSz cx="6858000" cy="9144000"/>
@@ -228,7 +252,7 @@
           <a:p>
             <a:fld id="{C230A0C7-110F-445E-B540-501A2B1F546E}" type="datetimeFigureOut">
               <a:rPr lang="es-ES" smtClean="0"/>
-              <a:t>28/12/2019</a:t>
+              <a:t>29/12/2019</a:t>
             </a:fld>
             <a:endParaRPr lang="es-ES"/>
           </a:p>
@@ -1343,7 +1367,7 @@
           <a:p>
             <a:fld id="{84A2E3DD-9BCF-4B36-A258-34DF4D8074F3}" type="datetimeFigureOut">
               <a:rPr lang="es-ES" smtClean="0"/>
-              <a:t>28/12/2019</a:t>
+              <a:t>29/12/2019</a:t>
             </a:fld>
             <a:endParaRPr lang="es-ES"/>
           </a:p>
@@ -1594,7 +1618,7 @@
           <a:p>
             <a:fld id="{84A2E3DD-9BCF-4B36-A258-34DF4D8074F3}" type="datetimeFigureOut">
               <a:rPr lang="es-ES" smtClean="0"/>
-              <a:t>28/12/2019</a:t>
+              <a:t>29/12/2019</a:t>
             </a:fld>
             <a:endParaRPr lang="es-ES"/>
           </a:p>
@@ -1908,7 +1932,7 @@
           <a:p>
             <a:fld id="{84A2E3DD-9BCF-4B36-A258-34DF4D8074F3}" type="datetimeFigureOut">
               <a:rPr lang="es-ES" smtClean="0"/>
-              <a:t>28/12/2019</a:t>
+              <a:t>29/12/2019</a:t>
             </a:fld>
             <a:endParaRPr lang="es-ES"/>
           </a:p>
@@ -2241,7 +2265,7 @@
           <a:p>
             <a:fld id="{84A2E3DD-9BCF-4B36-A258-34DF4D8074F3}" type="datetimeFigureOut">
               <a:rPr lang="es-ES" smtClean="0"/>
-              <a:t>28/12/2019</a:t>
+              <a:t>29/12/2019</a:t>
             </a:fld>
             <a:endParaRPr lang="es-ES"/>
           </a:p>
@@ -2555,7 +2579,7 @@
           <a:p>
             <a:fld id="{84A2E3DD-9BCF-4B36-A258-34DF4D8074F3}" type="datetimeFigureOut">
               <a:rPr lang="es-ES" smtClean="0"/>
-              <a:t>28/12/2019</a:t>
+              <a:t>29/12/2019</a:t>
             </a:fld>
             <a:endParaRPr lang="es-ES"/>
           </a:p>
@@ -2948,7 +2972,7 @@
           <a:p>
             <a:fld id="{84A2E3DD-9BCF-4B36-A258-34DF4D8074F3}" type="datetimeFigureOut">
               <a:rPr lang="es-ES" smtClean="0"/>
-              <a:t>28/12/2019</a:t>
+              <a:t>29/12/2019</a:t>
             </a:fld>
             <a:endParaRPr lang="es-ES"/>
           </a:p>
@@ -3118,7 +3142,7 @@
           <a:p>
             <a:fld id="{84A2E3DD-9BCF-4B36-A258-34DF4D8074F3}" type="datetimeFigureOut">
               <a:rPr lang="es-ES" smtClean="0"/>
-              <a:t>28/12/2019</a:t>
+              <a:t>29/12/2019</a:t>
             </a:fld>
             <a:endParaRPr lang="es-ES"/>
           </a:p>
@@ -3298,7 +3322,7 @@
           <a:p>
             <a:fld id="{84A2E3DD-9BCF-4B36-A258-34DF4D8074F3}" type="datetimeFigureOut">
               <a:rPr lang="es-ES" smtClean="0"/>
-              <a:t>28/12/2019</a:t>
+              <a:t>29/12/2019</a:t>
             </a:fld>
             <a:endParaRPr lang="es-ES"/>
           </a:p>
@@ -3468,7 +3492,7 @@
           <a:p>
             <a:fld id="{84A2E3DD-9BCF-4B36-A258-34DF4D8074F3}" type="datetimeFigureOut">
               <a:rPr lang="es-ES" smtClean="0"/>
-              <a:t>28/12/2019</a:t>
+              <a:t>29/12/2019</a:t>
             </a:fld>
             <a:endParaRPr lang="es-ES"/>
           </a:p>
@@ -3715,7 +3739,7 @@
           <a:p>
             <a:fld id="{84A2E3DD-9BCF-4B36-A258-34DF4D8074F3}" type="datetimeFigureOut">
               <a:rPr lang="es-ES" smtClean="0"/>
-              <a:t>28/12/2019</a:t>
+              <a:t>29/12/2019</a:t>
             </a:fld>
             <a:endParaRPr lang="es-ES"/>
           </a:p>
@@ -3947,7 +3971,7 @@
           <a:p>
             <a:fld id="{84A2E3DD-9BCF-4B36-A258-34DF4D8074F3}" type="datetimeFigureOut">
               <a:rPr lang="es-ES" smtClean="0"/>
-              <a:t>28/12/2019</a:t>
+              <a:t>29/12/2019</a:t>
             </a:fld>
             <a:endParaRPr lang="es-ES"/>
           </a:p>
@@ -4321,7 +4345,7 @@
           <a:p>
             <a:fld id="{84A2E3DD-9BCF-4B36-A258-34DF4D8074F3}" type="datetimeFigureOut">
               <a:rPr lang="es-ES" smtClean="0"/>
-              <a:t>28/12/2019</a:t>
+              <a:t>29/12/2019</a:t>
             </a:fld>
             <a:endParaRPr lang="es-ES"/>
           </a:p>
@@ -4444,7 +4468,7 @@
           <a:p>
             <a:fld id="{84A2E3DD-9BCF-4B36-A258-34DF4D8074F3}" type="datetimeFigureOut">
               <a:rPr lang="es-ES" smtClean="0"/>
-              <a:t>28/12/2019</a:t>
+              <a:t>29/12/2019</a:t>
             </a:fld>
             <a:endParaRPr lang="es-ES"/>
           </a:p>
@@ -4539,7 +4563,7 @@
           <a:p>
             <a:fld id="{84A2E3DD-9BCF-4B36-A258-34DF4D8074F3}" type="datetimeFigureOut">
               <a:rPr lang="es-ES" smtClean="0"/>
-              <a:t>28/12/2019</a:t>
+              <a:t>29/12/2019</a:t>
             </a:fld>
             <a:endParaRPr lang="es-ES"/>
           </a:p>
@@ -4794,7 +4818,7 @@
           <a:p>
             <a:fld id="{84A2E3DD-9BCF-4B36-A258-34DF4D8074F3}" type="datetimeFigureOut">
               <a:rPr lang="es-ES" smtClean="0"/>
-              <a:t>28/12/2019</a:t>
+              <a:t>29/12/2019</a:t>
             </a:fld>
             <a:endParaRPr lang="es-ES"/>
           </a:p>
@@ -5099,7 +5123,7 @@
           <a:p>
             <a:fld id="{84A2E3DD-9BCF-4B36-A258-34DF4D8074F3}" type="datetimeFigureOut">
               <a:rPr lang="es-ES" smtClean="0"/>
-              <a:t>28/12/2019</a:t>
+              <a:t>29/12/2019</a:t>
             </a:fld>
             <a:endParaRPr lang="es-ES"/>
           </a:p>
@@ -5801,7 +5825,7 @@
           <a:p>
             <a:fld id="{84A2E3DD-9BCF-4B36-A258-34DF4D8074F3}" type="datetimeFigureOut">
               <a:rPr lang="es-ES" smtClean="0"/>
-              <a:t>28/12/2019</a:t>
+              <a:t>29/12/2019</a:t>
             </a:fld>
             <a:endParaRPr lang="es-ES"/>
           </a:p>
@@ -6450,7 +6474,7 @@
           <a:p>
             <a:r>
               <a:rPr lang="es-ES" dirty="0"/>
-              <a:t>2. Primera iteración: </a:t>
+              <a:t>2.1. Primera iteración: </a:t>
             </a:r>
             <a:r>
               <a:rPr lang="es-ES" dirty="0" err="1"/>
@@ -6608,7 +6632,7 @@
           <a:p>
             <a:r>
               <a:rPr lang="es-ES" dirty="0"/>
-              <a:t>2. Primera iteración: </a:t>
+              <a:t>2.1. Primera iteración: </a:t>
             </a:r>
             <a:r>
               <a:rPr lang="es-ES" dirty="0" err="1"/>
@@ -6834,7 +6858,7 @@
           <a:p>
             <a:r>
               <a:rPr lang="es-ES" dirty="0"/>
-              <a:t>2. Primera iteración: </a:t>
+              <a:t>2.1. Primera iteración: </a:t>
             </a:r>
             <a:r>
               <a:rPr lang="es-ES" dirty="0" err="1"/>
@@ -7026,7 +7050,7 @@
           <a:p>
             <a:r>
               <a:rPr lang="es-ES" dirty="0"/>
-              <a:t>2. Primera iteración: </a:t>
+              <a:t>2.1. Primera iteración: </a:t>
             </a:r>
             <a:r>
               <a:rPr lang="es-ES" dirty="0" err="1"/>
@@ -7203,7 +7227,7 @@
           <a:p>
             <a:r>
               <a:rPr lang="es-ES" dirty="0"/>
-              <a:t>2. Primera iteración: </a:t>
+              <a:t>2.1. Primera iteración: </a:t>
             </a:r>
             <a:r>
               <a:rPr lang="es-ES" dirty="0" err="1"/>
@@ -7333,7 +7357,7 @@
           <a:p>
             <a:r>
               <a:rPr lang="es-ES" dirty="0"/>
-              <a:t>2. Primera iteración: </a:t>
+              <a:t>2.1. Primera iteración: </a:t>
             </a:r>
             <a:r>
               <a:rPr lang="es-ES" dirty="0" err="1"/>
@@ -7502,7 +7526,7 @@
           <a:p>
             <a:r>
               <a:rPr lang="es-ES" dirty="0"/>
-              <a:t>2. Primera iteración: data </a:t>
+              <a:t>2.1. Primera iteración: data </a:t>
             </a:r>
             <a:r>
               <a:rPr lang="es-ES" dirty="0" err="1"/>
@@ -7557,7 +7581,7 @@
             </a:pPr>
             <a:r>
               <a:rPr lang="es-ES" dirty="0"/>
-              <a:t>				</a:t>
+              <a:t>						</a:t>
             </a:r>
             <a:r>
               <a:rPr lang="es-ES" sz="3600" dirty="0"/>
@@ -7639,7 +7663,7 @@
           <a:p>
             <a:r>
               <a:rPr lang="es-ES" dirty="0"/>
-              <a:t>2. Primera iteración: data </a:t>
+              <a:t>2.1. Primera iteración: data </a:t>
             </a:r>
             <a:r>
               <a:rPr lang="es-ES" dirty="0" err="1"/>
@@ -7769,7 +7793,7 @@
           <a:p>
             <a:r>
               <a:rPr lang="es-ES" dirty="0"/>
-              <a:t>2. Primera iteración: data </a:t>
+              <a:t>2.1. Primera iteración: data </a:t>
             </a:r>
             <a:r>
               <a:rPr lang="es-ES" dirty="0" err="1"/>
@@ -7894,7 +7918,7 @@
           <a:p>
             <a:r>
               <a:rPr lang="es-ES" dirty="0"/>
-              <a:t>2. Primera iteración: data </a:t>
+              <a:t>2.1. Primera iteración: data </a:t>
             </a:r>
             <a:r>
               <a:rPr lang="es-ES" dirty="0" err="1"/>
@@ -8070,7 +8094,12 @@
             <p:ph idx="1"/>
           </p:nvPr>
         </p:nvSpPr>
-        <p:spPr/>
+        <p:spPr>
+          <a:xfrm>
+            <a:off x="677334" y="1930400"/>
+            <a:ext cx="8596668" cy="3880773"/>
+          </a:xfrm>
+        </p:spPr>
         <p:txBody>
           <a:bodyPr/>
           <a:lstStyle/>
@@ -8192,7 +8221,7 @@
           <a:p>
             <a:r>
               <a:rPr lang="es-ES" dirty="0"/>
-              <a:t>2. Primera iteración: data </a:t>
+              <a:t>2.1. Primera iteración: data </a:t>
             </a:r>
             <a:r>
               <a:rPr lang="es-ES" dirty="0" err="1"/>
@@ -8315,6 +8344,1281 @@
 </p:sld>
 </file>
 
+<file path=ppt/slides/slide21.xml><?xml version="1.0" encoding="utf-8"?>
+<p:sld xmlns:a="http://schemas.openxmlformats.org/drawingml/2006/main" xmlns:r="http://schemas.openxmlformats.org/officeDocument/2006/relationships" xmlns:p="http://schemas.openxmlformats.org/presentationml/2006/main">
+  <p:cSld>
+    <p:spTree>
+      <p:nvGrpSpPr>
+        <p:cNvPr id="1" name=""/>
+        <p:cNvGrpSpPr/>
+        <p:nvPr/>
+      </p:nvGrpSpPr>
+      <p:grpSpPr>
+        <a:xfrm>
+          <a:off x="0" y="0"/>
+          <a:ext cx="0" cy="0"/>
+          <a:chOff x="0" y="0"/>
+          <a:chExt cx="0" cy="0"/>
+        </a:xfrm>
+      </p:grpSpPr>
+      <p:sp>
+        <p:nvSpPr>
+          <p:cNvPr id="2" name="Título 1">
+            <a:extLst>
+              <a:ext uri="{FF2B5EF4-FFF2-40B4-BE49-F238E27FC236}">
+                <a16:creationId xmlns:a16="http://schemas.microsoft.com/office/drawing/2014/main" id="{713C02B5-CD52-4C57-A973-686529F05156}"/>
+              </a:ext>
+            </a:extLst>
+          </p:cNvPr>
+          <p:cNvSpPr>
+            <a:spLocks noGrp="1"/>
+          </p:cNvSpPr>
+          <p:nvPr>
+            <p:ph type="title"/>
+          </p:nvPr>
+        </p:nvSpPr>
+        <p:spPr/>
+        <p:txBody>
+          <a:bodyPr/>
+          <a:lstStyle/>
+          <a:p>
+            <a:r>
+              <a:rPr lang="es-ES" dirty="0"/>
+              <a:t>2.1. Primera iteración: data </a:t>
+            </a:r>
+            <a:r>
+              <a:rPr lang="es-ES" dirty="0" err="1"/>
+              <a:t>mining</a:t>
+            </a:r>
+            <a:endParaRPr lang="es-ES" dirty="0"/>
+          </a:p>
+        </p:txBody>
+      </p:sp>
+      <p:sp>
+        <p:nvSpPr>
+          <p:cNvPr id="3" name="Marcador de contenido 2">
+            <a:extLst>
+              <a:ext uri="{FF2B5EF4-FFF2-40B4-BE49-F238E27FC236}">
+                <a16:creationId xmlns:a16="http://schemas.microsoft.com/office/drawing/2014/main" id="{C04CABB0-F69E-47FE-82C9-C9022F4AE937}"/>
+              </a:ext>
+            </a:extLst>
+          </p:cNvPr>
+          <p:cNvSpPr>
+            <a:spLocks noGrp="1"/>
+          </p:cNvSpPr>
+          <p:nvPr>
+            <p:ph idx="1"/>
+          </p:nvPr>
+        </p:nvSpPr>
+        <p:spPr>
+          <a:xfrm>
+            <a:off x="838200" y="1815783"/>
+            <a:ext cx="10515600" cy="4351338"/>
+          </a:xfrm>
+        </p:spPr>
+        <p:txBody>
+          <a:bodyPr/>
+          <a:lstStyle/>
+          <a:p>
+            <a:pPr marL="0" indent="0">
+              <a:buNone/>
+            </a:pPr>
+            <a:r>
+              <a:rPr lang="es-ES" sz="2000" dirty="0"/>
+              <a:t>CONCLUSIONES</a:t>
+            </a:r>
+          </a:p>
+          <a:p>
+            <a:r>
+              <a:rPr lang="es-ES" dirty="0"/>
+              <a:t>Los modelos fallan prediciendo “Sí” como “Quizás”</a:t>
+            </a:r>
+          </a:p>
+          <a:p>
+            <a:r>
+              <a:rPr lang="es-ES" dirty="0"/>
+              <a:t>Quizá no sea un resultado del todo erróneo…</a:t>
+            </a:r>
+          </a:p>
+        </p:txBody>
+      </p:sp>
+    </p:spTree>
+    <p:extLst>
+      <p:ext uri="{BB962C8B-B14F-4D97-AF65-F5344CB8AC3E}">
+        <p14:creationId xmlns:p14="http://schemas.microsoft.com/office/powerpoint/2010/main" val="2190875444"/>
+      </p:ext>
+    </p:extLst>
+  </p:cSld>
+  <p:clrMapOvr>
+    <a:masterClrMapping/>
+  </p:clrMapOvr>
+</p:sld>
+</file>
+
+<file path=ppt/slides/slide22.xml><?xml version="1.0" encoding="utf-8"?>
+<p:sld xmlns:a="http://schemas.openxmlformats.org/drawingml/2006/main" xmlns:r="http://schemas.openxmlformats.org/officeDocument/2006/relationships" xmlns:p="http://schemas.openxmlformats.org/presentationml/2006/main">
+  <p:cSld>
+    <p:spTree>
+      <p:nvGrpSpPr>
+        <p:cNvPr id="1" name=""/>
+        <p:cNvGrpSpPr/>
+        <p:nvPr/>
+      </p:nvGrpSpPr>
+      <p:grpSpPr>
+        <a:xfrm>
+          <a:off x="0" y="0"/>
+          <a:ext cx="0" cy="0"/>
+          <a:chOff x="0" y="0"/>
+          <a:chExt cx="0" cy="0"/>
+        </a:xfrm>
+      </p:grpSpPr>
+      <p:sp>
+        <p:nvSpPr>
+          <p:cNvPr id="2" name="Título 1">
+            <a:extLst>
+              <a:ext uri="{FF2B5EF4-FFF2-40B4-BE49-F238E27FC236}">
+                <a16:creationId xmlns:a16="http://schemas.microsoft.com/office/drawing/2014/main" id="{713C02B5-CD52-4C57-A973-686529F05156}"/>
+              </a:ext>
+            </a:extLst>
+          </p:cNvPr>
+          <p:cNvSpPr>
+            <a:spLocks noGrp="1"/>
+          </p:cNvSpPr>
+          <p:nvPr>
+            <p:ph type="title"/>
+          </p:nvPr>
+        </p:nvSpPr>
+        <p:spPr/>
+        <p:txBody>
+          <a:bodyPr/>
+          <a:lstStyle/>
+          <a:p>
+            <a:r>
+              <a:rPr lang="es-ES" dirty="0"/>
+              <a:t>2.1. Primera iteración: data </a:t>
+            </a:r>
+            <a:r>
+              <a:rPr lang="es-ES" dirty="0" err="1"/>
+              <a:t>mining</a:t>
+            </a:r>
+            <a:endParaRPr lang="es-ES" dirty="0"/>
+          </a:p>
+        </p:txBody>
+      </p:sp>
+      <p:sp>
+        <p:nvSpPr>
+          <p:cNvPr id="3" name="Marcador de contenido 2">
+            <a:extLst>
+              <a:ext uri="{FF2B5EF4-FFF2-40B4-BE49-F238E27FC236}">
+                <a16:creationId xmlns:a16="http://schemas.microsoft.com/office/drawing/2014/main" id="{C04CABB0-F69E-47FE-82C9-C9022F4AE937}"/>
+              </a:ext>
+            </a:extLst>
+          </p:cNvPr>
+          <p:cNvSpPr>
+            <a:spLocks noGrp="1"/>
+          </p:cNvSpPr>
+          <p:nvPr>
+            <p:ph idx="1"/>
+          </p:nvPr>
+        </p:nvSpPr>
+        <p:spPr>
+          <a:xfrm>
+            <a:off x="838200" y="1815783"/>
+            <a:ext cx="10515600" cy="4351338"/>
+          </a:xfrm>
+        </p:spPr>
+        <p:txBody>
+          <a:bodyPr/>
+          <a:lstStyle/>
+          <a:p>
+            <a:pPr marL="0" indent="0">
+              <a:buNone/>
+            </a:pPr>
+            <a:r>
+              <a:rPr lang="es-ES" sz="2000" dirty="0"/>
+              <a:t>CONCLUSIONES</a:t>
+            </a:r>
+          </a:p>
+          <a:p>
+            <a:r>
+              <a:rPr lang="es-ES" dirty="0"/>
+              <a:t>Los modelos fallan prediciendo “Sí” como “Quizás”</a:t>
+            </a:r>
+          </a:p>
+          <a:p>
+            <a:r>
+              <a:rPr lang="es-ES" dirty="0"/>
+              <a:t>Quizá no sea un resultado del todo erróneo…</a:t>
+            </a:r>
+          </a:p>
+          <a:p>
+            <a:pPr marL="0" indent="0">
+              <a:buNone/>
+            </a:pPr>
+            <a:endParaRPr lang="es-ES" dirty="0"/>
+          </a:p>
+          <a:p>
+            <a:endParaRPr lang="es-ES" dirty="0"/>
+          </a:p>
+          <a:p>
+            <a:endParaRPr lang="es-ES" dirty="0"/>
+          </a:p>
+          <a:p>
+            <a:endParaRPr lang="es-ES" dirty="0"/>
+          </a:p>
+          <a:p>
+            <a:endParaRPr lang="es-ES" dirty="0"/>
+          </a:p>
+          <a:p>
+            <a:pPr marL="0" indent="0">
+              <a:buNone/>
+            </a:pPr>
+            <a:r>
+              <a:rPr lang="es-ES" dirty="0"/>
+              <a:t>						</a:t>
+            </a:r>
+            <a:r>
+              <a:rPr lang="es-ES" sz="3600" dirty="0"/>
+              <a:t>	¡Otra iteración!</a:t>
+            </a:r>
+            <a:endParaRPr lang="es-ES" dirty="0"/>
+          </a:p>
+        </p:txBody>
+      </p:sp>
+    </p:spTree>
+    <p:extLst>
+      <p:ext uri="{BB962C8B-B14F-4D97-AF65-F5344CB8AC3E}">
+        <p14:creationId xmlns:p14="http://schemas.microsoft.com/office/powerpoint/2010/main" val="3741469642"/>
+      </p:ext>
+    </p:extLst>
+  </p:cSld>
+  <p:clrMapOvr>
+    <a:masterClrMapping/>
+  </p:clrMapOvr>
+</p:sld>
+</file>
+
+<file path=ppt/slides/slide23.xml><?xml version="1.0" encoding="utf-8"?>
+<p:sld xmlns:a="http://schemas.openxmlformats.org/drawingml/2006/main" xmlns:r="http://schemas.openxmlformats.org/officeDocument/2006/relationships" xmlns:p="http://schemas.openxmlformats.org/presentationml/2006/main">
+  <p:cSld>
+    <p:spTree>
+      <p:nvGrpSpPr>
+        <p:cNvPr id="1" name=""/>
+        <p:cNvGrpSpPr/>
+        <p:nvPr/>
+      </p:nvGrpSpPr>
+      <p:grpSpPr>
+        <a:xfrm>
+          <a:off x="0" y="0"/>
+          <a:ext cx="0" cy="0"/>
+          <a:chOff x="0" y="0"/>
+          <a:chExt cx="0" cy="0"/>
+        </a:xfrm>
+      </p:grpSpPr>
+      <p:sp>
+        <p:nvSpPr>
+          <p:cNvPr id="2" name="Título 1">
+            <a:extLst>
+              <a:ext uri="{FF2B5EF4-FFF2-40B4-BE49-F238E27FC236}">
+                <a16:creationId xmlns:a16="http://schemas.microsoft.com/office/drawing/2014/main" id="{31040B96-F7F5-4E55-9F04-197FE94B3E4A}"/>
+              </a:ext>
+            </a:extLst>
+          </p:cNvPr>
+          <p:cNvSpPr>
+            <a:spLocks noGrp="1"/>
+          </p:cNvSpPr>
+          <p:nvPr>
+            <p:ph type="title"/>
+          </p:nvPr>
+        </p:nvSpPr>
+        <p:spPr/>
+        <p:txBody>
+          <a:bodyPr/>
+          <a:lstStyle/>
+          <a:p>
+            <a:r>
+              <a:rPr lang="es-ES" dirty="0"/>
+              <a:t>2.2. Segunda iteración: </a:t>
+            </a:r>
+            <a:r>
+              <a:rPr lang="es-ES" dirty="0" err="1"/>
+              <a:t>pre-procesado</a:t>
+            </a:r>
+            <a:endParaRPr lang="es-ES" dirty="0"/>
+          </a:p>
+        </p:txBody>
+      </p:sp>
+      <p:sp>
+        <p:nvSpPr>
+          <p:cNvPr id="3" name="Marcador de contenido 2">
+            <a:extLst>
+              <a:ext uri="{FF2B5EF4-FFF2-40B4-BE49-F238E27FC236}">
+                <a16:creationId xmlns:a16="http://schemas.microsoft.com/office/drawing/2014/main" id="{4AFC15C3-293C-4190-8A9C-9646813A9701}"/>
+              </a:ext>
+            </a:extLst>
+          </p:cNvPr>
+          <p:cNvSpPr>
+            <a:spLocks noGrp="1"/>
+          </p:cNvSpPr>
+          <p:nvPr>
+            <p:ph idx="1"/>
+          </p:nvPr>
+        </p:nvSpPr>
+        <p:spPr>
+          <a:xfrm>
+            <a:off x="589651" y="1930400"/>
+            <a:ext cx="8596668" cy="3880773"/>
+          </a:xfrm>
+        </p:spPr>
+        <p:txBody>
+          <a:bodyPr/>
+          <a:lstStyle/>
+          <a:p>
+            <a:r>
+              <a:rPr lang="es-ES" dirty="0"/>
+              <a:t>Juntar los “Sí” con los “Quizás”</a:t>
+            </a:r>
+          </a:p>
+          <a:p>
+            <a:endParaRPr lang="es-ES" dirty="0"/>
+          </a:p>
+          <a:p>
+            <a:endParaRPr lang="es-ES" dirty="0"/>
+          </a:p>
+          <a:p>
+            <a:endParaRPr lang="es-ES" dirty="0"/>
+          </a:p>
+        </p:txBody>
+      </p:sp>
+      <p:pic>
+        <p:nvPicPr>
+          <p:cNvPr id="5" name="Imagen 4">
+            <a:extLst>
+              <a:ext uri="{FF2B5EF4-FFF2-40B4-BE49-F238E27FC236}">
+                <a16:creationId xmlns:a16="http://schemas.microsoft.com/office/drawing/2014/main" id="{4E4D3E15-FA22-479F-A793-12A7AF8E8436}"/>
+              </a:ext>
+            </a:extLst>
+          </p:cNvPr>
+          <p:cNvPicPr/>
+          <p:nvPr/>
+        </p:nvPicPr>
+        <p:blipFill>
+          <a:blip r:embed="rId2">
+            <a:extLst>
+              <a:ext uri="{28A0092B-C50C-407E-A947-70E740481C1C}">
+                <a14:useLocalDpi xmlns:a14="http://schemas.microsoft.com/office/drawing/2010/main" val="0"/>
+              </a:ext>
+            </a:extLst>
+          </a:blip>
+          <a:srcRect/>
+          <a:stretch>
+            <a:fillRect/>
+          </a:stretch>
+        </p:blipFill>
+        <p:spPr bwMode="auto">
+          <a:xfrm>
+            <a:off x="2642139" y="2580569"/>
+            <a:ext cx="5712721" cy="3880773"/>
+          </a:xfrm>
+          <a:prstGeom prst="rect">
+            <a:avLst/>
+          </a:prstGeom>
+          <a:noFill/>
+          <a:ln>
+            <a:noFill/>
+          </a:ln>
+        </p:spPr>
+      </p:pic>
+    </p:spTree>
+    <p:extLst>
+      <p:ext uri="{BB962C8B-B14F-4D97-AF65-F5344CB8AC3E}">
+        <p14:creationId xmlns:p14="http://schemas.microsoft.com/office/powerpoint/2010/main" val="1742727850"/>
+      </p:ext>
+    </p:extLst>
+  </p:cSld>
+  <p:clrMapOvr>
+    <a:masterClrMapping/>
+  </p:clrMapOvr>
+</p:sld>
+</file>
+
+<file path=ppt/slides/slide24.xml><?xml version="1.0" encoding="utf-8"?>
+<p:sld xmlns:a="http://schemas.openxmlformats.org/drawingml/2006/main" xmlns:r="http://schemas.openxmlformats.org/officeDocument/2006/relationships" xmlns:p="http://schemas.openxmlformats.org/presentationml/2006/main">
+  <p:cSld>
+    <p:spTree>
+      <p:nvGrpSpPr>
+        <p:cNvPr id="1" name=""/>
+        <p:cNvGrpSpPr/>
+        <p:nvPr/>
+      </p:nvGrpSpPr>
+      <p:grpSpPr>
+        <a:xfrm>
+          <a:off x="0" y="0"/>
+          <a:ext cx="0" cy="0"/>
+          <a:chOff x="0" y="0"/>
+          <a:chExt cx="0" cy="0"/>
+        </a:xfrm>
+      </p:grpSpPr>
+      <p:sp>
+        <p:nvSpPr>
+          <p:cNvPr id="2" name="Título 1">
+            <a:extLst>
+              <a:ext uri="{FF2B5EF4-FFF2-40B4-BE49-F238E27FC236}">
+                <a16:creationId xmlns:a16="http://schemas.microsoft.com/office/drawing/2014/main" id="{31040B96-F7F5-4E55-9F04-197FE94B3E4A}"/>
+              </a:ext>
+            </a:extLst>
+          </p:cNvPr>
+          <p:cNvSpPr>
+            <a:spLocks noGrp="1"/>
+          </p:cNvSpPr>
+          <p:nvPr>
+            <p:ph type="title"/>
+          </p:nvPr>
+        </p:nvSpPr>
+        <p:spPr/>
+        <p:txBody>
+          <a:bodyPr/>
+          <a:lstStyle/>
+          <a:p>
+            <a:r>
+              <a:rPr lang="es-ES" dirty="0"/>
+              <a:t>2.2. Segunda iteración: data </a:t>
+            </a:r>
+            <a:r>
+              <a:rPr lang="es-ES" dirty="0" err="1"/>
+              <a:t>mining</a:t>
+            </a:r>
+            <a:endParaRPr lang="es-ES" dirty="0"/>
+          </a:p>
+        </p:txBody>
+      </p:sp>
+      <p:sp>
+        <p:nvSpPr>
+          <p:cNvPr id="3" name="Marcador de contenido 2">
+            <a:extLst>
+              <a:ext uri="{FF2B5EF4-FFF2-40B4-BE49-F238E27FC236}">
+                <a16:creationId xmlns:a16="http://schemas.microsoft.com/office/drawing/2014/main" id="{4AFC15C3-293C-4190-8A9C-9646813A9701}"/>
+              </a:ext>
+            </a:extLst>
+          </p:cNvPr>
+          <p:cNvSpPr>
+            <a:spLocks noGrp="1"/>
+          </p:cNvSpPr>
+          <p:nvPr>
+            <p:ph idx="1"/>
+          </p:nvPr>
+        </p:nvSpPr>
+        <p:spPr>
+          <a:xfrm>
+            <a:off x="589651" y="1930400"/>
+            <a:ext cx="8596668" cy="3880773"/>
+          </a:xfrm>
+        </p:spPr>
+        <p:txBody>
+          <a:bodyPr/>
+          <a:lstStyle/>
+          <a:p>
+            <a:r>
+              <a:rPr lang="es-ES" dirty="0" err="1"/>
+              <a:t>Random</a:t>
+            </a:r>
+            <a:r>
+              <a:rPr lang="es-ES" dirty="0"/>
+              <a:t> </a:t>
+            </a:r>
+            <a:r>
+              <a:rPr lang="es-ES" dirty="0" err="1"/>
+              <a:t>forest</a:t>
+            </a:r>
+            <a:endParaRPr lang="es-ES" dirty="0"/>
+          </a:p>
+          <a:p>
+            <a:endParaRPr lang="es-ES" dirty="0"/>
+          </a:p>
+          <a:p>
+            <a:endParaRPr lang="es-ES" dirty="0"/>
+          </a:p>
+          <a:p>
+            <a:endParaRPr lang="es-ES" dirty="0"/>
+          </a:p>
+          <a:p>
+            <a:endParaRPr lang="es-ES" dirty="0"/>
+          </a:p>
+          <a:p>
+            <a:endParaRPr lang="es-ES" dirty="0"/>
+          </a:p>
+        </p:txBody>
+      </p:sp>
+      <p:pic>
+        <p:nvPicPr>
+          <p:cNvPr id="6" name="Imagen 5">
+            <a:extLst>
+              <a:ext uri="{FF2B5EF4-FFF2-40B4-BE49-F238E27FC236}">
+                <a16:creationId xmlns:a16="http://schemas.microsoft.com/office/drawing/2014/main" id="{91780C34-D64F-45F8-8CED-C9424B7E797B}"/>
+              </a:ext>
+            </a:extLst>
+          </p:cNvPr>
+          <p:cNvPicPr/>
+          <p:nvPr/>
+        </p:nvPicPr>
+        <p:blipFill>
+          <a:blip r:embed="rId2"/>
+          <a:stretch>
+            <a:fillRect/>
+          </a:stretch>
+        </p:blipFill>
+        <p:spPr>
+          <a:xfrm>
+            <a:off x="1930433" y="2503118"/>
+            <a:ext cx="7451561" cy="3308055"/>
+          </a:xfrm>
+          <a:prstGeom prst="rect">
+            <a:avLst/>
+          </a:prstGeom>
+        </p:spPr>
+      </p:pic>
+    </p:spTree>
+    <p:extLst>
+      <p:ext uri="{BB962C8B-B14F-4D97-AF65-F5344CB8AC3E}">
+        <p14:creationId xmlns:p14="http://schemas.microsoft.com/office/powerpoint/2010/main" val="3255807888"/>
+      </p:ext>
+    </p:extLst>
+  </p:cSld>
+  <p:clrMapOvr>
+    <a:masterClrMapping/>
+  </p:clrMapOvr>
+</p:sld>
+</file>
+
+<file path=ppt/slides/slide25.xml><?xml version="1.0" encoding="utf-8"?>
+<p:sld xmlns:a="http://schemas.openxmlformats.org/drawingml/2006/main" xmlns:r="http://schemas.openxmlformats.org/officeDocument/2006/relationships" xmlns:p="http://schemas.openxmlformats.org/presentationml/2006/main">
+  <p:cSld>
+    <p:spTree>
+      <p:nvGrpSpPr>
+        <p:cNvPr id="1" name=""/>
+        <p:cNvGrpSpPr/>
+        <p:nvPr/>
+      </p:nvGrpSpPr>
+      <p:grpSpPr>
+        <a:xfrm>
+          <a:off x="0" y="0"/>
+          <a:ext cx="0" cy="0"/>
+          <a:chOff x="0" y="0"/>
+          <a:chExt cx="0" cy="0"/>
+        </a:xfrm>
+      </p:grpSpPr>
+      <p:sp>
+        <p:nvSpPr>
+          <p:cNvPr id="2" name="Título 1">
+            <a:extLst>
+              <a:ext uri="{FF2B5EF4-FFF2-40B4-BE49-F238E27FC236}">
+                <a16:creationId xmlns:a16="http://schemas.microsoft.com/office/drawing/2014/main" id="{31040B96-F7F5-4E55-9F04-197FE94B3E4A}"/>
+              </a:ext>
+            </a:extLst>
+          </p:cNvPr>
+          <p:cNvSpPr>
+            <a:spLocks noGrp="1"/>
+          </p:cNvSpPr>
+          <p:nvPr>
+            <p:ph type="title"/>
+          </p:nvPr>
+        </p:nvSpPr>
+        <p:spPr/>
+        <p:txBody>
+          <a:bodyPr/>
+          <a:lstStyle/>
+          <a:p>
+            <a:r>
+              <a:rPr lang="es-ES" dirty="0"/>
+              <a:t>2.2. Segunda iteración: data </a:t>
+            </a:r>
+            <a:r>
+              <a:rPr lang="es-ES" dirty="0" err="1"/>
+              <a:t>mining</a:t>
+            </a:r>
+            <a:endParaRPr lang="es-ES" dirty="0"/>
+          </a:p>
+        </p:txBody>
+      </p:sp>
+      <p:sp>
+        <p:nvSpPr>
+          <p:cNvPr id="3" name="Marcador de contenido 2">
+            <a:extLst>
+              <a:ext uri="{FF2B5EF4-FFF2-40B4-BE49-F238E27FC236}">
+                <a16:creationId xmlns:a16="http://schemas.microsoft.com/office/drawing/2014/main" id="{4AFC15C3-293C-4190-8A9C-9646813A9701}"/>
+              </a:ext>
+            </a:extLst>
+          </p:cNvPr>
+          <p:cNvSpPr>
+            <a:spLocks noGrp="1"/>
+          </p:cNvSpPr>
+          <p:nvPr>
+            <p:ph idx="1"/>
+          </p:nvPr>
+        </p:nvSpPr>
+        <p:spPr>
+          <a:xfrm>
+            <a:off x="589651" y="1930400"/>
+            <a:ext cx="8596668" cy="3880773"/>
+          </a:xfrm>
+        </p:spPr>
+        <p:txBody>
+          <a:bodyPr/>
+          <a:lstStyle/>
+          <a:p>
+            <a:r>
+              <a:rPr lang="es-ES" dirty="0"/>
+              <a:t>Regresión logística</a:t>
+            </a:r>
+          </a:p>
+          <a:p>
+            <a:endParaRPr lang="es-ES" dirty="0"/>
+          </a:p>
+          <a:p>
+            <a:endParaRPr lang="es-ES" dirty="0"/>
+          </a:p>
+          <a:p>
+            <a:endParaRPr lang="es-ES" dirty="0"/>
+          </a:p>
+          <a:p>
+            <a:endParaRPr lang="es-ES" dirty="0"/>
+          </a:p>
+          <a:p>
+            <a:endParaRPr lang="es-ES" dirty="0"/>
+          </a:p>
+        </p:txBody>
+      </p:sp>
+      <p:pic>
+        <p:nvPicPr>
+          <p:cNvPr id="5" name="Imagen 4">
+            <a:extLst>
+              <a:ext uri="{FF2B5EF4-FFF2-40B4-BE49-F238E27FC236}">
+                <a16:creationId xmlns:a16="http://schemas.microsoft.com/office/drawing/2014/main" id="{74A49369-F1BA-44C1-9E94-01E43B2EC7B3}"/>
+              </a:ext>
+            </a:extLst>
+          </p:cNvPr>
+          <p:cNvPicPr/>
+          <p:nvPr/>
+        </p:nvPicPr>
+        <p:blipFill>
+          <a:blip r:embed="rId2"/>
+          <a:stretch>
+            <a:fillRect/>
+          </a:stretch>
+        </p:blipFill>
+        <p:spPr>
+          <a:xfrm>
+            <a:off x="2043736" y="2503907"/>
+            <a:ext cx="7452000" cy="3420000"/>
+          </a:xfrm>
+          <a:prstGeom prst="rect">
+            <a:avLst/>
+          </a:prstGeom>
+        </p:spPr>
+      </p:pic>
+    </p:spTree>
+    <p:extLst>
+      <p:ext uri="{BB962C8B-B14F-4D97-AF65-F5344CB8AC3E}">
+        <p14:creationId xmlns:p14="http://schemas.microsoft.com/office/powerpoint/2010/main" val="1527130439"/>
+      </p:ext>
+    </p:extLst>
+  </p:cSld>
+  <p:clrMapOvr>
+    <a:masterClrMapping/>
+  </p:clrMapOvr>
+</p:sld>
+</file>
+
+<file path=ppt/slides/slide26.xml><?xml version="1.0" encoding="utf-8"?>
+<p:sld xmlns:a="http://schemas.openxmlformats.org/drawingml/2006/main" xmlns:r="http://schemas.openxmlformats.org/officeDocument/2006/relationships" xmlns:p="http://schemas.openxmlformats.org/presentationml/2006/main">
+  <p:cSld>
+    <p:spTree>
+      <p:nvGrpSpPr>
+        <p:cNvPr id="1" name=""/>
+        <p:cNvGrpSpPr/>
+        <p:nvPr/>
+      </p:nvGrpSpPr>
+      <p:grpSpPr>
+        <a:xfrm>
+          <a:off x="0" y="0"/>
+          <a:ext cx="0" cy="0"/>
+          <a:chOff x="0" y="0"/>
+          <a:chExt cx="0" cy="0"/>
+        </a:xfrm>
+      </p:grpSpPr>
+      <p:sp>
+        <p:nvSpPr>
+          <p:cNvPr id="2" name="Título 1">
+            <a:extLst>
+              <a:ext uri="{FF2B5EF4-FFF2-40B4-BE49-F238E27FC236}">
+                <a16:creationId xmlns:a16="http://schemas.microsoft.com/office/drawing/2014/main" id="{713C02B5-CD52-4C57-A973-686529F05156}"/>
+              </a:ext>
+            </a:extLst>
+          </p:cNvPr>
+          <p:cNvSpPr>
+            <a:spLocks noGrp="1"/>
+          </p:cNvSpPr>
+          <p:nvPr>
+            <p:ph type="title"/>
+          </p:nvPr>
+        </p:nvSpPr>
+        <p:spPr/>
+        <p:txBody>
+          <a:bodyPr/>
+          <a:lstStyle/>
+          <a:p>
+            <a:r>
+              <a:rPr lang="es-ES" dirty="0"/>
+              <a:t>2.2. Segunda iteración: data </a:t>
+            </a:r>
+            <a:r>
+              <a:rPr lang="es-ES" dirty="0" err="1"/>
+              <a:t>mining</a:t>
+            </a:r>
+            <a:endParaRPr lang="es-ES" dirty="0"/>
+          </a:p>
+        </p:txBody>
+      </p:sp>
+      <p:sp>
+        <p:nvSpPr>
+          <p:cNvPr id="3" name="Marcador de contenido 2">
+            <a:extLst>
+              <a:ext uri="{FF2B5EF4-FFF2-40B4-BE49-F238E27FC236}">
+                <a16:creationId xmlns:a16="http://schemas.microsoft.com/office/drawing/2014/main" id="{C04CABB0-F69E-47FE-82C9-C9022F4AE937}"/>
+              </a:ext>
+            </a:extLst>
+          </p:cNvPr>
+          <p:cNvSpPr>
+            <a:spLocks noGrp="1"/>
+          </p:cNvSpPr>
+          <p:nvPr>
+            <p:ph idx="1"/>
+          </p:nvPr>
+        </p:nvSpPr>
+        <p:spPr>
+          <a:xfrm>
+            <a:off x="838200" y="1815783"/>
+            <a:ext cx="10515600" cy="4351338"/>
+          </a:xfrm>
+        </p:spPr>
+        <p:txBody>
+          <a:bodyPr/>
+          <a:lstStyle/>
+          <a:p>
+            <a:pPr marL="0" indent="0">
+              <a:buNone/>
+            </a:pPr>
+            <a:r>
+              <a:rPr lang="es-ES" sz="2000" dirty="0"/>
+              <a:t>CONCLUSIONES</a:t>
+            </a:r>
+          </a:p>
+          <a:p>
+            <a:r>
+              <a:rPr lang="es-ES" dirty="0"/>
+              <a:t>Proporción de acierto de 2/3</a:t>
+            </a:r>
+          </a:p>
+          <a:p>
+            <a:r>
+              <a:rPr lang="es-ES" dirty="0"/>
+              <a:t>Generalmente, son mejores resultados</a:t>
+            </a:r>
+          </a:p>
+        </p:txBody>
+      </p:sp>
+    </p:spTree>
+    <p:extLst>
+      <p:ext uri="{BB962C8B-B14F-4D97-AF65-F5344CB8AC3E}">
+        <p14:creationId xmlns:p14="http://schemas.microsoft.com/office/powerpoint/2010/main" val="1171535017"/>
+      </p:ext>
+    </p:extLst>
+  </p:cSld>
+  <p:clrMapOvr>
+    <a:masterClrMapping/>
+  </p:clrMapOvr>
+</p:sld>
+</file>
+
+<file path=ppt/slides/slide27.xml><?xml version="1.0" encoding="utf-8"?>
+<p:sld xmlns:a="http://schemas.openxmlformats.org/drawingml/2006/main" xmlns:r="http://schemas.openxmlformats.org/officeDocument/2006/relationships" xmlns:p="http://schemas.openxmlformats.org/presentationml/2006/main">
+  <p:cSld>
+    <p:spTree>
+      <p:nvGrpSpPr>
+        <p:cNvPr id="1" name=""/>
+        <p:cNvGrpSpPr/>
+        <p:nvPr/>
+      </p:nvGrpSpPr>
+      <p:grpSpPr>
+        <a:xfrm>
+          <a:off x="0" y="0"/>
+          <a:ext cx="0" cy="0"/>
+          <a:chOff x="0" y="0"/>
+          <a:chExt cx="0" cy="0"/>
+        </a:xfrm>
+      </p:grpSpPr>
+      <p:sp>
+        <p:nvSpPr>
+          <p:cNvPr id="2" name="Título 1">
+            <a:extLst>
+              <a:ext uri="{FF2B5EF4-FFF2-40B4-BE49-F238E27FC236}">
+                <a16:creationId xmlns:a16="http://schemas.microsoft.com/office/drawing/2014/main" id="{713C02B5-CD52-4C57-A973-686529F05156}"/>
+              </a:ext>
+            </a:extLst>
+          </p:cNvPr>
+          <p:cNvSpPr>
+            <a:spLocks noGrp="1"/>
+          </p:cNvSpPr>
+          <p:nvPr>
+            <p:ph type="title"/>
+          </p:nvPr>
+        </p:nvSpPr>
+        <p:spPr/>
+        <p:txBody>
+          <a:bodyPr/>
+          <a:lstStyle/>
+          <a:p>
+            <a:r>
+              <a:rPr lang="es-ES" dirty="0"/>
+              <a:t>2.2. Segunda iteración: data </a:t>
+            </a:r>
+            <a:r>
+              <a:rPr lang="es-ES" dirty="0" err="1"/>
+              <a:t>mining</a:t>
+            </a:r>
+            <a:endParaRPr lang="es-ES" dirty="0"/>
+          </a:p>
+        </p:txBody>
+      </p:sp>
+      <p:sp>
+        <p:nvSpPr>
+          <p:cNvPr id="3" name="Marcador de contenido 2">
+            <a:extLst>
+              <a:ext uri="{FF2B5EF4-FFF2-40B4-BE49-F238E27FC236}">
+                <a16:creationId xmlns:a16="http://schemas.microsoft.com/office/drawing/2014/main" id="{C04CABB0-F69E-47FE-82C9-C9022F4AE937}"/>
+              </a:ext>
+            </a:extLst>
+          </p:cNvPr>
+          <p:cNvSpPr>
+            <a:spLocks noGrp="1"/>
+          </p:cNvSpPr>
+          <p:nvPr>
+            <p:ph idx="1"/>
+          </p:nvPr>
+        </p:nvSpPr>
+        <p:spPr>
+          <a:xfrm>
+            <a:off x="838200" y="1815783"/>
+            <a:ext cx="10515600" cy="4351338"/>
+          </a:xfrm>
+        </p:spPr>
+        <p:txBody>
+          <a:bodyPr/>
+          <a:lstStyle/>
+          <a:p>
+            <a:pPr marL="0" indent="0">
+              <a:buNone/>
+            </a:pPr>
+            <a:r>
+              <a:rPr lang="es-ES" sz="2000" dirty="0"/>
+              <a:t>CONCLUSIONES</a:t>
+            </a:r>
+          </a:p>
+          <a:p>
+            <a:r>
+              <a:rPr lang="es-ES" dirty="0"/>
+              <a:t>Proporción de acierto de 2/3</a:t>
+            </a:r>
+          </a:p>
+          <a:p>
+            <a:r>
+              <a:rPr lang="es-ES" dirty="0"/>
+              <a:t>Generalmente, son mejores resultados</a:t>
+            </a:r>
+          </a:p>
+          <a:p>
+            <a:pPr marL="0" indent="0">
+              <a:buNone/>
+            </a:pPr>
+            <a:endParaRPr lang="es-ES" dirty="0"/>
+          </a:p>
+          <a:p>
+            <a:pPr marL="0" indent="0">
+              <a:buNone/>
+            </a:pPr>
+            <a:endParaRPr lang="es-ES" dirty="0"/>
+          </a:p>
+          <a:p>
+            <a:pPr marL="0" indent="0">
+              <a:buNone/>
+            </a:pPr>
+            <a:endParaRPr lang="es-ES" dirty="0"/>
+          </a:p>
+          <a:p>
+            <a:pPr marL="0" indent="0">
+              <a:buNone/>
+            </a:pPr>
+            <a:endParaRPr lang="es-ES" dirty="0"/>
+          </a:p>
+          <a:p>
+            <a:pPr marL="0" indent="0">
+              <a:buNone/>
+            </a:pPr>
+            <a:endParaRPr lang="es-ES" dirty="0"/>
+          </a:p>
+          <a:p>
+            <a:pPr marL="0" indent="0">
+              <a:buNone/>
+            </a:pPr>
+            <a:r>
+              <a:rPr lang="es-ES" dirty="0"/>
+              <a:t>						</a:t>
+            </a:r>
+            <a:r>
+              <a:rPr lang="es-ES" sz="2000" dirty="0"/>
+              <a:t>	</a:t>
+            </a:r>
+            <a:r>
+              <a:rPr lang="es-ES" sz="3600" dirty="0"/>
+              <a:t>¡Otra iteración!</a:t>
+            </a:r>
+          </a:p>
+          <a:p>
+            <a:endParaRPr lang="es-ES" dirty="0"/>
+          </a:p>
+          <a:p>
+            <a:endParaRPr lang="es-ES" dirty="0"/>
+          </a:p>
+          <a:p>
+            <a:endParaRPr lang="es-ES" dirty="0"/>
+          </a:p>
+          <a:p>
+            <a:endParaRPr lang="es-ES" dirty="0"/>
+          </a:p>
+        </p:txBody>
+      </p:sp>
+    </p:spTree>
+    <p:extLst>
+      <p:ext uri="{BB962C8B-B14F-4D97-AF65-F5344CB8AC3E}">
+        <p14:creationId xmlns:p14="http://schemas.microsoft.com/office/powerpoint/2010/main" val="4221929985"/>
+      </p:ext>
+    </p:extLst>
+  </p:cSld>
+  <p:clrMapOvr>
+    <a:masterClrMapping/>
+  </p:clrMapOvr>
+</p:sld>
+</file>
+
+<file path=ppt/slides/slide28.xml><?xml version="1.0" encoding="utf-8"?>
+<p:sld xmlns:a="http://schemas.openxmlformats.org/drawingml/2006/main" xmlns:r="http://schemas.openxmlformats.org/officeDocument/2006/relationships" xmlns:p="http://schemas.openxmlformats.org/presentationml/2006/main">
+  <p:cSld>
+    <p:spTree>
+      <p:nvGrpSpPr>
+        <p:cNvPr id="1" name=""/>
+        <p:cNvGrpSpPr/>
+        <p:nvPr/>
+      </p:nvGrpSpPr>
+      <p:grpSpPr>
+        <a:xfrm>
+          <a:off x="0" y="0"/>
+          <a:ext cx="0" cy="0"/>
+          <a:chOff x="0" y="0"/>
+          <a:chExt cx="0" cy="0"/>
+        </a:xfrm>
+      </p:grpSpPr>
+      <p:sp>
+        <p:nvSpPr>
+          <p:cNvPr id="2" name="Título 1">
+            <a:extLst>
+              <a:ext uri="{FF2B5EF4-FFF2-40B4-BE49-F238E27FC236}">
+                <a16:creationId xmlns:a16="http://schemas.microsoft.com/office/drawing/2014/main" id="{713C02B5-CD52-4C57-A973-686529F05156}"/>
+              </a:ext>
+            </a:extLst>
+          </p:cNvPr>
+          <p:cNvSpPr>
+            <a:spLocks noGrp="1"/>
+          </p:cNvSpPr>
+          <p:nvPr>
+            <p:ph type="title"/>
+          </p:nvPr>
+        </p:nvSpPr>
+        <p:spPr/>
+        <p:txBody>
+          <a:bodyPr/>
+          <a:lstStyle/>
+          <a:p>
+            <a:r>
+              <a:rPr lang="es-ES" dirty="0"/>
+              <a:t>2.3. Tercera iteración: </a:t>
+            </a:r>
+            <a:r>
+              <a:rPr lang="es-ES" dirty="0" err="1"/>
+              <a:t>pre-procesado</a:t>
+            </a:r>
+            <a:endParaRPr lang="es-ES" dirty="0"/>
+          </a:p>
+        </p:txBody>
+      </p:sp>
+      <p:sp>
+        <p:nvSpPr>
+          <p:cNvPr id="3" name="Marcador de contenido 2">
+            <a:extLst>
+              <a:ext uri="{FF2B5EF4-FFF2-40B4-BE49-F238E27FC236}">
+                <a16:creationId xmlns:a16="http://schemas.microsoft.com/office/drawing/2014/main" id="{C04CABB0-F69E-47FE-82C9-C9022F4AE937}"/>
+              </a:ext>
+            </a:extLst>
+          </p:cNvPr>
+          <p:cNvSpPr>
+            <a:spLocks noGrp="1"/>
+          </p:cNvSpPr>
+          <p:nvPr>
+            <p:ph idx="1"/>
+          </p:nvPr>
+        </p:nvSpPr>
+        <p:spPr>
+          <a:xfrm>
+            <a:off x="838200" y="1815783"/>
+            <a:ext cx="10515600" cy="4351338"/>
+          </a:xfrm>
+        </p:spPr>
+        <p:txBody>
+          <a:bodyPr/>
+          <a:lstStyle/>
+          <a:p>
+            <a:r>
+              <a:rPr lang="es-ES" dirty="0"/>
+              <a:t>Cambiar de columna </a:t>
+            </a:r>
+            <a:r>
+              <a:rPr lang="es-ES" dirty="0" err="1"/>
+              <a:t>label</a:t>
+            </a:r>
+            <a:r>
+              <a:rPr lang="es-ES" dirty="0"/>
+              <a:t> </a:t>
+            </a:r>
+            <a:r>
+              <a:rPr lang="es-ES" dirty="0">
+                <a:sym typeface="Wingdings" panose="05000000000000000000" pitchFamily="2" charset="2"/>
+              </a:rPr>
+              <a:t> Juntar dos columnas</a:t>
+            </a:r>
+          </a:p>
+          <a:p>
+            <a:pPr lvl="1"/>
+            <a:r>
+              <a:rPr lang="en-US" i="1" dirty="0"/>
+              <a:t>If yes, what condition(s) have you been diagnosed with?</a:t>
+            </a:r>
+            <a:endParaRPr lang="es-ES" dirty="0"/>
+          </a:p>
+          <a:p>
+            <a:pPr lvl="1"/>
+            <a:r>
+              <a:rPr lang="en-US" i="1" dirty="0"/>
+              <a:t>If maybe, what condition(s) do you believe you have?</a:t>
+            </a:r>
+            <a:endParaRPr lang="es-ES" dirty="0"/>
+          </a:p>
+          <a:p>
+            <a:endParaRPr lang="es-ES" dirty="0"/>
+          </a:p>
+          <a:p>
+            <a:endParaRPr lang="es-ES" dirty="0"/>
+          </a:p>
+          <a:p>
+            <a:endParaRPr lang="es-ES" dirty="0"/>
+          </a:p>
+        </p:txBody>
+      </p:sp>
+    </p:spTree>
+    <p:extLst>
+      <p:ext uri="{BB962C8B-B14F-4D97-AF65-F5344CB8AC3E}">
+        <p14:creationId xmlns:p14="http://schemas.microsoft.com/office/powerpoint/2010/main" val="2281107628"/>
+      </p:ext>
+    </p:extLst>
+  </p:cSld>
+  <p:clrMapOvr>
+    <a:masterClrMapping/>
+  </p:clrMapOvr>
+</p:sld>
+</file>
+
+<file path=ppt/slides/slide29.xml><?xml version="1.0" encoding="utf-8"?>
+<p:sld xmlns:a="http://schemas.openxmlformats.org/drawingml/2006/main" xmlns:r="http://schemas.openxmlformats.org/officeDocument/2006/relationships" xmlns:p="http://schemas.openxmlformats.org/presentationml/2006/main">
+  <p:cSld>
+    <p:spTree>
+      <p:nvGrpSpPr>
+        <p:cNvPr id="1" name=""/>
+        <p:cNvGrpSpPr/>
+        <p:nvPr/>
+      </p:nvGrpSpPr>
+      <p:grpSpPr>
+        <a:xfrm>
+          <a:off x="0" y="0"/>
+          <a:ext cx="0" cy="0"/>
+          <a:chOff x="0" y="0"/>
+          <a:chExt cx="0" cy="0"/>
+        </a:xfrm>
+      </p:grpSpPr>
+      <p:sp>
+        <p:nvSpPr>
+          <p:cNvPr id="2" name="Título 1">
+            <a:extLst>
+              <a:ext uri="{FF2B5EF4-FFF2-40B4-BE49-F238E27FC236}">
+                <a16:creationId xmlns:a16="http://schemas.microsoft.com/office/drawing/2014/main" id="{713C02B5-CD52-4C57-A973-686529F05156}"/>
+              </a:ext>
+            </a:extLst>
+          </p:cNvPr>
+          <p:cNvSpPr>
+            <a:spLocks noGrp="1"/>
+          </p:cNvSpPr>
+          <p:nvPr>
+            <p:ph type="title"/>
+          </p:nvPr>
+        </p:nvSpPr>
+        <p:spPr/>
+        <p:txBody>
+          <a:bodyPr/>
+          <a:lstStyle/>
+          <a:p>
+            <a:r>
+              <a:rPr lang="es-ES" dirty="0"/>
+              <a:t>2.3. Tercera iteración: </a:t>
+            </a:r>
+            <a:r>
+              <a:rPr lang="es-ES" dirty="0" err="1"/>
+              <a:t>pre-procesado</a:t>
+            </a:r>
+            <a:endParaRPr lang="es-ES" dirty="0"/>
+          </a:p>
+        </p:txBody>
+      </p:sp>
+      <p:sp>
+        <p:nvSpPr>
+          <p:cNvPr id="3" name="Marcador de contenido 2">
+            <a:extLst>
+              <a:ext uri="{FF2B5EF4-FFF2-40B4-BE49-F238E27FC236}">
+                <a16:creationId xmlns:a16="http://schemas.microsoft.com/office/drawing/2014/main" id="{C04CABB0-F69E-47FE-82C9-C9022F4AE937}"/>
+              </a:ext>
+            </a:extLst>
+          </p:cNvPr>
+          <p:cNvSpPr>
+            <a:spLocks noGrp="1"/>
+          </p:cNvSpPr>
+          <p:nvPr>
+            <p:ph idx="1"/>
+          </p:nvPr>
+        </p:nvSpPr>
+        <p:spPr>
+          <a:xfrm>
+            <a:off x="838200" y="1815783"/>
+            <a:ext cx="10515600" cy="4351338"/>
+          </a:xfrm>
+        </p:spPr>
+        <p:txBody>
+          <a:bodyPr/>
+          <a:lstStyle/>
+          <a:p>
+            <a:r>
+              <a:rPr lang="es-ES" dirty="0"/>
+              <a:t>Cambiar de columna </a:t>
+            </a:r>
+            <a:r>
+              <a:rPr lang="es-ES" dirty="0" err="1"/>
+              <a:t>label</a:t>
+            </a:r>
+            <a:r>
+              <a:rPr lang="es-ES" dirty="0"/>
+              <a:t> </a:t>
+            </a:r>
+            <a:r>
+              <a:rPr lang="es-ES" dirty="0">
+                <a:sym typeface="Wingdings" panose="05000000000000000000" pitchFamily="2" charset="2"/>
+              </a:rPr>
+              <a:t> Juntar dos columnas</a:t>
+            </a:r>
+          </a:p>
+          <a:p>
+            <a:pPr lvl="1"/>
+            <a:r>
+              <a:rPr lang="en-US" i="1" dirty="0"/>
+              <a:t>If yes, what condition(s) have you been diagnosed with?</a:t>
+            </a:r>
+            <a:endParaRPr lang="es-ES" dirty="0"/>
+          </a:p>
+          <a:p>
+            <a:pPr lvl="1"/>
+            <a:r>
+              <a:rPr lang="en-US" i="1" dirty="0"/>
+              <a:t>If maybe, what condition(s) do you believe you have?</a:t>
+            </a:r>
+            <a:endParaRPr lang="es-ES" dirty="0"/>
+          </a:p>
+          <a:p>
+            <a:endParaRPr lang="es-ES" dirty="0"/>
+          </a:p>
+          <a:p>
+            <a:endParaRPr lang="es-ES" dirty="0"/>
+          </a:p>
+          <a:p>
+            <a:endParaRPr lang="es-ES" dirty="0"/>
+          </a:p>
+        </p:txBody>
+      </p:sp>
+      <p:pic>
+        <p:nvPicPr>
+          <p:cNvPr id="4" name="Imagen 3">
+            <a:extLst>
+              <a:ext uri="{FF2B5EF4-FFF2-40B4-BE49-F238E27FC236}">
+                <a16:creationId xmlns:a16="http://schemas.microsoft.com/office/drawing/2014/main" id="{FA68109E-F6A5-4A48-8507-DA90CBC0A80D}"/>
+              </a:ext>
+            </a:extLst>
+          </p:cNvPr>
+          <p:cNvPicPr/>
+          <p:nvPr/>
+        </p:nvPicPr>
+        <p:blipFill>
+          <a:blip r:embed="rId2">
+            <a:extLst>
+              <a:ext uri="{28A0092B-C50C-407E-A947-70E740481C1C}">
+                <a14:useLocalDpi xmlns:a14="http://schemas.microsoft.com/office/drawing/2010/main" val="0"/>
+              </a:ext>
+            </a:extLst>
+          </a:blip>
+          <a:srcRect/>
+          <a:stretch>
+            <a:fillRect/>
+          </a:stretch>
+        </p:blipFill>
+        <p:spPr bwMode="auto">
+          <a:xfrm>
+            <a:off x="1297617" y="3152048"/>
+            <a:ext cx="5554119" cy="3705952"/>
+          </a:xfrm>
+          <a:prstGeom prst="rect">
+            <a:avLst/>
+          </a:prstGeom>
+          <a:noFill/>
+          <a:ln>
+            <a:noFill/>
+          </a:ln>
+        </p:spPr>
+      </p:pic>
+    </p:spTree>
+    <p:extLst>
+      <p:ext uri="{BB962C8B-B14F-4D97-AF65-F5344CB8AC3E}">
+        <p14:creationId xmlns:p14="http://schemas.microsoft.com/office/powerpoint/2010/main" val="77169741"/>
+      </p:ext>
+    </p:extLst>
+  </p:cSld>
+  <p:clrMapOvr>
+    <a:masterClrMapping/>
+  </p:clrMapOvr>
+</p:sld>
+</file>
+
 <file path=ppt/slides/slide3.xml><?xml version="1.0" encoding="utf-8"?>
 <p:sld xmlns:a="http://schemas.openxmlformats.org/drawingml/2006/main" xmlns:r="http://schemas.openxmlformats.org/officeDocument/2006/relationships" xmlns:p="http://schemas.openxmlformats.org/presentationml/2006/main">
   <p:cSld>
@@ -8376,7 +9680,12 @@
             <p:ph idx="1"/>
           </p:nvPr>
         </p:nvSpPr>
-        <p:spPr/>
+        <p:spPr>
+          <a:xfrm>
+            <a:off x="671292" y="1933710"/>
+            <a:ext cx="8596668" cy="3880773"/>
+          </a:xfrm>
+        </p:spPr>
         <p:txBody>
           <a:bodyPr/>
           <a:lstStyle/>
@@ -8532,6 +9841,1428 @@
 </p:sld>
 </file>
 
+<file path=ppt/slides/slide30.xml><?xml version="1.0" encoding="utf-8"?>
+<p:sld xmlns:a="http://schemas.openxmlformats.org/drawingml/2006/main" xmlns:r="http://schemas.openxmlformats.org/officeDocument/2006/relationships" xmlns:p="http://schemas.openxmlformats.org/presentationml/2006/main">
+  <p:cSld>
+    <p:spTree>
+      <p:nvGrpSpPr>
+        <p:cNvPr id="1" name=""/>
+        <p:cNvGrpSpPr/>
+        <p:nvPr/>
+      </p:nvGrpSpPr>
+      <p:grpSpPr>
+        <a:xfrm>
+          <a:off x="0" y="0"/>
+          <a:ext cx="0" cy="0"/>
+          <a:chOff x="0" y="0"/>
+          <a:chExt cx="0" cy="0"/>
+        </a:xfrm>
+      </p:grpSpPr>
+      <p:sp>
+        <p:nvSpPr>
+          <p:cNvPr id="2" name="Título 1">
+            <a:extLst>
+              <a:ext uri="{FF2B5EF4-FFF2-40B4-BE49-F238E27FC236}">
+                <a16:creationId xmlns:a16="http://schemas.microsoft.com/office/drawing/2014/main" id="{713C02B5-CD52-4C57-A973-686529F05156}"/>
+              </a:ext>
+            </a:extLst>
+          </p:cNvPr>
+          <p:cNvSpPr>
+            <a:spLocks noGrp="1"/>
+          </p:cNvSpPr>
+          <p:nvPr>
+            <p:ph type="title"/>
+          </p:nvPr>
+        </p:nvSpPr>
+        <p:spPr/>
+        <p:txBody>
+          <a:bodyPr/>
+          <a:lstStyle/>
+          <a:p>
+            <a:r>
+              <a:rPr lang="es-ES" dirty="0"/>
+              <a:t>2.3. Tercera iteración: data </a:t>
+            </a:r>
+            <a:r>
+              <a:rPr lang="es-ES" dirty="0" err="1"/>
+              <a:t>mining</a:t>
+            </a:r>
+            <a:endParaRPr lang="es-ES" dirty="0"/>
+          </a:p>
+        </p:txBody>
+      </p:sp>
+      <p:sp>
+        <p:nvSpPr>
+          <p:cNvPr id="3" name="Marcador de contenido 2">
+            <a:extLst>
+              <a:ext uri="{FF2B5EF4-FFF2-40B4-BE49-F238E27FC236}">
+                <a16:creationId xmlns:a16="http://schemas.microsoft.com/office/drawing/2014/main" id="{C04CABB0-F69E-47FE-82C9-C9022F4AE937}"/>
+              </a:ext>
+            </a:extLst>
+          </p:cNvPr>
+          <p:cNvSpPr>
+            <a:spLocks noGrp="1"/>
+          </p:cNvSpPr>
+          <p:nvPr>
+            <p:ph idx="1"/>
+          </p:nvPr>
+        </p:nvSpPr>
+        <p:spPr>
+          <a:xfrm>
+            <a:off x="838200" y="1815783"/>
+            <a:ext cx="10515600" cy="4351338"/>
+          </a:xfrm>
+        </p:spPr>
+        <p:txBody>
+          <a:bodyPr/>
+          <a:lstStyle/>
+          <a:p>
+            <a:r>
+              <a:rPr lang="es-ES" dirty="0"/>
+              <a:t>Árbol de decisión</a:t>
+            </a:r>
+          </a:p>
+        </p:txBody>
+      </p:sp>
+      <p:pic>
+        <p:nvPicPr>
+          <p:cNvPr id="6" name="Imagen 5">
+            <a:extLst>
+              <a:ext uri="{FF2B5EF4-FFF2-40B4-BE49-F238E27FC236}">
+                <a16:creationId xmlns:a16="http://schemas.microsoft.com/office/drawing/2014/main" id="{638835D7-2F54-45BA-B24E-5D9FFD175457}"/>
+              </a:ext>
+            </a:extLst>
+          </p:cNvPr>
+          <p:cNvPicPr/>
+          <p:nvPr/>
+        </p:nvPicPr>
+        <p:blipFill>
+          <a:blip r:embed="rId2"/>
+          <a:stretch>
+            <a:fillRect/>
+          </a:stretch>
+        </p:blipFill>
+        <p:spPr>
+          <a:xfrm>
+            <a:off x="1596971" y="2267628"/>
+            <a:ext cx="8048069" cy="4351337"/>
+          </a:xfrm>
+          <a:prstGeom prst="rect">
+            <a:avLst/>
+          </a:prstGeom>
+        </p:spPr>
+      </p:pic>
+    </p:spTree>
+    <p:extLst>
+      <p:ext uri="{BB962C8B-B14F-4D97-AF65-F5344CB8AC3E}">
+        <p14:creationId xmlns:p14="http://schemas.microsoft.com/office/powerpoint/2010/main" val="2580939046"/>
+      </p:ext>
+    </p:extLst>
+  </p:cSld>
+  <p:clrMapOvr>
+    <a:masterClrMapping/>
+  </p:clrMapOvr>
+</p:sld>
+</file>
+
+<file path=ppt/slides/slide31.xml><?xml version="1.0" encoding="utf-8"?>
+<p:sld xmlns:a="http://schemas.openxmlformats.org/drawingml/2006/main" xmlns:r="http://schemas.openxmlformats.org/officeDocument/2006/relationships" xmlns:p="http://schemas.openxmlformats.org/presentationml/2006/main">
+  <p:cSld>
+    <p:spTree>
+      <p:nvGrpSpPr>
+        <p:cNvPr id="1" name=""/>
+        <p:cNvGrpSpPr/>
+        <p:nvPr/>
+      </p:nvGrpSpPr>
+      <p:grpSpPr>
+        <a:xfrm>
+          <a:off x="0" y="0"/>
+          <a:ext cx="0" cy="0"/>
+          <a:chOff x="0" y="0"/>
+          <a:chExt cx="0" cy="0"/>
+        </a:xfrm>
+      </p:grpSpPr>
+      <p:sp>
+        <p:nvSpPr>
+          <p:cNvPr id="2" name="Título 1">
+            <a:extLst>
+              <a:ext uri="{FF2B5EF4-FFF2-40B4-BE49-F238E27FC236}">
+                <a16:creationId xmlns:a16="http://schemas.microsoft.com/office/drawing/2014/main" id="{713C02B5-CD52-4C57-A973-686529F05156}"/>
+              </a:ext>
+            </a:extLst>
+          </p:cNvPr>
+          <p:cNvSpPr>
+            <a:spLocks noGrp="1"/>
+          </p:cNvSpPr>
+          <p:nvPr>
+            <p:ph type="title"/>
+          </p:nvPr>
+        </p:nvSpPr>
+        <p:spPr/>
+        <p:txBody>
+          <a:bodyPr/>
+          <a:lstStyle/>
+          <a:p>
+            <a:r>
+              <a:rPr lang="es-ES" dirty="0"/>
+              <a:t>2.3. Tercera iteración: data </a:t>
+            </a:r>
+            <a:r>
+              <a:rPr lang="es-ES" dirty="0" err="1"/>
+              <a:t>mining</a:t>
+            </a:r>
+            <a:endParaRPr lang="es-ES" dirty="0"/>
+          </a:p>
+        </p:txBody>
+      </p:sp>
+      <p:sp>
+        <p:nvSpPr>
+          <p:cNvPr id="3" name="Marcador de contenido 2">
+            <a:extLst>
+              <a:ext uri="{FF2B5EF4-FFF2-40B4-BE49-F238E27FC236}">
+                <a16:creationId xmlns:a16="http://schemas.microsoft.com/office/drawing/2014/main" id="{C04CABB0-F69E-47FE-82C9-C9022F4AE937}"/>
+              </a:ext>
+            </a:extLst>
+          </p:cNvPr>
+          <p:cNvSpPr>
+            <a:spLocks noGrp="1"/>
+          </p:cNvSpPr>
+          <p:nvPr>
+            <p:ph idx="1"/>
+          </p:nvPr>
+        </p:nvSpPr>
+        <p:spPr>
+          <a:xfrm>
+            <a:off x="838200" y="1815783"/>
+            <a:ext cx="10515600" cy="4351338"/>
+          </a:xfrm>
+        </p:spPr>
+        <p:txBody>
+          <a:bodyPr/>
+          <a:lstStyle/>
+          <a:p>
+            <a:pPr marL="0" indent="0">
+              <a:buNone/>
+            </a:pPr>
+            <a:r>
+              <a:rPr lang="es-ES" sz="2000" dirty="0"/>
+              <a:t>CONCLUSIONES</a:t>
+            </a:r>
+          </a:p>
+          <a:p>
+            <a:r>
+              <a:rPr lang="es-ES" dirty="0"/>
+              <a:t>“Mala” iteración: las clases estaban muy desbalanceadas</a:t>
+            </a:r>
+          </a:p>
+          <a:p>
+            <a:endParaRPr lang="es-ES" dirty="0"/>
+          </a:p>
+          <a:p>
+            <a:endParaRPr lang="es-ES" dirty="0"/>
+          </a:p>
+          <a:p>
+            <a:endParaRPr lang="es-ES" dirty="0"/>
+          </a:p>
+          <a:p>
+            <a:endParaRPr lang="es-ES" dirty="0"/>
+          </a:p>
+          <a:p>
+            <a:endParaRPr lang="es-ES" dirty="0"/>
+          </a:p>
+          <a:p>
+            <a:endParaRPr lang="es-ES" dirty="0"/>
+          </a:p>
+          <a:p>
+            <a:pPr marL="0" indent="0">
+              <a:buNone/>
+            </a:pPr>
+            <a:r>
+              <a:rPr lang="es-ES" sz="3600" dirty="0"/>
+              <a:t>							¡Otra iteración!</a:t>
+            </a:r>
+          </a:p>
+        </p:txBody>
+      </p:sp>
+    </p:spTree>
+    <p:extLst>
+      <p:ext uri="{BB962C8B-B14F-4D97-AF65-F5344CB8AC3E}">
+        <p14:creationId xmlns:p14="http://schemas.microsoft.com/office/powerpoint/2010/main" val="976396462"/>
+      </p:ext>
+    </p:extLst>
+  </p:cSld>
+  <p:clrMapOvr>
+    <a:masterClrMapping/>
+  </p:clrMapOvr>
+</p:sld>
+</file>
+
+<file path=ppt/slides/slide32.xml><?xml version="1.0" encoding="utf-8"?>
+<p:sld xmlns:a="http://schemas.openxmlformats.org/drawingml/2006/main" xmlns:r="http://schemas.openxmlformats.org/officeDocument/2006/relationships" xmlns:p="http://schemas.openxmlformats.org/presentationml/2006/main">
+  <p:cSld>
+    <p:spTree>
+      <p:nvGrpSpPr>
+        <p:cNvPr id="1" name=""/>
+        <p:cNvGrpSpPr/>
+        <p:nvPr/>
+      </p:nvGrpSpPr>
+      <p:grpSpPr>
+        <a:xfrm>
+          <a:off x="0" y="0"/>
+          <a:ext cx="0" cy="0"/>
+          <a:chOff x="0" y="0"/>
+          <a:chExt cx="0" cy="0"/>
+        </a:xfrm>
+      </p:grpSpPr>
+      <p:sp>
+        <p:nvSpPr>
+          <p:cNvPr id="2" name="Título 1">
+            <a:extLst>
+              <a:ext uri="{FF2B5EF4-FFF2-40B4-BE49-F238E27FC236}">
+                <a16:creationId xmlns:a16="http://schemas.microsoft.com/office/drawing/2014/main" id="{1AEF56AF-E1B2-403A-BB67-76874287F5FF}"/>
+              </a:ext>
+            </a:extLst>
+          </p:cNvPr>
+          <p:cNvSpPr>
+            <a:spLocks noGrp="1"/>
+          </p:cNvSpPr>
+          <p:nvPr>
+            <p:ph type="title"/>
+          </p:nvPr>
+        </p:nvSpPr>
+        <p:spPr/>
+        <p:txBody>
+          <a:bodyPr/>
+          <a:lstStyle/>
+          <a:p>
+            <a:r>
+              <a:rPr lang="es-ES" dirty="0"/>
+              <a:t>2.4. Cuarta iteración: </a:t>
+            </a:r>
+            <a:r>
+              <a:rPr lang="es-ES" dirty="0" err="1"/>
+              <a:t>pre-procesado</a:t>
+            </a:r>
+            <a:endParaRPr lang="es-ES" dirty="0"/>
+          </a:p>
+        </p:txBody>
+      </p:sp>
+      <p:sp>
+        <p:nvSpPr>
+          <p:cNvPr id="3" name="Marcador de contenido 2">
+            <a:extLst>
+              <a:ext uri="{FF2B5EF4-FFF2-40B4-BE49-F238E27FC236}">
+                <a16:creationId xmlns:a16="http://schemas.microsoft.com/office/drawing/2014/main" id="{AF23C72D-2C99-4330-BBEF-3DEA75D32DF6}"/>
+              </a:ext>
+            </a:extLst>
+          </p:cNvPr>
+          <p:cNvSpPr>
+            <a:spLocks noGrp="1"/>
+          </p:cNvSpPr>
+          <p:nvPr>
+            <p:ph idx="1"/>
+          </p:nvPr>
+        </p:nvSpPr>
+        <p:spPr>
+          <a:xfrm>
+            <a:off x="677334" y="1930400"/>
+            <a:ext cx="8596668" cy="3880773"/>
+          </a:xfrm>
+        </p:spPr>
+        <p:txBody>
+          <a:bodyPr/>
+          <a:lstStyle/>
+          <a:p>
+            <a:r>
+              <a:rPr lang="es-ES" dirty="0"/>
+              <a:t>Agrupación en 3 clases</a:t>
+            </a:r>
+          </a:p>
+          <a:p>
+            <a:endParaRPr lang="es-ES" dirty="0"/>
+          </a:p>
+          <a:p>
+            <a:endParaRPr lang="es-ES" dirty="0"/>
+          </a:p>
+          <a:p>
+            <a:endParaRPr lang="es-ES" dirty="0"/>
+          </a:p>
+        </p:txBody>
+      </p:sp>
+      <p:pic>
+        <p:nvPicPr>
+          <p:cNvPr id="4" name="Imagen 3">
+            <a:extLst>
+              <a:ext uri="{FF2B5EF4-FFF2-40B4-BE49-F238E27FC236}">
+                <a16:creationId xmlns:a16="http://schemas.microsoft.com/office/drawing/2014/main" id="{165A76E8-7D65-44E4-B8B4-90246A6723CA}"/>
+              </a:ext>
+            </a:extLst>
+          </p:cNvPr>
+          <p:cNvPicPr/>
+          <p:nvPr/>
+        </p:nvPicPr>
+        <p:blipFill>
+          <a:blip r:embed="rId2">
+            <a:extLst>
+              <a:ext uri="{28A0092B-C50C-407E-A947-70E740481C1C}">
+                <a14:useLocalDpi xmlns:a14="http://schemas.microsoft.com/office/drawing/2010/main" val="0"/>
+              </a:ext>
+            </a:extLst>
+          </a:blip>
+          <a:srcRect/>
+          <a:stretch>
+            <a:fillRect/>
+          </a:stretch>
+        </p:blipFill>
+        <p:spPr bwMode="auto">
+          <a:xfrm>
+            <a:off x="2219935" y="2397429"/>
+            <a:ext cx="6953859" cy="4372889"/>
+          </a:xfrm>
+          <a:prstGeom prst="rect">
+            <a:avLst/>
+          </a:prstGeom>
+          <a:noFill/>
+          <a:ln>
+            <a:noFill/>
+          </a:ln>
+        </p:spPr>
+      </p:pic>
+    </p:spTree>
+    <p:extLst>
+      <p:ext uri="{BB962C8B-B14F-4D97-AF65-F5344CB8AC3E}">
+        <p14:creationId xmlns:p14="http://schemas.microsoft.com/office/powerpoint/2010/main" val="2341559564"/>
+      </p:ext>
+    </p:extLst>
+  </p:cSld>
+  <p:clrMapOvr>
+    <a:masterClrMapping/>
+  </p:clrMapOvr>
+</p:sld>
+</file>
+
+<file path=ppt/slides/slide33.xml><?xml version="1.0" encoding="utf-8"?>
+<p:sld xmlns:a="http://schemas.openxmlformats.org/drawingml/2006/main" xmlns:r="http://schemas.openxmlformats.org/officeDocument/2006/relationships" xmlns:p="http://schemas.openxmlformats.org/presentationml/2006/main">
+  <p:cSld>
+    <p:spTree>
+      <p:nvGrpSpPr>
+        <p:cNvPr id="1" name=""/>
+        <p:cNvGrpSpPr/>
+        <p:nvPr/>
+      </p:nvGrpSpPr>
+      <p:grpSpPr>
+        <a:xfrm>
+          <a:off x="0" y="0"/>
+          <a:ext cx="0" cy="0"/>
+          <a:chOff x="0" y="0"/>
+          <a:chExt cx="0" cy="0"/>
+        </a:xfrm>
+      </p:grpSpPr>
+      <p:sp>
+        <p:nvSpPr>
+          <p:cNvPr id="2" name="Título 1">
+            <a:extLst>
+              <a:ext uri="{FF2B5EF4-FFF2-40B4-BE49-F238E27FC236}">
+                <a16:creationId xmlns:a16="http://schemas.microsoft.com/office/drawing/2014/main" id="{1AEF56AF-E1B2-403A-BB67-76874287F5FF}"/>
+              </a:ext>
+            </a:extLst>
+          </p:cNvPr>
+          <p:cNvSpPr>
+            <a:spLocks noGrp="1"/>
+          </p:cNvSpPr>
+          <p:nvPr>
+            <p:ph type="title"/>
+          </p:nvPr>
+        </p:nvSpPr>
+        <p:spPr/>
+        <p:txBody>
+          <a:bodyPr/>
+          <a:lstStyle/>
+          <a:p>
+            <a:r>
+              <a:rPr lang="es-ES" dirty="0"/>
+              <a:t>2.4. Cuarta iteración: data </a:t>
+            </a:r>
+            <a:r>
+              <a:rPr lang="es-ES" dirty="0" err="1"/>
+              <a:t>mining</a:t>
+            </a:r>
+            <a:endParaRPr lang="es-ES" dirty="0"/>
+          </a:p>
+        </p:txBody>
+      </p:sp>
+      <p:sp>
+        <p:nvSpPr>
+          <p:cNvPr id="3" name="Marcador de contenido 2">
+            <a:extLst>
+              <a:ext uri="{FF2B5EF4-FFF2-40B4-BE49-F238E27FC236}">
+                <a16:creationId xmlns:a16="http://schemas.microsoft.com/office/drawing/2014/main" id="{AF23C72D-2C99-4330-BBEF-3DEA75D32DF6}"/>
+              </a:ext>
+            </a:extLst>
+          </p:cNvPr>
+          <p:cNvSpPr>
+            <a:spLocks noGrp="1"/>
+          </p:cNvSpPr>
+          <p:nvPr>
+            <p:ph idx="1"/>
+          </p:nvPr>
+        </p:nvSpPr>
+        <p:spPr>
+          <a:xfrm>
+            <a:off x="677334" y="1930400"/>
+            <a:ext cx="8596668" cy="3880773"/>
+          </a:xfrm>
+        </p:spPr>
+        <p:txBody>
+          <a:bodyPr/>
+          <a:lstStyle/>
+          <a:p>
+            <a:r>
+              <a:rPr lang="es-ES" dirty="0"/>
+              <a:t>Algoritmo KNN</a:t>
+            </a:r>
+          </a:p>
+          <a:p>
+            <a:endParaRPr lang="es-ES" dirty="0"/>
+          </a:p>
+          <a:p>
+            <a:pPr marL="0" indent="0">
+              <a:buNone/>
+            </a:pPr>
+            <a:endParaRPr lang="es-ES" dirty="0"/>
+          </a:p>
+          <a:p>
+            <a:endParaRPr lang="es-ES" dirty="0"/>
+          </a:p>
+          <a:p>
+            <a:endParaRPr lang="es-ES" dirty="0"/>
+          </a:p>
+          <a:p>
+            <a:endParaRPr lang="es-ES" dirty="0"/>
+          </a:p>
+        </p:txBody>
+      </p:sp>
+      <p:pic>
+        <p:nvPicPr>
+          <p:cNvPr id="5" name="Imagen 4">
+            <a:extLst>
+              <a:ext uri="{FF2B5EF4-FFF2-40B4-BE49-F238E27FC236}">
+                <a16:creationId xmlns:a16="http://schemas.microsoft.com/office/drawing/2014/main" id="{13EA131C-C5F0-4B63-8AE8-E57BD1FB42DE}"/>
+              </a:ext>
+            </a:extLst>
+          </p:cNvPr>
+          <p:cNvPicPr/>
+          <p:nvPr/>
+        </p:nvPicPr>
+        <p:blipFill>
+          <a:blip r:embed="rId2">
+            <a:extLst>
+              <a:ext uri="{28A0092B-C50C-407E-A947-70E740481C1C}">
+                <a14:useLocalDpi xmlns:a14="http://schemas.microsoft.com/office/drawing/2010/main" val="0"/>
+              </a:ext>
+            </a:extLst>
+          </a:blip>
+          <a:stretch>
+            <a:fillRect/>
+          </a:stretch>
+        </p:blipFill>
+        <p:spPr>
+          <a:xfrm>
+            <a:off x="874964" y="2479860"/>
+            <a:ext cx="5651095" cy="3582737"/>
+          </a:xfrm>
+          <a:prstGeom prst="rect">
+            <a:avLst/>
+          </a:prstGeom>
+        </p:spPr>
+      </p:pic>
+      <p:pic>
+        <p:nvPicPr>
+          <p:cNvPr id="6" name="Imagen 5">
+            <a:extLst>
+              <a:ext uri="{FF2B5EF4-FFF2-40B4-BE49-F238E27FC236}">
+                <a16:creationId xmlns:a16="http://schemas.microsoft.com/office/drawing/2014/main" id="{5A6C7CE3-F0FD-4ED0-8A95-67D921A6CD97}"/>
+              </a:ext>
+            </a:extLst>
+          </p:cNvPr>
+          <p:cNvPicPr/>
+          <p:nvPr/>
+        </p:nvPicPr>
+        <p:blipFill>
+          <a:blip r:embed="rId3" cstate="print">
+            <a:extLst>
+              <a:ext uri="{28A0092B-C50C-407E-A947-70E740481C1C}">
+                <a14:useLocalDpi xmlns:a14="http://schemas.microsoft.com/office/drawing/2010/main" val="0"/>
+              </a:ext>
+            </a:extLst>
+          </a:blip>
+          <a:stretch>
+            <a:fillRect/>
+          </a:stretch>
+        </p:blipFill>
+        <p:spPr>
+          <a:xfrm>
+            <a:off x="6712014" y="3209098"/>
+            <a:ext cx="4605021" cy="1320800"/>
+          </a:xfrm>
+          <a:prstGeom prst="rect">
+            <a:avLst/>
+          </a:prstGeom>
+        </p:spPr>
+      </p:pic>
+    </p:spTree>
+    <p:extLst>
+      <p:ext uri="{BB962C8B-B14F-4D97-AF65-F5344CB8AC3E}">
+        <p14:creationId xmlns:p14="http://schemas.microsoft.com/office/powerpoint/2010/main" val="1088952648"/>
+      </p:ext>
+    </p:extLst>
+  </p:cSld>
+  <p:clrMapOvr>
+    <a:masterClrMapping/>
+  </p:clrMapOvr>
+</p:sld>
+</file>
+
+<file path=ppt/slides/slide34.xml><?xml version="1.0" encoding="utf-8"?>
+<p:sld xmlns:a="http://schemas.openxmlformats.org/drawingml/2006/main" xmlns:r="http://schemas.openxmlformats.org/officeDocument/2006/relationships" xmlns:p="http://schemas.openxmlformats.org/presentationml/2006/main">
+  <p:cSld>
+    <p:spTree>
+      <p:nvGrpSpPr>
+        <p:cNvPr id="1" name=""/>
+        <p:cNvGrpSpPr/>
+        <p:nvPr/>
+      </p:nvGrpSpPr>
+      <p:grpSpPr>
+        <a:xfrm>
+          <a:off x="0" y="0"/>
+          <a:ext cx="0" cy="0"/>
+          <a:chOff x="0" y="0"/>
+          <a:chExt cx="0" cy="0"/>
+        </a:xfrm>
+      </p:grpSpPr>
+      <p:sp>
+        <p:nvSpPr>
+          <p:cNvPr id="2" name="Título 1">
+            <a:extLst>
+              <a:ext uri="{FF2B5EF4-FFF2-40B4-BE49-F238E27FC236}">
+                <a16:creationId xmlns:a16="http://schemas.microsoft.com/office/drawing/2014/main" id="{1AEF56AF-E1B2-403A-BB67-76874287F5FF}"/>
+              </a:ext>
+            </a:extLst>
+          </p:cNvPr>
+          <p:cNvSpPr>
+            <a:spLocks noGrp="1"/>
+          </p:cNvSpPr>
+          <p:nvPr>
+            <p:ph type="title"/>
+          </p:nvPr>
+        </p:nvSpPr>
+        <p:spPr/>
+        <p:txBody>
+          <a:bodyPr/>
+          <a:lstStyle/>
+          <a:p>
+            <a:r>
+              <a:rPr lang="es-ES" dirty="0"/>
+              <a:t>2.4. Cuarta iteración: data </a:t>
+            </a:r>
+            <a:r>
+              <a:rPr lang="es-ES" dirty="0" err="1"/>
+              <a:t>mining</a:t>
+            </a:r>
+            <a:endParaRPr lang="es-ES" dirty="0"/>
+          </a:p>
+        </p:txBody>
+      </p:sp>
+      <p:sp>
+        <p:nvSpPr>
+          <p:cNvPr id="3" name="Marcador de contenido 2">
+            <a:extLst>
+              <a:ext uri="{FF2B5EF4-FFF2-40B4-BE49-F238E27FC236}">
+                <a16:creationId xmlns:a16="http://schemas.microsoft.com/office/drawing/2014/main" id="{AF23C72D-2C99-4330-BBEF-3DEA75D32DF6}"/>
+              </a:ext>
+            </a:extLst>
+          </p:cNvPr>
+          <p:cNvSpPr>
+            <a:spLocks noGrp="1"/>
+          </p:cNvSpPr>
+          <p:nvPr>
+            <p:ph idx="1"/>
+          </p:nvPr>
+        </p:nvSpPr>
+        <p:spPr>
+          <a:xfrm>
+            <a:off x="677334" y="1930400"/>
+            <a:ext cx="8596668" cy="3880773"/>
+          </a:xfrm>
+        </p:spPr>
+        <p:txBody>
+          <a:bodyPr/>
+          <a:lstStyle/>
+          <a:p>
+            <a:r>
+              <a:rPr lang="es-ES" dirty="0" err="1"/>
+              <a:t>Random</a:t>
+            </a:r>
+            <a:r>
+              <a:rPr lang="es-ES" dirty="0"/>
+              <a:t> </a:t>
+            </a:r>
+            <a:r>
+              <a:rPr lang="es-ES" dirty="0" err="1"/>
+              <a:t>forest</a:t>
+            </a:r>
+            <a:endParaRPr lang="es-ES" dirty="0"/>
+          </a:p>
+          <a:p>
+            <a:endParaRPr lang="es-ES" dirty="0"/>
+          </a:p>
+          <a:p>
+            <a:pPr marL="0" indent="0">
+              <a:buNone/>
+            </a:pPr>
+            <a:endParaRPr lang="es-ES" dirty="0"/>
+          </a:p>
+          <a:p>
+            <a:endParaRPr lang="es-ES" dirty="0"/>
+          </a:p>
+          <a:p>
+            <a:endParaRPr lang="es-ES" dirty="0"/>
+          </a:p>
+          <a:p>
+            <a:endParaRPr lang="es-ES" dirty="0"/>
+          </a:p>
+        </p:txBody>
+      </p:sp>
+      <p:pic>
+        <p:nvPicPr>
+          <p:cNvPr id="7" name="Imagen 6">
+            <a:extLst>
+              <a:ext uri="{FF2B5EF4-FFF2-40B4-BE49-F238E27FC236}">
+                <a16:creationId xmlns:a16="http://schemas.microsoft.com/office/drawing/2014/main" id="{88B04201-32B4-4C27-926F-8C2EE1C6A6E9}"/>
+              </a:ext>
+            </a:extLst>
+          </p:cNvPr>
+          <p:cNvPicPr/>
+          <p:nvPr/>
+        </p:nvPicPr>
+        <p:blipFill>
+          <a:blip r:embed="rId2"/>
+          <a:stretch>
+            <a:fillRect/>
+          </a:stretch>
+        </p:blipFill>
+        <p:spPr>
+          <a:xfrm>
+            <a:off x="1654862" y="2417522"/>
+            <a:ext cx="8077861" cy="4096011"/>
+          </a:xfrm>
+          <a:prstGeom prst="rect">
+            <a:avLst/>
+          </a:prstGeom>
+        </p:spPr>
+      </p:pic>
+    </p:spTree>
+    <p:extLst>
+      <p:ext uri="{BB962C8B-B14F-4D97-AF65-F5344CB8AC3E}">
+        <p14:creationId xmlns:p14="http://schemas.microsoft.com/office/powerpoint/2010/main" val="390792259"/>
+      </p:ext>
+    </p:extLst>
+  </p:cSld>
+  <p:clrMapOvr>
+    <a:masterClrMapping/>
+  </p:clrMapOvr>
+</p:sld>
+</file>
+
+<file path=ppt/slides/slide35.xml><?xml version="1.0" encoding="utf-8"?>
+<p:sld xmlns:a="http://schemas.openxmlformats.org/drawingml/2006/main" xmlns:r="http://schemas.openxmlformats.org/officeDocument/2006/relationships" xmlns:p="http://schemas.openxmlformats.org/presentationml/2006/main">
+  <p:cSld>
+    <p:spTree>
+      <p:nvGrpSpPr>
+        <p:cNvPr id="1" name=""/>
+        <p:cNvGrpSpPr/>
+        <p:nvPr/>
+      </p:nvGrpSpPr>
+      <p:grpSpPr>
+        <a:xfrm>
+          <a:off x="0" y="0"/>
+          <a:ext cx="0" cy="0"/>
+          <a:chOff x="0" y="0"/>
+          <a:chExt cx="0" cy="0"/>
+        </a:xfrm>
+      </p:grpSpPr>
+      <p:sp>
+        <p:nvSpPr>
+          <p:cNvPr id="2" name="Título 1">
+            <a:extLst>
+              <a:ext uri="{FF2B5EF4-FFF2-40B4-BE49-F238E27FC236}">
+                <a16:creationId xmlns:a16="http://schemas.microsoft.com/office/drawing/2014/main" id="{278991C6-B626-48DD-9042-FB1F7ECED3CF}"/>
+              </a:ext>
+            </a:extLst>
+          </p:cNvPr>
+          <p:cNvSpPr>
+            <a:spLocks noGrp="1"/>
+          </p:cNvSpPr>
+          <p:nvPr>
+            <p:ph type="title"/>
+          </p:nvPr>
+        </p:nvSpPr>
+        <p:spPr/>
+        <p:txBody>
+          <a:bodyPr/>
+          <a:lstStyle/>
+          <a:p>
+            <a:r>
+              <a:rPr lang="es-ES" dirty="0"/>
+              <a:t>2.4. Cuarta iteración: conclusiones</a:t>
+            </a:r>
+          </a:p>
+        </p:txBody>
+      </p:sp>
+      <p:sp>
+        <p:nvSpPr>
+          <p:cNvPr id="3" name="Marcador de contenido 2">
+            <a:extLst>
+              <a:ext uri="{FF2B5EF4-FFF2-40B4-BE49-F238E27FC236}">
+                <a16:creationId xmlns:a16="http://schemas.microsoft.com/office/drawing/2014/main" id="{F11EB9E3-5565-4D5C-B2A4-2E390E46425F}"/>
+              </a:ext>
+            </a:extLst>
+          </p:cNvPr>
+          <p:cNvSpPr>
+            <a:spLocks noGrp="1"/>
+          </p:cNvSpPr>
+          <p:nvPr>
+            <p:ph idx="1"/>
+          </p:nvPr>
+        </p:nvSpPr>
+        <p:spPr>
+          <a:xfrm>
+            <a:off x="677334" y="1930400"/>
+            <a:ext cx="8596668" cy="3880773"/>
+          </a:xfrm>
+        </p:spPr>
+        <p:txBody>
+          <a:bodyPr/>
+          <a:lstStyle/>
+          <a:p>
+            <a:r>
+              <a:rPr lang="es-ES" dirty="0"/>
+              <a:t>Es la iteración que mejores resultados ha conseguido:</a:t>
+            </a:r>
+          </a:p>
+          <a:p>
+            <a:endParaRPr lang="es-ES" dirty="0"/>
+          </a:p>
+          <a:p>
+            <a:endParaRPr lang="es-ES" dirty="0"/>
+          </a:p>
+          <a:p>
+            <a:pPr marL="0" indent="0" algn="ctr">
+              <a:buNone/>
+            </a:pPr>
+            <a:r>
+              <a:rPr lang="es-ES" sz="2800" dirty="0"/>
+              <a:t>¡83.5% </a:t>
+            </a:r>
+            <a:r>
+              <a:rPr lang="es-ES" sz="2800" i="1" dirty="0" err="1"/>
+              <a:t>accuracy</a:t>
+            </a:r>
+            <a:r>
+              <a:rPr lang="es-ES" sz="2800" i="1" dirty="0"/>
+              <a:t>!</a:t>
+            </a:r>
+          </a:p>
+          <a:p>
+            <a:pPr marL="0" indent="0" algn="ctr">
+              <a:buNone/>
+            </a:pPr>
+            <a:endParaRPr lang="es-ES" sz="2800" i="1" dirty="0"/>
+          </a:p>
+          <a:p>
+            <a:pPr marL="0" indent="0">
+              <a:buNone/>
+            </a:pPr>
+            <a:endParaRPr lang="es-ES" sz="2800" i="1" dirty="0"/>
+          </a:p>
+        </p:txBody>
+      </p:sp>
+    </p:spTree>
+    <p:extLst>
+      <p:ext uri="{BB962C8B-B14F-4D97-AF65-F5344CB8AC3E}">
+        <p14:creationId xmlns:p14="http://schemas.microsoft.com/office/powerpoint/2010/main" val="166385472"/>
+      </p:ext>
+    </p:extLst>
+  </p:cSld>
+  <p:clrMapOvr>
+    <a:masterClrMapping/>
+  </p:clrMapOvr>
+</p:sld>
+</file>
+
+<file path=ppt/slides/slide36.xml><?xml version="1.0" encoding="utf-8"?>
+<p:sld xmlns:a="http://schemas.openxmlformats.org/drawingml/2006/main" xmlns:r="http://schemas.openxmlformats.org/officeDocument/2006/relationships" xmlns:p="http://schemas.openxmlformats.org/presentationml/2006/main">
+  <p:cSld>
+    <p:spTree>
+      <p:nvGrpSpPr>
+        <p:cNvPr id="1" name=""/>
+        <p:cNvGrpSpPr/>
+        <p:nvPr/>
+      </p:nvGrpSpPr>
+      <p:grpSpPr>
+        <a:xfrm>
+          <a:off x="0" y="0"/>
+          <a:ext cx="0" cy="0"/>
+          <a:chOff x="0" y="0"/>
+          <a:chExt cx="0" cy="0"/>
+        </a:xfrm>
+      </p:grpSpPr>
+      <p:sp>
+        <p:nvSpPr>
+          <p:cNvPr id="2" name="Título 1">
+            <a:extLst>
+              <a:ext uri="{FF2B5EF4-FFF2-40B4-BE49-F238E27FC236}">
+                <a16:creationId xmlns:a16="http://schemas.microsoft.com/office/drawing/2014/main" id="{278991C6-B626-48DD-9042-FB1F7ECED3CF}"/>
+              </a:ext>
+            </a:extLst>
+          </p:cNvPr>
+          <p:cNvSpPr>
+            <a:spLocks noGrp="1"/>
+          </p:cNvSpPr>
+          <p:nvPr>
+            <p:ph type="title"/>
+          </p:nvPr>
+        </p:nvSpPr>
+        <p:spPr/>
+        <p:txBody>
+          <a:bodyPr/>
+          <a:lstStyle/>
+          <a:p>
+            <a:r>
+              <a:rPr lang="es-ES" dirty="0"/>
+              <a:t>2.4. Cuarta iteración: conclusiones</a:t>
+            </a:r>
+          </a:p>
+        </p:txBody>
+      </p:sp>
+      <p:sp>
+        <p:nvSpPr>
+          <p:cNvPr id="3" name="Marcador de contenido 2">
+            <a:extLst>
+              <a:ext uri="{FF2B5EF4-FFF2-40B4-BE49-F238E27FC236}">
+                <a16:creationId xmlns:a16="http://schemas.microsoft.com/office/drawing/2014/main" id="{F11EB9E3-5565-4D5C-B2A4-2E390E46425F}"/>
+              </a:ext>
+            </a:extLst>
+          </p:cNvPr>
+          <p:cNvSpPr>
+            <a:spLocks noGrp="1"/>
+          </p:cNvSpPr>
+          <p:nvPr>
+            <p:ph idx="1"/>
+          </p:nvPr>
+        </p:nvSpPr>
+        <p:spPr>
+          <a:xfrm>
+            <a:off x="677334" y="1930400"/>
+            <a:ext cx="8596668" cy="3880773"/>
+          </a:xfrm>
+        </p:spPr>
+        <p:txBody>
+          <a:bodyPr/>
+          <a:lstStyle/>
+          <a:p>
+            <a:r>
+              <a:rPr lang="es-ES" dirty="0"/>
+              <a:t>Es la iteración que mejores resultados ha conseguido:</a:t>
+            </a:r>
+          </a:p>
+          <a:p>
+            <a:endParaRPr lang="es-ES" dirty="0"/>
+          </a:p>
+          <a:p>
+            <a:endParaRPr lang="es-ES" dirty="0"/>
+          </a:p>
+          <a:p>
+            <a:pPr marL="0" indent="0" algn="ctr">
+              <a:buNone/>
+            </a:pPr>
+            <a:r>
+              <a:rPr lang="es-ES" sz="2800" dirty="0"/>
+              <a:t>¡83.5% </a:t>
+            </a:r>
+            <a:r>
+              <a:rPr lang="es-ES" sz="2800" i="1" dirty="0" err="1"/>
+              <a:t>accuracy</a:t>
+            </a:r>
+            <a:r>
+              <a:rPr lang="es-ES" sz="2800" dirty="0"/>
+              <a:t>!...</a:t>
+            </a:r>
+          </a:p>
+          <a:p>
+            <a:pPr marL="0" indent="0" algn="ctr">
+              <a:buNone/>
+            </a:pPr>
+            <a:endParaRPr lang="es-ES" sz="2800" i="1" dirty="0"/>
+          </a:p>
+          <a:p>
+            <a:r>
+              <a:rPr lang="es-ES" dirty="0"/>
+              <a:t>No clasifica bien ningún dato de la clase 1 “Otras enfermedades mentales”</a:t>
+            </a:r>
+          </a:p>
+          <a:p>
+            <a:pPr marL="0" indent="0">
+              <a:buNone/>
+            </a:pPr>
+            <a:endParaRPr lang="es-ES" sz="2800" i="1" dirty="0"/>
+          </a:p>
+        </p:txBody>
+      </p:sp>
+    </p:spTree>
+    <p:extLst>
+      <p:ext uri="{BB962C8B-B14F-4D97-AF65-F5344CB8AC3E}">
+        <p14:creationId xmlns:p14="http://schemas.microsoft.com/office/powerpoint/2010/main" val="1710814961"/>
+      </p:ext>
+    </p:extLst>
+  </p:cSld>
+  <p:clrMapOvr>
+    <a:masterClrMapping/>
+  </p:clrMapOvr>
+</p:sld>
+</file>
+
+<file path=ppt/slides/slide37.xml><?xml version="1.0" encoding="utf-8"?>
+<p:sld xmlns:a="http://schemas.openxmlformats.org/drawingml/2006/main" xmlns:r="http://schemas.openxmlformats.org/officeDocument/2006/relationships" xmlns:p="http://schemas.openxmlformats.org/presentationml/2006/main">
+  <p:cSld>
+    <p:spTree>
+      <p:nvGrpSpPr>
+        <p:cNvPr id="1" name=""/>
+        <p:cNvGrpSpPr/>
+        <p:nvPr/>
+      </p:nvGrpSpPr>
+      <p:grpSpPr>
+        <a:xfrm>
+          <a:off x="0" y="0"/>
+          <a:ext cx="0" cy="0"/>
+          <a:chOff x="0" y="0"/>
+          <a:chExt cx="0" cy="0"/>
+        </a:xfrm>
+      </p:grpSpPr>
+      <p:sp>
+        <p:nvSpPr>
+          <p:cNvPr id="2" name="Título 1">
+            <a:extLst>
+              <a:ext uri="{FF2B5EF4-FFF2-40B4-BE49-F238E27FC236}">
+                <a16:creationId xmlns:a16="http://schemas.microsoft.com/office/drawing/2014/main" id="{8E9E77AC-1263-47E0-B404-50B7E866533C}"/>
+              </a:ext>
+            </a:extLst>
+          </p:cNvPr>
+          <p:cNvSpPr>
+            <a:spLocks noGrp="1"/>
+          </p:cNvSpPr>
+          <p:nvPr>
+            <p:ph type="title"/>
+          </p:nvPr>
+        </p:nvSpPr>
+        <p:spPr/>
+        <p:txBody>
+          <a:bodyPr/>
+          <a:lstStyle/>
+          <a:p>
+            <a:r>
+              <a:rPr lang="es-ES" dirty="0"/>
+              <a:t>3. Conclusiones generales</a:t>
+            </a:r>
+          </a:p>
+        </p:txBody>
+      </p:sp>
+      <p:sp>
+        <p:nvSpPr>
+          <p:cNvPr id="3" name="Marcador de contenido 2">
+            <a:extLst>
+              <a:ext uri="{FF2B5EF4-FFF2-40B4-BE49-F238E27FC236}">
+                <a16:creationId xmlns:a16="http://schemas.microsoft.com/office/drawing/2014/main" id="{0B51FE8A-E64A-4D8F-BB06-5696712B92FE}"/>
+              </a:ext>
+            </a:extLst>
+          </p:cNvPr>
+          <p:cNvSpPr>
+            <a:spLocks noGrp="1"/>
+          </p:cNvSpPr>
+          <p:nvPr>
+            <p:ph idx="1"/>
+          </p:nvPr>
+        </p:nvSpPr>
+        <p:spPr>
+          <a:xfrm>
+            <a:off x="677334" y="1930400"/>
+            <a:ext cx="8596668" cy="3880773"/>
+          </a:xfrm>
+        </p:spPr>
+        <p:txBody>
+          <a:bodyPr/>
+          <a:lstStyle/>
+          <a:p>
+            <a:r>
+              <a:rPr lang="es-ES" dirty="0"/>
+              <a:t>Curiosidad por saber el estado mental de una persona según su ambiente de trabajo</a:t>
+            </a:r>
+          </a:p>
+          <a:p>
+            <a:pPr lvl="1"/>
+            <a:r>
+              <a:rPr lang="es-ES" i="1" dirty="0"/>
+              <a:t>“</a:t>
+            </a:r>
+            <a:r>
+              <a:rPr lang="en-US" i="1" dirty="0"/>
+              <a:t>Do you think that discussing a mental health disorder with your employer would have negative consequences?”</a:t>
+            </a:r>
+            <a:endParaRPr lang="es-ES" i="1" dirty="0"/>
+          </a:p>
+          <a:p>
+            <a:pPr lvl="1"/>
+            <a:r>
+              <a:rPr lang="es-ES" i="1" dirty="0"/>
+              <a:t>“</a:t>
+            </a:r>
+            <a:r>
+              <a:rPr lang="en-US" i="1" dirty="0"/>
+              <a:t>Has your employer ever formally discussed mental health (for example, as part of a wellness campaign or other official communication)?”</a:t>
+            </a:r>
+            <a:endParaRPr lang="es-ES" i="1" dirty="0"/>
+          </a:p>
+          <a:p>
+            <a:pPr lvl="1"/>
+            <a:endParaRPr lang="es-ES" i="1" dirty="0"/>
+          </a:p>
+        </p:txBody>
+      </p:sp>
+    </p:spTree>
+    <p:extLst>
+      <p:ext uri="{BB962C8B-B14F-4D97-AF65-F5344CB8AC3E}">
+        <p14:creationId xmlns:p14="http://schemas.microsoft.com/office/powerpoint/2010/main" val="116903557"/>
+      </p:ext>
+    </p:extLst>
+  </p:cSld>
+  <p:clrMapOvr>
+    <a:masterClrMapping/>
+  </p:clrMapOvr>
+</p:sld>
+</file>
+
+<file path=ppt/slides/slide38.xml><?xml version="1.0" encoding="utf-8"?>
+<p:sld xmlns:a="http://schemas.openxmlformats.org/drawingml/2006/main" xmlns:r="http://schemas.openxmlformats.org/officeDocument/2006/relationships" xmlns:p="http://schemas.openxmlformats.org/presentationml/2006/main">
+  <p:cSld>
+    <p:spTree>
+      <p:nvGrpSpPr>
+        <p:cNvPr id="1" name=""/>
+        <p:cNvGrpSpPr/>
+        <p:nvPr/>
+      </p:nvGrpSpPr>
+      <p:grpSpPr>
+        <a:xfrm>
+          <a:off x="0" y="0"/>
+          <a:ext cx="0" cy="0"/>
+          <a:chOff x="0" y="0"/>
+          <a:chExt cx="0" cy="0"/>
+        </a:xfrm>
+      </p:grpSpPr>
+      <p:sp>
+        <p:nvSpPr>
+          <p:cNvPr id="2" name="Título 1">
+            <a:extLst>
+              <a:ext uri="{FF2B5EF4-FFF2-40B4-BE49-F238E27FC236}">
+                <a16:creationId xmlns:a16="http://schemas.microsoft.com/office/drawing/2014/main" id="{8E9E77AC-1263-47E0-B404-50B7E866533C}"/>
+              </a:ext>
+            </a:extLst>
+          </p:cNvPr>
+          <p:cNvSpPr>
+            <a:spLocks noGrp="1"/>
+          </p:cNvSpPr>
+          <p:nvPr>
+            <p:ph type="title"/>
+          </p:nvPr>
+        </p:nvSpPr>
+        <p:spPr/>
+        <p:txBody>
+          <a:bodyPr/>
+          <a:lstStyle/>
+          <a:p>
+            <a:r>
+              <a:rPr lang="es-ES" dirty="0"/>
+              <a:t>3. Conclusiones generales</a:t>
+            </a:r>
+          </a:p>
+        </p:txBody>
+      </p:sp>
+      <p:sp>
+        <p:nvSpPr>
+          <p:cNvPr id="3" name="Marcador de contenido 2">
+            <a:extLst>
+              <a:ext uri="{FF2B5EF4-FFF2-40B4-BE49-F238E27FC236}">
+                <a16:creationId xmlns:a16="http://schemas.microsoft.com/office/drawing/2014/main" id="{0B51FE8A-E64A-4D8F-BB06-5696712B92FE}"/>
+              </a:ext>
+            </a:extLst>
+          </p:cNvPr>
+          <p:cNvSpPr>
+            <a:spLocks noGrp="1"/>
+          </p:cNvSpPr>
+          <p:nvPr>
+            <p:ph idx="1"/>
+          </p:nvPr>
+        </p:nvSpPr>
+        <p:spPr>
+          <a:xfrm>
+            <a:off x="677334" y="1930400"/>
+            <a:ext cx="8596668" cy="3880773"/>
+          </a:xfrm>
+        </p:spPr>
+        <p:txBody>
+          <a:bodyPr/>
+          <a:lstStyle/>
+          <a:p>
+            <a:r>
+              <a:rPr lang="es-ES" dirty="0"/>
+              <a:t>Curiosidad por saber el estado mental de una persona según su ambiente de trabajo</a:t>
+            </a:r>
+            <a:endParaRPr lang="es-ES" i="1" dirty="0"/>
+          </a:p>
+          <a:p>
+            <a:pPr lvl="1"/>
+            <a:r>
+              <a:rPr lang="es-ES" i="1" dirty="0"/>
+              <a:t>“</a:t>
+            </a:r>
+            <a:r>
+              <a:rPr lang="en-US" i="1" dirty="0"/>
+              <a:t>Do you think that discussing a mental health disorder with your employer would have negative consequences?”</a:t>
+            </a:r>
+            <a:endParaRPr lang="es-ES" i="1" dirty="0"/>
+          </a:p>
+          <a:p>
+            <a:pPr lvl="1"/>
+            <a:r>
+              <a:rPr lang="es-ES" i="1" dirty="0"/>
+              <a:t>“</a:t>
+            </a:r>
+            <a:r>
+              <a:rPr lang="en-US" i="1" dirty="0"/>
+              <a:t>Has your employer ever formally discussed mental health (for example, as part of a wellness campaign or other official communication)?”</a:t>
+            </a:r>
+            <a:endParaRPr lang="es-ES" i="1" dirty="0"/>
+          </a:p>
+          <a:p>
+            <a:pPr lvl="1"/>
+            <a:endParaRPr lang="es-ES" i="1" dirty="0"/>
+          </a:p>
+          <a:p>
+            <a:r>
+              <a:rPr lang="es-ES" dirty="0"/>
+              <a:t>Preguntas más importantes que esas</a:t>
+            </a:r>
+          </a:p>
+          <a:p>
+            <a:pPr lvl="1"/>
+            <a:r>
+              <a:rPr lang="es-ES" dirty="0"/>
+              <a:t>“</a:t>
+            </a:r>
+            <a:r>
+              <a:rPr lang="en-US" i="1" dirty="0"/>
+              <a:t>If you have a mental health issue do you feel that it interferes with your work when NOT being treated effectively?”</a:t>
+            </a:r>
+            <a:endParaRPr lang="es-ES" dirty="0"/>
+          </a:p>
+          <a:p>
+            <a:pPr marL="457200" lvl="1" indent="0">
+              <a:buNone/>
+            </a:pPr>
+            <a:endParaRPr lang="es-ES" dirty="0"/>
+          </a:p>
+          <a:p>
+            <a:pPr lvl="1"/>
+            <a:endParaRPr lang="es-ES" i="1" dirty="0"/>
+          </a:p>
+          <a:p>
+            <a:pPr lvl="1"/>
+            <a:endParaRPr lang="es-ES" i="1" dirty="0"/>
+          </a:p>
+        </p:txBody>
+      </p:sp>
+    </p:spTree>
+    <p:extLst>
+      <p:ext uri="{BB962C8B-B14F-4D97-AF65-F5344CB8AC3E}">
+        <p14:creationId xmlns:p14="http://schemas.microsoft.com/office/powerpoint/2010/main" val="2710937869"/>
+      </p:ext>
+    </p:extLst>
+  </p:cSld>
+  <p:clrMapOvr>
+    <a:masterClrMapping/>
+  </p:clrMapOvr>
+</p:sld>
+</file>
+
+<file path=ppt/slides/slide39.xml><?xml version="1.0" encoding="utf-8"?>
+<p:sld xmlns:a="http://schemas.openxmlformats.org/drawingml/2006/main" xmlns:r="http://schemas.openxmlformats.org/officeDocument/2006/relationships" xmlns:p="http://schemas.openxmlformats.org/presentationml/2006/main">
+  <p:cSld>
+    <p:spTree>
+      <p:nvGrpSpPr>
+        <p:cNvPr id="1" name=""/>
+        <p:cNvGrpSpPr/>
+        <p:nvPr/>
+      </p:nvGrpSpPr>
+      <p:grpSpPr>
+        <a:xfrm>
+          <a:off x="0" y="0"/>
+          <a:ext cx="0" cy="0"/>
+          <a:chOff x="0" y="0"/>
+          <a:chExt cx="0" cy="0"/>
+        </a:xfrm>
+      </p:grpSpPr>
+      <p:sp>
+        <p:nvSpPr>
+          <p:cNvPr id="2" name="Título 1">
+            <a:extLst>
+              <a:ext uri="{FF2B5EF4-FFF2-40B4-BE49-F238E27FC236}">
+                <a16:creationId xmlns:a16="http://schemas.microsoft.com/office/drawing/2014/main" id="{8E9E77AC-1263-47E0-B404-50B7E866533C}"/>
+              </a:ext>
+            </a:extLst>
+          </p:cNvPr>
+          <p:cNvSpPr>
+            <a:spLocks noGrp="1"/>
+          </p:cNvSpPr>
+          <p:nvPr>
+            <p:ph type="title"/>
+          </p:nvPr>
+        </p:nvSpPr>
+        <p:spPr/>
+        <p:txBody>
+          <a:bodyPr/>
+          <a:lstStyle/>
+          <a:p>
+            <a:r>
+              <a:rPr lang="es-ES" dirty="0"/>
+              <a:t>3. Conclusiones generales</a:t>
+            </a:r>
+          </a:p>
+        </p:txBody>
+      </p:sp>
+      <p:sp>
+        <p:nvSpPr>
+          <p:cNvPr id="3" name="Marcador de contenido 2">
+            <a:extLst>
+              <a:ext uri="{FF2B5EF4-FFF2-40B4-BE49-F238E27FC236}">
+                <a16:creationId xmlns:a16="http://schemas.microsoft.com/office/drawing/2014/main" id="{0B51FE8A-E64A-4D8F-BB06-5696712B92FE}"/>
+              </a:ext>
+            </a:extLst>
+          </p:cNvPr>
+          <p:cNvSpPr>
+            <a:spLocks noGrp="1"/>
+          </p:cNvSpPr>
+          <p:nvPr>
+            <p:ph idx="1"/>
+          </p:nvPr>
+        </p:nvSpPr>
+        <p:spPr>
+          <a:xfrm>
+            <a:off x="677334" y="1930400"/>
+            <a:ext cx="8596668" cy="4620712"/>
+          </a:xfrm>
+        </p:spPr>
+        <p:txBody>
+          <a:bodyPr>
+            <a:normAutofit/>
+          </a:bodyPr>
+          <a:lstStyle/>
+          <a:p>
+            <a:r>
+              <a:rPr lang="es-ES" dirty="0"/>
+              <a:t>Curiosidad por saber el estado mental de una persona según su ambiente de trabajo</a:t>
+            </a:r>
+            <a:endParaRPr lang="es-ES" i="1" dirty="0"/>
+          </a:p>
+          <a:p>
+            <a:pPr lvl="1"/>
+            <a:r>
+              <a:rPr lang="es-ES" i="1" dirty="0"/>
+              <a:t>“</a:t>
+            </a:r>
+            <a:r>
+              <a:rPr lang="en-US" i="1" dirty="0"/>
+              <a:t>Do you think that discussing a mental health disorder with your employer would have negative consequences?”</a:t>
+            </a:r>
+            <a:endParaRPr lang="es-ES" i="1" dirty="0"/>
+          </a:p>
+          <a:p>
+            <a:pPr lvl="1"/>
+            <a:r>
+              <a:rPr lang="es-ES" i="1" dirty="0"/>
+              <a:t>“</a:t>
+            </a:r>
+            <a:r>
+              <a:rPr lang="en-US" i="1" dirty="0"/>
+              <a:t>Has your employer ever formally discussed mental health (for example, as part of a wellness campaign or other official communication)?”</a:t>
+            </a:r>
+            <a:endParaRPr lang="es-ES" i="1" dirty="0"/>
+          </a:p>
+          <a:p>
+            <a:pPr lvl="1"/>
+            <a:endParaRPr lang="es-ES" i="1" dirty="0"/>
+          </a:p>
+          <a:p>
+            <a:r>
+              <a:rPr lang="es-ES" dirty="0"/>
+              <a:t>Preguntas más importantes que esas</a:t>
+            </a:r>
+          </a:p>
+          <a:p>
+            <a:pPr lvl="1"/>
+            <a:r>
+              <a:rPr lang="en-US" i="1" dirty="0"/>
+              <a:t>“If you have a mental health issue do you feel that it interferes with your work when NOT being treated effectively?”</a:t>
+            </a:r>
+            <a:endParaRPr lang="es-ES" dirty="0"/>
+          </a:p>
+          <a:p>
+            <a:pPr lvl="1"/>
+            <a:endParaRPr lang="es-ES" i="1" dirty="0"/>
+          </a:p>
+          <a:p>
+            <a:pPr marL="457200" lvl="1" indent="0" algn="ctr">
+              <a:buNone/>
+            </a:pPr>
+            <a:r>
+              <a:rPr lang="es-ES" sz="2800" i="1" dirty="0"/>
+              <a:t>Experiencia</a:t>
+            </a:r>
+            <a:endParaRPr lang="es-ES" sz="2800" dirty="0"/>
+          </a:p>
+          <a:p>
+            <a:pPr marL="457200" lvl="1" indent="0">
+              <a:buNone/>
+            </a:pPr>
+            <a:endParaRPr lang="es-ES" i="1" dirty="0"/>
+          </a:p>
+          <a:p>
+            <a:pPr lvl="1"/>
+            <a:endParaRPr lang="es-ES" i="1" dirty="0"/>
+          </a:p>
+        </p:txBody>
+      </p:sp>
+    </p:spTree>
+    <p:extLst>
+      <p:ext uri="{BB962C8B-B14F-4D97-AF65-F5344CB8AC3E}">
+        <p14:creationId xmlns:p14="http://schemas.microsoft.com/office/powerpoint/2010/main" val="1525357811"/>
+      </p:ext>
+    </p:extLst>
+  </p:cSld>
+  <p:clrMapOvr>
+    <a:masterClrMapping/>
+  </p:clrMapOvr>
+</p:sld>
+</file>
+
 <file path=ppt/slides/slide4.xml><?xml version="1.0" encoding="utf-8"?>
 <p:sld xmlns:a="http://schemas.openxmlformats.org/drawingml/2006/main" xmlns:r="http://schemas.openxmlformats.org/officeDocument/2006/relationships" xmlns:p="http://schemas.openxmlformats.org/presentationml/2006/main">
   <p:cSld>
@@ -8572,7 +11303,7 @@
           <a:p>
             <a:r>
               <a:rPr lang="es-ES" dirty="0"/>
-              <a:t>1. Introducción: proceso KDD</a:t>
+              <a:t>2. Proceso KDD</a:t>
             </a:r>
           </a:p>
         </p:txBody>
@@ -8693,6 +11424,905 @@
 </p:sld>
 </file>
 
+<file path=ppt/slides/slide40.xml><?xml version="1.0" encoding="utf-8"?>
+<p:sld xmlns:a="http://schemas.openxmlformats.org/drawingml/2006/main" xmlns:r="http://schemas.openxmlformats.org/officeDocument/2006/relationships" xmlns:p="http://schemas.openxmlformats.org/presentationml/2006/main">
+  <p:cSld>
+    <p:spTree>
+      <p:nvGrpSpPr>
+        <p:cNvPr id="1" name=""/>
+        <p:cNvGrpSpPr/>
+        <p:nvPr/>
+      </p:nvGrpSpPr>
+      <p:grpSpPr>
+        <a:xfrm>
+          <a:off x="0" y="0"/>
+          <a:ext cx="0" cy="0"/>
+          <a:chOff x="0" y="0"/>
+          <a:chExt cx="0" cy="0"/>
+        </a:xfrm>
+      </p:grpSpPr>
+      <p:sp>
+        <p:nvSpPr>
+          <p:cNvPr id="2" name="Título 1">
+            <a:extLst>
+              <a:ext uri="{FF2B5EF4-FFF2-40B4-BE49-F238E27FC236}">
+                <a16:creationId xmlns:a16="http://schemas.microsoft.com/office/drawing/2014/main" id="{8E9E77AC-1263-47E0-B404-50B7E866533C}"/>
+              </a:ext>
+            </a:extLst>
+          </p:cNvPr>
+          <p:cNvSpPr>
+            <a:spLocks noGrp="1"/>
+          </p:cNvSpPr>
+          <p:nvPr>
+            <p:ph type="title"/>
+          </p:nvPr>
+        </p:nvSpPr>
+        <p:spPr/>
+        <p:txBody>
+          <a:bodyPr/>
+          <a:lstStyle/>
+          <a:p>
+            <a:r>
+              <a:rPr lang="es-ES" dirty="0"/>
+              <a:t>3. Conclusiones generales</a:t>
+            </a:r>
+          </a:p>
+        </p:txBody>
+      </p:sp>
+      <p:sp>
+        <p:nvSpPr>
+          <p:cNvPr id="3" name="Marcador de contenido 2">
+            <a:extLst>
+              <a:ext uri="{FF2B5EF4-FFF2-40B4-BE49-F238E27FC236}">
+                <a16:creationId xmlns:a16="http://schemas.microsoft.com/office/drawing/2014/main" id="{0B51FE8A-E64A-4D8F-BB06-5696712B92FE}"/>
+              </a:ext>
+            </a:extLst>
+          </p:cNvPr>
+          <p:cNvSpPr>
+            <a:spLocks noGrp="1"/>
+          </p:cNvSpPr>
+          <p:nvPr>
+            <p:ph idx="1"/>
+          </p:nvPr>
+        </p:nvSpPr>
+        <p:spPr>
+          <a:xfrm>
+            <a:off x="677334" y="1930400"/>
+            <a:ext cx="8596668" cy="3880773"/>
+          </a:xfrm>
+        </p:spPr>
+        <p:txBody>
+          <a:bodyPr/>
+          <a:lstStyle/>
+          <a:p>
+            <a:r>
+              <a:rPr lang="es-ES" dirty="0"/>
+              <a:t>Dos acercamientos al problema</a:t>
+            </a:r>
+          </a:p>
+          <a:p>
+            <a:pPr lvl="1"/>
+            <a:r>
+              <a:rPr lang="en-US" dirty="0" err="1"/>
+              <a:t>Clasificar</a:t>
+            </a:r>
+            <a:r>
+              <a:rPr lang="en-US" dirty="0"/>
+              <a:t> por “</a:t>
+            </a:r>
+            <a:r>
+              <a:rPr lang="en-US" i="1" dirty="0"/>
+              <a:t>Do you currently have a mental disorder?”</a:t>
+            </a:r>
+            <a:endParaRPr lang="es-ES" dirty="0"/>
+          </a:p>
+          <a:p>
+            <a:pPr lvl="1"/>
+            <a:r>
+              <a:rPr lang="en-US" dirty="0" err="1"/>
+              <a:t>Clasificar</a:t>
+            </a:r>
+            <a:r>
+              <a:rPr lang="en-US" dirty="0"/>
+              <a:t> </a:t>
+            </a:r>
+            <a:r>
+              <a:rPr lang="en-US" dirty="0" err="1"/>
+              <a:t>juntando</a:t>
+            </a:r>
+            <a:r>
+              <a:rPr lang="en-US" dirty="0"/>
+              <a:t> las dos </a:t>
+            </a:r>
+            <a:r>
+              <a:rPr lang="en-US" dirty="0" err="1"/>
+              <a:t>columnas</a:t>
+            </a:r>
+            <a:r>
+              <a:rPr lang="en-US" dirty="0"/>
+              <a:t> “</a:t>
+            </a:r>
+            <a:r>
+              <a:rPr lang="en-US" i="1" dirty="0"/>
+              <a:t>If yes, what condition(s) have you been diagnosed with?” </a:t>
+            </a:r>
+            <a:r>
+              <a:rPr lang="en-US" dirty="0"/>
+              <a:t>y </a:t>
+            </a:r>
+            <a:r>
+              <a:rPr lang="en-US" i="1" dirty="0"/>
+              <a:t>“If maybe, what condition(s) have you been diagnosed with?”</a:t>
+            </a:r>
+            <a:endParaRPr lang="es-ES" dirty="0"/>
+          </a:p>
+          <a:p>
+            <a:pPr lvl="1"/>
+            <a:endParaRPr lang="es-ES" dirty="0"/>
+          </a:p>
+          <a:p>
+            <a:pPr marL="457200" lvl="1" indent="0">
+              <a:buNone/>
+            </a:pPr>
+            <a:endParaRPr lang="es-ES" i="1" dirty="0"/>
+          </a:p>
+          <a:p>
+            <a:pPr lvl="1"/>
+            <a:endParaRPr lang="es-ES" i="1" dirty="0"/>
+          </a:p>
+        </p:txBody>
+      </p:sp>
+    </p:spTree>
+    <p:extLst>
+      <p:ext uri="{BB962C8B-B14F-4D97-AF65-F5344CB8AC3E}">
+        <p14:creationId xmlns:p14="http://schemas.microsoft.com/office/powerpoint/2010/main" val="1660074570"/>
+      </p:ext>
+    </p:extLst>
+  </p:cSld>
+  <p:clrMapOvr>
+    <a:masterClrMapping/>
+  </p:clrMapOvr>
+</p:sld>
+</file>
+
+<file path=ppt/slides/slide41.xml><?xml version="1.0" encoding="utf-8"?>
+<p:sld xmlns:a="http://schemas.openxmlformats.org/drawingml/2006/main" xmlns:r="http://schemas.openxmlformats.org/officeDocument/2006/relationships" xmlns:p="http://schemas.openxmlformats.org/presentationml/2006/main">
+  <p:cSld>
+    <p:spTree>
+      <p:nvGrpSpPr>
+        <p:cNvPr id="1" name=""/>
+        <p:cNvGrpSpPr/>
+        <p:nvPr/>
+      </p:nvGrpSpPr>
+      <p:grpSpPr>
+        <a:xfrm>
+          <a:off x="0" y="0"/>
+          <a:ext cx="0" cy="0"/>
+          <a:chOff x="0" y="0"/>
+          <a:chExt cx="0" cy="0"/>
+        </a:xfrm>
+      </p:grpSpPr>
+      <p:sp>
+        <p:nvSpPr>
+          <p:cNvPr id="2" name="Título 1">
+            <a:extLst>
+              <a:ext uri="{FF2B5EF4-FFF2-40B4-BE49-F238E27FC236}">
+                <a16:creationId xmlns:a16="http://schemas.microsoft.com/office/drawing/2014/main" id="{8E9E77AC-1263-47E0-B404-50B7E866533C}"/>
+              </a:ext>
+            </a:extLst>
+          </p:cNvPr>
+          <p:cNvSpPr>
+            <a:spLocks noGrp="1"/>
+          </p:cNvSpPr>
+          <p:nvPr>
+            <p:ph type="title"/>
+          </p:nvPr>
+        </p:nvSpPr>
+        <p:spPr/>
+        <p:txBody>
+          <a:bodyPr/>
+          <a:lstStyle/>
+          <a:p>
+            <a:r>
+              <a:rPr lang="es-ES" dirty="0"/>
+              <a:t>3. Conclusiones generales</a:t>
+            </a:r>
+          </a:p>
+        </p:txBody>
+      </p:sp>
+      <p:sp>
+        <p:nvSpPr>
+          <p:cNvPr id="3" name="Marcador de contenido 2">
+            <a:extLst>
+              <a:ext uri="{FF2B5EF4-FFF2-40B4-BE49-F238E27FC236}">
+                <a16:creationId xmlns:a16="http://schemas.microsoft.com/office/drawing/2014/main" id="{0B51FE8A-E64A-4D8F-BB06-5696712B92FE}"/>
+              </a:ext>
+            </a:extLst>
+          </p:cNvPr>
+          <p:cNvSpPr>
+            <a:spLocks noGrp="1"/>
+          </p:cNvSpPr>
+          <p:nvPr>
+            <p:ph idx="1"/>
+          </p:nvPr>
+        </p:nvSpPr>
+        <p:spPr>
+          <a:xfrm>
+            <a:off x="677334" y="1930400"/>
+            <a:ext cx="8596668" cy="3880773"/>
+          </a:xfrm>
+        </p:spPr>
+        <p:txBody>
+          <a:bodyPr/>
+          <a:lstStyle/>
+          <a:p>
+            <a:r>
+              <a:rPr lang="es-ES" dirty="0"/>
+              <a:t>Dos acercamientos al problema</a:t>
+            </a:r>
+          </a:p>
+          <a:p>
+            <a:pPr lvl="1"/>
+            <a:r>
+              <a:rPr lang="en-US" dirty="0" err="1"/>
+              <a:t>Clasificar</a:t>
+            </a:r>
+            <a:r>
+              <a:rPr lang="en-US" dirty="0"/>
+              <a:t> por “</a:t>
+            </a:r>
+            <a:r>
+              <a:rPr lang="en-US" i="1" dirty="0"/>
+              <a:t>Do you currently have a mental disorder?”</a:t>
+            </a:r>
+            <a:endParaRPr lang="es-ES" dirty="0"/>
+          </a:p>
+          <a:p>
+            <a:pPr lvl="1"/>
+            <a:r>
+              <a:rPr lang="en-US" dirty="0" err="1"/>
+              <a:t>Clasificar</a:t>
+            </a:r>
+            <a:r>
+              <a:rPr lang="en-US" dirty="0"/>
+              <a:t> </a:t>
+            </a:r>
+            <a:r>
+              <a:rPr lang="en-US" dirty="0" err="1"/>
+              <a:t>juntando</a:t>
+            </a:r>
+            <a:r>
+              <a:rPr lang="en-US" dirty="0"/>
+              <a:t> las dos </a:t>
+            </a:r>
+            <a:r>
+              <a:rPr lang="en-US" dirty="0" err="1"/>
+              <a:t>columnas</a:t>
+            </a:r>
+            <a:r>
+              <a:rPr lang="en-US" dirty="0"/>
+              <a:t> “</a:t>
+            </a:r>
+            <a:r>
+              <a:rPr lang="en-US" i="1" dirty="0"/>
+              <a:t>If yes, what condition(s) have you been diagnosed with?” </a:t>
+            </a:r>
+            <a:r>
+              <a:rPr lang="en-US" dirty="0"/>
+              <a:t>y </a:t>
+            </a:r>
+            <a:r>
+              <a:rPr lang="en-US" i="1" dirty="0"/>
+              <a:t>“If maybe, what condition(s) have you been diagnosed with?”</a:t>
+            </a:r>
+          </a:p>
+          <a:p>
+            <a:pPr lvl="1"/>
+            <a:endParaRPr lang="en-US" i="1" dirty="0"/>
+          </a:p>
+          <a:p>
+            <a:r>
+              <a:rPr lang="es-ES" dirty="0"/>
+              <a:t>El primero…</a:t>
+            </a:r>
+          </a:p>
+          <a:p>
+            <a:pPr lvl="1"/>
+            <a:r>
+              <a:rPr lang="es-ES" dirty="0"/>
+              <a:t>Fue la principal idea del proyecto</a:t>
+            </a:r>
+          </a:p>
+          <a:p>
+            <a:pPr lvl="1"/>
+            <a:r>
+              <a:rPr lang="es-ES" dirty="0"/>
+              <a:t>Dio una </a:t>
+            </a:r>
+            <a:r>
+              <a:rPr lang="es-ES" i="1" dirty="0" err="1"/>
+              <a:t>accuracy</a:t>
+            </a:r>
+            <a:r>
+              <a:rPr lang="es-ES" dirty="0"/>
+              <a:t> final de 77.4%</a:t>
+            </a:r>
+          </a:p>
+          <a:p>
+            <a:pPr lvl="1"/>
+            <a:endParaRPr lang="es-ES" dirty="0"/>
+          </a:p>
+          <a:p>
+            <a:pPr marL="457200" lvl="1" indent="0">
+              <a:buNone/>
+            </a:pPr>
+            <a:endParaRPr lang="es-ES" i="1" dirty="0"/>
+          </a:p>
+          <a:p>
+            <a:pPr lvl="1"/>
+            <a:endParaRPr lang="es-ES" i="1" dirty="0"/>
+          </a:p>
+        </p:txBody>
+      </p:sp>
+      <p:pic>
+        <p:nvPicPr>
+          <p:cNvPr id="4" name="Imagen 3">
+            <a:extLst>
+              <a:ext uri="{FF2B5EF4-FFF2-40B4-BE49-F238E27FC236}">
+                <a16:creationId xmlns:a16="http://schemas.microsoft.com/office/drawing/2014/main" id="{0C724683-5DE0-498A-9149-8E57A89ABF13}"/>
+              </a:ext>
+            </a:extLst>
+          </p:cNvPr>
+          <p:cNvPicPr/>
+          <p:nvPr/>
+        </p:nvPicPr>
+        <p:blipFill>
+          <a:blip r:embed="rId2"/>
+          <a:stretch>
+            <a:fillRect/>
+          </a:stretch>
+        </p:blipFill>
+        <p:spPr>
+          <a:xfrm>
+            <a:off x="4827870" y="4446739"/>
+            <a:ext cx="6686796" cy="1889781"/>
+          </a:xfrm>
+          <a:prstGeom prst="rect">
+            <a:avLst/>
+          </a:prstGeom>
+        </p:spPr>
+      </p:pic>
+    </p:spTree>
+    <p:extLst>
+      <p:ext uri="{BB962C8B-B14F-4D97-AF65-F5344CB8AC3E}">
+        <p14:creationId xmlns:p14="http://schemas.microsoft.com/office/powerpoint/2010/main" val="2627573844"/>
+      </p:ext>
+    </p:extLst>
+  </p:cSld>
+  <p:clrMapOvr>
+    <a:masterClrMapping/>
+  </p:clrMapOvr>
+</p:sld>
+</file>
+
+<file path=ppt/slides/slide42.xml><?xml version="1.0" encoding="utf-8"?>
+<p:sld xmlns:a="http://schemas.openxmlformats.org/drawingml/2006/main" xmlns:r="http://schemas.openxmlformats.org/officeDocument/2006/relationships" xmlns:p="http://schemas.openxmlformats.org/presentationml/2006/main">
+  <p:cSld>
+    <p:spTree>
+      <p:nvGrpSpPr>
+        <p:cNvPr id="1" name=""/>
+        <p:cNvGrpSpPr/>
+        <p:nvPr/>
+      </p:nvGrpSpPr>
+      <p:grpSpPr>
+        <a:xfrm>
+          <a:off x="0" y="0"/>
+          <a:ext cx="0" cy="0"/>
+          <a:chOff x="0" y="0"/>
+          <a:chExt cx="0" cy="0"/>
+        </a:xfrm>
+      </p:grpSpPr>
+      <p:sp>
+        <p:nvSpPr>
+          <p:cNvPr id="2" name="Título 1">
+            <a:extLst>
+              <a:ext uri="{FF2B5EF4-FFF2-40B4-BE49-F238E27FC236}">
+                <a16:creationId xmlns:a16="http://schemas.microsoft.com/office/drawing/2014/main" id="{8E9E77AC-1263-47E0-B404-50B7E866533C}"/>
+              </a:ext>
+            </a:extLst>
+          </p:cNvPr>
+          <p:cNvSpPr>
+            <a:spLocks noGrp="1"/>
+          </p:cNvSpPr>
+          <p:nvPr>
+            <p:ph type="title"/>
+          </p:nvPr>
+        </p:nvSpPr>
+        <p:spPr/>
+        <p:txBody>
+          <a:bodyPr/>
+          <a:lstStyle/>
+          <a:p>
+            <a:r>
+              <a:rPr lang="es-ES" dirty="0"/>
+              <a:t>3. Conclusiones generales</a:t>
+            </a:r>
+          </a:p>
+        </p:txBody>
+      </p:sp>
+      <p:sp>
+        <p:nvSpPr>
+          <p:cNvPr id="3" name="Marcador de contenido 2">
+            <a:extLst>
+              <a:ext uri="{FF2B5EF4-FFF2-40B4-BE49-F238E27FC236}">
+                <a16:creationId xmlns:a16="http://schemas.microsoft.com/office/drawing/2014/main" id="{0B51FE8A-E64A-4D8F-BB06-5696712B92FE}"/>
+              </a:ext>
+            </a:extLst>
+          </p:cNvPr>
+          <p:cNvSpPr>
+            <a:spLocks noGrp="1"/>
+          </p:cNvSpPr>
+          <p:nvPr>
+            <p:ph idx="1"/>
+          </p:nvPr>
+        </p:nvSpPr>
+        <p:spPr>
+          <a:xfrm>
+            <a:off x="677334" y="1930400"/>
+            <a:ext cx="8596668" cy="3880773"/>
+          </a:xfrm>
+        </p:spPr>
+        <p:txBody>
+          <a:bodyPr/>
+          <a:lstStyle/>
+          <a:p>
+            <a:r>
+              <a:rPr lang="es-ES" dirty="0"/>
+              <a:t>El segundo…</a:t>
+            </a:r>
+          </a:p>
+          <a:p>
+            <a:pPr lvl="1"/>
+            <a:r>
+              <a:rPr lang="es-ES" dirty="0"/>
+              <a:t>Resultado de querer mejorar los resultados del primero</a:t>
+            </a:r>
+          </a:p>
+          <a:p>
+            <a:pPr lvl="1"/>
+            <a:r>
+              <a:rPr lang="es-ES" dirty="0"/>
+              <a:t>Dio una </a:t>
+            </a:r>
+            <a:r>
+              <a:rPr lang="es-ES" i="1" dirty="0" err="1"/>
+              <a:t>accuracy</a:t>
+            </a:r>
+            <a:r>
+              <a:rPr lang="es-ES" dirty="0"/>
+              <a:t> final de 82.6%</a:t>
+            </a:r>
+          </a:p>
+          <a:p>
+            <a:pPr lvl="1"/>
+            <a:endParaRPr lang="es-ES" dirty="0"/>
+          </a:p>
+          <a:p>
+            <a:pPr marL="457200" lvl="1" indent="0">
+              <a:buNone/>
+            </a:pPr>
+            <a:endParaRPr lang="es-ES" i="1" dirty="0"/>
+          </a:p>
+          <a:p>
+            <a:pPr lvl="1"/>
+            <a:endParaRPr lang="es-ES" i="1" dirty="0"/>
+          </a:p>
+        </p:txBody>
+      </p:sp>
+      <p:pic>
+        <p:nvPicPr>
+          <p:cNvPr id="6" name="Imagen 5">
+            <a:extLst>
+              <a:ext uri="{FF2B5EF4-FFF2-40B4-BE49-F238E27FC236}">
+                <a16:creationId xmlns:a16="http://schemas.microsoft.com/office/drawing/2014/main" id="{51EFAD8F-D3C5-430F-9939-B75BEB094E4F}"/>
+              </a:ext>
+            </a:extLst>
+          </p:cNvPr>
+          <p:cNvPicPr>
+            <a:picLocks noChangeAspect="1"/>
+          </p:cNvPicPr>
+          <p:nvPr/>
+        </p:nvPicPr>
+        <p:blipFill>
+          <a:blip r:embed="rId2"/>
+          <a:stretch>
+            <a:fillRect/>
+          </a:stretch>
+        </p:blipFill>
+        <p:spPr>
+          <a:xfrm>
+            <a:off x="4886781" y="2791616"/>
+            <a:ext cx="6953874" cy="1865977"/>
+          </a:xfrm>
+          <a:prstGeom prst="rect">
+            <a:avLst/>
+          </a:prstGeom>
+        </p:spPr>
+      </p:pic>
+      <p:pic>
+        <p:nvPicPr>
+          <p:cNvPr id="7" name="Imagen 6">
+            <a:extLst>
+              <a:ext uri="{FF2B5EF4-FFF2-40B4-BE49-F238E27FC236}">
+                <a16:creationId xmlns:a16="http://schemas.microsoft.com/office/drawing/2014/main" id="{4E3E5C92-14C2-454D-9ECC-589C03777142}"/>
+              </a:ext>
+            </a:extLst>
+          </p:cNvPr>
+          <p:cNvPicPr/>
+          <p:nvPr/>
+        </p:nvPicPr>
+        <p:blipFill>
+          <a:blip r:embed="rId3" cstate="print">
+            <a:extLst>
+              <a:ext uri="{28A0092B-C50C-407E-A947-70E740481C1C}">
+                <a14:useLocalDpi xmlns:a14="http://schemas.microsoft.com/office/drawing/2010/main" val="0"/>
+              </a:ext>
+            </a:extLst>
+          </a:blip>
+          <a:srcRect/>
+          <a:stretch>
+            <a:fillRect/>
+          </a:stretch>
+        </p:blipFill>
+        <p:spPr bwMode="auto">
+          <a:xfrm>
+            <a:off x="1066962" y="3506166"/>
+            <a:ext cx="4019934" cy="2732709"/>
+          </a:xfrm>
+          <a:prstGeom prst="rect">
+            <a:avLst/>
+          </a:prstGeom>
+          <a:noFill/>
+          <a:ln>
+            <a:noFill/>
+          </a:ln>
+        </p:spPr>
+      </p:pic>
+      <p:pic>
+        <p:nvPicPr>
+          <p:cNvPr id="8" name="Imagen 7">
+            <a:extLst>
+              <a:ext uri="{FF2B5EF4-FFF2-40B4-BE49-F238E27FC236}">
+                <a16:creationId xmlns:a16="http://schemas.microsoft.com/office/drawing/2014/main" id="{7D71ED0B-4267-4600-BE9E-3379464E5A17}"/>
+              </a:ext>
+            </a:extLst>
+          </p:cNvPr>
+          <p:cNvPicPr/>
+          <p:nvPr/>
+        </p:nvPicPr>
+        <p:blipFill>
+          <a:blip r:embed="rId4" cstate="print">
+            <a:extLst>
+              <a:ext uri="{28A0092B-C50C-407E-A947-70E740481C1C}">
+                <a14:useLocalDpi xmlns:a14="http://schemas.microsoft.com/office/drawing/2010/main" val="0"/>
+              </a:ext>
+            </a:extLst>
+          </a:blip>
+          <a:srcRect/>
+          <a:stretch>
+            <a:fillRect/>
+          </a:stretch>
+        </p:blipFill>
+        <p:spPr bwMode="auto">
+          <a:xfrm>
+            <a:off x="5220072" y="3467582"/>
+            <a:ext cx="4098322" cy="2809875"/>
+          </a:xfrm>
+          <a:prstGeom prst="rect">
+            <a:avLst/>
+          </a:prstGeom>
+          <a:noFill/>
+          <a:ln>
+            <a:noFill/>
+          </a:ln>
+        </p:spPr>
+      </p:pic>
+    </p:spTree>
+    <p:extLst>
+      <p:ext uri="{BB962C8B-B14F-4D97-AF65-F5344CB8AC3E}">
+        <p14:creationId xmlns:p14="http://schemas.microsoft.com/office/powerpoint/2010/main" val="2782852812"/>
+      </p:ext>
+    </p:extLst>
+  </p:cSld>
+  <p:clrMapOvr>
+    <a:masterClrMapping/>
+  </p:clrMapOvr>
+</p:sld>
+</file>
+
+<file path=ppt/slides/slide43.xml><?xml version="1.0" encoding="utf-8"?>
+<p:sld xmlns:a="http://schemas.openxmlformats.org/drawingml/2006/main" xmlns:r="http://schemas.openxmlformats.org/officeDocument/2006/relationships" xmlns:p="http://schemas.openxmlformats.org/presentationml/2006/main">
+  <p:cSld>
+    <p:spTree>
+      <p:nvGrpSpPr>
+        <p:cNvPr id="1" name=""/>
+        <p:cNvGrpSpPr/>
+        <p:nvPr/>
+      </p:nvGrpSpPr>
+      <p:grpSpPr>
+        <a:xfrm>
+          <a:off x="0" y="0"/>
+          <a:ext cx="0" cy="0"/>
+          <a:chOff x="0" y="0"/>
+          <a:chExt cx="0" cy="0"/>
+        </a:xfrm>
+      </p:grpSpPr>
+      <p:sp>
+        <p:nvSpPr>
+          <p:cNvPr id="2" name="Título 1">
+            <a:extLst>
+              <a:ext uri="{FF2B5EF4-FFF2-40B4-BE49-F238E27FC236}">
+                <a16:creationId xmlns:a16="http://schemas.microsoft.com/office/drawing/2014/main" id="{8E9E77AC-1263-47E0-B404-50B7E866533C}"/>
+              </a:ext>
+            </a:extLst>
+          </p:cNvPr>
+          <p:cNvSpPr>
+            <a:spLocks noGrp="1"/>
+          </p:cNvSpPr>
+          <p:nvPr>
+            <p:ph type="title"/>
+          </p:nvPr>
+        </p:nvSpPr>
+        <p:spPr/>
+        <p:txBody>
+          <a:bodyPr/>
+          <a:lstStyle/>
+          <a:p>
+            <a:r>
+              <a:rPr lang="es-ES" dirty="0"/>
+              <a:t>3. Conclusiones generales</a:t>
+            </a:r>
+          </a:p>
+        </p:txBody>
+      </p:sp>
+      <p:sp>
+        <p:nvSpPr>
+          <p:cNvPr id="3" name="Marcador de contenido 2">
+            <a:extLst>
+              <a:ext uri="{FF2B5EF4-FFF2-40B4-BE49-F238E27FC236}">
+                <a16:creationId xmlns:a16="http://schemas.microsoft.com/office/drawing/2014/main" id="{0B51FE8A-E64A-4D8F-BB06-5696712B92FE}"/>
+              </a:ext>
+            </a:extLst>
+          </p:cNvPr>
+          <p:cNvSpPr>
+            <a:spLocks noGrp="1"/>
+          </p:cNvSpPr>
+          <p:nvPr>
+            <p:ph idx="1"/>
+          </p:nvPr>
+        </p:nvSpPr>
+        <p:spPr>
+          <a:xfrm>
+            <a:off x="677334" y="1930400"/>
+            <a:ext cx="8596668" cy="3880773"/>
+          </a:xfrm>
+        </p:spPr>
+        <p:txBody>
+          <a:bodyPr/>
+          <a:lstStyle/>
+          <a:p>
+            <a:r>
+              <a:rPr lang="es-ES" dirty="0"/>
+              <a:t>Me hubiera gustado tener una </a:t>
+            </a:r>
+            <a:r>
+              <a:rPr lang="es-ES" dirty="0" err="1"/>
+              <a:t>accuracy</a:t>
+            </a:r>
+            <a:r>
+              <a:rPr lang="es-ES" dirty="0"/>
+              <a:t> &gt; 90%</a:t>
+            </a:r>
+          </a:p>
+          <a:p>
+            <a:pPr lvl="1"/>
+            <a:r>
+              <a:rPr lang="es-ES" dirty="0"/>
+              <a:t>Es una encuesta…</a:t>
+            </a:r>
+          </a:p>
+          <a:p>
+            <a:pPr lvl="1"/>
+            <a:r>
+              <a:rPr lang="es-ES" dirty="0"/>
+              <a:t>… Faltan bastantes datos</a:t>
+            </a:r>
+          </a:p>
+          <a:p>
+            <a:pPr lvl="1"/>
+            <a:endParaRPr lang="es-ES" dirty="0"/>
+          </a:p>
+          <a:p>
+            <a:pPr marL="457200" lvl="1" indent="0">
+              <a:buNone/>
+            </a:pPr>
+            <a:endParaRPr lang="es-ES" i="1" dirty="0"/>
+          </a:p>
+          <a:p>
+            <a:pPr lvl="1"/>
+            <a:endParaRPr lang="es-ES" i="1" dirty="0"/>
+          </a:p>
+        </p:txBody>
+      </p:sp>
+    </p:spTree>
+    <p:extLst>
+      <p:ext uri="{BB962C8B-B14F-4D97-AF65-F5344CB8AC3E}">
+        <p14:creationId xmlns:p14="http://schemas.microsoft.com/office/powerpoint/2010/main" val="288374479"/>
+      </p:ext>
+    </p:extLst>
+  </p:cSld>
+  <p:clrMapOvr>
+    <a:masterClrMapping/>
+  </p:clrMapOvr>
+</p:sld>
+</file>
+
+<file path=ppt/slides/slide44.xml><?xml version="1.0" encoding="utf-8"?>
+<p:sld xmlns:a="http://schemas.openxmlformats.org/drawingml/2006/main" xmlns:r="http://schemas.openxmlformats.org/officeDocument/2006/relationships" xmlns:p="http://schemas.openxmlformats.org/presentationml/2006/main">
+  <p:cSld>
+    <p:spTree>
+      <p:nvGrpSpPr>
+        <p:cNvPr id="1" name=""/>
+        <p:cNvGrpSpPr/>
+        <p:nvPr/>
+      </p:nvGrpSpPr>
+      <p:grpSpPr>
+        <a:xfrm>
+          <a:off x="0" y="0"/>
+          <a:ext cx="0" cy="0"/>
+          <a:chOff x="0" y="0"/>
+          <a:chExt cx="0" cy="0"/>
+        </a:xfrm>
+      </p:grpSpPr>
+      <p:sp>
+        <p:nvSpPr>
+          <p:cNvPr id="2" name="Título 1">
+            <a:extLst>
+              <a:ext uri="{FF2B5EF4-FFF2-40B4-BE49-F238E27FC236}">
+                <a16:creationId xmlns:a16="http://schemas.microsoft.com/office/drawing/2014/main" id="{18F746AF-7F83-4AC2-BDC1-76EC23E2C28D}"/>
+              </a:ext>
+            </a:extLst>
+          </p:cNvPr>
+          <p:cNvSpPr>
+            <a:spLocks noGrp="1"/>
+          </p:cNvSpPr>
+          <p:nvPr>
+            <p:ph type="title"/>
+          </p:nvPr>
+        </p:nvSpPr>
+        <p:spPr/>
+        <p:txBody>
+          <a:bodyPr/>
+          <a:lstStyle/>
+          <a:p>
+            <a:r>
+              <a:rPr lang="es-ES" dirty="0"/>
+              <a:t>4. Propuestas para trabajo futuro</a:t>
+            </a:r>
+          </a:p>
+        </p:txBody>
+      </p:sp>
+      <p:sp>
+        <p:nvSpPr>
+          <p:cNvPr id="3" name="Marcador de contenido 2">
+            <a:extLst>
+              <a:ext uri="{FF2B5EF4-FFF2-40B4-BE49-F238E27FC236}">
+                <a16:creationId xmlns:a16="http://schemas.microsoft.com/office/drawing/2014/main" id="{B282B6D4-73A6-4FDD-A090-CA4BF8C76813}"/>
+              </a:ext>
+            </a:extLst>
+          </p:cNvPr>
+          <p:cNvSpPr>
+            <a:spLocks noGrp="1"/>
+          </p:cNvSpPr>
+          <p:nvPr>
+            <p:ph idx="1"/>
+          </p:nvPr>
+        </p:nvSpPr>
+        <p:spPr>
+          <a:xfrm>
+            <a:off x="677334" y="1930400"/>
+            <a:ext cx="8596668" cy="4318000"/>
+          </a:xfrm>
+        </p:spPr>
+        <p:txBody>
+          <a:bodyPr>
+            <a:normAutofit/>
+          </a:bodyPr>
+          <a:lstStyle/>
+          <a:p>
+            <a:r>
+              <a:rPr lang="es-ES" dirty="0"/>
+              <a:t>Aumentar el tamaño de la base de datos</a:t>
+            </a:r>
+          </a:p>
+          <a:p>
+            <a:pPr lvl="1"/>
+            <a:r>
+              <a:rPr lang="es-ES" dirty="0"/>
+              <a:t>Clases desbalanceadas</a:t>
+            </a:r>
+          </a:p>
+          <a:p>
+            <a:pPr marL="457200" lvl="1" indent="0">
+              <a:buNone/>
+            </a:pPr>
+            <a:endParaRPr lang="es-ES" dirty="0"/>
+          </a:p>
+          <a:p>
+            <a:pPr indent="-285750"/>
+            <a:r>
+              <a:rPr lang="es-ES" dirty="0"/>
+              <a:t>Hacer más iteraciones</a:t>
+            </a:r>
+          </a:p>
+          <a:p>
+            <a:pPr lvl="1"/>
+            <a:r>
+              <a:rPr lang="es-ES" dirty="0"/>
+              <a:t>Cambiando las </a:t>
+            </a:r>
+            <a:r>
+              <a:rPr lang="es-ES" dirty="0" err="1"/>
+              <a:t>label</a:t>
+            </a:r>
+            <a:endParaRPr lang="es-ES" dirty="0"/>
+          </a:p>
+          <a:p>
+            <a:pPr lvl="1"/>
+            <a:r>
+              <a:rPr lang="es-ES" dirty="0"/>
+              <a:t>Haciendo nuevos grupos con la última propuesta, que es la que mejor resultados ha dado</a:t>
+            </a:r>
+            <a:br>
+              <a:rPr lang="es-ES" dirty="0"/>
+            </a:br>
+            <a:endParaRPr lang="es-ES" dirty="0"/>
+          </a:p>
+          <a:p>
+            <a:r>
+              <a:rPr lang="es-ES" dirty="0"/>
+              <a:t>Clasificar mejor algunas columnas</a:t>
+            </a:r>
+          </a:p>
+          <a:p>
+            <a:pPr lvl="1"/>
+            <a:r>
+              <a:rPr lang="es-ES" dirty="0"/>
+              <a:t>Problema de las respuestas múltiples</a:t>
+            </a:r>
+          </a:p>
+          <a:p>
+            <a:pPr lvl="1"/>
+            <a:r>
+              <a:rPr lang="es-ES" dirty="0"/>
+              <a:t>Algunas columnas se han quedado fuera por este problema</a:t>
+            </a:r>
+          </a:p>
+        </p:txBody>
+      </p:sp>
+    </p:spTree>
+    <p:extLst>
+      <p:ext uri="{BB962C8B-B14F-4D97-AF65-F5344CB8AC3E}">
+        <p14:creationId xmlns:p14="http://schemas.microsoft.com/office/powerpoint/2010/main" val="2547785993"/>
+      </p:ext>
+    </p:extLst>
+  </p:cSld>
+  <p:clrMapOvr>
+    <a:masterClrMapping/>
+  </p:clrMapOvr>
+</p:sld>
+</file>
+
 <file path=ppt/slides/slide5.xml><?xml version="1.0" encoding="utf-8"?>
 <p:sld xmlns:a="http://schemas.openxmlformats.org/drawingml/2006/main" xmlns:r="http://schemas.openxmlformats.org/officeDocument/2006/relationships" xmlns:p="http://schemas.openxmlformats.org/presentationml/2006/main">
   <p:cSld>
@@ -8733,7 +12363,7 @@
           <a:p>
             <a:r>
               <a:rPr lang="es-ES" dirty="0"/>
-              <a:t>2. Primera iteración: selección del conjunto de datos</a:t>
+              <a:t>2.1. Primera iteración: selección del conjunto de datos</a:t>
             </a:r>
           </a:p>
         </p:txBody>
@@ -8880,7 +12510,7 @@
           <a:p>
             <a:r>
               <a:rPr lang="es-ES" dirty="0"/>
-              <a:t>2. Primera iteración: adecuación de la base de datos</a:t>
+              <a:t>2.1. Primera iteración: adecuación de la base de datos</a:t>
             </a:r>
           </a:p>
         </p:txBody>
@@ -8993,7 +12623,7 @@
           <a:p>
             <a:r>
               <a:rPr lang="es-ES" dirty="0"/>
-              <a:t>2. Primera iteración: </a:t>
+              <a:t>2.1. Primera iteración: </a:t>
             </a:r>
             <a:r>
               <a:rPr lang="es-ES" dirty="0" err="1"/>
@@ -9130,7 +12760,7 @@
           <a:p>
             <a:r>
               <a:rPr lang="es-ES" dirty="0"/>
-              <a:t>2. Primera iteración: </a:t>
+              <a:t>2.1. Primera iteración: </a:t>
             </a:r>
             <a:r>
               <a:rPr lang="es-ES" dirty="0" err="1"/>
@@ -9246,7 +12876,7 @@
           <a:p>
             <a:r>
               <a:rPr lang="es-ES" dirty="0"/>
-              <a:t>2. Primera iteración: </a:t>
+              <a:t>2.1. Primera iteración: </a:t>
             </a:r>
             <a:r>
               <a:rPr lang="es-ES" dirty="0" err="1"/>

--- a/Presentación DataMiningHealth.pptx
+++ b/Presentación DataMiningHealth.pptx
@@ -5,7 +5,7 @@
     <p:sldMasterId id="2147483711" r:id="rId1"/>
   </p:sldMasterIdLst>
   <p:notesMasterIdLst>
-    <p:notesMasterId r:id="rId46"/>
+    <p:notesMasterId r:id="rId42"/>
   </p:notesMasterIdLst>
   <p:sldIdLst>
     <p:sldId id="256" r:id="rId2"/>
@@ -21,37 +21,33 @@
     <p:sldId id="275" r:id="rId12"/>
     <p:sldId id="266" r:id="rId13"/>
     <p:sldId id="267" r:id="rId14"/>
-    <p:sldId id="268" r:id="rId15"/>
-    <p:sldId id="269" r:id="rId16"/>
-    <p:sldId id="270" r:id="rId17"/>
-    <p:sldId id="271" r:id="rId18"/>
-    <p:sldId id="272" r:id="rId19"/>
-    <p:sldId id="273" r:id="rId20"/>
-    <p:sldId id="274" r:id="rId21"/>
-    <p:sldId id="276" r:id="rId22"/>
-    <p:sldId id="277" r:id="rId23"/>
-    <p:sldId id="278" r:id="rId24"/>
-    <p:sldId id="279" r:id="rId25"/>
-    <p:sldId id="280" r:id="rId26"/>
-    <p:sldId id="281" r:id="rId27"/>
-    <p:sldId id="282" r:id="rId28"/>
-    <p:sldId id="283" r:id="rId29"/>
-    <p:sldId id="284" r:id="rId30"/>
-    <p:sldId id="285" r:id="rId31"/>
-    <p:sldId id="286" r:id="rId32"/>
-    <p:sldId id="287" r:id="rId33"/>
-    <p:sldId id="288" r:id="rId34"/>
-    <p:sldId id="289" r:id="rId35"/>
-    <p:sldId id="290" r:id="rId36"/>
-    <p:sldId id="291" r:id="rId37"/>
-    <p:sldId id="292" r:id="rId38"/>
-    <p:sldId id="293" r:id="rId39"/>
-    <p:sldId id="294" r:id="rId40"/>
-    <p:sldId id="295" r:id="rId41"/>
-    <p:sldId id="296" r:id="rId42"/>
-    <p:sldId id="297" r:id="rId43"/>
-    <p:sldId id="298" r:id="rId44"/>
-    <p:sldId id="299" r:id="rId45"/>
+    <p:sldId id="269" r:id="rId15"/>
+    <p:sldId id="270" r:id="rId16"/>
+    <p:sldId id="271" r:id="rId17"/>
+    <p:sldId id="274" r:id="rId18"/>
+    <p:sldId id="276" r:id="rId19"/>
+    <p:sldId id="277" r:id="rId20"/>
+    <p:sldId id="278" r:id="rId21"/>
+    <p:sldId id="279" r:id="rId22"/>
+    <p:sldId id="280" r:id="rId23"/>
+    <p:sldId id="281" r:id="rId24"/>
+    <p:sldId id="282" r:id="rId25"/>
+    <p:sldId id="284" r:id="rId26"/>
+    <p:sldId id="285" r:id="rId27"/>
+    <p:sldId id="286" r:id="rId28"/>
+    <p:sldId id="287" r:id="rId29"/>
+    <p:sldId id="288" r:id="rId30"/>
+    <p:sldId id="289" r:id="rId31"/>
+    <p:sldId id="290" r:id="rId32"/>
+    <p:sldId id="292" r:id="rId33"/>
+    <p:sldId id="293" r:id="rId34"/>
+    <p:sldId id="294" r:id="rId35"/>
+    <p:sldId id="295" r:id="rId36"/>
+    <p:sldId id="296" r:id="rId37"/>
+    <p:sldId id="297" r:id="rId38"/>
+    <p:sldId id="300" r:id="rId39"/>
+    <p:sldId id="298" r:id="rId40"/>
+    <p:sldId id="299" r:id="rId41"/>
   </p:sldIdLst>
   <p:sldSz cx="12192000" cy="6858000"/>
   <p:notesSz cx="6858000" cy="9144000"/>
@@ -7056,7 +7052,10 @@
               <a:rPr lang="es-ES" dirty="0" err="1"/>
               <a:t>pre-procesado</a:t>
             </a:r>
-            <a:endParaRPr lang="es-ES" dirty="0"/>
+            <a:r>
+              <a:rPr lang="es-ES" dirty="0"/>
+              <a:t> y transformación de los datos</a:t>
+            </a:r>
           </a:p>
         </p:txBody>
       </p:sp>
@@ -7304,136 +7303,6 @@
           </a:p>
         </p:txBody>
       </p:sp>
-    </p:spTree>
-    <p:extLst>
-      <p:ext uri="{BB962C8B-B14F-4D97-AF65-F5344CB8AC3E}">
-        <p14:creationId xmlns:p14="http://schemas.microsoft.com/office/powerpoint/2010/main" val="483155530"/>
-      </p:ext>
-    </p:extLst>
-  </p:cSld>
-  <p:clrMapOvr>
-    <a:masterClrMapping/>
-  </p:clrMapOvr>
-</p:sld>
-</file>
-
-<file path=ppt/slides/slide15.xml><?xml version="1.0" encoding="utf-8"?>
-<p:sld xmlns:a="http://schemas.openxmlformats.org/drawingml/2006/main" xmlns:r="http://schemas.openxmlformats.org/officeDocument/2006/relationships" xmlns:p="http://schemas.openxmlformats.org/presentationml/2006/main">
-  <p:cSld>
-    <p:spTree>
-      <p:nvGrpSpPr>
-        <p:cNvPr id="1" name=""/>
-        <p:cNvGrpSpPr/>
-        <p:nvPr/>
-      </p:nvGrpSpPr>
-      <p:grpSpPr>
-        <a:xfrm>
-          <a:off x="0" y="0"/>
-          <a:ext cx="0" cy="0"/>
-          <a:chOff x="0" y="0"/>
-          <a:chExt cx="0" cy="0"/>
-        </a:xfrm>
-      </p:grpSpPr>
-      <p:sp>
-        <p:nvSpPr>
-          <p:cNvPr id="2" name="Título 1">
-            <a:extLst>
-              <a:ext uri="{FF2B5EF4-FFF2-40B4-BE49-F238E27FC236}">
-                <a16:creationId xmlns:a16="http://schemas.microsoft.com/office/drawing/2014/main" id="{0F08129C-58B4-45D6-9BA0-96204C339F83}"/>
-              </a:ext>
-            </a:extLst>
-          </p:cNvPr>
-          <p:cNvSpPr>
-            <a:spLocks noGrp="1"/>
-          </p:cNvSpPr>
-          <p:nvPr>
-            <p:ph type="title"/>
-          </p:nvPr>
-        </p:nvSpPr>
-        <p:spPr/>
-        <p:txBody>
-          <a:bodyPr/>
-          <a:lstStyle/>
-          <a:p>
-            <a:r>
-              <a:rPr lang="es-ES" dirty="0"/>
-              <a:t>2.1. Primera iteración: </a:t>
-            </a:r>
-            <a:r>
-              <a:rPr lang="es-ES" dirty="0" err="1"/>
-              <a:t>pre-procesado</a:t>
-            </a:r>
-            <a:endParaRPr lang="es-ES" dirty="0"/>
-          </a:p>
-        </p:txBody>
-      </p:sp>
-      <p:sp>
-        <p:nvSpPr>
-          <p:cNvPr id="3" name="Marcador de contenido 2">
-            <a:extLst>
-              <a:ext uri="{FF2B5EF4-FFF2-40B4-BE49-F238E27FC236}">
-                <a16:creationId xmlns:a16="http://schemas.microsoft.com/office/drawing/2014/main" id="{6F100738-AC81-45FA-83D4-4F15CC57FA8A}"/>
-              </a:ext>
-            </a:extLst>
-          </p:cNvPr>
-          <p:cNvSpPr>
-            <a:spLocks noGrp="1"/>
-          </p:cNvSpPr>
-          <p:nvPr>
-            <p:ph idx="1"/>
-          </p:nvPr>
-        </p:nvSpPr>
-        <p:spPr>
-          <a:xfrm>
-            <a:off x="677334" y="1930400"/>
-            <a:ext cx="8596668" cy="3880773"/>
-          </a:xfrm>
-        </p:spPr>
-        <p:txBody>
-          <a:bodyPr/>
-          <a:lstStyle/>
-          <a:p>
-            <a:r>
-              <a:rPr lang="es-ES" dirty="0"/>
-              <a:t>Tras el </a:t>
-            </a:r>
-            <a:r>
-              <a:rPr lang="es-ES" dirty="0" err="1"/>
-              <a:t>pre-procesado</a:t>
-            </a:r>
-            <a:r>
-              <a:rPr lang="es-ES" dirty="0"/>
-              <a:t>…</a:t>
-            </a:r>
-          </a:p>
-          <a:p>
-            <a:pPr lvl="1"/>
-            <a:r>
-              <a:rPr lang="es-ES" dirty="0"/>
-              <a:t>25 columnas</a:t>
-            </a:r>
-          </a:p>
-          <a:p>
-            <a:pPr lvl="1"/>
-            <a:r>
-              <a:rPr lang="es-ES" dirty="0"/>
-              <a:t>1146 filas</a:t>
-            </a:r>
-          </a:p>
-          <a:p>
-            <a:endParaRPr lang="es-ES" dirty="0"/>
-          </a:p>
-          <a:p>
-            <a:endParaRPr lang="es-ES" dirty="0"/>
-          </a:p>
-          <a:p>
-            <a:pPr marL="0" indent="0">
-              <a:buNone/>
-            </a:pPr>
-            <a:endParaRPr lang="es-ES" dirty="0"/>
-          </a:p>
-        </p:txBody>
-      </p:sp>
       <p:pic>
         <p:nvPicPr>
           <p:cNvPr id="4" name="Imagen 3">
@@ -7486,7 +7355,7 @@
 </p:sld>
 </file>
 
-<file path=ppt/slides/slide16.xml><?xml version="1.0" encoding="utf-8"?>
+<file path=ppt/slides/slide15.xml><?xml version="1.0" encoding="utf-8"?>
 <p:sld xmlns:a="http://schemas.openxmlformats.org/drawingml/2006/main" xmlns:r="http://schemas.openxmlformats.org/officeDocument/2006/relationships" xmlns:p="http://schemas.openxmlformats.org/presentationml/2006/main">
   <p:cSld>
     <p:spTree>
@@ -7623,7 +7492,7 @@
 </p:sld>
 </file>
 
-<file path=ppt/slides/slide17.xml><?xml version="1.0" encoding="utf-8"?>
+<file path=ppt/slides/slide16.xml><?xml version="1.0" encoding="utf-8"?>
 <p:sld xmlns:a="http://schemas.openxmlformats.org/drawingml/2006/main" xmlns:r="http://schemas.openxmlformats.org/officeDocument/2006/relationships" xmlns:p="http://schemas.openxmlformats.org/presentationml/2006/main">
   <p:cSld>
     <p:spTree>
@@ -7753,435 +7622,7 @@
 </p:sld>
 </file>
 
-<file path=ppt/slides/slide18.xml><?xml version="1.0" encoding="utf-8"?>
-<p:sld xmlns:a="http://schemas.openxmlformats.org/drawingml/2006/main" xmlns:r="http://schemas.openxmlformats.org/officeDocument/2006/relationships" xmlns:p="http://schemas.openxmlformats.org/presentationml/2006/main">
-  <p:cSld>
-    <p:spTree>
-      <p:nvGrpSpPr>
-        <p:cNvPr id="1" name=""/>
-        <p:cNvGrpSpPr/>
-        <p:nvPr/>
-      </p:nvGrpSpPr>
-      <p:grpSpPr>
-        <a:xfrm>
-          <a:off x="0" y="0"/>
-          <a:ext cx="0" cy="0"/>
-          <a:chOff x="0" y="0"/>
-          <a:chExt cx="0" cy="0"/>
-        </a:xfrm>
-      </p:grpSpPr>
-      <p:sp>
-        <p:nvSpPr>
-          <p:cNvPr id="2" name="Título 1">
-            <a:extLst>
-              <a:ext uri="{FF2B5EF4-FFF2-40B4-BE49-F238E27FC236}">
-                <a16:creationId xmlns:a16="http://schemas.microsoft.com/office/drawing/2014/main" id="{8939D2C4-A087-47E9-940A-6C87293FE2B8}"/>
-              </a:ext>
-            </a:extLst>
-          </p:cNvPr>
-          <p:cNvSpPr>
-            <a:spLocks noGrp="1"/>
-          </p:cNvSpPr>
-          <p:nvPr>
-            <p:ph type="title"/>
-          </p:nvPr>
-        </p:nvSpPr>
-        <p:spPr/>
-        <p:txBody>
-          <a:bodyPr/>
-          <a:lstStyle/>
-          <a:p>
-            <a:r>
-              <a:rPr lang="es-ES" dirty="0"/>
-              <a:t>2.1. Primera iteración: data </a:t>
-            </a:r>
-            <a:r>
-              <a:rPr lang="es-ES" dirty="0" err="1"/>
-              <a:t>mining</a:t>
-            </a:r>
-            <a:endParaRPr lang="es-ES" dirty="0"/>
-          </a:p>
-        </p:txBody>
-      </p:sp>
-      <p:sp>
-        <p:nvSpPr>
-          <p:cNvPr id="3" name="Marcador de contenido 2">
-            <a:extLst>
-              <a:ext uri="{FF2B5EF4-FFF2-40B4-BE49-F238E27FC236}">
-                <a16:creationId xmlns:a16="http://schemas.microsoft.com/office/drawing/2014/main" id="{78F7A0E2-4927-4C37-B289-5EE2C9B6DD3E}"/>
-              </a:ext>
-            </a:extLst>
-          </p:cNvPr>
-          <p:cNvSpPr>
-            <a:spLocks noGrp="1"/>
-          </p:cNvSpPr>
-          <p:nvPr>
-            <p:ph idx="1"/>
-          </p:nvPr>
-        </p:nvSpPr>
-        <p:spPr>
-          <a:xfrm>
-            <a:off x="677334" y="1930400"/>
-            <a:ext cx="8596668" cy="3880773"/>
-          </a:xfrm>
-        </p:spPr>
-        <p:txBody>
-          <a:bodyPr/>
-          <a:lstStyle/>
-          <a:p>
-            <a:r>
-              <a:rPr lang="es-ES" dirty="0"/>
-              <a:t>Árbol de decisión</a:t>
-            </a:r>
-          </a:p>
-          <a:p>
-            <a:pPr lvl="1"/>
-            <a:r>
-              <a:rPr lang="es-ES" dirty="0"/>
-              <a:t>Pregunta más decisiva:</a:t>
-            </a:r>
-          </a:p>
-          <a:p>
-            <a:pPr marL="457200" lvl="1" indent="0">
-              <a:buNone/>
-            </a:pPr>
-            <a:endParaRPr lang="es-ES" dirty="0"/>
-          </a:p>
-          <a:p>
-            <a:pPr marL="457200" lvl="1" indent="0">
-              <a:buNone/>
-            </a:pPr>
-            <a:r>
-              <a:rPr lang="en-US" i="1" dirty="0"/>
-              <a:t>“If you have a mental health issue do you feel that it interferes with your work when NOT being treated effectively?”</a:t>
-            </a:r>
-            <a:endParaRPr lang="es-ES" dirty="0"/>
-          </a:p>
-          <a:p>
-            <a:pPr marL="0" indent="0">
-              <a:buNone/>
-            </a:pPr>
-            <a:endParaRPr lang="es-ES" dirty="0"/>
-          </a:p>
-        </p:txBody>
-      </p:sp>
-    </p:spTree>
-    <p:extLst>
-      <p:ext uri="{BB962C8B-B14F-4D97-AF65-F5344CB8AC3E}">
-        <p14:creationId xmlns:p14="http://schemas.microsoft.com/office/powerpoint/2010/main" val="935833901"/>
-      </p:ext>
-    </p:extLst>
-  </p:cSld>
-  <p:clrMapOvr>
-    <a:masterClrMapping/>
-  </p:clrMapOvr>
-</p:sld>
-</file>
-
-<file path=ppt/slides/slide19.xml><?xml version="1.0" encoding="utf-8"?>
-<p:sld xmlns:a="http://schemas.openxmlformats.org/drawingml/2006/main" xmlns:r="http://schemas.openxmlformats.org/officeDocument/2006/relationships" xmlns:p="http://schemas.openxmlformats.org/presentationml/2006/main">
-  <p:cSld>
-    <p:spTree>
-      <p:nvGrpSpPr>
-        <p:cNvPr id="1" name=""/>
-        <p:cNvGrpSpPr/>
-        <p:nvPr/>
-      </p:nvGrpSpPr>
-      <p:grpSpPr>
-        <a:xfrm>
-          <a:off x="0" y="0"/>
-          <a:ext cx="0" cy="0"/>
-          <a:chOff x="0" y="0"/>
-          <a:chExt cx="0" cy="0"/>
-        </a:xfrm>
-      </p:grpSpPr>
-      <p:sp>
-        <p:nvSpPr>
-          <p:cNvPr id="2" name="Título 1">
-            <a:extLst>
-              <a:ext uri="{FF2B5EF4-FFF2-40B4-BE49-F238E27FC236}">
-                <a16:creationId xmlns:a16="http://schemas.microsoft.com/office/drawing/2014/main" id="{8939D2C4-A087-47E9-940A-6C87293FE2B8}"/>
-              </a:ext>
-            </a:extLst>
-          </p:cNvPr>
-          <p:cNvSpPr>
-            <a:spLocks noGrp="1"/>
-          </p:cNvSpPr>
-          <p:nvPr>
-            <p:ph type="title"/>
-          </p:nvPr>
-        </p:nvSpPr>
-        <p:spPr/>
-        <p:txBody>
-          <a:bodyPr/>
-          <a:lstStyle/>
-          <a:p>
-            <a:r>
-              <a:rPr lang="es-ES" dirty="0"/>
-              <a:t>2.1. Primera iteración: data </a:t>
-            </a:r>
-            <a:r>
-              <a:rPr lang="es-ES" dirty="0" err="1"/>
-              <a:t>mining</a:t>
-            </a:r>
-            <a:endParaRPr lang="es-ES" dirty="0"/>
-          </a:p>
-        </p:txBody>
-      </p:sp>
-      <p:sp>
-        <p:nvSpPr>
-          <p:cNvPr id="3" name="Marcador de contenido 2">
-            <a:extLst>
-              <a:ext uri="{FF2B5EF4-FFF2-40B4-BE49-F238E27FC236}">
-                <a16:creationId xmlns:a16="http://schemas.microsoft.com/office/drawing/2014/main" id="{78F7A0E2-4927-4C37-B289-5EE2C9B6DD3E}"/>
-              </a:ext>
-            </a:extLst>
-          </p:cNvPr>
-          <p:cNvSpPr>
-            <a:spLocks noGrp="1"/>
-          </p:cNvSpPr>
-          <p:nvPr>
-            <p:ph idx="1"/>
-          </p:nvPr>
-        </p:nvSpPr>
-        <p:spPr>
-          <a:xfrm>
-            <a:off x="677334" y="1930400"/>
-            <a:ext cx="8596668" cy="3880773"/>
-          </a:xfrm>
-        </p:spPr>
-        <p:txBody>
-          <a:bodyPr/>
-          <a:lstStyle/>
-          <a:p>
-            <a:r>
-              <a:rPr lang="es-ES" dirty="0"/>
-              <a:t>Árbol de decisión</a:t>
-            </a:r>
-          </a:p>
-          <a:p>
-            <a:pPr lvl="1"/>
-            <a:r>
-              <a:rPr lang="es-ES" dirty="0"/>
-              <a:t>Pregunta más decisiva:</a:t>
-            </a:r>
-          </a:p>
-          <a:p>
-            <a:pPr marL="457200" lvl="1" indent="0">
-              <a:buNone/>
-            </a:pPr>
-            <a:endParaRPr lang="es-ES" dirty="0"/>
-          </a:p>
-          <a:p>
-            <a:pPr marL="457200" lvl="1" indent="0">
-              <a:buNone/>
-            </a:pPr>
-            <a:r>
-              <a:rPr lang="en-US" i="1" dirty="0"/>
-              <a:t>“If you have a mental health issue do you feel that it interferes with your work when NOT being treated effectively?”</a:t>
-            </a:r>
-          </a:p>
-          <a:p>
-            <a:pPr marL="457200" lvl="1" indent="0">
-              <a:buNone/>
-            </a:pPr>
-            <a:endParaRPr lang="en-US" i="1" dirty="0"/>
-          </a:p>
-          <a:p>
-            <a:pPr lvl="1"/>
-            <a:r>
-              <a:rPr lang="en-US" dirty="0" err="1"/>
-              <a:t>Seguida</a:t>
-            </a:r>
-            <a:r>
-              <a:rPr lang="en-US" dirty="0"/>
-              <a:t> por…</a:t>
-            </a:r>
-          </a:p>
-          <a:p>
-            <a:pPr marL="457200" lvl="1" indent="0">
-              <a:buNone/>
-            </a:pPr>
-            <a:r>
-              <a:rPr lang="en-US" i="1" dirty="0"/>
-              <a:t>“If you have a mental health issue do you feel that it interferes with your work when being treated effectively?”.</a:t>
-            </a:r>
-            <a:r>
-              <a:rPr lang="en-US" dirty="0"/>
-              <a:t> </a:t>
-            </a:r>
-            <a:endParaRPr lang="es-ES" dirty="0"/>
-          </a:p>
-          <a:p>
-            <a:pPr marL="0" indent="0">
-              <a:buNone/>
-            </a:pPr>
-            <a:endParaRPr lang="es-ES" dirty="0"/>
-          </a:p>
-        </p:txBody>
-      </p:sp>
-    </p:spTree>
-    <p:extLst>
-      <p:ext uri="{BB962C8B-B14F-4D97-AF65-F5344CB8AC3E}">
-        <p14:creationId xmlns:p14="http://schemas.microsoft.com/office/powerpoint/2010/main" val="2153251069"/>
-      </p:ext>
-    </p:extLst>
-  </p:cSld>
-  <p:clrMapOvr>
-    <a:masterClrMapping/>
-  </p:clrMapOvr>
-</p:sld>
-</file>
-
-<file path=ppt/slides/slide2.xml><?xml version="1.0" encoding="utf-8"?>
-<p:sld xmlns:a="http://schemas.openxmlformats.org/drawingml/2006/main" xmlns:r="http://schemas.openxmlformats.org/officeDocument/2006/relationships" xmlns:p="http://schemas.openxmlformats.org/presentationml/2006/main">
-  <p:cSld>
-    <p:spTree>
-      <p:nvGrpSpPr>
-        <p:cNvPr id="1" name=""/>
-        <p:cNvGrpSpPr/>
-        <p:nvPr/>
-      </p:nvGrpSpPr>
-      <p:grpSpPr>
-        <a:xfrm>
-          <a:off x="0" y="0"/>
-          <a:ext cx="0" cy="0"/>
-          <a:chOff x="0" y="0"/>
-          <a:chExt cx="0" cy="0"/>
-        </a:xfrm>
-      </p:grpSpPr>
-      <p:sp>
-        <p:nvSpPr>
-          <p:cNvPr id="2" name="Título 1">
-            <a:extLst>
-              <a:ext uri="{FF2B5EF4-FFF2-40B4-BE49-F238E27FC236}">
-                <a16:creationId xmlns:a16="http://schemas.microsoft.com/office/drawing/2014/main" id="{63EE6A20-43E5-4825-9AC2-07CC709D2D97}"/>
-              </a:ext>
-            </a:extLst>
-          </p:cNvPr>
-          <p:cNvSpPr>
-            <a:spLocks noGrp="1"/>
-          </p:cNvSpPr>
-          <p:nvPr>
-            <p:ph type="title"/>
-          </p:nvPr>
-        </p:nvSpPr>
-        <p:spPr/>
-        <p:txBody>
-          <a:bodyPr/>
-          <a:lstStyle/>
-          <a:p>
-            <a:r>
-              <a:rPr lang="es-ES" dirty="0"/>
-              <a:t>Índice</a:t>
-            </a:r>
-          </a:p>
-        </p:txBody>
-      </p:sp>
-      <p:sp>
-        <p:nvSpPr>
-          <p:cNvPr id="3" name="Marcador de contenido 2">
-            <a:extLst>
-              <a:ext uri="{FF2B5EF4-FFF2-40B4-BE49-F238E27FC236}">
-                <a16:creationId xmlns:a16="http://schemas.microsoft.com/office/drawing/2014/main" id="{EBF9DA2F-D14E-4E26-8BCE-278CBD52D6DB}"/>
-              </a:ext>
-            </a:extLst>
-          </p:cNvPr>
-          <p:cNvSpPr>
-            <a:spLocks noGrp="1"/>
-          </p:cNvSpPr>
-          <p:nvPr>
-            <p:ph idx="1"/>
-          </p:nvPr>
-        </p:nvSpPr>
-        <p:spPr>
-          <a:xfrm>
-            <a:off x="677334" y="1930400"/>
-            <a:ext cx="8596668" cy="3880773"/>
-          </a:xfrm>
-        </p:spPr>
-        <p:txBody>
-          <a:bodyPr/>
-          <a:lstStyle/>
-          <a:p>
-            <a:pPr marL="514350" indent="-514350">
-              <a:buAutoNum type="arabicPeriod"/>
-            </a:pPr>
-            <a:r>
-              <a:rPr lang="es-ES" dirty="0"/>
-              <a:t>Introducción</a:t>
-            </a:r>
-          </a:p>
-          <a:p>
-            <a:pPr marL="514350" indent="-514350">
-              <a:buAutoNum type="arabicPeriod"/>
-            </a:pPr>
-            <a:r>
-              <a:rPr lang="es-ES" dirty="0"/>
-              <a:t>Proceso KDD</a:t>
-            </a:r>
-          </a:p>
-          <a:p>
-            <a:pPr marL="971550" lvl="1" indent="-514350">
-              <a:buAutoNum type="arabicPeriod"/>
-            </a:pPr>
-            <a:r>
-              <a:rPr lang="es-ES" dirty="0"/>
-              <a:t>Primera iteración</a:t>
-            </a:r>
-          </a:p>
-          <a:p>
-            <a:pPr marL="971550" lvl="1" indent="-514350">
-              <a:buAutoNum type="arabicPeriod"/>
-            </a:pPr>
-            <a:r>
-              <a:rPr lang="es-ES" dirty="0"/>
-              <a:t>Segunda iteración</a:t>
-            </a:r>
-          </a:p>
-          <a:p>
-            <a:pPr marL="971550" lvl="1" indent="-514350">
-              <a:buAutoNum type="arabicPeriod"/>
-            </a:pPr>
-            <a:r>
-              <a:rPr lang="es-ES" dirty="0"/>
-              <a:t>Tercera iteración</a:t>
-            </a:r>
-          </a:p>
-          <a:p>
-            <a:pPr marL="971550" lvl="1" indent="-514350">
-              <a:buAutoNum type="arabicPeriod"/>
-            </a:pPr>
-            <a:r>
-              <a:rPr lang="es-ES" dirty="0"/>
-              <a:t>Cuarta iteración</a:t>
-            </a:r>
-          </a:p>
-          <a:p>
-            <a:pPr marL="514350" indent="-514350">
-              <a:buAutoNum type="arabicPeriod"/>
-            </a:pPr>
-            <a:r>
-              <a:rPr lang="es-ES" dirty="0"/>
-              <a:t>Propuestas para trabajo futuro</a:t>
-            </a:r>
-          </a:p>
-        </p:txBody>
-      </p:sp>
-    </p:spTree>
-    <p:extLst>
-      <p:ext uri="{BB962C8B-B14F-4D97-AF65-F5344CB8AC3E}">
-        <p14:creationId xmlns:p14="http://schemas.microsoft.com/office/powerpoint/2010/main" val="165222934"/>
-      </p:ext>
-    </p:extLst>
-  </p:cSld>
-  <p:clrMapOvr>
-    <a:masterClrMapping/>
-  </p:clrMapOvr>
-</p:sld>
-</file>
-
-<file path=ppt/slides/slide20.xml><?xml version="1.0" encoding="utf-8"?>
+<file path=ppt/slides/slide17.xml><?xml version="1.0" encoding="utf-8"?>
 <p:sld xmlns:a="http://schemas.openxmlformats.org/drawingml/2006/main" xmlns:r="http://schemas.openxmlformats.org/officeDocument/2006/relationships" xmlns:p="http://schemas.openxmlformats.org/presentationml/2006/main">
   <p:cSld>
     <p:spTree>
@@ -8344,7 +7785,7 @@
 </p:sld>
 </file>
 
-<file path=ppt/slides/slide21.xml><?xml version="1.0" encoding="utf-8"?>
+<file path=ppt/slides/slide18.xml><?xml version="1.0" encoding="utf-8"?>
 <p:sld xmlns:a="http://schemas.openxmlformats.org/drawingml/2006/main" xmlns:r="http://schemas.openxmlformats.org/officeDocument/2006/relationships" xmlns:p="http://schemas.openxmlformats.org/presentationml/2006/main">
   <p:cSld>
     <p:spTree>
@@ -8455,7 +7896,7 @@
 </p:sld>
 </file>
 
-<file path=ppt/slides/slide22.xml><?xml version="1.0" encoding="utf-8"?>
+<file path=ppt/slides/slide19.xml><?xml version="1.0" encoding="utf-8"?>
 <p:sld xmlns:a="http://schemas.openxmlformats.org/drawingml/2006/main" xmlns:r="http://schemas.openxmlformats.org/officeDocument/2006/relationships" xmlns:p="http://schemas.openxmlformats.org/presentationml/2006/main">
   <p:cSld>
     <p:spTree>
@@ -8598,7 +8039,155 @@
 </p:sld>
 </file>
 
-<file path=ppt/slides/slide23.xml><?xml version="1.0" encoding="utf-8"?>
+<file path=ppt/slides/slide2.xml><?xml version="1.0" encoding="utf-8"?>
+<p:sld xmlns:a="http://schemas.openxmlformats.org/drawingml/2006/main" xmlns:r="http://schemas.openxmlformats.org/officeDocument/2006/relationships" xmlns:p="http://schemas.openxmlformats.org/presentationml/2006/main">
+  <p:cSld>
+    <p:spTree>
+      <p:nvGrpSpPr>
+        <p:cNvPr id="1" name=""/>
+        <p:cNvGrpSpPr/>
+        <p:nvPr/>
+      </p:nvGrpSpPr>
+      <p:grpSpPr>
+        <a:xfrm>
+          <a:off x="0" y="0"/>
+          <a:ext cx="0" cy="0"/>
+          <a:chOff x="0" y="0"/>
+          <a:chExt cx="0" cy="0"/>
+        </a:xfrm>
+      </p:grpSpPr>
+      <p:sp>
+        <p:nvSpPr>
+          <p:cNvPr id="2" name="Título 1">
+            <a:extLst>
+              <a:ext uri="{FF2B5EF4-FFF2-40B4-BE49-F238E27FC236}">
+                <a16:creationId xmlns:a16="http://schemas.microsoft.com/office/drawing/2014/main" id="{63EE6A20-43E5-4825-9AC2-07CC709D2D97}"/>
+              </a:ext>
+            </a:extLst>
+          </p:cNvPr>
+          <p:cNvSpPr>
+            <a:spLocks noGrp="1"/>
+          </p:cNvSpPr>
+          <p:nvPr>
+            <p:ph type="title"/>
+          </p:nvPr>
+        </p:nvSpPr>
+        <p:spPr/>
+        <p:txBody>
+          <a:bodyPr/>
+          <a:lstStyle/>
+          <a:p>
+            <a:r>
+              <a:rPr lang="es-ES" dirty="0"/>
+              <a:t>Índice</a:t>
+            </a:r>
+          </a:p>
+        </p:txBody>
+      </p:sp>
+      <p:sp>
+        <p:nvSpPr>
+          <p:cNvPr id="3" name="Marcador de contenido 2">
+            <a:extLst>
+              <a:ext uri="{FF2B5EF4-FFF2-40B4-BE49-F238E27FC236}">
+                <a16:creationId xmlns:a16="http://schemas.microsoft.com/office/drawing/2014/main" id="{EBF9DA2F-D14E-4E26-8BCE-278CBD52D6DB}"/>
+              </a:ext>
+            </a:extLst>
+          </p:cNvPr>
+          <p:cNvSpPr>
+            <a:spLocks noGrp="1"/>
+          </p:cNvSpPr>
+          <p:nvPr>
+            <p:ph idx="1"/>
+          </p:nvPr>
+        </p:nvSpPr>
+        <p:spPr>
+          <a:xfrm>
+            <a:off x="677334" y="1930400"/>
+            <a:ext cx="8596668" cy="3880773"/>
+          </a:xfrm>
+        </p:spPr>
+        <p:txBody>
+          <a:bodyPr/>
+          <a:lstStyle/>
+          <a:p>
+            <a:pPr marL="514350" indent="-514350">
+              <a:buAutoNum type="arabicPeriod"/>
+            </a:pPr>
+            <a:r>
+              <a:rPr lang="es-ES" dirty="0"/>
+              <a:t>Introducción</a:t>
+            </a:r>
+          </a:p>
+          <a:p>
+            <a:pPr marL="514350" indent="-514350">
+              <a:buAutoNum type="arabicPeriod"/>
+            </a:pPr>
+            <a:r>
+              <a:rPr lang="es-ES" dirty="0"/>
+              <a:t>Proceso KDD</a:t>
+            </a:r>
+          </a:p>
+          <a:p>
+            <a:pPr marL="971550" lvl="1" indent="-514350">
+              <a:buAutoNum type="arabicPeriod"/>
+            </a:pPr>
+            <a:r>
+              <a:rPr lang="es-ES" dirty="0"/>
+              <a:t>Primera iteración</a:t>
+            </a:r>
+          </a:p>
+          <a:p>
+            <a:pPr marL="971550" lvl="1" indent="-514350">
+              <a:buAutoNum type="arabicPeriod"/>
+            </a:pPr>
+            <a:r>
+              <a:rPr lang="es-ES" dirty="0"/>
+              <a:t>Segunda iteración</a:t>
+            </a:r>
+          </a:p>
+          <a:p>
+            <a:pPr marL="971550" lvl="1" indent="-514350">
+              <a:buAutoNum type="arabicPeriod"/>
+            </a:pPr>
+            <a:r>
+              <a:rPr lang="es-ES" dirty="0"/>
+              <a:t>Tercera iteración</a:t>
+            </a:r>
+          </a:p>
+          <a:p>
+            <a:pPr marL="971550" lvl="1" indent="-514350">
+              <a:buAutoNum type="arabicPeriod"/>
+            </a:pPr>
+            <a:r>
+              <a:rPr lang="es-ES" dirty="0"/>
+              <a:t>Cuarta iteración</a:t>
+            </a:r>
+          </a:p>
+          <a:p>
+            <a:pPr marL="514350" indent="-514350">
+              <a:buAutoNum type="arabicPeriod"/>
+            </a:pPr>
+            <a:r>
+              <a:rPr lang="es-ES" dirty="0"/>
+              <a:t>Propuestas para trabajo futuro</a:t>
+            </a:r>
+          </a:p>
+        </p:txBody>
+      </p:sp>
+    </p:spTree>
+    <p:extLst>
+      <p:ext uri="{BB962C8B-B14F-4D97-AF65-F5344CB8AC3E}">
+        <p14:creationId xmlns:p14="http://schemas.microsoft.com/office/powerpoint/2010/main" val="165222934"/>
+      </p:ext>
+    </p:extLst>
+  </p:cSld>
+  <p:clrMapOvr>
+    <a:masterClrMapping/>
+  </p:clrMapOvr>
+</p:sld>
+</file>
+
+<file path=ppt/slides/slide20.xml><?xml version="1.0" encoding="utf-8"?>
 <p:sld xmlns:a="http://schemas.openxmlformats.org/drawingml/2006/main" xmlns:r="http://schemas.openxmlformats.org/officeDocument/2006/relationships" xmlns:p="http://schemas.openxmlformats.org/presentationml/2006/main">
   <p:cSld>
     <p:spTree>
@@ -8742,7 +8331,7 @@
 </p:sld>
 </file>
 
-<file path=ppt/slides/slide24.xml><?xml version="1.0" encoding="utf-8"?>
+<file path=ppt/slides/slide21.xml><?xml version="1.0" encoding="utf-8"?>
 <p:sld xmlns:a="http://schemas.openxmlformats.org/drawingml/2006/main" xmlns:r="http://schemas.openxmlformats.org/officeDocument/2006/relationships" xmlns:p="http://schemas.openxmlformats.org/presentationml/2006/main">
   <p:cSld>
     <p:spTree>
@@ -8890,7 +8479,7 @@
 </p:sld>
 </file>
 
-<file path=ppt/slides/slide25.xml><?xml version="1.0" encoding="utf-8"?>
+<file path=ppt/slides/slide22.xml><?xml version="1.0" encoding="utf-8"?>
 <p:sld xmlns:a="http://schemas.openxmlformats.org/drawingml/2006/main" xmlns:r="http://schemas.openxmlformats.org/officeDocument/2006/relationships" xmlns:p="http://schemas.openxmlformats.org/presentationml/2006/main">
   <p:cSld>
     <p:spTree>
@@ -9029,7 +8618,7 @@
 </p:sld>
 </file>
 
-<file path=ppt/slides/slide26.xml><?xml version="1.0" encoding="utf-8"?>
+<file path=ppt/slides/slide23.xml><?xml version="1.0" encoding="utf-8"?>
 <p:sld xmlns:a="http://schemas.openxmlformats.org/drawingml/2006/main" xmlns:r="http://schemas.openxmlformats.org/officeDocument/2006/relationships" xmlns:p="http://schemas.openxmlformats.org/presentationml/2006/main">
   <p:cSld>
     <p:spTree>
@@ -9140,7 +8729,7 @@
 </p:sld>
 </file>
 
-<file path=ppt/slides/slide27.xml><?xml version="1.0" encoding="utf-8"?>
+<file path=ppt/slides/slide24.xml><?xml version="1.0" encoding="utf-8"?>
 <p:sld xmlns:a="http://schemas.openxmlformats.org/drawingml/2006/main" xmlns:r="http://schemas.openxmlformats.org/officeDocument/2006/relationships" xmlns:p="http://schemas.openxmlformats.org/presentationml/2006/main">
   <p:cSld>
     <p:spTree>
@@ -9310,142 +8899,7 @@
 </p:sld>
 </file>
 
-<file path=ppt/slides/slide28.xml><?xml version="1.0" encoding="utf-8"?>
-<p:sld xmlns:a="http://schemas.openxmlformats.org/drawingml/2006/main" xmlns:r="http://schemas.openxmlformats.org/officeDocument/2006/relationships" xmlns:p="http://schemas.openxmlformats.org/presentationml/2006/main">
-  <p:cSld>
-    <p:spTree>
-      <p:nvGrpSpPr>
-        <p:cNvPr id="1" name=""/>
-        <p:cNvGrpSpPr/>
-        <p:nvPr/>
-      </p:nvGrpSpPr>
-      <p:grpSpPr>
-        <a:xfrm>
-          <a:off x="0" y="0"/>
-          <a:ext cx="0" cy="0"/>
-          <a:chOff x="0" y="0"/>
-          <a:chExt cx="0" cy="0"/>
-        </a:xfrm>
-      </p:grpSpPr>
-      <p:sp>
-        <p:nvSpPr>
-          <p:cNvPr id="2" name="Título 1">
-            <a:extLst>
-              <a:ext uri="{FF2B5EF4-FFF2-40B4-BE49-F238E27FC236}">
-                <a16:creationId xmlns:a16="http://schemas.microsoft.com/office/drawing/2014/main" id="{713C02B5-CD52-4C57-A973-686529F05156}"/>
-              </a:ext>
-            </a:extLst>
-          </p:cNvPr>
-          <p:cNvSpPr>
-            <a:spLocks noGrp="1"/>
-          </p:cNvSpPr>
-          <p:nvPr>
-            <p:ph type="title"/>
-          </p:nvPr>
-        </p:nvSpPr>
-        <p:spPr/>
-        <p:txBody>
-          <a:bodyPr/>
-          <a:lstStyle/>
-          <a:p>
-            <a:r>
-              <a:rPr lang="es-ES" dirty="0"/>
-              <a:t>2.3. Tercera iteración: </a:t>
-            </a:r>
-            <a:r>
-              <a:rPr lang="es-ES" dirty="0" err="1"/>
-              <a:t>pre-procesado</a:t>
-            </a:r>
-            <a:endParaRPr lang="es-ES" dirty="0"/>
-          </a:p>
-        </p:txBody>
-      </p:sp>
-      <p:sp>
-        <p:nvSpPr>
-          <p:cNvPr id="3" name="Marcador de contenido 2">
-            <a:extLst>
-              <a:ext uri="{FF2B5EF4-FFF2-40B4-BE49-F238E27FC236}">
-                <a16:creationId xmlns:a16="http://schemas.microsoft.com/office/drawing/2014/main" id="{C04CABB0-F69E-47FE-82C9-C9022F4AE937}"/>
-              </a:ext>
-            </a:extLst>
-          </p:cNvPr>
-          <p:cNvSpPr>
-            <a:spLocks noGrp="1"/>
-          </p:cNvSpPr>
-          <p:nvPr>
-            <p:ph idx="1"/>
-          </p:nvPr>
-        </p:nvSpPr>
-        <p:spPr>
-          <a:xfrm>
-            <a:off x="838200" y="1815783"/>
-            <a:ext cx="10515600" cy="4351338"/>
-          </a:xfrm>
-        </p:spPr>
-        <p:txBody>
-          <a:bodyPr/>
-          <a:lstStyle/>
-          <a:p>
-            <a:r>
-              <a:rPr lang="es-ES" dirty="0"/>
-              <a:t>Cambiar de columna </a:t>
-            </a:r>
-            <a:r>
-              <a:rPr lang="es-ES" dirty="0" err="1"/>
-              <a:t>label</a:t>
-            </a:r>
-            <a:r>
-              <a:rPr lang="es-ES" dirty="0"/>
-              <a:t> </a:t>
-            </a:r>
-            <a:r>
-              <a:rPr lang="es-ES" dirty="0">
-                <a:sym typeface="Wingdings" panose="05000000000000000000" pitchFamily="2" charset="2"/>
-              </a:rPr>
-              <a:t> Juntar dos columnas</a:t>
-            </a:r>
-          </a:p>
-          <a:p>
-            <a:pPr lvl="1"/>
-            <a:r>
-              <a:rPr lang="en-US" i="1" dirty="0"/>
-              <a:t>If yes, what condition(s) have you been diagnosed with?</a:t>
-            </a:r>
-            <a:endParaRPr lang="es-ES" dirty="0"/>
-          </a:p>
-          <a:p>
-            <a:pPr lvl="1"/>
-            <a:r>
-              <a:rPr lang="en-US" i="1" dirty="0"/>
-              <a:t>If maybe, what condition(s) do you believe you have?</a:t>
-            </a:r>
-            <a:endParaRPr lang="es-ES" dirty="0"/>
-          </a:p>
-          <a:p>
-            <a:endParaRPr lang="es-ES" dirty="0"/>
-          </a:p>
-          <a:p>
-            <a:endParaRPr lang="es-ES" dirty="0"/>
-          </a:p>
-          <a:p>
-            <a:endParaRPr lang="es-ES" dirty="0"/>
-          </a:p>
-        </p:txBody>
-      </p:sp>
-    </p:spTree>
-    <p:extLst>
-      <p:ext uri="{BB962C8B-B14F-4D97-AF65-F5344CB8AC3E}">
-        <p14:creationId xmlns:p14="http://schemas.microsoft.com/office/powerpoint/2010/main" val="2281107628"/>
-      </p:ext>
-    </p:extLst>
-  </p:cSld>
-  <p:clrMapOvr>
-    <a:masterClrMapping/>
-  </p:clrMapOvr>
-</p:sld>
-</file>
-
-<file path=ppt/slides/slide29.xml><?xml version="1.0" encoding="utf-8"?>
+<file path=ppt/slides/slide25.xml><?xml version="1.0" encoding="utf-8"?>
 <p:sld xmlns:a="http://schemas.openxmlformats.org/drawingml/2006/main" xmlns:r="http://schemas.openxmlformats.org/officeDocument/2006/relationships" xmlns:p="http://schemas.openxmlformats.org/presentationml/2006/main">
   <p:cSld>
     <p:spTree>
@@ -9610,6 +9064,588 @@
     <p:extLst>
       <p:ext uri="{BB962C8B-B14F-4D97-AF65-F5344CB8AC3E}">
         <p14:creationId xmlns:p14="http://schemas.microsoft.com/office/powerpoint/2010/main" val="77169741"/>
+      </p:ext>
+    </p:extLst>
+  </p:cSld>
+  <p:clrMapOvr>
+    <a:masterClrMapping/>
+  </p:clrMapOvr>
+</p:sld>
+</file>
+
+<file path=ppt/slides/slide26.xml><?xml version="1.0" encoding="utf-8"?>
+<p:sld xmlns:a="http://schemas.openxmlformats.org/drawingml/2006/main" xmlns:r="http://schemas.openxmlformats.org/officeDocument/2006/relationships" xmlns:p="http://schemas.openxmlformats.org/presentationml/2006/main">
+  <p:cSld>
+    <p:spTree>
+      <p:nvGrpSpPr>
+        <p:cNvPr id="1" name=""/>
+        <p:cNvGrpSpPr/>
+        <p:nvPr/>
+      </p:nvGrpSpPr>
+      <p:grpSpPr>
+        <a:xfrm>
+          <a:off x="0" y="0"/>
+          <a:ext cx="0" cy="0"/>
+          <a:chOff x="0" y="0"/>
+          <a:chExt cx="0" cy="0"/>
+        </a:xfrm>
+      </p:grpSpPr>
+      <p:sp>
+        <p:nvSpPr>
+          <p:cNvPr id="2" name="Título 1">
+            <a:extLst>
+              <a:ext uri="{FF2B5EF4-FFF2-40B4-BE49-F238E27FC236}">
+                <a16:creationId xmlns:a16="http://schemas.microsoft.com/office/drawing/2014/main" id="{713C02B5-CD52-4C57-A973-686529F05156}"/>
+              </a:ext>
+            </a:extLst>
+          </p:cNvPr>
+          <p:cNvSpPr>
+            <a:spLocks noGrp="1"/>
+          </p:cNvSpPr>
+          <p:nvPr>
+            <p:ph type="title"/>
+          </p:nvPr>
+        </p:nvSpPr>
+        <p:spPr/>
+        <p:txBody>
+          <a:bodyPr/>
+          <a:lstStyle/>
+          <a:p>
+            <a:r>
+              <a:rPr lang="es-ES" dirty="0"/>
+              <a:t>2.3. Tercera iteración: data </a:t>
+            </a:r>
+            <a:r>
+              <a:rPr lang="es-ES" dirty="0" err="1"/>
+              <a:t>mining</a:t>
+            </a:r>
+            <a:endParaRPr lang="es-ES" dirty="0"/>
+          </a:p>
+        </p:txBody>
+      </p:sp>
+      <p:sp>
+        <p:nvSpPr>
+          <p:cNvPr id="3" name="Marcador de contenido 2">
+            <a:extLst>
+              <a:ext uri="{FF2B5EF4-FFF2-40B4-BE49-F238E27FC236}">
+                <a16:creationId xmlns:a16="http://schemas.microsoft.com/office/drawing/2014/main" id="{C04CABB0-F69E-47FE-82C9-C9022F4AE937}"/>
+              </a:ext>
+            </a:extLst>
+          </p:cNvPr>
+          <p:cNvSpPr>
+            <a:spLocks noGrp="1"/>
+          </p:cNvSpPr>
+          <p:nvPr>
+            <p:ph idx="1"/>
+          </p:nvPr>
+        </p:nvSpPr>
+        <p:spPr>
+          <a:xfrm>
+            <a:off x="838200" y="1815783"/>
+            <a:ext cx="10515600" cy="4351338"/>
+          </a:xfrm>
+        </p:spPr>
+        <p:txBody>
+          <a:bodyPr/>
+          <a:lstStyle/>
+          <a:p>
+            <a:r>
+              <a:rPr lang="es-ES" dirty="0"/>
+              <a:t>Árbol de decisión</a:t>
+            </a:r>
+          </a:p>
+        </p:txBody>
+      </p:sp>
+      <p:pic>
+        <p:nvPicPr>
+          <p:cNvPr id="6" name="Imagen 5">
+            <a:extLst>
+              <a:ext uri="{FF2B5EF4-FFF2-40B4-BE49-F238E27FC236}">
+                <a16:creationId xmlns:a16="http://schemas.microsoft.com/office/drawing/2014/main" id="{638835D7-2F54-45BA-B24E-5D9FFD175457}"/>
+              </a:ext>
+            </a:extLst>
+          </p:cNvPr>
+          <p:cNvPicPr/>
+          <p:nvPr/>
+        </p:nvPicPr>
+        <p:blipFill>
+          <a:blip r:embed="rId2"/>
+          <a:stretch>
+            <a:fillRect/>
+          </a:stretch>
+        </p:blipFill>
+        <p:spPr>
+          <a:xfrm>
+            <a:off x="1596971" y="2267628"/>
+            <a:ext cx="8048069" cy="4351337"/>
+          </a:xfrm>
+          <a:prstGeom prst="rect">
+            <a:avLst/>
+          </a:prstGeom>
+        </p:spPr>
+      </p:pic>
+    </p:spTree>
+    <p:extLst>
+      <p:ext uri="{BB962C8B-B14F-4D97-AF65-F5344CB8AC3E}">
+        <p14:creationId xmlns:p14="http://schemas.microsoft.com/office/powerpoint/2010/main" val="2580939046"/>
+      </p:ext>
+    </p:extLst>
+  </p:cSld>
+  <p:clrMapOvr>
+    <a:masterClrMapping/>
+  </p:clrMapOvr>
+</p:sld>
+</file>
+
+<file path=ppt/slides/slide27.xml><?xml version="1.0" encoding="utf-8"?>
+<p:sld xmlns:a="http://schemas.openxmlformats.org/drawingml/2006/main" xmlns:r="http://schemas.openxmlformats.org/officeDocument/2006/relationships" xmlns:p="http://schemas.openxmlformats.org/presentationml/2006/main">
+  <p:cSld>
+    <p:spTree>
+      <p:nvGrpSpPr>
+        <p:cNvPr id="1" name=""/>
+        <p:cNvGrpSpPr/>
+        <p:nvPr/>
+      </p:nvGrpSpPr>
+      <p:grpSpPr>
+        <a:xfrm>
+          <a:off x="0" y="0"/>
+          <a:ext cx="0" cy="0"/>
+          <a:chOff x="0" y="0"/>
+          <a:chExt cx="0" cy="0"/>
+        </a:xfrm>
+      </p:grpSpPr>
+      <p:sp>
+        <p:nvSpPr>
+          <p:cNvPr id="2" name="Título 1">
+            <a:extLst>
+              <a:ext uri="{FF2B5EF4-FFF2-40B4-BE49-F238E27FC236}">
+                <a16:creationId xmlns:a16="http://schemas.microsoft.com/office/drawing/2014/main" id="{713C02B5-CD52-4C57-A973-686529F05156}"/>
+              </a:ext>
+            </a:extLst>
+          </p:cNvPr>
+          <p:cNvSpPr>
+            <a:spLocks noGrp="1"/>
+          </p:cNvSpPr>
+          <p:nvPr>
+            <p:ph type="title"/>
+          </p:nvPr>
+        </p:nvSpPr>
+        <p:spPr/>
+        <p:txBody>
+          <a:bodyPr/>
+          <a:lstStyle/>
+          <a:p>
+            <a:r>
+              <a:rPr lang="es-ES" dirty="0"/>
+              <a:t>2.3. Tercera iteración: data </a:t>
+            </a:r>
+            <a:r>
+              <a:rPr lang="es-ES" dirty="0" err="1"/>
+              <a:t>mining</a:t>
+            </a:r>
+            <a:endParaRPr lang="es-ES" dirty="0"/>
+          </a:p>
+        </p:txBody>
+      </p:sp>
+      <p:sp>
+        <p:nvSpPr>
+          <p:cNvPr id="3" name="Marcador de contenido 2">
+            <a:extLst>
+              <a:ext uri="{FF2B5EF4-FFF2-40B4-BE49-F238E27FC236}">
+                <a16:creationId xmlns:a16="http://schemas.microsoft.com/office/drawing/2014/main" id="{C04CABB0-F69E-47FE-82C9-C9022F4AE937}"/>
+              </a:ext>
+            </a:extLst>
+          </p:cNvPr>
+          <p:cNvSpPr>
+            <a:spLocks noGrp="1"/>
+          </p:cNvSpPr>
+          <p:nvPr>
+            <p:ph idx="1"/>
+          </p:nvPr>
+        </p:nvSpPr>
+        <p:spPr>
+          <a:xfrm>
+            <a:off x="838200" y="1815783"/>
+            <a:ext cx="10515600" cy="4351338"/>
+          </a:xfrm>
+        </p:spPr>
+        <p:txBody>
+          <a:bodyPr/>
+          <a:lstStyle/>
+          <a:p>
+            <a:pPr marL="0" indent="0">
+              <a:buNone/>
+            </a:pPr>
+            <a:r>
+              <a:rPr lang="es-ES" sz="2000" dirty="0"/>
+              <a:t>CONCLUSIONES</a:t>
+            </a:r>
+          </a:p>
+          <a:p>
+            <a:r>
+              <a:rPr lang="es-ES" dirty="0"/>
+              <a:t>“Mala” iteración: las clases estaban muy desbalanceadas</a:t>
+            </a:r>
+          </a:p>
+          <a:p>
+            <a:endParaRPr lang="es-ES" dirty="0"/>
+          </a:p>
+          <a:p>
+            <a:endParaRPr lang="es-ES" dirty="0"/>
+          </a:p>
+          <a:p>
+            <a:endParaRPr lang="es-ES" dirty="0"/>
+          </a:p>
+          <a:p>
+            <a:endParaRPr lang="es-ES" dirty="0"/>
+          </a:p>
+          <a:p>
+            <a:endParaRPr lang="es-ES" dirty="0"/>
+          </a:p>
+          <a:p>
+            <a:endParaRPr lang="es-ES" dirty="0"/>
+          </a:p>
+          <a:p>
+            <a:pPr marL="0" indent="0">
+              <a:buNone/>
+            </a:pPr>
+            <a:r>
+              <a:rPr lang="es-ES" sz="3600" dirty="0"/>
+              <a:t>							¡Otra iteración!</a:t>
+            </a:r>
+          </a:p>
+        </p:txBody>
+      </p:sp>
+    </p:spTree>
+    <p:extLst>
+      <p:ext uri="{BB962C8B-B14F-4D97-AF65-F5344CB8AC3E}">
+        <p14:creationId xmlns:p14="http://schemas.microsoft.com/office/powerpoint/2010/main" val="976396462"/>
+      </p:ext>
+    </p:extLst>
+  </p:cSld>
+  <p:clrMapOvr>
+    <a:masterClrMapping/>
+  </p:clrMapOvr>
+</p:sld>
+</file>
+
+<file path=ppt/slides/slide28.xml><?xml version="1.0" encoding="utf-8"?>
+<p:sld xmlns:a="http://schemas.openxmlformats.org/drawingml/2006/main" xmlns:r="http://schemas.openxmlformats.org/officeDocument/2006/relationships" xmlns:p="http://schemas.openxmlformats.org/presentationml/2006/main">
+  <p:cSld>
+    <p:spTree>
+      <p:nvGrpSpPr>
+        <p:cNvPr id="1" name=""/>
+        <p:cNvGrpSpPr/>
+        <p:nvPr/>
+      </p:nvGrpSpPr>
+      <p:grpSpPr>
+        <a:xfrm>
+          <a:off x="0" y="0"/>
+          <a:ext cx="0" cy="0"/>
+          <a:chOff x="0" y="0"/>
+          <a:chExt cx="0" cy="0"/>
+        </a:xfrm>
+      </p:grpSpPr>
+      <p:sp>
+        <p:nvSpPr>
+          <p:cNvPr id="2" name="Título 1">
+            <a:extLst>
+              <a:ext uri="{FF2B5EF4-FFF2-40B4-BE49-F238E27FC236}">
+                <a16:creationId xmlns:a16="http://schemas.microsoft.com/office/drawing/2014/main" id="{1AEF56AF-E1B2-403A-BB67-76874287F5FF}"/>
+              </a:ext>
+            </a:extLst>
+          </p:cNvPr>
+          <p:cNvSpPr>
+            <a:spLocks noGrp="1"/>
+          </p:cNvSpPr>
+          <p:nvPr>
+            <p:ph type="title"/>
+          </p:nvPr>
+        </p:nvSpPr>
+        <p:spPr/>
+        <p:txBody>
+          <a:bodyPr/>
+          <a:lstStyle/>
+          <a:p>
+            <a:r>
+              <a:rPr lang="es-ES" dirty="0"/>
+              <a:t>2.4. Cuarta iteración: </a:t>
+            </a:r>
+            <a:r>
+              <a:rPr lang="es-ES" dirty="0" err="1"/>
+              <a:t>pre-procesado</a:t>
+            </a:r>
+            <a:endParaRPr lang="es-ES" dirty="0"/>
+          </a:p>
+        </p:txBody>
+      </p:sp>
+      <p:sp>
+        <p:nvSpPr>
+          <p:cNvPr id="3" name="Marcador de contenido 2">
+            <a:extLst>
+              <a:ext uri="{FF2B5EF4-FFF2-40B4-BE49-F238E27FC236}">
+                <a16:creationId xmlns:a16="http://schemas.microsoft.com/office/drawing/2014/main" id="{AF23C72D-2C99-4330-BBEF-3DEA75D32DF6}"/>
+              </a:ext>
+            </a:extLst>
+          </p:cNvPr>
+          <p:cNvSpPr>
+            <a:spLocks noGrp="1"/>
+          </p:cNvSpPr>
+          <p:nvPr>
+            <p:ph idx="1"/>
+          </p:nvPr>
+        </p:nvSpPr>
+        <p:spPr>
+          <a:xfrm>
+            <a:off x="677334" y="1930400"/>
+            <a:ext cx="8596668" cy="3880773"/>
+          </a:xfrm>
+        </p:spPr>
+        <p:txBody>
+          <a:bodyPr/>
+          <a:lstStyle/>
+          <a:p>
+            <a:r>
+              <a:rPr lang="es-ES" dirty="0"/>
+              <a:t>Agrupación en 3 clases</a:t>
+            </a:r>
+          </a:p>
+          <a:p>
+            <a:endParaRPr lang="es-ES" dirty="0"/>
+          </a:p>
+          <a:p>
+            <a:endParaRPr lang="es-ES" dirty="0"/>
+          </a:p>
+          <a:p>
+            <a:endParaRPr lang="es-ES" dirty="0"/>
+          </a:p>
+        </p:txBody>
+      </p:sp>
+      <p:pic>
+        <p:nvPicPr>
+          <p:cNvPr id="4" name="Imagen 3">
+            <a:extLst>
+              <a:ext uri="{FF2B5EF4-FFF2-40B4-BE49-F238E27FC236}">
+                <a16:creationId xmlns:a16="http://schemas.microsoft.com/office/drawing/2014/main" id="{165A76E8-7D65-44E4-B8B4-90246A6723CA}"/>
+              </a:ext>
+            </a:extLst>
+          </p:cNvPr>
+          <p:cNvPicPr/>
+          <p:nvPr/>
+        </p:nvPicPr>
+        <p:blipFill>
+          <a:blip r:embed="rId2">
+            <a:extLst>
+              <a:ext uri="{28A0092B-C50C-407E-A947-70E740481C1C}">
+                <a14:useLocalDpi xmlns:a14="http://schemas.microsoft.com/office/drawing/2010/main" val="0"/>
+              </a:ext>
+            </a:extLst>
+          </a:blip>
+          <a:srcRect/>
+          <a:stretch>
+            <a:fillRect/>
+          </a:stretch>
+        </p:blipFill>
+        <p:spPr bwMode="auto">
+          <a:xfrm>
+            <a:off x="2219935" y="2397429"/>
+            <a:ext cx="6953859" cy="4372889"/>
+          </a:xfrm>
+          <a:prstGeom prst="rect">
+            <a:avLst/>
+          </a:prstGeom>
+          <a:noFill/>
+          <a:ln>
+            <a:noFill/>
+          </a:ln>
+        </p:spPr>
+      </p:pic>
+    </p:spTree>
+    <p:extLst>
+      <p:ext uri="{BB962C8B-B14F-4D97-AF65-F5344CB8AC3E}">
+        <p14:creationId xmlns:p14="http://schemas.microsoft.com/office/powerpoint/2010/main" val="2341559564"/>
+      </p:ext>
+    </p:extLst>
+  </p:cSld>
+  <p:clrMapOvr>
+    <a:masterClrMapping/>
+  </p:clrMapOvr>
+</p:sld>
+</file>
+
+<file path=ppt/slides/slide29.xml><?xml version="1.0" encoding="utf-8"?>
+<p:sld xmlns:a="http://schemas.openxmlformats.org/drawingml/2006/main" xmlns:r="http://schemas.openxmlformats.org/officeDocument/2006/relationships" xmlns:p="http://schemas.openxmlformats.org/presentationml/2006/main">
+  <p:cSld>
+    <p:spTree>
+      <p:nvGrpSpPr>
+        <p:cNvPr id="1" name=""/>
+        <p:cNvGrpSpPr/>
+        <p:nvPr/>
+      </p:nvGrpSpPr>
+      <p:grpSpPr>
+        <a:xfrm>
+          <a:off x="0" y="0"/>
+          <a:ext cx="0" cy="0"/>
+          <a:chOff x="0" y="0"/>
+          <a:chExt cx="0" cy="0"/>
+        </a:xfrm>
+      </p:grpSpPr>
+      <p:sp>
+        <p:nvSpPr>
+          <p:cNvPr id="2" name="Título 1">
+            <a:extLst>
+              <a:ext uri="{FF2B5EF4-FFF2-40B4-BE49-F238E27FC236}">
+                <a16:creationId xmlns:a16="http://schemas.microsoft.com/office/drawing/2014/main" id="{1AEF56AF-E1B2-403A-BB67-76874287F5FF}"/>
+              </a:ext>
+            </a:extLst>
+          </p:cNvPr>
+          <p:cNvSpPr>
+            <a:spLocks noGrp="1"/>
+          </p:cNvSpPr>
+          <p:nvPr>
+            <p:ph type="title"/>
+          </p:nvPr>
+        </p:nvSpPr>
+        <p:spPr/>
+        <p:txBody>
+          <a:bodyPr/>
+          <a:lstStyle/>
+          <a:p>
+            <a:r>
+              <a:rPr lang="es-ES" dirty="0"/>
+              <a:t>2.4. Cuarta iteración: data </a:t>
+            </a:r>
+            <a:r>
+              <a:rPr lang="es-ES" dirty="0" err="1"/>
+              <a:t>mining</a:t>
+            </a:r>
+            <a:endParaRPr lang="es-ES" dirty="0"/>
+          </a:p>
+        </p:txBody>
+      </p:sp>
+      <p:sp>
+        <p:nvSpPr>
+          <p:cNvPr id="3" name="Marcador de contenido 2">
+            <a:extLst>
+              <a:ext uri="{FF2B5EF4-FFF2-40B4-BE49-F238E27FC236}">
+                <a16:creationId xmlns:a16="http://schemas.microsoft.com/office/drawing/2014/main" id="{AF23C72D-2C99-4330-BBEF-3DEA75D32DF6}"/>
+              </a:ext>
+            </a:extLst>
+          </p:cNvPr>
+          <p:cNvSpPr>
+            <a:spLocks noGrp="1"/>
+          </p:cNvSpPr>
+          <p:nvPr>
+            <p:ph idx="1"/>
+          </p:nvPr>
+        </p:nvSpPr>
+        <p:spPr>
+          <a:xfrm>
+            <a:off x="677334" y="1930400"/>
+            <a:ext cx="8596668" cy="3880773"/>
+          </a:xfrm>
+        </p:spPr>
+        <p:txBody>
+          <a:bodyPr/>
+          <a:lstStyle/>
+          <a:p>
+            <a:r>
+              <a:rPr lang="es-ES" dirty="0"/>
+              <a:t>Algoritmo KNN</a:t>
+            </a:r>
+          </a:p>
+          <a:p>
+            <a:endParaRPr lang="es-ES" dirty="0"/>
+          </a:p>
+          <a:p>
+            <a:pPr marL="0" indent="0">
+              <a:buNone/>
+            </a:pPr>
+            <a:endParaRPr lang="es-ES" dirty="0"/>
+          </a:p>
+          <a:p>
+            <a:endParaRPr lang="es-ES" dirty="0"/>
+          </a:p>
+          <a:p>
+            <a:endParaRPr lang="es-ES" dirty="0"/>
+          </a:p>
+          <a:p>
+            <a:endParaRPr lang="es-ES" dirty="0"/>
+          </a:p>
+        </p:txBody>
+      </p:sp>
+      <p:pic>
+        <p:nvPicPr>
+          <p:cNvPr id="5" name="Imagen 4">
+            <a:extLst>
+              <a:ext uri="{FF2B5EF4-FFF2-40B4-BE49-F238E27FC236}">
+                <a16:creationId xmlns:a16="http://schemas.microsoft.com/office/drawing/2014/main" id="{13EA131C-C5F0-4B63-8AE8-E57BD1FB42DE}"/>
+              </a:ext>
+            </a:extLst>
+          </p:cNvPr>
+          <p:cNvPicPr/>
+          <p:nvPr/>
+        </p:nvPicPr>
+        <p:blipFill>
+          <a:blip r:embed="rId2">
+            <a:extLst>
+              <a:ext uri="{28A0092B-C50C-407E-A947-70E740481C1C}">
+                <a14:useLocalDpi xmlns:a14="http://schemas.microsoft.com/office/drawing/2010/main" val="0"/>
+              </a:ext>
+            </a:extLst>
+          </a:blip>
+          <a:stretch>
+            <a:fillRect/>
+          </a:stretch>
+        </p:blipFill>
+        <p:spPr>
+          <a:xfrm>
+            <a:off x="874964" y="2479860"/>
+            <a:ext cx="5651095" cy="3582737"/>
+          </a:xfrm>
+          <a:prstGeom prst="rect">
+            <a:avLst/>
+          </a:prstGeom>
+        </p:spPr>
+      </p:pic>
+      <p:pic>
+        <p:nvPicPr>
+          <p:cNvPr id="6" name="Imagen 5">
+            <a:extLst>
+              <a:ext uri="{FF2B5EF4-FFF2-40B4-BE49-F238E27FC236}">
+                <a16:creationId xmlns:a16="http://schemas.microsoft.com/office/drawing/2014/main" id="{5A6C7CE3-F0FD-4ED0-8A95-67D921A6CD97}"/>
+              </a:ext>
+            </a:extLst>
+          </p:cNvPr>
+          <p:cNvPicPr/>
+          <p:nvPr/>
+        </p:nvPicPr>
+        <p:blipFill>
+          <a:blip r:embed="rId3" cstate="print">
+            <a:extLst>
+              <a:ext uri="{28A0092B-C50C-407E-A947-70E740481C1C}">
+                <a14:useLocalDpi xmlns:a14="http://schemas.microsoft.com/office/drawing/2010/main" val="0"/>
+              </a:ext>
+            </a:extLst>
+          </a:blip>
+          <a:stretch>
+            <a:fillRect/>
+          </a:stretch>
+        </p:blipFill>
+        <p:spPr>
+          <a:xfrm>
+            <a:off x="6712014" y="3209098"/>
+            <a:ext cx="4605021" cy="1320800"/>
+          </a:xfrm>
+          <a:prstGeom prst="rect">
+            <a:avLst/>
+          </a:prstGeom>
+        </p:spPr>
+      </p:pic>
+    </p:spTree>
+    <p:extLst>
+      <p:ext uri="{BB962C8B-B14F-4D97-AF65-F5344CB8AC3E}">
+        <p14:creationId xmlns:p14="http://schemas.microsoft.com/office/powerpoint/2010/main" val="1088952648"/>
       </p:ext>
     </p:extLst>
   </p:cSld>
@@ -9863,588 +9899,6 @@
           <p:cNvPr id="2" name="Título 1">
             <a:extLst>
               <a:ext uri="{FF2B5EF4-FFF2-40B4-BE49-F238E27FC236}">
-                <a16:creationId xmlns:a16="http://schemas.microsoft.com/office/drawing/2014/main" id="{713C02B5-CD52-4C57-A973-686529F05156}"/>
-              </a:ext>
-            </a:extLst>
-          </p:cNvPr>
-          <p:cNvSpPr>
-            <a:spLocks noGrp="1"/>
-          </p:cNvSpPr>
-          <p:nvPr>
-            <p:ph type="title"/>
-          </p:nvPr>
-        </p:nvSpPr>
-        <p:spPr/>
-        <p:txBody>
-          <a:bodyPr/>
-          <a:lstStyle/>
-          <a:p>
-            <a:r>
-              <a:rPr lang="es-ES" dirty="0"/>
-              <a:t>2.3. Tercera iteración: data </a:t>
-            </a:r>
-            <a:r>
-              <a:rPr lang="es-ES" dirty="0" err="1"/>
-              <a:t>mining</a:t>
-            </a:r>
-            <a:endParaRPr lang="es-ES" dirty="0"/>
-          </a:p>
-        </p:txBody>
-      </p:sp>
-      <p:sp>
-        <p:nvSpPr>
-          <p:cNvPr id="3" name="Marcador de contenido 2">
-            <a:extLst>
-              <a:ext uri="{FF2B5EF4-FFF2-40B4-BE49-F238E27FC236}">
-                <a16:creationId xmlns:a16="http://schemas.microsoft.com/office/drawing/2014/main" id="{C04CABB0-F69E-47FE-82C9-C9022F4AE937}"/>
-              </a:ext>
-            </a:extLst>
-          </p:cNvPr>
-          <p:cNvSpPr>
-            <a:spLocks noGrp="1"/>
-          </p:cNvSpPr>
-          <p:nvPr>
-            <p:ph idx="1"/>
-          </p:nvPr>
-        </p:nvSpPr>
-        <p:spPr>
-          <a:xfrm>
-            <a:off x="838200" y="1815783"/>
-            <a:ext cx="10515600" cy="4351338"/>
-          </a:xfrm>
-        </p:spPr>
-        <p:txBody>
-          <a:bodyPr/>
-          <a:lstStyle/>
-          <a:p>
-            <a:r>
-              <a:rPr lang="es-ES" dirty="0"/>
-              <a:t>Árbol de decisión</a:t>
-            </a:r>
-          </a:p>
-        </p:txBody>
-      </p:sp>
-      <p:pic>
-        <p:nvPicPr>
-          <p:cNvPr id="6" name="Imagen 5">
-            <a:extLst>
-              <a:ext uri="{FF2B5EF4-FFF2-40B4-BE49-F238E27FC236}">
-                <a16:creationId xmlns:a16="http://schemas.microsoft.com/office/drawing/2014/main" id="{638835D7-2F54-45BA-B24E-5D9FFD175457}"/>
-              </a:ext>
-            </a:extLst>
-          </p:cNvPr>
-          <p:cNvPicPr/>
-          <p:nvPr/>
-        </p:nvPicPr>
-        <p:blipFill>
-          <a:blip r:embed="rId2"/>
-          <a:stretch>
-            <a:fillRect/>
-          </a:stretch>
-        </p:blipFill>
-        <p:spPr>
-          <a:xfrm>
-            <a:off x="1596971" y="2267628"/>
-            <a:ext cx="8048069" cy="4351337"/>
-          </a:xfrm>
-          <a:prstGeom prst="rect">
-            <a:avLst/>
-          </a:prstGeom>
-        </p:spPr>
-      </p:pic>
-    </p:spTree>
-    <p:extLst>
-      <p:ext uri="{BB962C8B-B14F-4D97-AF65-F5344CB8AC3E}">
-        <p14:creationId xmlns:p14="http://schemas.microsoft.com/office/powerpoint/2010/main" val="2580939046"/>
-      </p:ext>
-    </p:extLst>
-  </p:cSld>
-  <p:clrMapOvr>
-    <a:masterClrMapping/>
-  </p:clrMapOvr>
-</p:sld>
-</file>
-
-<file path=ppt/slides/slide31.xml><?xml version="1.0" encoding="utf-8"?>
-<p:sld xmlns:a="http://schemas.openxmlformats.org/drawingml/2006/main" xmlns:r="http://schemas.openxmlformats.org/officeDocument/2006/relationships" xmlns:p="http://schemas.openxmlformats.org/presentationml/2006/main">
-  <p:cSld>
-    <p:spTree>
-      <p:nvGrpSpPr>
-        <p:cNvPr id="1" name=""/>
-        <p:cNvGrpSpPr/>
-        <p:nvPr/>
-      </p:nvGrpSpPr>
-      <p:grpSpPr>
-        <a:xfrm>
-          <a:off x="0" y="0"/>
-          <a:ext cx="0" cy="0"/>
-          <a:chOff x="0" y="0"/>
-          <a:chExt cx="0" cy="0"/>
-        </a:xfrm>
-      </p:grpSpPr>
-      <p:sp>
-        <p:nvSpPr>
-          <p:cNvPr id="2" name="Título 1">
-            <a:extLst>
-              <a:ext uri="{FF2B5EF4-FFF2-40B4-BE49-F238E27FC236}">
-                <a16:creationId xmlns:a16="http://schemas.microsoft.com/office/drawing/2014/main" id="{713C02B5-CD52-4C57-A973-686529F05156}"/>
-              </a:ext>
-            </a:extLst>
-          </p:cNvPr>
-          <p:cNvSpPr>
-            <a:spLocks noGrp="1"/>
-          </p:cNvSpPr>
-          <p:nvPr>
-            <p:ph type="title"/>
-          </p:nvPr>
-        </p:nvSpPr>
-        <p:spPr/>
-        <p:txBody>
-          <a:bodyPr/>
-          <a:lstStyle/>
-          <a:p>
-            <a:r>
-              <a:rPr lang="es-ES" dirty="0"/>
-              <a:t>2.3. Tercera iteración: data </a:t>
-            </a:r>
-            <a:r>
-              <a:rPr lang="es-ES" dirty="0" err="1"/>
-              <a:t>mining</a:t>
-            </a:r>
-            <a:endParaRPr lang="es-ES" dirty="0"/>
-          </a:p>
-        </p:txBody>
-      </p:sp>
-      <p:sp>
-        <p:nvSpPr>
-          <p:cNvPr id="3" name="Marcador de contenido 2">
-            <a:extLst>
-              <a:ext uri="{FF2B5EF4-FFF2-40B4-BE49-F238E27FC236}">
-                <a16:creationId xmlns:a16="http://schemas.microsoft.com/office/drawing/2014/main" id="{C04CABB0-F69E-47FE-82C9-C9022F4AE937}"/>
-              </a:ext>
-            </a:extLst>
-          </p:cNvPr>
-          <p:cNvSpPr>
-            <a:spLocks noGrp="1"/>
-          </p:cNvSpPr>
-          <p:nvPr>
-            <p:ph idx="1"/>
-          </p:nvPr>
-        </p:nvSpPr>
-        <p:spPr>
-          <a:xfrm>
-            <a:off x="838200" y="1815783"/>
-            <a:ext cx="10515600" cy="4351338"/>
-          </a:xfrm>
-        </p:spPr>
-        <p:txBody>
-          <a:bodyPr/>
-          <a:lstStyle/>
-          <a:p>
-            <a:pPr marL="0" indent="0">
-              <a:buNone/>
-            </a:pPr>
-            <a:r>
-              <a:rPr lang="es-ES" sz="2000" dirty="0"/>
-              <a:t>CONCLUSIONES</a:t>
-            </a:r>
-          </a:p>
-          <a:p>
-            <a:r>
-              <a:rPr lang="es-ES" dirty="0"/>
-              <a:t>“Mala” iteración: las clases estaban muy desbalanceadas</a:t>
-            </a:r>
-          </a:p>
-          <a:p>
-            <a:endParaRPr lang="es-ES" dirty="0"/>
-          </a:p>
-          <a:p>
-            <a:endParaRPr lang="es-ES" dirty="0"/>
-          </a:p>
-          <a:p>
-            <a:endParaRPr lang="es-ES" dirty="0"/>
-          </a:p>
-          <a:p>
-            <a:endParaRPr lang="es-ES" dirty="0"/>
-          </a:p>
-          <a:p>
-            <a:endParaRPr lang="es-ES" dirty="0"/>
-          </a:p>
-          <a:p>
-            <a:endParaRPr lang="es-ES" dirty="0"/>
-          </a:p>
-          <a:p>
-            <a:pPr marL="0" indent="0">
-              <a:buNone/>
-            </a:pPr>
-            <a:r>
-              <a:rPr lang="es-ES" sz="3600" dirty="0"/>
-              <a:t>							¡Otra iteración!</a:t>
-            </a:r>
-          </a:p>
-        </p:txBody>
-      </p:sp>
-    </p:spTree>
-    <p:extLst>
-      <p:ext uri="{BB962C8B-B14F-4D97-AF65-F5344CB8AC3E}">
-        <p14:creationId xmlns:p14="http://schemas.microsoft.com/office/powerpoint/2010/main" val="976396462"/>
-      </p:ext>
-    </p:extLst>
-  </p:cSld>
-  <p:clrMapOvr>
-    <a:masterClrMapping/>
-  </p:clrMapOvr>
-</p:sld>
-</file>
-
-<file path=ppt/slides/slide32.xml><?xml version="1.0" encoding="utf-8"?>
-<p:sld xmlns:a="http://schemas.openxmlformats.org/drawingml/2006/main" xmlns:r="http://schemas.openxmlformats.org/officeDocument/2006/relationships" xmlns:p="http://schemas.openxmlformats.org/presentationml/2006/main">
-  <p:cSld>
-    <p:spTree>
-      <p:nvGrpSpPr>
-        <p:cNvPr id="1" name=""/>
-        <p:cNvGrpSpPr/>
-        <p:nvPr/>
-      </p:nvGrpSpPr>
-      <p:grpSpPr>
-        <a:xfrm>
-          <a:off x="0" y="0"/>
-          <a:ext cx="0" cy="0"/>
-          <a:chOff x="0" y="0"/>
-          <a:chExt cx="0" cy="0"/>
-        </a:xfrm>
-      </p:grpSpPr>
-      <p:sp>
-        <p:nvSpPr>
-          <p:cNvPr id="2" name="Título 1">
-            <a:extLst>
-              <a:ext uri="{FF2B5EF4-FFF2-40B4-BE49-F238E27FC236}">
-                <a16:creationId xmlns:a16="http://schemas.microsoft.com/office/drawing/2014/main" id="{1AEF56AF-E1B2-403A-BB67-76874287F5FF}"/>
-              </a:ext>
-            </a:extLst>
-          </p:cNvPr>
-          <p:cNvSpPr>
-            <a:spLocks noGrp="1"/>
-          </p:cNvSpPr>
-          <p:nvPr>
-            <p:ph type="title"/>
-          </p:nvPr>
-        </p:nvSpPr>
-        <p:spPr/>
-        <p:txBody>
-          <a:bodyPr/>
-          <a:lstStyle/>
-          <a:p>
-            <a:r>
-              <a:rPr lang="es-ES" dirty="0"/>
-              <a:t>2.4. Cuarta iteración: </a:t>
-            </a:r>
-            <a:r>
-              <a:rPr lang="es-ES" dirty="0" err="1"/>
-              <a:t>pre-procesado</a:t>
-            </a:r>
-            <a:endParaRPr lang="es-ES" dirty="0"/>
-          </a:p>
-        </p:txBody>
-      </p:sp>
-      <p:sp>
-        <p:nvSpPr>
-          <p:cNvPr id="3" name="Marcador de contenido 2">
-            <a:extLst>
-              <a:ext uri="{FF2B5EF4-FFF2-40B4-BE49-F238E27FC236}">
-                <a16:creationId xmlns:a16="http://schemas.microsoft.com/office/drawing/2014/main" id="{AF23C72D-2C99-4330-BBEF-3DEA75D32DF6}"/>
-              </a:ext>
-            </a:extLst>
-          </p:cNvPr>
-          <p:cNvSpPr>
-            <a:spLocks noGrp="1"/>
-          </p:cNvSpPr>
-          <p:nvPr>
-            <p:ph idx="1"/>
-          </p:nvPr>
-        </p:nvSpPr>
-        <p:spPr>
-          <a:xfrm>
-            <a:off x="677334" y="1930400"/>
-            <a:ext cx="8596668" cy="3880773"/>
-          </a:xfrm>
-        </p:spPr>
-        <p:txBody>
-          <a:bodyPr/>
-          <a:lstStyle/>
-          <a:p>
-            <a:r>
-              <a:rPr lang="es-ES" dirty="0"/>
-              <a:t>Agrupación en 3 clases</a:t>
-            </a:r>
-          </a:p>
-          <a:p>
-            <a:endParaRPr lang="es-ES" dirty="0"/>
-          </a:p>
-          <a:p>
-            <a:endParaRPr lang="es-ES" dirty="0"/>
-          </a:p>
-          <a:p>
-            <a:endParaRPr lang="es-ES" dirty="0"/>
-          </a:p>
-        </p:txBody>
-      </p:sp>
-      <p:pic>
-        <p:nvPicPr>
-          <p:cNvPr id="4" name="Imagen 3">
-            <a:extLst>
-              <a:ext uri="{FF2B5EF4-FFF2-40B4-BE49-F238E27FC236}">
-                <a16:creationId xmlns:a16="http://schemas.microsoft.com/office/drawing/2014/main" id="{165A76E8-7D65-44E4-B8B4-90246A6723CA}"/>
-              </a:ext>
-            </a:extLst>
-          </p:cNvPr>
-          <p:cNvPicPr/>
-          <p:nvPr/>
-        </p:nvPicPr>
-        <p:blipFill>
-          <a:blip r:embed="rId2">
-            <a:extLst>
-              <a:ext uri="{28A0092B-C50C-407E-A947-70E740481C1C}">
-                <a14:useLocalDpi xmlns:a14="http://schemas.microsoft.com/office/drawing/2010/main" val="0"/>
-              </a:ext>
-            </a:extLst>
-          </a:blip>
-          <a:srcRect/>
-          <a:stretch>
-            <a:fillRect/>
-          </a:stretch>
-        </p:blipFill>
-        <p:spPr bwMode="auto">
-          <a:xfrm>
-            <a:off x="2219935" y="2397429"/>
-            <a:ext cx="6953859" cy="4372889"/>
-          </a:xfrm>
-          <a:prstGeom prst="rect">
-            <a:avLst/>
-          </a:prstGeom>
-          <a:noFill/>
-          <a:ln>
-            <a:noFill/>
-          </a:ln>
-        </p:spPr>
-      </p:pic>
-    </p:spTree>
-    <p:extLst>
-      <p:ext uri="{BB962C8B-B14F-4D97-AF65-F5344CB8AC3E}">
-        <p14:creationId xmlns:p14="http://schemas.microsoft.com/office/powerpoint/2010/main" val="2341559564"/>
-      </p:ext>
-    </p:extLst>
-  </p:cSld>
-  <p:clrMapOvr>
-    <a:masterClrMapping/>
-  </p:clrMapOvr>
-</p:sld>
-</file>
-
-<file path=ppt/slides/slide33.xml><?xml version="1.0" encoding="utf-8"?>
-<p:sld xmlns:a="http://schemas.openxmlformats.org/drawingml/2006/main" xmlns:r="http://schemas.openxmlformats.org/officeDocument/2006/relationships" xmlns:p="http://schemas.openxmlformats.org/presentationml/2006/main">
-  <p:cSld>
-    <p:spTree>
-      <p:nvGrpSpPr>
-        <p:cNvPr id="1" name=""/>
-        <p:cNvGrpSpPr/>
-        <p:nvPr/>
-      </p:nvGrpSpPr>
-      <p:grpSpPr>
-        <a:xfrm>
-          <a:off x="0" y="0"/>
-          <a:ext cx="0" cy="0"/>
-          <a:chOff x="0" y="0"/>
-          <a:chExt cx="0" cy="0"/>
-        </a:xfrm>
-      </p:grpSpPr>
-      <p:sp>
-        <p:nvSpPr>
-          <p:cNvPr id="2" name="Título 1">
-            <a:extLst>
-              <a:ext uri="{FF2B5EF4-FFF2-40B4-BE49-F238E27FC236}">
-                <a16:creationId xmlns:a16="http://schemas.microsoft.com/office/drawing/2014/main" id="{1AEF56AF-E1B2-403A-BB67-76874287F5FF}"/>
-              </a:ext>
-            </a:extLst>
-          </p:cNvPr>
-          <p:cNvSpPr>
-            <a:spLocks noGrp="1"/>
-          </p:cNvSpPr>
-          <p:nvPr>
-            <p:ph type="title"/>
-          </p:nvPr>
-        </p:nvSpPr>
-        <p:spPr/>
-        <p:txBody>
-          <a:bodyPr/>
-          <a:lstStyle/>
-          <a:p>
-            <a:r>
-              <a:rPr lang="es-ES" dirty="0"/>
-              <a:t>2.4. Cuarta iteración: data </a:t>
-            </a:r>
-            <a:r>
-              <a:rPr lang="es-ES" dirty="0" err="1"/>
-              <a:t>mining</a:t>
-            </a:r>
-            <a:endParaRPr lang="es-ES" dirty="0"/>
-          </a:p>
-        </p:txBody>
-      </p:sp>
-      <p:sp>
-        <p:nvSpPr>
-          <p:cNvPr id="3" name="Marcador de contenido 2">
-            <a:extLst>
-              <a:ext uri="{FF2B5EF4-FFF2-40B4-BE49-F238E27FC236}">
-                <a16:creationId xmlns:a16="http://schemas.microsoft.com/office/drawing/2014/main" id="{AF23C72D-2C99-4330-BBEF-3DEA75D32DF6}"/>
-              </a:ext>
-            </a:extLst>
-          </p:cNvPr>
-          <p:cNvSpPr>
-            <a:spLocks noGrp="1"/>
-          </p:cNvSpPr>
-          <p:nvPr>
-            <p:ph idx="1"/>
-          </p:nvPr>
-        </p:nvSpPr>
-        <p:spPr>
-          <a:xfrm>
-            <a:off x="677334" y="1930400"/>
-            <a:ext cx="8596668" cy="3880773"/>
-          </a:xfrm>
-        </p:spPr>
-        <p:txBody>
-          <a:bodyPr/>
-          <a:lstStyle/>
-          <a:p>
-            <a:r>
-              <a:rPr lang="es-ES" dirty="0"/>
-              <a:t>Algoritmo KNN</a:t>
-            </a:r>
-          </a:p>
-          <a:p>
-            <a:endParaRPr lang="es-ES" dirty="0"/>
-          </a:p>
-          <a:p>
-            <a:pPr marL="0" indent="0">
-              <a:buNone/>
-            </a:pPr>
-            <a:endParaRPr lang="es-ES" dirty="0"/>
-          </a:p>
-          <a:p>
-            <a:endParaRPr lang="es-ES" dirty="0"/>
-          </a:p>
-          <a:p>
-            <a:endParaRPr lang="es-ES" dirty="0"/>
-          </a:p>
-          <a:p>
-            <a:endParaRPr lang="es-ES" dirty="0"/>
-          </a:p>
-        </p:txBody>
-      </p:sp>
-      <p:pic>
-        <p:nvPicPr>
-          <p:cNvPr id="5" name="Imagen 4">
-            <a:extLst>
-              <a:ext uri="{FF2B5EF4-FFF2-40B4-BE49-F238E27FC236}">
-                <a16:creationId xmlns:a16="http://schemas.microsoft.com/office/drawing/2014/main" id="{13EA131C-C5F0-4B63-8AE8-E57BD1FB42DE}"/>
-              </a:ext>
-            </a:extLst>
-          </p:cNvPr>
-          <p:cNvPicPr/>
-          <p:nvPr/>
-        </p:nvPicPr>
-        <p:blipFill>
-          <a:blip r:embed="rId2">
-            <a:extLst>
-              <a:ext uri="{28A0092B-C50C-407E-A947-70E740481C1C}">
-                <a14:useLocalDpi xmlns:a14="http://schemas.microsoft.com/office/drawing/2010/main" val="0"/>
-              </a:ext>
-            </a:extLst>
-          </a:blip>
-          <a:stretch>
-            <a:fillRect/>
-          </a:stretch>
-        </p:blipFill>
-        <p:spPr>
-          <a:xfrm>
-            <a:off x="874964" y="2479860"/>
-            <a:ext cx="5651095" cy="3582737"/>
-          </a:xfrm>
-          <a:prstGeom prst="rect">
-            <a:avLst/>
-          </a:prstGeom>
-        </p:spPr>
-      </p:pic>
-      <p:pic>
-        <p:nvPicPr>
-          <p:cNvPr id="6" name="Imagen 5">
-            <a:extLst>
-              <a:ext uri="{FF2B5EF4-FFF2-40B4-BE49-F238E27FC236}">
-                <a16:creationId xmlns:a16="http://schemas.microsoft.com/office/drawing/2014/main" id="{5A6C7CE3-F0FD-4ED0-8A95-67D921A6CD97}"/>
-              </a:ext>
-            </a:extLst>
-          </p:cNvPr>
-          <p:cNvPicPr/>
-          <p:nvPr/>
-        </p:nvPicPr>
-        <p:blipFill>
-          <a:blip r:embed="rId3" cstate="print">
-            <a:extLst>
-              <a:ext uri="{28A0092B-C50C-407E-A947-70E740481C1C}">
-                <a14:useLocalDpi xmlns:a14="http://schemas.microsoft.com/office/drawing/2010/main" val="0"/>
-              </a:ext>
-            </a:extLst>
-          </a:blip>
-          <a:stretch>
-            <a:fillRect/>
-          </a:stretch>
-        </p:blipFill>
-        <p:spPr>
-          <a:xfrm>
-            <a:off x="6712014" y="3209098"/>
-            <a:ext cx="4605021" cy="1320800"/>
-          </a:xfrm>
-          <a:prstGeom prst="rect">
-            <a:avLst/>
-          </a:prstGeom>
-        </p:spPr>
-      </p:pic>
-    </p:spTree>
-    <p:extLst>
-      <p:ext uri="{BB962C8B-B14F-4D97-AF65-F5344CB8AC3E}">
-        <p14:creationId xmlns:p14="http://schemas.microsoft.com/office/powerpoint/2010/main" val="1088952648"/>
-      </p:ext>
-    </p:extLst>
-  </p:cSld>
-  <p:clrMapOvr>
-    <a:masterClrMapping/>
-  </p:clrMapOvr>
-</p:sld>
-</file>
-
-<file path=ppt/slides/slide34.xml><?xml version="1.0" encoding="utf-8"?>
-<p:sld xmlns:a="http://schemas.openxmlformats.org/drawingml/2006/main" xmlns:r="http://schemas.openxmlformats.org/officeDocument/2006/relationships" xmlns:p="http://schemas.openxmlformats.org/presentationml/2006/main">
-  <p:cSld>
-    <p:spTree>
-      <p:nvGrpSpPr>
-        <p:cNvPr id="1" name=""/>
-        <p:cNvGrpSpPr/>
-        <p:nvPr/>
-      </p:nvGrpSpPr>
-      <p:grpSpPr>
-        <a:xfrm>
-          <a:off x="0" y="0"/>
-          <a:ext cx="0" cy="0"/>
-          <a:chOff x="0" y="0"/>
-          <a:chExt cx="0" cy="0"/>
-        </a:xfrm>
-      </p:grpSpPr>
-      <p:sp>
-        <p:nvSpPr>
-          <p:cNvPr id="2" name="Título 1">
-            <a:extLst>
-              <a:ext uri="{FF2B5EF4-FFF2-40B4-BE49-F238E27FC236}">
                 <a16:creationId xmlns:a16="http://schemas.microsoft.com/office/drawing/2014/main" id="{1AEF56AF-E1B2-403A-BB67-76874287F5FF}"/>
               </a:ext>
             </a:extLst>
@@ -10574,6 +10028,563 @@
 </p:sld>
 </file>
 
+<file path=ppt/slides/slide31.xml><?xml version="1.0" encoding="utf-8"?>
+<p:sld xmlns:a="http://schemas.openxmlformats.org/drawingml/2006/main" xmlns:r="http://schemas.openxmlformats.org/officeDocument/2006/relationships" xmlns:p="http://schemas.openxmlformats.org/presentationml/2006/main">
+  <p:cSld>
+    <p:spTree>
+      <p:nvGrpSpPr>
+        <p:cNvPr id="1" name=""/>
+        <p:cNvGrpSpPr/>
+        <p:nvPr/>
+      </p:nvGrpSpPr>
+      <p:grpSpPr>
+        <a:xfrm>
+          <a:off x="0" y="0"/>
+          <a:ext cx="0" cy="0"/>
+          <a:chOff x="0" y="0"/>
+          <a:chExt cx="0" cy="0"/>
+        </a:xfrm>
+      </p:grpSpPr>
+      <p:sp>
+        <p:nvSpPr>
+          <p:cNvPr id="2" name="Título 1">
+            <a:extLst>
+              <a:ext uri="{FF2B5EF4-FFF2-40B4-BE49-F238E27FC236}">
+                <a16:creationId xmlns:a16="http://schemas.microsoft.com/office/drawing/2014/main" id="{278991C6-B626-48DD-9042-FB1F7ECED3CF}"/>
+              </a:ext>
+            </a:extLst>
+          </p:cNvPr>
+          <p:cNvSpPr>
+            <a:spLocks noGrp="1"/>
+          </p:cNvSpPr>
+          <p:nvPr>
+            <p:ph type="title"/>
+          </p:nvPr>
+        </p:nvSpPr>
+        <p:spPr/>
+        <p:txBody>
+          <a:bodyPr/>
+          <a:lstStyle/>
+          <a:p>
+            <a:r>
+              <a:rPr lang="es-ES" dirty="0"/>
+              <a:t>2.4. Cuarta iteración: conclusiones</a:t>
+            </a:r>
+          </a:p>
+        </p:txBody>
+      </p:sp>
+      <p:sp>
+        <p:nvSpPr>
+          <p:cNvPr id="3" name="Marcador de contenido 2">
+            <a:extLst>
+              <a:ext uri="{FF2B5EF4-FFF2-40B4-BE49-F238E27FC236}">
+                <a16:creationId xmlns:a16="http://schemas.microsoft.com/office/drawing/2014/main" id="{F11EB9E3-5565-4D5C-B2A4-2E390E46425F}"/>
+              </a:ext>
+            </a:extLst>
+          </p:cNvPr>
+          <p:cNvSpPr>
+            <a:spLocks noGrp="1"/>
+          </p:cNvSpPr>
+          <p:nvPr>
+            <p:ph idx="1"/>
+          </p:nvPr>
+        </p:nvSpPr>
+        <p:spPr>
+          <a:xfrm>
+            <a:off x="677334" y="1930400"/>
+            <a:ext cx="8596668" cy="3880773"/>
+          </a:xfrm>
+        </p:spPr>
+        <p:txBody>
+          <a:bodyPr/>
+          <a:lstStyle/>
+          <a:p>
+            <a:r>
+              <a:rPr lang="es-ES" dirty="0"/>
+              <a:t>Es la iteración que mejores resultados ha conseguido:</a:t>
+            </a:r>
+          </a:p>
+          <a:p>
+            <a:endParaRPr lang="es-ES" dirty="0"/>
+          </a:p>
+          <a:p>
+            <a:endParaRPr lang="es-ES" dirty="0"/>
+          </a:p>
+          <a:p>
+            <a:pPr marL="0" indent="0" algn="ctr">
+              <a:buNone/>
+            </a:pPr>
+            <a:r>
+              <a:rPr lang="es-ES" sz="2800" dirty="0"/>
+              <a:t>¡83.5% </a:t>
+            </a:r>
+            <a:r>
+              <a:rPr lang="es-ES" sz="2800" i="1" dirty="0" err="1"/>
+              <a:t>accuracy</a:t>
+            </a:r>
+            <a:r>
+              <a:rPr lang="es-ES" sz="2800" i="1" dirty="0"/>
+              <a:t>!</a:t>
+            </a:r>
+          </a:p>
+          <a:p>
+            <a:pPr marL="0" indent="0" algn="ctr">
+              <a:buNone/>
+            </a:pPr>
+            <a:endParaRPr lang="es-ES" sz="2800" i="1" dirty="0"/>
+          </a:p>
+          <a:p>
+            <a:pPr marL="0" indent="0">
+              <a:buNone/>
+            </a:pPr>
+            <a:endParaRPr lang="es-ES" sz="2800" i="1" dirty="0"/>
+          </a:p>
+        </p:txBody>
+      </p:sp>
+    </p:spTree>
+    <p:extLst>
+      <p:ext uri="{BB962C8B-B14F-4D97-AF65-F5344CB8AC3E}">
+        <p14:creationId xmlns:p14="http://schemas.microsoft.com/office/powerpoint/2010/main" val="166385472"/>
+      </p:ext>
+    </p:extLst>
+  </p:cSld>
+  <p:clrMapOvr>
+    <a:masterClrMapping/>
+  </p:clrMapOvr>
+</p:sld>
+</file>
+
+<file path=ppt/slides/slide32.xml><?xml version="1.0" encoding="utf-8"?>
+<p:sld xmlns:a="http://schemas.openxmlformats.org/drawingml/2006/main" xmlns:r="http://schemas.openxmlformats.org/officeDocument/2006/relationships" xmlns:p="http://schemas.openxmlformats.org/presentationml/2006/main">
+  <p:cSld>
+    <p:spTree>
+      <p:nvGrpSpPr>
+        <p:cNvPr id="1" name=""/>
+        <p:cNvGrpSpPr/>
+        <p:nvPr/>
+      </p:nvGrpSpPr>
+      <p:grpSpPr>
+        <a:xfrm>
+          <a:off x="0" y="0"/>
+          <a:ext cx="0" cy="0"/>
+          <a:chOff x="0" y="0"/>
+          <a:chExt cx="0" cy="0"/>
+        </a:xfrm>
+      </p:grpSpPr>
+      <p:sp>
+        <p:nvSpPr>
+          <p:cNvPr id="2" name="Título 1">
+            <a:extLst>
+              <a:ext uri="{FF2B5EF4-FFF2-40B4-BE49-F238E27FC236}">
+                <a16:creationId xmlns:a16="http://schemas.microsoft.com/office/drawing/2014/main" id="{8E9E77AC-1263-47E0-B404-50B7E866533C}"/>
+              </a:ext>
+            </a:extLst>
+          </p:cNvPr>
+          <p:cNvSpPr>
+            <a:spLocks noGrp="1"/>
+          </p:cNvSpPr>
+          <p:nvPr>
+            <p:ph type="title"/>
+          </p:nvPr>
+        </p:nvSpPr>
+        <p:spPr/>
+        <p:txBody>
+          <a:bodyPr/>
+          <a:lstStyle/>
+          <a:p>
+            <a:r>
+              <a:rPr lang="es-ES" dirty="0"/>
+              <a:t>3. Conclusiones generales</a:t>
+            </a:r>
+          </a:p>
+        </p:txBody>
+      </p:sp>
+      <p:sp>
+        <p:nvSpPr>
+          <p:cNvPr id="3" name="Marcador de contenido 2">
+            <a:extLst>
+              <a:ext uri="{FF2B5EF4-FFF2-40B4-BE49-F238E27FC236}">
+                <a16:creationId xmlns:a16="http://schemas.microsoft.com/office/drawing/2014/main" id="{0B51FE8A-E64A-4D8F-BB06-5696712B92FE}"/>
+              </a:ext>
+            </a:extLst>
+          </p:cNvPr>
+          <p:cNvSpPr>
+            <a:spLocks noGrp="1"/>
+          </p:cNvSpPr>
+          <p:nvPr>
+            <p:ph idx="1"/>
+          </p:nvPr>
+        </p:nvSpPr>
+        <p:spPr>
+          <a:xfrm>
+            <a:off x="677334" y="1930400"/>
+            <a:ext cx="8596668" cy="3880773"/>
+          </a:xfrm>
+        </p:spPr>
+        <p:txBody>
+          <a:bodyPr/>
+          <a:lstStyle/>
+          <a:p>
+            <a:r>
+              <a:rPr lang="es-ES" dirty="0"/>
+              <a:t>Curiosidad por saber el estado mental de una persona según su ambiente de trabajo</a:t>
+            </a:r>
+          </a:p>
+          <a:p>
+            <a:pPr lvl="1"/>
+            <a:r>
+              <a:rPr lang="es-ES" i="1" dirty="0"/>
+              <a:t>“</a:t>
+            </a:r>
+            <a:r>
+              <a:rPr lang="en-US" i="1" dirty="0"/>
+              <a:t>Do you think that discussing a mental health disorder with your employer would have negative consequences?”</a:t>
+            </a:r>
+            <a:endParaRPr lang="es-ES" i="1" dirty="0"/>
+          </a:p>
+          <a:p>
+            <a:pPr lvl="1"/>
+            <a:r>
+              <a:rPr lang="es-ES" i="1" dirty="0"/>
+              <a:t>“</a:t>
+            </a:r>
+            <a:r>
+              <a:rPr lang="en-US" i="1" dirty="0"/>
+              <a:t>Has your employer ever formally discussed mental health (for example, as part of a wellness campaign or other official communication)?”</a:t>
+            </a:r>
+            <a:endParaRPr lang="es-ES" i="1" dirty="0"/>
+          </a:p>
+          <a:p>
+            <a:pPr lvl="1"/>
+            <a:endParaRPr lang="es-ES" i="1" dirty="0"/>
+          </a:p>
+        </p:txBody>
+      </p:sp>
+    </p:spTree>
+    <p:extLst>
+      <p:ext uri="{BB962C8B-B14F-4D97-AF65-F5344CB8AC3E}">
+        <p14:creationId xmlns:p14="http://schemas.microsoft.com/office/powerpoint/2010/main" val="116903557"/>
+      </p:ext>
+    </p:extLst>
+  </p:cSld>
+  <p:clrMapOvr>
+    <a:masterClrMapping/>
+  </p:clrMapOvr>
+</p:sld>
+</file>
+
+<file path=ppt/slides/slide33.xml><?xml version="1.0" encoding="utf-8"?>
+<p:sld xmlns:a="http://schemas.openxmlformats.org/drawingml/2006/main" xmlns:r="http://schemas.openxmlformats.org/officeDocument/2006/relationships" xmlns:p="http://schemas.openxmlformats.org/presentationml/2006/main">
+  <p:cSld>
+    <p:spTree>
+      <p:nvGrpSpPr>
+        <p:cNvPr id="1" name=""/>
+        <p:cNvGrpSpPr/>
+        <p:nvPr/>
+      </p:nvGrpSpPr>
+      <p:grpSpPr>
+        <a:xfrm>
+          <a:off x="0" y="0"/>
+          <a:ext cx="0" cy="0"/>
+          <a:chOff x="0" y="0"/>
+          <a:chExt cx="0" cy="0"/>
+        </a:xfrm>
+      </p:grpSpPr>
+      <p:sp>
+        <p:nvSpPr>
+          <p:cNvPr id="2" name="Título 1">
+            <a:extLst>
+              <a:ext uri="{FF2B5EF4-FFF2-40B4-BE49-F238E27FC236}">
+                <a16:creationId xmlns:a16="http://schemas.microsoft.com/office/drawing/2014/main" id="{8E9E77AC-1263-47E0-B404-50B7E866533C}"/>
+              </a:ext>
+            </a:extLst>
+          </p:cNvPr>
+          <p:cNvSpPr>
+            <a:spLocks noGrp="1"/>
+          </p:cNvSpPr>
+          <p:nvPr>
+            <p:ph type="title"/>
+          </p:nvPr>
+        </p:nvSpPr>
+        <p:spPr/>
+        <p:txBody>
+          <a:bodyPr/>
+          <a:lstStyle/>
+          <a:p>
+            <a:r>
+              <a:rPr lang="es-ES" dirty="0"/>
+              <a:t>3. Conclusiones generales</a:t>
+            </a:r>
+          </a:p>
+        </p:txBody>
+      </p:sp>
+      <p:sp>
+        <p:nvSpPr>
+          <p:cNvPr id="3" name="Marcador de contenido 2">
+            <a:extLst>
+              <a:ext uri="{FF2B5EF4-FFF2-40B4-BE49-F238E27FC236}">
+                <a16:creationId xmlns:a16="http://schemas.microsoft.com/office/drawing/2014/main" id="{0B51FE8A-E64A-4D8F-BB06-5696712B92FE}"/>
+              </a:ext>
+            </a:extLst>
+          </p:cNvPr>
+          <p:cNvSpPr>
+            <a:spLocks noGrp="1"/>
+          </p:cNvSpPr>
+          <p:nvPr>
+            <p:ph idx="1"/>
+          </p:nvPr>
+        </p:nvSpPr>
+        <p:spPr>
+          <a:xfrm>
+            <a:off x="677334" y="1930400"/>
+            <a:ext cx="8596668" cy="3880773"/>
+          </a:xfrm>
+        </p:spPr>
+        <p:txBody>
+          <a:bodyPr/>
+          <a:lstStyle/>
+          <a:p>
+            <a:r>
+              <a:rPr lang="es-ES" dirty="0"/>
+              <a:t>Curiosidad por saber el estado mental de una persona según su ambiente de trabajo</a:t>
+            </a:r>
+            <a:endParaRPr lang="es-ES" i="1" dirty="0"/>
+          </a:p>
+          <a:p>
+            <a:pPr lvl="1"/>
+            <a:r>
+              <a:rPr lang="es-ES" i="1" dirty="0"/>
+              <a:t>“</a:t>
+            </a:r>
+            <a:r>
+              <a:rPr lang="en-US" i="1" dirty="0"/>
+              <a:t>Do you think that discussing a mental health disorder with your employer would have negative consequences?”</a:t>
+            </a:r>
+            <a:endParaRPr lang="es-ES" i="1" dirty="0"/>
+          </a:p>
+          <a:p>
+            <a:pPr lvl="1"/>
+            <a:r>
+              <a:rPr lang="es-ES" i="1" dirty="0"/>
+              <a:t>“</a:t>
+            </a:r>
+            <a:r>
+              <a:rPr lang="en-US" i="1" dirty="0"/>
+              <a:t>Has your employer ever formally discussed mental health (for example, as part of a wellness campaign or other official communication)?”</a:t>
+            </a:r>
+            <a:endParaRPr lang="es-ES" i="1" dirty="0"/>
+          </a:p>
+          <a:p>
+            <a:pPr lvl="1"/>
+            <a:endParaRPr lang="es-ES" i="1" dirty="0"/>
+          </a:p>
+          <a:p>
+            <a:r>
+              <a:rPr lang="es-ES" dirty="0"/>
+              <a:t>Preguntas más importantes que esas</a:t>
+            </a:r>
+          </a:p>
+          <a:p>
+            <a:pPr lvl="1"/>
+            <a:r>
+              <a:rPr lang="es-ES" dirty="0"/>
+              <a:t>“</a:t>
+            </a:r>
+            <a:r>
+              <a:rPr lang="en-US" i="1" dirty="0"/>
+              <a:t>If you have a mental health issue do you feel that it interferes with your work when NOT being treated effectively?”</a:t>
+            </a:r>
+            <a:endParaRPr lang="es-ES" dirty="0"/>
+          </a:p>
+          <a:p>
+            <a:pPr marL="457200" lvl="1" indent="0">
+              <a:buNone/>
+            </a:pPr>
+            <a:endParaRPr lang="es-ES" dirty="0"/>
+          </a:p>
+          <a:p>
+            <a:pPr lvl="1"/>
+            <a:endParaRPr lang="es-ES" i="1" dirty="0"/>
+          </a:p>
+          <a:p>
+            <a:pPr lvl="1"/>
+            <a:endParaRPr lang="es-ES" i="1" dirty="0"/>
+          </a:p>
+        </p:txBody>
+      </p:sp>
+    </p:spTree>
+    <p:extLst>
+      <p:ext uri="{BB962C8B-B14F-4D97-AF65-F5344CB8AC3E}">
+        <p14:creationId xmlns:p14="http://schemas.microsoft.com/office/powerpoint/2010/main" val="2710937869"/>
+      </p:ext>
+    </p:extLst>
+  </p:cSld>
+  <p:clrMapOvr>
+    <a:masterClrMapping/>
+  </p:clrMapOvr>
+</p:sld>
+</file>
+
+<file path=ppt/slides/slide34.xml><?xml version="1.0" encoding="utf-8"?>
+<p:sld xmlns:a="http://schemas.openxmlformats.org/drawingml/2006/main" xmlns:r="http://schemas.openxmlformats.org/officeDocument/2006/relationships" xmlns:p="http://schemas.openxmlformats.org/presentationml/2006/main">
+  <p:cSld>
+    <p:spTree>
+      <p:nvGrpSpPr>
+        <p:cNvPr id="1" name=""/>
+        <p:cNvGrpSpPr/>
+        <p:nvPr/>
+      </p:nvGrpSpPr>
+      <p:grpSpPr>
+        <a:xfrm>
+          <a:off x="0" y="0"/>
+          <a:ext cx="0" cy="0"/>
+          <a:chOff x="0" y="0"/>
+          <a:chExt cx="0" cy="0"/>
+        </a:xfrm>
+      </p:grpSpPr>
+      <p:sp>
+        <p:nvSpPr>
+          <p:cNvPr id="2" name="Título 1">
+            <a:extLst>
+              <a:ext uri="{FF2B5EF4-FFF2-40B4-BE49-F238E27FC236}">
+                <a16:creationId xmlns:a16="http://schemas.microsoft.com/office/drawing/2014/main" id="{8E9E77AC-1263-47E0-B404-50B7E866533C}"/>
+              </a:ext>
+            </a:extLst>
+          </p:cNvPr>
+          <p:cNvSpPr>
+            <a:spLocks noGrp="1"/>
+          </p:cNvSpPr>
+          <p:nvPr>
+            <p:ph type="title"/>
+          </p:nvPr>
+        </p:nvSpPr>
+        <p:spPr/>
+        <p:txBody>
+          <a:bodyPr/>
+          <a:lstStyle/>
+          <a:p>
+            <a:r>
+              <a:rPr lang="es-ES" dirty="0"/>
+              <a:t>3. Conclusiones generales</a:t>
+            </a:r>
+          </a:p>
+        </p:txBody>
+      </p:sp>
+      <p:sp>
+        <p:nvSpPr>
+          <p:cNvPr id="3" name="Marcador de contenido 2">
+            <a:extLst>
+              <a:ext uri="{FF2B5EF4-FFF2-40B4-BE49-F238E27FC236}">
+                <a16:creationId xmlns:a16="http://schemas.microsoft.com/office/drawing/2014/main" id="{0B51FE8A-E64A-4D8F-BB06-5696712B92FE}"/>
+              </a:ext>
+            </a:extLst>
+          </p:cNvPr>
+          <p:cNvSpPr>
+            <a:spLocks noGrp="1"/>
+          </p:cNvSpPr>
+          <p:nvPr>
+            <p:ph idx="1"/>
+          </p:nvPr>
+        </p:nvSpPr>
+        <p:spPr>
+          <a:xfrm>
+            <a:off x="677334" y="1930400"/>
+            <a:ext cx="8596668" cy="4620712"/>
+          </a:xfrm>
+        </p:spPr>
+        <p:txBody>
+          <a:bodyPr>
+            <a:normAutofit/>
+          </a:bodyPr>
+          <a:lstStyle/>
+          <a:p>
+            <a:r>
+              <a:rPr lang="es-ES" dirty="0"/>
+              <a:t>Curiosidad por saber el estado mental de una persona según su ambiente de trabajo</a:t>
+            </a:r>
+            <a:endParaRPr lang="es-ES" i="1" dirty="0"/>
+          </a:p>
+          <a:p>
+            <a:pPr lvl="1"/>
+            <a:r>
+              <a:rPr lang="es-ES" i="1" dirty="0"/>
+              <a:t>“</a:t>
+            </a:r>
+            <a:r>
+              <a:rPr lang="en-US" i="1" dirty="0"/>
+              <a:t>Do you think that discussing a mental health disorder with your employer would have negative consequences?”</a:t>
+            </a:r>
+            <a:endParaRPr lang="es-ES" i="1" dirty="0"/>
+          </a:p>
+          <a:p>
+            <a:pPr lvl="1"/>
+            <a:r>
+              <a:rPr lang="es-ES" i="1" dirty="0"/>
+              <a:t>“</a:t>
+            </a:r>
+            <a:r>
+              <a:rPr lang="en-US" i="1" dirty="0"/>
+              <a:t>Has your employer ever formally discussed mental health (for example, as part of a wellness campaign or other official communication)?”</a:t>
+            </a:r>
+            <a:endParaRPr lang="es-ES" i="1" dirty="0"/>
+          </a:p>
+          <a:p>
+            <a:pPr lvl="1"/>
+            <a:endParaRPr lang="es-ES" i="1" dirty="0"/>
+          </a:p>
+          <a:p>
+            <a:r>
+              <a:rPr lang="es-ES" dirty="0"/>
+              <a:t>Preguntas más importantes que esas</a:t>
+            </a:r>
+          </a:p>
+          <a:p>
+            <a:pPr lvl="1"/>
+            <a:r>
+              <a:rPr lang="en-US" i="1" dirty="0"/>
+              <a:t>“If you have a mental health issue do you feel that it interferes with your work when NOT being treated effectively?”</a:t>
+            </a:r>
+            <a:endParaRPr lang="es-ES" dirty="0"/>
+          </a:p>
+          <a:p>
+            <a:pPr lvl="1"/>
+            <a:endParaRPr lang="es-ES" i="1" dirty="0"/>
+          </a:p>
+          <a:p>
+            <a:pPr marL="457200" lvl="1" indent="0" algn="ctr">
+              <a:buNone/>
+            </a:pPr>
+            <a:r>
+              <a:rPr lang="es-ES" sz="2800" i="1" dirty="0"/>
+              <a:t>Experiencia</a:t>
+            </a:r>
+            <a:endParaRPr lang="es-ES" sz="2800" dirty="0"/>
+          </a:p>
+          <a:p>
+            <a:pPr marL="457200" lvl="1" indent="0">
+              <a:buNone/>
+            </a:pPr>
+            <a:endParaRPr lang="es-ES" i="1" dirty="0"/>
+          </a:p>
+          <a:p>
+            <a:pPr lvl="1"/>
+            <a:endParaRPr lang="es-ES" i="1" dirty="0"/>
+          </a:p>
+        </p:txBody>
+      </p:sp>
+    </p:spTree>
+    <p:extLst>
+      <p:ext uri="{BB962C8B-B14F-4D97-AF65-F5344CB8AC3E}">
+        <p14:creationId xmlns:p14="http://schemas.microsoft.com/office/powerpoint/2010/main" val="1525357811"/>
+      </p:ext>
+    </p:extLst>
+  </p:cSld>
+  <p:clrMapOvr>
+    <a:masterClrMapping/>
+  </p:clrMapOvr>
+</p:sld>
+</file>
+
 <file path=ppt/slides/slide35.xml><?xml version="1.0" encoding="utf-8"?>
 <p:sld xmlns:a="http://schemas.openxmlformats.org/drawingml/2006/main" xmlns:r="http://schemas.openxmlformats.org/officeDocument/2006/relationships" xmlns:p="http://schemas.openxmlformats.org/presentationml/2006/main">
   <p:cSld>
@@ -10596,7 +10607,7 @@
           <p:cNvPr id="2" name="Título 1">
             <a:extLst>
               <a:ext uri="{FF2B5EF4-FFF2-40B4-BE49-F238E27FC236}">
-                <a16:creationId xmlns:a16="http://schemas.microsoft.com/office/drawing/2014/main" id="{278991C6-B626-48DD-9042-FB1F7ECED3CF}"/>
+                <a16:creationId xmlns:a16="http://schemas.microsoft.com/office/drawing/2014/main" id="{8E9E77AC-1263-47E0-B404-50B7E866533C}"/>
               </a:ext>
             </a:extLst>
           </p:cNvPr>
@@ -10614,7 +10625,7 @@
           <a:p>
             <a:r>
               <a:rPr lang="es-ES" dirty="0"/>
-              <a:t>2.4. Cuarta iteración: conclusiones</a:t>
+              <a:t>3. Conclusiones generales</a:t>
             </a:r>
           </a:p>
         </p:txBody>
@@ -10624,7 +10635,7 @@
           <p:cNvPr id="3" name="Marcador de contenido 2">
             <a:extLst>
               <a:ext uri="{FF2B5EF4-FFF2-40B4-BE49-F238E27FC236}">
-                <a16:creationId xmlns:a16="http://schemas.microsoft.com/office/drawing/2014/main" id="{F11EB9E3-5565-4D5C-B2A4-2E390E46425F}"/>
+                <a16:creationId xmlns:a16="http://schemas.microsoft.com/office/drawing/2014/main" id="{0B51FE8A-E64A-4D8F-BB06-5696712B92FE}"/>
               </a:ext>
             </a:extLst>
           </p:cNvPr>
@@ -10647,50 +10658,85 @@
           <a:p>
             <a:r>
               <a:rPr lang="es-ES" dirty="0"/>
-              <a:t>Es la iteración que mejores resultados ha conseguido:</a:t>
-            </a:r>
-          </a:p>
-          <a:p>
+              <a:t>Dos acercamientos al problema</a:t>
+            </a:r>
+          </a:p>
+          <a:p>
+            <a:pPr lvl="1"/>
+            <a:r>
+              <a:rPr lang="en-US" dirty="0" err="1"/>
+              <a:t>Clasificar</a:t>
+            </a:r>
+            <a:r>
+              <a:rPr lang="en-US" dirty="0"/>
+              <a:t> por “</a:t>
+            </a:r>
+            <a:r>
+              <a:rPr lang="en-US" i="1" dirty="0"/>
+              <a:t>Do you currently have a mental disorder?”</a:t>
+            </a:r>
             <a:endParaRPr lang="es-ES" dirty="0"/>
           </a:p>
           <a:p>
+            <a:pPr lvl="1"/>
+            <a:r>
+              <a:rPr lang="en-US" dirty="0" err="1"/>
+              <a:t>Clasificar</a:t>
+            </a:r>
+            <a:r>
+              <a:rPr lang="en-US" dirty="0"/>
+              <a:t> </a:t>
+            </a:r>
+            <a:r>
+              <a:rPr lang="en-US" dirty="0" err="1"/>
+              <a:t>juntando</a:t>
+            </a:r>
+            <a:r>
+              <a:rPr lang="en-US" dirty="0"/>
+              <a:t> las dos </a:t>
+            </a:r>
+            <a:r>
+              <a:rPr lang="en-US" dirty="0" err="1"/>
+              <a:t>columnas</a:t>
+            </a:r>
+            <a:r>
+              <a:rPr lang="en-US" dirty="0"/>
+              <a:t> “</a:t>
+            </a:r>
+            <a:r>
+              <a:rPr lang="en-US" i="1" dirty="0"/>
+              <a:t>If yes, what condition(s) have you been diagnosed with?” </a:t>
+            </a:r>
+            <a:r>
+              <a:rPr lang="en-US" dirty="0"/>
+              <a:t>y </a:t>
+            </a:r>
+            <a:r>
+              <a:rPr lang="en-US" i="1" dirty="0"/>
+              <a:t>“If maybe, what condition(s) have you been diagnosed with?”</a:t>
+            </a:r>
             <a:endParaRPr lang="es-ES" dirty="0"/>
           </a:p>
           <a:p>
-            <a:pPr marL="0" indent="0" algn="ctr">
+            <a:pPr lvl="1"/>
+            <a:endParaRPr lang="es-ES" dirty="0"/>
+          </a:p>
+          <a:p>
+            <a:pPr marL="457200" lvl="1" indent="0">
               <a:buNone/>
             </a:pPr>
-            <a:r>
-              <a:rPr lang="es-ES" sz="2800" dirty="0"/>
-              <a:t>¡83.5% </a:t>
-            </a:r>
-            <a:r>
-              <a:rPr lang="es-ES" sz="2800" i="1" dirty="0" err="1"/>
-              <a:t>accuracy</a:t>
-            </a:r>
-            <a:r>
-              <a:rPr lang="es-ES" sz="2800" i="1" dirty="0"/>
-              <a:t>!</a:t>
-            </a:r>
-          </a:p>
-          <a:p>
-            <a:pPr marL="0" indent="0" algn="ctr">
-              <a:buNone/>
-            </a:pPr>
-            <a:endParaRPr lang="es-ES" sz="2800" i="1" dirty="0"/>
-          </a:p>
-          <a:p>
-            <a:pPr marL="0" indent="0">
-              <a:buNone/>
-            </a:pPr>
-            <a:endParaRPr lang="es-ES" sz="2800" i="1" dirty="0"/>
+            <a:endParaRPr lang="es-ES" i="1" dirty="0"/>
+          </a:p>
+          <a:p>
+            <a:pPr lvl="1"/>
+            <a:endParaRPr lang="es-ES" i="1" dirty="0"/>
           </a:p>
         </p:txBody>
       </p:sp>
     </p:spTree>
     <p:extLst>
       <p:ext uri="{BB962C8B-B14F-4D97-AF65-F5344CB8AC3E}">
-        <p14:creationId xmlns:p14="http://schemas.microsoft.com/office/powerpoint/2010/main" val="166385472"/>
+        <p14:creationId xmlns:p14="http://schemas.microsoft.com/office/powerpoint/2010/main" val="1660074570"/>
       </p:ext>
     </p:extLst>
   </p:cSld>
@@ -10722,7 +10768,7 @@
           <p:cNvPr id="2" name="Título 1">
             <a:extLst>
               <a:ext uri="{FF2B5EF4-FFF2-40B4-BE49-F238E27FC236}">
-                <a16:creationId xmlns:a16="http://schemas.microsoft.com/office/drawing/2014/main" id="{278991C6-B626-48DD-9042-FB1F7ECED3CF}"/>
+                <a16:creationId xmlns:a16="http://schemas.microsoft.com/office/drawing/2014/main" id="{8E9E77AC-1263-47E0-B404-50B7E866533C}"/>
               </a:ext>
             </a:extLst>
           </p:cNvPr>
@@ -10740,7 +10786,7 @@
           <a:p>
             <a:r>
               <a:rPr lang="es-ES" dirty="0"/>
-              <a:t>2.4. Cuarta iteración: conclusiones</a:t>
+              <a:t>3. Conclusiones generales</a:t>
             </a:r>
           </a:p>
         </p:txBody>
@@ -10750,7 +10796,7 @@
           <p:cNvPr id="3" name="Marcador de contenido 2">
             <a:extLst>
               <a:ext uri="{FF2B5EF4-FFF2-40B4-BE49-F238E27FC236}">
-                <a16:creationId xmlns:a16="http://schemas.microsoft.com/office/drawing/2014/main" id="{F11EB9E3-5565-4D5C-B2A4-2E390E46425F}"/>
+                <a16:creationId xmlns:a16="http://schemas.microsoft.com/office/drawing/2014/main" id="{0B51FE8A-E64A-4D8F-BB06-5696712B92FE}"/>
               </a:ext>
             </a:extLst>
           </p:cNvPr>
@@ -10773,56 +10819,144 @@
           <a:p>
             <a:r>
               <a:rPr lang="es-ES" dirty="0"/>
-              <a:t>Es la iteración que mejores resultados ha conseguido:</a:t>
-            </a:r>
-          </a:p>
-          <a:p>
+              <a:t>Dos acercamientos al problema</a:t>
+            </a:r>
+          </a:p>
+          <a:p>
+            <a:pPr lvl="1"/>
+            <a:r>
+              <a:rPr lang="en-US" dirty="0" err="1"/>
+              <a:t>Clasificar</a:t>
+            </a:r>
+            <a:r>
+              <a:rPr lang="en-US" dirty="0"/>
+              <a:t> por “</a:t>
+            </a:r>
+            <a:r>
+              <a:rPr lang="en-US" i="1" dirty="0"/>
+              <a:t>Do you currently have a mental disorder?”</a:t>
+            </a:r>
             <a:endParaRPr lang="es-ES" dirty="0"/>
           </a:p>
           <a:p>
+            <a:pPr lvl="1"/>
+            <a:r>
+              <a:rPr lang="en-US" dirty="0" err="1"/>
+              <a:t>Clasificar</a:t>
+            </a:r>
+            <a:r>
+              <a:rPr lang="en-US" dirty="0"/>
+              <a:t> </a:t>
+            </a:r>
+            <a:r>
+              <a:rPr lang="en-US" dirty="0" err="1"/>
+              <a:t>juntando</a:t>
+            </a:r>
+            <a:r>
+              <a:rPr lang="en-US" dirty="0"/>
+              <a:t> las dos </a:t>
+            </a:r>
+            <a:r>
+              <a:rPr lang="en-US" dirty="0" err="1"/>
+              <a:t>columnas</a:t>
+            </a:r>
+            <a:r>
+              <a:rPr lang="en-US" dirty="0"/>
+              <a:t> “</a:t>
+            </a:r>
+            <a:r>
+              <a:rPr lang="en-US" i="1" dirty="0"/>
+              <a:t>If yes, what condition(s) have you been diagnosed with?” </a:t>
+            </a:r>
+            <a:r>
+              <a:rPr lang="en-US" dirty="0"/>
+              <a:t>y </a:t>
+            </a:r>
+            <a:r>
+              <a:rPr lang="en-US" i="1" dirty="0"/>
+              <a:t>“If maybe, what condition(s) have you been diagnosed with?”</a:t>
+            </a:r>
+          </a:p>
+          <a:p>
+            <a:pPr lvl="1"/>
+            <a:endParaRPr lang="en-US" i="1" dirty="0"/>
+          </a:p>
+          <a:p>
+            <a:r>
+              <a:rPr lang="es-ES" dirty="0"/>
+              <a:t>El primero…</a:t>
+            </a:r>
+          </a:p>
+          <a:p>
+            <a:pPr lvl="1"/>
+            <a:r>
+              <a:rPr lang="es-ES" dirty="0"/>
+              <a:t>Fue la principal idea del proyecto</a:t>
+            </a:r>
+          </a:p>
+          <a:p>
+            <a:pPr lvl="1"/>
+            <a:r>
+              <a:rPr lang="es-ES" dirty="0"/>
+              <a:t>Dio una </a:t>
+            </a:r>
+            <a:r>
+              <a:rPr lang="es-ES" i="1" dirty="0" err="1"/>
+              <a:t>accuracy</a:t>
+            </a:r>
+            <a:r>
+              <a:rPr lang="es-ES" dirty="0"/>
+              <a:t> final de 77.4%</a:t>
+            </a:r>
+          </a:p>
+          <a:p>
+            <a:pPr lvl="1"/>
             <a:endParaRPr lang="es-ES" dirty="0"/>
           </a:p>
           <a:p>
-            <a:pPr marL="0" indent="0" algn="ctr">
+            <a:pPr marL="457200" lvl="1" indent="0">
               <a:buNone/>
             </a:pPr>
-            <a:r>
-              <a:rPr lang="es-ES" sz="2800" dirty="0"/>
-              <a:t>¡83.5% </a:t>
-            </a:r>
-            <a:r>
-              <a:rPr lang="es-ES" sz="2800" i="1" dirty="0" err="1"/>
-              <a:t>accuracy</a:t>
-            </a:r>
-            <a:r>
-              <a:rPr lang="es-ES" sz="2800" dirty="0"/>
-              <a:t>!...</a:t>
-            </a:r>
-          </a:p>
-          <a:p>
-            <a:pPr marL="0" indent="0" algn="ctr">
-              <a:buNone/>
-            </a:pPr>
-            <a:endParaRPr lang="es-ES" sz="2800" i="1" dirty="0"/>
-          </a:p>
-          <a:p>
-            <a:r>
-              <a:rPr lang="es-ES" dirty="0"/>
-              <a:t>No clasifica bien ningún dato de la clase 1 “Otras enfermedades mentales”</a:t>
-            </a:r>
-          </a:p>
-          <a:p>
-            <a:pPr marL="0" indent="0">
-              <a:buNone/>
-            </a:pPr>
-            <a:endParaRPr lang="es-ES" sz="2800" i="1" dirty="0"/>
-          </a:p>
-        </p:txBody>
-      </p:sp>
+            <a:endParaRPr lang="es-ES" i="1" dirty="0"/>
+          </a:p>
+          <a:p>
+            <a:pPr lvl="1"/>
+            <a:endParaRPr lang="es-ES" i="1" dirty="0"/>
+          </a:p>
+        </p:txBody>
+      </p:sp>
+      <p:pic>
+        <p:nvPicPr>
+          <p:cNvPr id="4" name="Imagen 3">
+            <a:extLst>
+              <a:ext uri="{FF2B5EF4-FFF2-40B4-BE49-F238E27FC236}">
+                <a16:creationId xmlns:a16="http://schemas.microsoft.com/office/drawing/2014/main" id="{0C724683-5DE0-498A-9149-8E57A89ABF13}"/>
+              </a:ext>
+            </a:extLst>
+          </p:cNvPr>
+          <p:cNvPicPr/>
+          <p:nvPr/>
+        </p:nvPicPr>
+        <p:blipFill>
+          <a:blip r:embed="rId2"/>
+          <a:stretch>
+            <a:fillRect/>
+          </a:stretch>
+        </p:blipFill>
+        <p:spPr>
+          <a:xfrm>
+            <a:off x="4827870" y="4446739"/>
+            <a:ext cx="6686796" cy="1889781"/>
+          </a:xfrm>
+          <a:prstGeom prst="rect">
+            <a:avLst/>
+          </a:prstGeom>
+        </p:spPr>
+      </p:pic>
     </p:spTree>
     <p:extLst>
       <p:ext uri="{BB962C8B-B14F-4D97-AF65-F5344CB8AC3E}">
-        <p14:creationId xmlns:p14="http://schemas.microsoft.com/office/powerpoint/2010/main" val="1710814961"/>
+        <p14:creationId xmlns:p14="http://schemas.microsoft.com/office/powerpoint/2010/main" val="2627573844"/>
       </p:ext>
     </p:extLst>
   </p:cSld>
@@ -10905,31 +11039,39 @@
           <a:p>
             <a:r>
               <a:rPr lang="es-ES" dirty="0"/>
-              <a:t>Curiosidad por saber el estado mental de una persona según su ambiente de trabajo</a:t>
+              <a:t>El segundo…</a:t>
             </a:r>
           </a:p>
           <a:p>
             <a:pPr lvl="1"/>
             <a:r>
-              <a:rPr lang="es-ES" i="1" dirty="0"/>
-              <a:t>“</a:t>
-            </a:r>
-            <a:r>
-              <a:rPr lang="en-US" i="1" dirty="0"/>
-              <a:t>Do you think that discussing a mental health disorder with your employer would have negative consequences?”</a:t>
-            </a:r>
-            <a:endParaRPr lang="es-ES" i="1" dirty="0"/>
+              <a:rPr lang="es-ES" dirty="0"/>
+              <a:t>Resultado de querer mejorar los resultados del primero</a:t>
+            </a:r>
           </a:p>
           <a:p>
             <a:pPr lvl="1"/>
             <a:r>
-              <a:rPr lang="es-ES" i="1" dirty="0"/>
-              <a:t>“</a:t>
-            </a:r>
-            <a:r>
-              <a:rPr lang="en-US" i="1" dirty="0"/>
-              <a:t>Has your employer ever formally discussed mental health (for example, as part of a wellness campaign or other official communication)?”</a:t>
-            </a:r>
+              <a:rPr lang="es-ES" dirty="0"/>
+              <a:t>Dio una </a:t>
+            </a:r>
+            <a:r>
+              <a:rPr lang="es-ES" i="1" dirty="0" err="1"/>
+              <a:t>accuracy</a:t>
+            </a:r>
+            <a:r>
+              <a:rPr lang="es-ES" dirty="0"/>
+              <a:t> final de 83.5%</a:t>
+            </a:r>
+          </a:p>
+          <a:p>
+            <a:pPr lvl="1"/>
+            <a:endParaRPr lang="es-ES" dirty="0"/>
+          </a:p>
+          <a:p>
+            <a:pPr marL="457200" lvl="1" indent="0">
+              <a:buNone/>
+            </a:pPr>
             <a:endParaRPr lang="es-ES" i="1" dirty="0"/>
           </a:p>
           <a:p>
@@ -10938,10 +11080,40 @@
           </a:p>
         </p:txBody>
       </p:sp>
+      <p:pic>
+        <p:nvPicPr>
+          <p:cNvPr id="6" name="Imagen 5">
+            <a:extLst>
+              <a:ext uri="{FF2B5EF4-FFF2-40B4-BE49-F238E27FC236}">
+                <a16:creationId xmlns:a16="http://schemas.microsoft.com/office/drawing/2014/main" id="{51EFAD8F-D3C5-430F-9939-B75BEB094E4F}"/>
+              </a:ext>
+            </a:extLst>
+          </p:cNvPr>
+          <p:cNvPicPr>
+            <a:picLocks noChangeAspect="1"/>
+          </p:cNvPicPr>
+          <p:nvPr/>
+        </p:nvPicPr>
+        <p:blipFill>
+          <a:blip r:embed="rId2"/>
+          <a:stretch>
+            <a:fillRect/>
+          </a:stretch>
+        </p:blipFill>
+        <p:spPr>
+          <a:xfrm>
+            <a:off x="5086896" y="3006542"/>
+            <a:ext cx="6953874" cy="1865977"/>
+          </a:xfrm>
+          <a:prstGeom prst="rect">
+            <a:avLst/>
+          </a:prstGeom>
+        </p:spPr>
+      </p:pic>
     </p:spTree>
     <p:extLst>
       <p:ext uri="{BB962C8B-B14F-4D97-AF65-F5344CB8AC3E}">
-        <p14:creationId xmlns:p14="http://schemas.microsoft.com/office/powerpoint/2010/main" val="116903557"/>
+        <p14:creationId xmlns:p14="http://schemas.microsoft.com/office/powerpoint/2010/main" val="2782852812"/>
       </p:ext>
     </p:extLst>
   </p:cSld>
@@ -11024,76 +11196,159 @@
           <a:p>
             <a:r>
               <a:rPr lang="es-ES" dirty="0"/>
-              <a:t>Curiosidad por saber el estado mental de una persona según su ambiente de trabajo</a:t>
-            </a:r>
-            <a:endParaRPr lang="es-ES" i="1" dirty="0"/>
+              <a:t>El segundo…</a:t>
+            </a:r>
           </a:p>
           <a:p>
             <a:pPr lvl="1"/>
             <a:r>
-              <a:rPr lang="es-ES" i="1" dirty="0"/>
-              <a:t>“</a:t>
-            </a:r>
-            <a:r>
-              <a:rPr lang="en-US" i="1" dirty="0"/>
-              <a:t>Do you think that discussing a mental health disorder with your employer would have negative consequences?”</a:t>
-            </a:r>
-            <a:endParaRPr lang="es-ES" i="1" dirty="0"/>
+              <a:rPr lang="es-ES" dirty="0"/>
+              <a:t>Resultado de querer mejorar los resultados del primero</a:t>
+            </a:r>
           </a:p>
           <a:p>
             <a:pPr lvl="1"/>
             <a:r>
-              <a:rPr lang="es-ES" i="1" dirty="0"/>
-              <a:t>“</a:t>
-            </a:r>
-            <a:r>
-              <a:rPr lang="en-US" i="1" dirty="0"/>
-              <a:t>Has your employer ever formally discussed mental health (for example, as part of a wellness campaign or other official communication)?”</a:t>
-            </a:r>
+              <a:rPr lang="es-ES" dirty="0"/>
+              <a:t>Dio una </a:t>
+            </a:r>
+            <a:r>
+              <a:rPr lang="es-ES" i="1" dirty="0" err="1"/>
+              <a:t>accuracy</a:t>
+            </a:r>
+            <a:r>
+              <a:rPr lang="es-ES" dirty="0"/>
+              <a:t> final de 83.5%</a:t>
+            </a:r>
+          </a:p>
+          <a:p>
+            <a:pPr lvl="1"/>
+            <a:endParaRPr lang="es-ES" dirty="0"/>
+          </a:p>
+          <a:p>
+            <a:pPr marL="457200" lvl="1" indent="0">
+              <a:buNone/>
+            </a:pPr>
             <a:endParaRPr lang="es-ES" i="1" dirty="0"/>
           </a:p>
           <a:p>
             <a:pPr lvl="1"/>
             <a:endParaRPr lang="es-ES" i="1" dirty="0"/>
           </a:p>
-          <a:p>
-            <a:r>
-              <a:rPr lang="es-ES" dirty="0"/>
-              <a:t>Preguntas más importantes que esas</a:t>
-            </a:r>
-          </a:p>
-          <a:p>
-            <a:pPr lvl="1"/>
-            <a:r>
-              <a:rPr lang="es-ES" dirty="0"/>
-              <a:t>“</a:t>
-            </a:r>
-            <a:r>
-              <a:rPr lang="en-US" i="1" dirty="0"/>
-              <a:t>If you have a mental health issue do you feel that it interferes with your work when NOT being treated effectively?”</a:t>
-            </a:r>
-            <a:endParaRPr lang="es-ES" dirty="0"/>
-          </a:p>
-          <a:p>
-            <a:pPr marL="457200" lvl="1" indent="0">
-              <a:buNone/>
-            </a:pPr>
-            <a:endParaRPr lang="es-ES" dirty="0"/>
-          </a:p>
-          <a:p>
-            <a:pPr lvl="1"/>
-            <a:endParaRPr lang="es-ES" i="1" dirty="0"/>
-          </a:p>
-          <a:p>
-            <a:pPr lvl="1"/>
-            <a:endParaRPr lang="es-ES" i="1" dirty="0"/>
-          </a:p>
-        </p:txBody>
-      </p:sp>
+        </p:txBody>
+      </p:sp>
+      <p:pic>
+        <p:nvPicPr>
+          <p:cNvPr id="6" name="Imagen 5">
+            <a:extLst>
+              <a:ext uri="{FF2B5EF4-FFF2-40B4-BE49-F238E27FC236}">
+                <a16:creationId xmlns:a16="http://schemas.microsoft.com/office/drawing/2014/main" id="{51EFAD8F-D3C5-430F-9939-B75BEB094E4F}"/>
+              </a:ext>
+            </a:extLst>
+          </p:cNvPr>
+          <p:cNvPicPr>
+            <a:picLocks noChangeAspect="1"/>
+          </p:cNvPicPr>
+          <p:nvPr/>
+        </p:nvPicPr>
+        <p:blipFill>
+          <a:blip r:embed="rId2"/>
+          <a:stretch>
+            <a:fillRect/>
+          </a:stretch>
+        </p:blipFill>
+        <p:spPr>
+          <a:xfrm>
+            <a:off x="5086896" y="3006542"/>
+            <a:ext cx="6953874" cy="1865977"/>
+          </a:xfrm>
+          <a:prstGeom prst="rect">
+            <a:avLst/>
+          </a:prstGeom>
+        </p:spPr>
+      </p:pic>
+      <p:pic>
+        <p:nvPicPr>
+          <p:cNvPr id="7" name="Imagen 6">
+            <a:extLst>
+              <a:ext uri="{FF2B5EF4-FFF2-40B4-BE49-F238E27FC236}">
+                <a16:creationId xmlns:a16="http://schemas.microsoft.com/office/drawing/2014/main" id="{4E3E5C92-14C2-454D-9ECC-589C03777142}"/>
+              </a:ext>
+            </a:extLst>
+          </p:cNvPr>
+          <p:cNvPicPr/>
+          <p:nvPr/>
+        </p:nvPicPr>
+        <p:blipFill>
+          <a:blip r:embed="rId3" cstate="print">
+            <a:extLst>
+              <a:ext uri="{28A0092B-C50C-407E-A947-70E740481C1C}">
+                <a14:useLocalDpi xmlns:a14="http://schemas.microsoft.com/office/drawing/2010/main" val="0"/>
+              </a:ext>
+            </a:extLst>
+          </a:blip>
+          <a:srcRect/>
+          <a:stretch>
+            <a:fillRect/>
+          </a:stretch>
+        </p:blipFill>
+        <p:spPr bwMode="auto">
+          <a:xfrm>
+            <a:off x="1066962" y="3506166"/>
+            <a:ext cx="4019934" cy="2732709"/>
+          </a:xfrm>
+          <a:prstGeom prst="rect">
+            <a:avLst/>
+          </a:prstGeom>
+          <a:noFill/>
+          <a:ln>
+            <a:noFill/>
+          </a:ln>
+        </p:spPr>
+      </p:pic>
+      <p:pic>
+        <p:nvPicPr>
+          <p:cNvPr id="8" name="Imagen 7">
+            <a:extLst>
+              <a:ext uri="{FF2B5EF4-FFF2-40B4-BE49-F238E27FC236}">
+                <a16:creationId xmlns:a16="http://schemas.microsoft.com/office/drawing/2014/main" id="{7D71ED0B-4267-4600-BE9E-3379464E5A17}"/>
+              </a:ext>
+            </a:extLst>
+          </p:cNvPr>
+          <p:cNvPicPr/>
+          <p:nvPr/>
+        </p:nvPicPr>
+        <p:blipFill>
+          <a:blip r:embed="rId4" cstate="print">
+            <a:extLst>
+              <a:ext uri="{28A0092B-C50C-407E-A947-70E740481C1C}">
+                <a14:useLocalDpi xmlns:a14="http://schemas.microsoft.com/office/drawing/2010/main" val="0"/>
+              </a:ext>
+            </a:extLst>
+          </a:blip>
+          <a:srcRect/>
+          <a:stretch>
+            <a:fillRect/>
+          </a:stretch>
+        </p:blipFill>
+        <p:spPr bwMode="auto">
+          <a:xfrm>
+            <a:off x="5220072" y="3467582"/>
+            <a:ext cx="4098322" cy="2809875"/>
+          </a:xfrm>
+          <a:prstGeom prst="rect">
+            <a:avLst/>
+          </a:prstGeom>
+          <a:noFill/>
+          <a:ln>
+            <a:noFill/>
+          </a:ln>
+        </p:spPr>
+      </p:pic>
     </p:spTree>
     <p:extLst>
       <p:ext uri="{BB962C8B-B14F-4D97-AF65-F5344CB8AC3E}">
-        <p14:creationId xmlns:p14="http://schemas.microsoft.com/office/powerpoint/2010/main" val="2710937869"/>
+        <p14:creationId xmlns:p14="http://schemas.microsoft.com/office/powerpoint/2010/main" val="1772135014"/>
       </p:ext>
     </p:extLst>
   </p:cSld>
@@ -11167,76 +11422,43 @@
         <p:spPr>
           <a:xfrm>
             <a:off x="677334" y="1930400"/>
-            <a:ext cx="8596668" cy="4620712"/>
+            <a:ext cx="8596668" cy="3880773"/>
           </a:xfrm>
         </p:spPr>
         <p:txBody>
-          <a:bodyPr>
-            <a:normAutofit/>
-          </a:bodyPr>
-          <a:lstStyle/>
-          <a:p>
-            <a:r>
-              <a:rPr lang="es-ES" dirty="0"/>
-              <a:t>Curiosidad por saber el estado mental de una persona según su ambiente de trabajo</a:t>
-            </a:r>
-            <a:endParaRPr lang="es-ES" i="1" dirty="0"/>
+          <a:bodyPr/>
+          <a:lstStyle/>
+          <a:p>
+            <a:r>
+              <a:rPr lang="es-ES" dirty="0"/>
+              <a:t>Me hubiera gustado tener una </a:t>
+            </a:r>
+            <a:r>
+              <a:rPr lang="es-ES" dirty="0" err="1"/>
+              <a:t>accuracy</a:t>
+            </a:r>
+            <a:r>
+              <a:rPr lang="es-ES" dirty="0"/>
+              <a:t> &gt; 90%</a:t>
+            </a:r>
           </a:p>
           <a:p>
             <a:pPr lvl="1"/>
             <a:r>
-              <a:rPr lang="es-ES" i="1" dirty="0"/>
-              <a:t>“</a:t>
-            </a:r>
-            <a:r>
-              <a:rPr lang="en-US" i="1" dirty="0"/>
-              <a:t>Do you think that discussing a mental health disorder with your employer would have negative consequences?”</a:t>
-            </a:r>
-            <a:endParaRPr lang="es-ES" i="1" dirty="0"/>
+              <a:rPr lang="es-ES" dirty="0"/>
+              <a:t>Es una encuesta…</a:t>
+            </a:r>
           </a:p>
           <a:p>
             <a:pPr lvl="1"/>
             <a:r>
-              <a:rPr lang="es-ES" i="1" dirty="0"/>
-              <a:t>“</a:t>
-            </a:r>
-            <a:r>
-              <a:rPr lang="en-US" i="1" dirty="0"/>
-              <a:t>Has your employer ever formally discussed mental health (for example, as part of a wellness campaign or other official communication)?”</a:t>
-            </a:r>
-            <a:endParaRPr lang="es-ES" i="1" dirty="0"/>
+              <a:rPr lang="es-ES" dirty="0"/>
+              <a:t>… Faltan bastantes datos</a:t>
+            </a:r>
           </a:p>
           <a:p>
             <a:pPr lvl="1"/>
-            <a:endParaRPr lang="es-ES" i="1" dirty="0"/>
-          </a:p>
-          <a:p>
-            <a:r>
-              <a:rPr lang="es-ES" dirty="0"/>
-              <a:t>Preguntas más importantes que esas</a:t>
-            </a:r>
-          </a:p>
-          <a:p>
-            <a:pPr lvl="1"/>
-            <a:r>
-              <a:rPr lang="en-US" i="1" dirty="0"/>
-              <a:t>“If you have a mental health issue do you feel that it interferes with your work when NOT being treated effectively?”</a:t>
-            </a:r>
             <a:endParaRPr lang="es-ES" dirty="0"/>
-          </a:p>
-          <a:p>
-            <a:pPr lvl="1"/>
-            <a:endParaRPr lang="es-ES" i="1" dirty="0"/>
-          </a:p>
-          <a:p>
-            <a:pPr marL="457200" lvl="1" indent="0" algn="ctr">
-              <a:buNone/>
-            </a:pPr>
-            <a:r>
-              <a:rPr lang="es-ES" sz="2800" i="1" dirty="0"/>
-              <a:t>Experiencia</a:t>
-            </a:r>
-            <a:endParaRPr lang="es-ES" sz="2800" dirty="0"/>
           </a:p>
           <a:p>
             <a:pPr marL="457200" lvl="1" indent="0">
@@ -11253,7 +11475,7 @@
     </p:spTree>
     <p:extLst>
       <p:ext uri="{BB962C8B-B14F-4D97-AF65-F5344CB8AC3E}">
-        <p14:creationId xmlns:p14="http://schemas.microsoft.com/office/powerpoint/2010/main" val="1525357811"/>
+        <p14:creationId xmlns:p14="http://schemas.microsoft.com/office/powerpoint/2010/main" val="288374479"/>
       </p:ext>
     </p:extLst>
   </p:cSld>
@@ -11446,749 +11668,6 @@
           <p:cNvPr id="2" name="Título 1">
             <a:extLst>
               <a:ext uri="{FF2B5EF4-FFF2-40B4-BE49-F238E27FC236}">
-                <a16:creationId xmlns:a16="http://schemas.microsoft.com/office/drawing/2014/main" id="{8E9E77AC-1263-47E0-B404-50B7E866533C}"/>
-              </a:ext>
-            </a:extLst>
-          </p:cNvPr>
-          <p:cNvSpPr>
-            <a:spLocks noGrp="1"/>
-          </p:cNvSpPr>
-          <p:nvPr>
-            <p:ph type="title"/>
-          </p:nvPr>
-        </p:nvSpPr>
-        <p:spPr/>
-        <p:txBody>
-          <a:bodyPr/>
-          <a:lstStyle/>
-          <a:p>
-            <a:r>
-              <a:rPr lang="es-ES" dirty="0"/>
-              <a:t>3. Conclusiones generales</a:t>
-            </a:r>
-          </a:p>
-        </p:txBody>
-      </p:sp>
-      <p:sp>
-        <p:nvSpPr>
-          <p:cNvPr id="3" name="Marcador de contenido 2">
-            <a:extLst>
-              <a:ext uri="{FF2B5EF4-FFF2-40B4-BE49-F238E27FC236}">
-                <a16:creationId xmlns:a16="http://schemas.microsoft.com/office/drawing/2014/main" id="{0B51FE8A-E64A-4D8F-BB06-5696712B92FE}"/>
-              </a:ext>
-            </a:extLst>
-          </p:cNvPr>
-          <p:cNvSpPr>
-            <a:spLocks noGrp="1"/>
-          </p:cNvSpPr>
-          <p:nvPr>
-            <p:ph idx="1"/>
-          </p:nvPr>
-        </p:nvSpPr>
-        <p:spPr>
-          <a:xfrm>
-            <a:off x="677334" y="1930400"/>
-            <a:ext cx="8596668" cy="3880773"/>
-          </a:xfrm>
-        </p:spPr>
-        <p:txBody>
-          <a:bodyPr/>
-          <a:lstStyle/>
-          <a:p>
-            <a:r>
-              <a:rPr lang="es-ES" dirty="0"/>
-              <a:t>Dos acercamientos al problema</a:t>
-            </a:r>
-          </a:p>
-          <a:p>
-            <a:pPr lvl="1"/>
-            <a:r>
-              <a:rPr lang="en-US" dirty="0" err="1"/>
-              <a:t>Clasificar</a:t>
-            </a:r>
-            <a:r>
-              <a:rPr lang="en-US" dirty="0"/>
-              <a:t> por “</a:t>
-            </a:r>
-            <a:r>
-              <a:rPr lang="en-US" i="1" dirty="0"/>
-              <a:t>Do you currently have a mental disorder?”</a:t>
-            </a:r>
-            <a:endParaRPr lang="es-ES" dirty="0"/>
-          </a:p>
-          <a:p>
-            <a:pPr lvl="1"/>
-            <a:r>
-              <a:rPr lang="en-US" dirty="0" err="1"/>
-              <a:t>Clasificar</a:t>
-            </a:r>
-            <a:r>
-              <a:rPr lang="en-US" dirty="0"/>
-              <a:t> </a:t>
-            </a:r>
-            <a:r>
-              <a:rPr lang="en-US" dirty="0" err="1"/>
-              <a:t>juntando</a:t>
-            </a:r>
-            <a:r>
-              <a:rPr lang="en-US" dirty="0"/>
-              <a:t> las dos </a:t>
-            </a:r>
-            <a:r>
-              <a:rPr lang="en-US" dirty="0" err="1"/>
-              <a:t>columnas</a:t>
-            </a:r>
-            <a:r>
-              <a:rPr lang="en-US" dirty="0"/>
-              <a:t> “</a:t>
-            </a:r>
-            <a:r>
-              <a:rPr lang="en-US" i="1" dirty="0"/>
-              <a:t>If yes, what condition(s) have you been diagnosed with?” </a:t>
-            </a:r>
-            <a:r>
-              <a:rPr lang="en-US" dirty="0"/>
-              <a:t>y </a:t>
-            </a:r>
-            <a:r>
-              <a:rPr lang="en-US" i="1" dirty="0"/>
-              <a:t>“If maybe, what condition(s) have you been diagnosed with?”</a:t>
-            </a:r>
-            <a:endParaRPr lang="es-ES" dirty="0"/>
-          </a:p>
-          <a:p>
-            <a:pPr lvl="1"/>
-            <a:endParaRPr lang="es-ES" dirty="0"/>
-          </a:p>
-          <a:p>
-            <a:pPr marL="457200" lvl="1" indent="0">
-              <a:buNone/>
-            </a:pPr>
-            <a:endParaRPr lang="es-ES" i="1" dirty="0"/>
-          </a:p>
-          <a:p>
-            <a:pPr lvl="1"/>
-            <a:endParaRPr lang="es-ES" i="1" dirty="0"/>
-          </a:p>
-        </p:txBody>
-      </p:sp>
-    </p:spTree>
-    <p:extLst>
-      <p:ext uri="{BB962C8B-B14F-4D97-AF65-F5344CB8AC3E}">
-        <p14:creationId xmlns:p14="http://schemas.microsoft.com/office/powerpoint/2010/main" val="1660074570"/>
-      </p:ext>
-    </p:extLst>
-  </p:cSld>
-  <p:clrMapOvr>
-    <a:masterClrMapping/>
-  </p:clrMapOvr>
-</p:sld>
-</file>
-
-<file path=ppt/slides/slide41.xml><?xml version="1.0" encoding="utf-8"?>
-<p:sld xmlns:a="http://schemas.openxmlformats.org/drawingml/2006/main" xmlns:r="http://schemas.openxmlformats.org/officeDocument/2006/relationships" xmlns:p="http://schemas.openxmlformats.org/presentationml/2006/main">
-  <p:cSld>
-    <p:spTree>
-      <p:nvGrpSpPr>
-        <p:cNvPr id="1" name=""/>
-        <p:cNvGrpSpPr/>
-        <p:nvPr/>
-      </p:nvGrpSpPr>
-      <p:grpSpPr>
-        <a:xfrm>
-          <a:off x="0" y="0"/>
-          <a:ext cx="0" cy="0"/>
-          <a:chOff x="0" y="0"/>
-          <a:chExt cx="0" cy="0"/>
-        </a:xfrm>
-      </p:grpSpPr>
-      <p:sp>
-        <p:nvSpPr>
-          <p:cNvPr id="2" name="Título 1">
-            <a:extLst>
-              <a:ext uri="{FF2B5EF4-FFF2-40B4-BE49-F238E27FC236}">
-                <a16:creationId xmlns:a16="http://schemas.microsoft.com/office/drawing/2014/main" id="{8E9E77AC-1263-47E0-B404-50B7E866533C}"/>
-              </a:ext>
-            </a:extLst>
-          </p:cNvPr>
-          <p:cNvSpPr>
-            <a:spLocks noGrp="1"/>
-          </p:cNvSpPr>
-          <p:nvPr>
-            <p:ph type="title"/>
-          </p:nvPr>
-        </p:nvSpPr>
-        <p:spPr/>
-        <p:txBody>
-          <a:bodyPr/>
-          <a:lstStyle/>
-          <a:p>
-            <a:r>
-              <a:rPr lang="es-ES" dirty="0"/>
-              <a:t>3. Conclusiones generales</a:t>
-            </a:r>
-          </a:p>
-        </p:txBody>
-      </p:sp>
-      <p:sp>
-        <p:nvSpPr>
-          <p:cNvPr id="3" name="Marcador de contenido 2">
-            <a:extLst>
-              <a:ext uri="{FF2B5EF4-FFF2-40B4-BE49-F238E27FC236}">
-                <a16:creationId xmlns:a16="http://schemas.microsoft.com/office/drawing/2014/main" id="{0B51FE8A-E64A-4D8F-BB06-5696712B92FE}"/>
-              </a:ext>
-            </a:extLst>
-          </p:cNvPr>
-          <p:cNvSpPr>
-            <a:spLocks noGrp="1"/>
-          </p:cNvSpPr>
-          <p:nvPr>
-            <p:ph idx="1"/>
-          </p:nvPr>
-        </p:nvSpPr>
-        <p:spPr>
-          <a:xfrm>
-            <a:off x="677334" y="1930400"/>
-            <a:ext cx="8596668" cy="3880773"/>
-          </a:xfrm>
-        </p:spPr>
-        <p:txBody>
-          <a:bodyPr/>
-          <a:lstStyle/>
-          <a:p>
-            <a:r>
-              <a:rPr lang="es-ES" dirty="0"/>
-              <a:t>Dos acercamientos al problema</a:t>
-            </a:r>
-          </a:p>
-          <a:p>
-            <a:pPr lvl="1"/>
-            <a:r>
-              <a:rPr lang="en-US" dirty="0" err="1"/>
-              <a:t>Clasificar</a:t>
-            </a:r>
-            <a:r>
-              <a:rPr lang="en-US" dirty="0"/>
-              <a:t> por “</a:t>
-            </a:r>
-            <a:r>
-              <a:rPr lang="en-US" i="1" dirty="0"/>
-              <a:t>Do you currently have a mental disorder?”</a:t>
-            </a:r>
-            <a:endParaRPr lang="es-ES" dirty="0"/>
-          </a:p>
-          <a:p>
-            <a:pPr lvl="1"/>
-            <a:r>
-              <a:rPr lang="en-US" dirty="0" err="1"/>
-              <a:t>Clasificar</a:t>
-            </a:r>
-            <a:r>
-              <a:rPr lang="en-US" dirty="0"/>
-              <a:t> </a:t>
-            </a:r>
-            <a:r>
-              <a:rPr lang="en-US" dirty="0" err="1"/>
-              <a:t>juntando</a:t>
-            </a:r>
-            <a:r>
-              <a:rPr lang="en-US" dirty="0"/>
-              <a:t> las dos </a:t>
-            </a:r>
-            <a:r>
-              <a:rPr lang="en-US" dirty="0" err="1"/>
-              <a:t>columnas</a:t>
-            </a:r>
-            <a:r>
-              <a:rPr lang="en-US" dirty="0"/>
-              <a:t> “</a:t>
-            </a:r>
-            <a:r>
-              <a:rPr lang="en-US" i="1" dirty="0"/>
-              <a:t>If yes, what condition(s) have you been diagnosed with?” </a:t>
-            </a:r>
-            <a:r>
-              <a:rPr lang="en-US" dirty="0"/>
-              <a:t>y </a:t>
-            </a:r>
-            <a:r>
-              <a:rPr lang="en-US" i="1" dirty="0"/>
-              <a:t>“If maybe, what condition(s) have you been diagnosed with?”</a:t>
-            </a:r>
-          </a:p>
-          <a:p>
-            <a:pPr lvl="1"/>
-            <a:endParaRPr lang="en-US" i="1" dirty="0"/>
-          </a:p>
-          <a:p>
-            <a:r>
-              <a:rPr lang="es-ES" dirty="0"/>
-              <a:t>El primero…</a:t>
-            </a:r>
-          </a:p>
-          <a:p>
-            <a:pPr lvl="1"/>
-            <a:r>
-              <a:rPr lang="es-ES" dirty="0"/>
-              <a:t>Fue la principal idea del proyecto</a:t>
-            </a:r>
-          </a:p>
-          <a:p>
-            <a:pPr lvl="1"/>
-            <a:r>
-              <a:rPr lang="es-ES" dirty="0"/>
-              <a:t>Dio una </a:t>
-            </a:r>
-            <a:r>
-              <a:rPr lang="es-ES" i="1" dirty="0" err="1"/>
-              <a:t>accuracy</a:t>
-            </a:r>
-            <a:r>
-              <a:rPr lang="es-ES" dirty="0"/>
-              <a:t> final de 77.4%</a:t>
-            </a:r>
-          </a:p>
-          <a:p>
-            <a:pPr lvl="1"/>
-            <a:endParaRPr lang="es-ES" dirty="0"/>
-          </a:p>
-          <a:p>
-            <a:pPr marL="457200" lvl="1" indent="0">
-              <a:buNone/>
-            </a:pPr>
-            <a:endParaRPr lang="es-ES" i="1" dirty="0"/>
-          </a:p>
-          <a:p>
-            <a:pPr lvl="1"/>
-            <a:endParaRPr lang="es-ES" i="1" dirty="0"/>
-          </a:p>
-        </p:txBody>
-      </p:sp>
-      <p:pic>
-        <p:nvPicPr>
-          <p:cNvPr id="4" name="Imagen 3">
-            <a:extLst>
-              <a:ext uri="{FF2B5EF4-FFF2-40B4-BE49-F238E27FC236}">
-                <a16:creationId xmlns:a16="http://schemas.microsoft.com/office/drawing/2014/main" id="{0C724683-5DE0-498A-9149-8E57A89ABF13}"/>
-              </a:ext>
-            </a:extLst>
-          </p:cNvPr>
-          <p:cNvPicPr/>
-          <p:nvPr/>
-        </p:nvPicPr>
-        <p:blipFill>
-          <a:blip r:embed="rId2"/>
-          <a:stretch>
-            <a:fillRect/>
-          </a:stretch>
-        </p:blipFill>
-        <p:spPr>
-          <a:xfrm>
-            <a:off x="4827870" y="4446739"/>
-            <a:ext cx="6686796" cy="1889781"/>
-          </a:xfrm>
-          <a:prstGeom prst="rect">
-            <a:avLst/>
-          </a:prstGeom>
-        </p:spPr>
-      </p:pic>
-    </p:spTree>
-    <p:extLst>
-      <p:ext uri="{BB962C8B-B14F-4D97-AF65-F5344CB8AC3E}">
-        <p14:creationId xmlns:p14="http://schemas.microsoft.com/office/powerpoint/2010/main" val="2627573844"/>
-      </p:ext>
-    </p:extLst>
-  </p:cSld>
-  <p:clrMapOvr>
-    <a:masterClrMapping/>
-  </p:clrMapOvr>
-</p:sld>
-</file>
-
-<file path=ppt/slides/slide42.xml><?xml version="1.0" encoding="utf-8"?>
-<p:sld xmlns:a="http://schemas.openxmlformats.org/drawingml/2006/main" xmlns:r="http://schemas.openxmlformats.org/officeDocument/2006/relationships" xmlns:p="http://schemas.openxmlformats.org/presentationml/2006/main">
-  <p:cSld>
-    <p:spTree>
-      <p:nvGrpSpPr>
-        <p:cNvPr id="1" name=""/>
-        <p:cNvGrpSpPr/>
-        <p:nvPr/>
-      </p:nvGrpSpPr>
-      <p:grpSpPr>
-        <a:xfrm>
-          <a:off x="0" y="0"/>
-          <a:ext cx="0" cy="0"/>
-          <a:chOff x="0" y="0"/>
-          <a:chExt cx="0" cy="0"/>
-        </a:xfrm>
-      </p:grpSpPr>
-      <p:sp>
-        <p:nvSpPr>
-          <p:cNvPr id="2" name="Título 1">
-            <a:extLst>
-              <a:ext uri="{FF2B5EF4-FFF2-40B4-BE49-F238E27FC236}">
-                <a16:creationId xmlns:a16="http://schemas.microsoft.com/office/drawing/2014/main" id="{8E9E77AC-1263-47E0-B404-50B7E866533C}"/>
-              </a:ext>
-            </a:extLst>
-          </p:cNvPr>
-          <p:cNvSpPr>
-            <a:spLocks noGrp="1"/>
-          </p:cNvSpPr>
-          <p:nvPr>
-            <p:ph type="title"/>
-          </p:nvPr>
-        </p:nvSpPr>
-        <p:spPr/>
-        <p:txBody>
-          <a:bodyPr/>
-          <a:lstStyle/>
-          <a:p>
-            <a:r>
-              <a:rPr lang="es-ES" dirty="0"/>
-              <a:t>3. Conclusiones generales</a:t>
-            </a:r>
-          </a:p>
-        </p:txBody>
-      </p:sp>
-      <p:sp>
-        <p:nvSpPr>
-          <p:cNvPr id="3" name="Marcador de contenido 2">
-            <a:extLst>
-              <a:ext uri="{FF2B5EF4-FFF2-40B4-BE49-F238E27FC236}">
-                <a16:creationId xmlns:a16="http://schemas.microsoft.com/office/drawing/2014/main" id="{0B51FE8A-E64A-4D8F-BB06-5696712B92FE}"/>
-              </a:ext>
-            </a:extLst>
-          </p:cNvPr>
-          <p:cNvSpPr>
-            <a:spLocks noGrp="1"/>
-          </p:cNvSpPr>
-          <p:nvPr>
-            <p:ph idx="1"/>
-          </p:nvPr>
-        </p:nvSpPr>
-        <p:spPr>
-          <a:xfrm>
-            <a:off x="677334" y="1930400"/>
-            <a:ext cx="8596668" cy="3880773"/>
-          </a:xfrm>
-        </p:spPr>
-        <p:txBody>
-          <a:bodyPr/>
-          <a:lstStyle/>
-          <a:p>
-            <a:r>
-              <a:rPr lang="es-ES" dirty="0"/>
-              <a:t>El segundo…</a:t>
-            </a:r>
-          </a:p>
-          <a:p>
-            <a:pPr lvl="1"/>
-            <a:r>
-              <a:rPr lang="es-ES" dirty="0"/>
-              <a:t>Resultado de querer mejorar los resultados del primero</a:t>
-            </a:r>
-          </a:p>
-          <a:p>
-            <a:pPr lvl="1"/>
-            <a:r>
-              <a:rPr lang="es-ES" dirty="0"/>
-              <a:t>Dio una </a:t>
-            </a:r>
-            <a:r>
-              <a:rPr lang="es-ES" i="1" dirty="0" err="1"/>
-              <a:t>accuracy</a:t>
-            </a:r>
-            <a:r>
-              <a:rPr lang="es-ES" dirty="0"/>
-              <a:t> final de 82.6%</a:t>
-            </a:r>
-          </a:p>
-          <a:p>
-            <a:pPr lvl="1"/>
-            <a:endParaRPr lang="es-ES" dirty="0"/>
-          </a:p>
-          <a:p>
-            <a:pPr marL="457200" lvl="1" indent="0">
-              <a:buNone/>
-            </a:pPr>
-            <a:endParaRPr lang="es-ES" i="1" dirty="0"/>
-          </a:p>
-          <a:p>
-            <a:pPr lvl="1"/>
-            <a:endParaRPr lang="es-ES" i="1" dirty="0"/>
-          </a:p>
-        </p:txBody>
-      </p:sp>
-      <p:pic>
-        <p:nvPicPr>
-          <p:cNvPr id="6" name="Imagen 5">
-            <a:extLst>
-              <a:ext uri="{FF2B5EF4-FFF2-40B4-BE49-F238E27FC236}">
-                <a16:creationId xmlns:a16="http://schemas.microsoft.com/office/drawing/2014/main" id="{51EFAD8F-D3C5-430F-9939-B75BEB094E4F}"/>
-              </a:ext>
-            </a:extLst>
-          </p:cNvPr>
-          <p:cNvPicPr>
-            <a:picLocks noChangeAspect="1"/>
-          </p:cNvPicPr>
-          <p:nvPr/>
-        </p:nvPicPr>
-        <p:blipFill>
-          <a:blip r:embed="rId2"/>
-          <a:stretch>
-            <a:fillRect/>
-          </a:stretch>
-        </p:blipFill>
-        <p:spPr>
-          <a:xfrm>
-            <a:off x="4886781" y="2791616"/>
-            <a:ext cx="6953874" cy="1865977"/>
-          </a:xfrm>
-          <a:prstGeom prst="rect">
-            <a:avLst/>
-          </a:prstGeom>
-        </p:spPr>
-      </p:pic>
-      <p:pic>
-        <p:nvPicPr>
-          <p:cNvPr id="7" name="Imagen 6">
-            <a:extLst>
-              <a:ext uri="{FF2B5EF4-FFF2-40B4-BE49-F238E27FC236}">
-                <a16:creationId xmlns:a16="http://schemas.microsoft.com/office/drawing/2014/main" id="{4E3E5C92-14C2-454D-9ECC-589C03777142}"/>
-              </a:ext>
-            </a:extLst>
-          </p:cNvPr>
-          <p:cNvPicPr/>
-          <p:nvPr/>
-        </p:nvPicPr>
-        <p:blipFill>
-          <a:blip r:embed="rId3" cstate="print">
-            <a:extLst>
-              <a:ext uri="{28A0092B-C50C-407E-A947-70E740481C1C}">
-                <a14:useLocalDpi xmlns:a14="http://schemas.microsoft.com/office/drawing/2010/main" val="0"/>
-              </a:ext>
-            </a:extLst>
-          </a:blip>
-          <a:srcRect/>
-          <a:stretch>
-            <a:fillRect/>
-          </a:stretch>
-        </p:blipFill>
-        <p:spPr bwMode="auto">
-          <a:xfrm>
-            <a:off x="1066962" y="3506166"/>
-            <a:ext cx="4019934" cy="2732709"/>
-          </a:xfrm>
-          <a:prstGeom prst="rect">
-            <a:avLst/>
-          </a:prstGeom>
-          <a:noFill/>
-          <a:ln>
-            <a:noFill/>
-          </a:ln>
-        </p:spPr>
-      </p:pic>
-      <p:pic>
-        <p:nvPicPr>
-          <p:cNvPr id="8" name="Imagen 7">
-            <a:extLst>
-              <a:ext uri="{FF2B5EF4-FFF2-40B4-BE49-F238E27FC236}">
-                <a16:creationId xmlns:a16="http://schemas.microsoft.com/office/drawing/2014/main" id="{7D71ED0B-4267-4600-BE9E-3379464E5A17}"/>
-              </a:ext>
-            </a:extLst>
-          </p:cNvPr>
-          <p:cNvPicPr/>
-          <p:nvPr/>
-        </p:nvPicPr>
-        <p:blipFill>
-          <a:blip r:embed="rId4" cstate="print">
-            <a:extLst>
-              <a:ext uri="{28A0092B-C50C-407E-A947-70E740481C1C}">
-                <a14:useLocalDpi xmlns:a14="http://schemas.microsoft.com/office/drawing/2010/main" val="0"/>
-              </a:ext>
-            </a:extLst>
-          </a:blip>
-          <a:srcRect/>
-          <a:stretch>
-            <a:fillRect/>
-          </a:stretch>
-        </p:blipFill>
-        <p:spPr bwMode="auto">
-          <a:xfrm>
-            <a:off x="5220072" y="3467582"/>
-            <a:ext cx="4098322" cy="2809875"/>
-          </a:xfrm>
-          <a:prstGeom prst="rect">
-            <a:avLst/>
-          </a:prstGeom>
-          <a:noFill/>
-          <a:ln>
-            <a:noFill/>
-          </a:ln>
-        </p:spPr>
-      </p:pic>
-    </p:spTree>
-    <p:extLst>
-      <p:ext uri="{BB962C8B-B14F-4D97-AF65-F5344CB8AC3E}">
-        <p14:creationId xmlns:p14="http://schemas.microsoft.com/office/powerpoint/2010/main" val="2782852812"/>
-      </p:ext>
-    </p:extLst>
-  </p:cSld>
-  <p:clrMapOvr>
-    <a:masterClrMapping/>
-  </p:clrMapOvr>
-</p:sld>
-</file>
-
-<file path=ppt/slides/slide43.xml><?xml version="1.0" encoding="utf-8"?>
-<p:sld xmlns:a="http://schemas.openxmlformats.org/drawingml/2006/main" xmlns:r="http://schemas.openxmlformats.org/officeDocument/2006/relationships" xmlns:p="http://schemas.openxmlformats.org/presentationml/2006/main">
-  <p:cSld>
-    <p:spTree>
-      <p:nvGrpSpPr>
-        <p:cNvPr id="1" name=""/>
-        <p:cNvGrpSpPr/>
-        <p:nvPr/>
-      </p:nvGrpSpPr>
-      <p:grpSpPr>
-        <a:xfrm>
-          <a:off x="0" y="0"/>
-          <a:ext cx="0" cy="0"/>
-          <a:chOff x="0" y="0"/>
-          <a:chExt cx="0" cy="0"/>
-        </a:xfrm>
-      </p:grpSpPr>
-      <p:sp>
-        <p:nvSpPr>
-          <p:cNvPr id="2" name="Título 1">
-            <a:extLst>
-              <a:ext uri="{FF2B5EF4-FFF2-40B4-BE49-F238E27FC236}">
-                <a16:creationId xmlns:a16="http://schemas.microsoft.com/office/drawing/2014/main" id="{8E9E77AC-1263-47E0-B404-50B7E866533C}"/>
-              </a:ext>
-            </a:extLst>
-          </p:cNvPr>
-          <p:cNvSpPr>
-            <a:spLocks noGrp="1"/>
-          </p:cNvSpPr>
-          <p:nvPr>
-            <p:ph type="title"/>
-          </p:nvPr>
-        </p:nvSpPr>
-        <p:spPr/>
-        <p:txBody>
-          <a:bodyPr/>
-          <a:lstStyle/>
-          <a:p>
-            <a:r>
-              <a:rPr lang="es-ES" dirty="0"/>
-              <a:t>3. Conclusiones generales</a:t>
-            </a:r>
-          </a:p>
-        </p:txBody>
-      </p:sp>
-      <p:sp>
-        <p:nvSpPr>
-          <p:cNvPr id="3" name="Marcador de contenido 2">
-            <a:extLst>
-              <a:ext uri="{FF2B5EF4-FFF2-40B4-BE49-F238E27FC236}">
-                <a16:creationId xmlns:a16="http://schemas.microsoft.com/office/drawing/2014/main" id="{0B51FE8A-E64A-4D8F-BB06-5696712B92FE}"/>
-              </a:ext>
-            </a:extLst>
-          </p:cNvPr>
-          <p:cNvSpPr>
-            <a:spLocks noGrp="1"/>
-          </p:cNvSpPr>
-          <p:nvPr>
-            <p:ph idx="1"/>
-          </p:nvPr>
-        </p:nvSpPr>
-        <p:spPr>
-          <a:xfrm>
-            <a:off x="677334" y="1930400"/>
-            <a:ext cx="8596668" cy="3880773"/>
-          </a:xfrm>
-        </p:spPr>
-        <p:txBody>
-          <a:bodyPr/>
-          <a:lstStyle/>
-          <a:p>
-            <a:r>
-              <a:rPr lang="es-ES" dirty="0"/>
-              <a:t>Me hubiera gustado tener una </a:t>
-            </a:r>
-            <a:r>
-              <a:rPr lang="es-ES" dirty="0" err="1"/>
-              <a:t>accuracy</a:t>
-            </a:r>
-            <a:r>
-              <a:rPr lang="es-ES" dirty="0"/>
-              <a:t> &gt; 90%</a:t>
-            </a:r>
-          </a:p>
-          <a:p>
-            <a:pPr lvl="1"/>
-            <a:r>
-              <a:rPr lang="es-ES" dirty="0"/>
-              <a:t>Es una encuesta…</a:t>
-            </a:r>
-          </a:p>
-          <a:p>
-            <a:pPr lvl="1"/>
-            <a:r>
-              <a:rPr lang="es-ES" dirty="0"/>
-              <a:t>… Faltan bastantes datos</a:t>
-            </a:r>
-          </a:p>
-          <a:p>
-            <a:pPr lvl="1"/>
-            <a:endParaRPr lang="es-ES" dirty="0"/>
-          </a:p>
-          <a:p>
-            <a:pPr marL="457200" lvl="1" indent="0">
-              <a:buNone/>
-            </a:pPr>
-            <a:endParaRPr lang="es-ES" i="1" dirty="0"/>
-          </a:p>
-          <a:p>
-            <a:pPr lvl="1"/>
-            <a:endParaRPr lang="es-ES" i="1" dirty="0"/>
-          </a:p>
-        </p:txBody>
-      </p:sp>
-    </p:spTree>
-    <p:extLst>
-      <p:ext uri="{BB962C8B-B14F-4D97-AF65-F5344CB8AC3E}">
-        <p14:creationId xmlns:p14="http://schemas.microsoft.com/office/powerpoint/2010/main" val="288374479"/>
-      </p:ext>
-    </p:extLst>
-  </p:cSld>
-  <p:clrMapOvr>
-    <a:masterClrMapping/>
-  </p:clrMapOvr>
-</p:sld>
-</file>
-
-<file path=ppt/slides/slide44.xml><?xml version="1.0" encoding="utf-8"?>
-<p:sld xmlns:a="http://schemas.openxmlformats.org/drawingml/2006/main" xmlns:r="http://schemas.openxmlformats.org/officeDocument/2006/relationships" xmlns:p="http://schemas.openxmlformats.org/presentationml/2006/main">
-  <p:cSld>
-    <p:spTree>
-      <p:nvGrpSpPr>
-        <p:cNvPr id="1" name=""/>
-        <p:cNvGrpSpPr/>
-        <p:nvPr/>
-      </p:nvGrpSpPr>
-      <p:grpSpPr>
-        <a:xfrm>
-          <a:off x="0" y="0"/>
-          <a:ext cx="0" cy="0"/>
-          <a:chOff x="0" y="0"/>
-          <a:chExt cx="0" cy="0"/>
-        </a:xfrm>
-      </p:grpSpPr>
-      <p:sp>
-        <p:nvSpPr>
-          <p:cNvPr id="2" name="Título 1">
-            <a:extLst>
-              <a:ext uri="{FF2B5EF4-FFF2-40B4-BE49-F238E27FC236}">
                 <a16:creationId xmlns:a16="http://schemas.microsoft.com/office/drawing/2014/main" id="{18F746AF-7F83-4AC2-BDC1-76EC23E2C28D}"/>
               </a:ext>
             </a:extLst>
@@ -12661,7 +12140,7 @@
           <a:p>
             <a:r>
               <a:rPr lang="es-ES" dirty="0"/>
-              <a:t>Número de filas reducido a ______</a:t>
+              <a:t>Número de filas reducido a 1146</a:t>
             </a:r>
           </a:p>
           <a:p>
@@ -12991,28 +12470,18 @@
               <a:rPr lang="en-US" sz="2400" i="1" dirty="0">
                 <a:sym typeface="Wingdings" panose="05000000000000000000" pitchFamily="2" charset="2"/>
               </a:rPr>
-              <a:t>“I’m not sure” </a:t>
-            </a:r>
-            <a:r>
-              <a:rPr lang="en-US" sz="2400" dirty="0">
-                <a:solidFill>
-                  <a:srgbClr val="FF0000"/>
-                </a:solidFill>
-                <a:sym typeface="Wingdings" panose="05000000000000000000" pitchFamily="2" charset="2"/>
-              </a:rPr>
-              <a:t>PONER CUÁNTAS ME HE AHORRADO BORRAR</a:t>
-            </a:r>
-            <a:endParaRPr lang="es-ES" sz="2400" dirty="0">
-              <a:solidFill>
-                <a:srgbClr val="FF0000"/>
-              </a:solidFill>
-            </a:endParaRPr>
-          </a:p>
-          <a:p>
-            <a:pPr marL="457200" lvl="1" indent="0">
+              <a:t>“I’m not sure”</a:t>
+            </a:r>
+          </a:p>
+          <a:p>
+            <a:pPr marL="0" indent="0">
               <a:buNone/>
             </a:pPr>
-            <a:endParaRPr lang="es-ES" dirty="0"/>
+            <a:r>
+              <a:rPr lang="es-ES" sz="2800" dirty="0"/>
+              <a:t>Se evita borrar 133 datos.</a:t>
+            </a:r>
+            <a:endParaRPr lang="es-ES" sz="2400" dirty="0"/>
           </a:p>
           <a:p>
             <a:pPr marL="0" indent="0">
